--- a/Soutenance.pptx
+++ b/Soutenance.pptx
@@ -5,7 +5,7 @@
     <p:sldMasterId id="2147483648" r:id="rId1"/>
   </p:sldMasterIdLst>
   <p:notesMasterIdLst>
-    <p:notesMasterId r:id="rId13"/>
+    <p:notesMasterId r:id="rId16"/>
   </p:notesMasterIdLst>
   <p:sldIdLst>
     <p:sldId id="256" r:id="rId2"/>
@@ -19,6 +19,9 @@
     <p:sldId id="264" r:id="rId10"/>
     <p:sldId id="265" r:id="rId11"/>
     <p:sldId id="266" r:id="rId12"/>
+    <p:sldId id="267" r:id="rId13"/>
+    <p:sldId id="268" r:id="rId14"/>
+    <p:sldId id="269" r:id="rId15"/>
   </p:sldIdLst>
   <p:sldSz cx="12192000" cy="6858000"/>
   <p:notesSz cx="6858000" cy="9144000"/>
@@ -207,7 +210,7 @@
           <a:p>
             <a:fld id="{1C4918F8-3781-C942-9B1B-713CC283EA91}" type="datetimeFigureOut">
               <a:rPr lang="fr-FR" smtClean="0"/>
-              <a:t>02/11/2020</a:t>
+              <a:t>03/11/2020</a:t>
             </a:fld>
             <a:endParaRPr lang="fr-FR"/>
           </a:p>
@@ -834,6 +837,523 @@
     <p:extLst>
       <p:ext uri="{BB962C8B-B14F-4D97-AF65-F5344CB8AC3E}">
         <p14:creationId xmlns:p14="http://schemas.microsoft.com/office/powerpoint/2010/main" val="2569388808"/>
+      </p:ext>
+    </p:extLst>
+  </p:cSld>
+  <p:clrMapOvr>
+    <a:masterClrMapping/>
+  </p:clrMapOvr>
+</p:notes>
+</file>
+
+<file path=ppt/notesSlides/notesSlide11.xml><?xml version="1.0" encoding="utf-8"?>
+<p:notes xmlns:a="http://schemas.openxmlformats.org/drawingml/2006/main" xmlns:r="http://schemas.openxmlformats.org/officeDocument/2006/relationships" xmlns:p="http://schemas.openxmlformats.org/presentationml/2006/main">
+  <p:cSld>
+    <p:spTree>
+      <p:nvGrpSpPr>
+        <p:cNvPr id="1" name=""/>
+        <p:cNvGrpSpPr/>
+        <p:nvPr/>
+      </p:nvGrpSpPr>
+      <p:grpSpPr>
+        <a:xfrm>
+          <a:off x="0" y="0"/>
+          <a:ext cx="0" cy="0"/>
+          <a:chOff x="0" y="0"/>
+          <a:chExt cx="0" cy="0"/>
+        </a:xfrm>
+      </p:grpSpPr>
+      <p:sp>
+        <p:nvSpPr>
+          <p:cNvPr id="2" name="Espace réservé de l'image des diapositives 1"/>
+          <p:cNvSpPr>
+            <a:spLocks noGrp="1" noRot="1" noChangeAspect="1"/>
+          </p:cNvSpPr>
+          <p:nvPr>
+            <p:ph type="sldImg"/>
+          </p:nvPr>
+        </p:nvSpPr>
+        <p:spPr/>
+      </p:sp>
+      <p:sp>
+        <p:nvSpPr>
+          <p:cNvPr id="3" name="Espace réservé des notes 2"/>
+          <p:cNvSpPr>
+            <a:spLocks noGrp="1"/>
+          </p:cNvSpPr>
+          <p:nvPr>
+            <p:ph type="body" idx="1"/>
+          </p:nvPr>
+        </p:nvSpPr>
+        <p:spPr/>
+        <p:txBody>
+          <a:bodyPr/>
+          <a:lstStyle/>
+          <a:p>
+            <a:r>
+              <a:rPr lang="fr-FR" dirty="0"/>
+              <a:t>On a la méthode classique, où les maxima de puissance reçue correspondent à des directions bien définies.</a:t>
+            </a:r>
+          </a:p>
+          <a:p>
+            <a:r>
+              <a:rPr lang="fr-FR" dirty="0"/>
+              <a:t>On a ensuite MUSIC, </a:t>
+            </a:r>
+            <a:r>
+              <a:rPr lang="fr-FR" sz="1800" i="1" dirty="0" err="1">
+                <a:effectLst/>
+                <a:latin typeface="Calibri" panose="020F0502020204030204" pitchFamily="34" charset="0"/>
+                <a:ea typeface="Calibri" panose="020F0502020204030204" pitchFamily="34" charset="0"/>
+                <a:cs typeface="Times New Roman" panose="02020603050405020304" pitchFamily="18" charset="0"/>
+              </a:rPr>
+              <a:t>MUltiple</a:t>
+            </a:r>
+            <a:r>
+              <a:rPr lang="fr-FR" sz="1800" i="1" dirty="0">
+                <a:effectLst/>
+                <a:latin typeface="Calibri" panose="020F0502020204030204" pitchFamily="34" charset="0"/>
+                <a:ea typeface="Calibri" panose="020F0502020204030204" pitchFamily="34" charset="0"/>
+                <a:cs typeface="Times New Roman" panose="02020603050405020304" pitchFamily="18" charset="0"/>
+              </a:rPr>
+              <a:t> Signal Classification</a:t>
+            </a:r>
+            <a:r>
+              <a:rPr lang="fr-FR" dirty="0"/>
+              <a:t>, qui est un algorithme robuste au bruit, et qui utilise une décomposition en éléments propre pour séparer le bruit du signal.</a:t>
+            </a:r>
+          </a:p>
+          <a:p>
+            <a:r>
+              <a:rPr lang="fr-FR" dirty="0"/>
+              <a:t>Et enfin CAPON : </a:t>
+            </a:r>
+            <a:r>
+              <a:rPr lang="fr-FR" sz="1800" i="1" dirty="0">
+                <a:effectLst/>
+                <a:latin typeface="Calibri" panose="020F0502020204030204" pitchFamily="34" charset="0"/>
+                <a:ea typeface="Calibri" panose="020F0502020204030204" pitchFamily="34" charset="0"/>
+                <a:cs typeface="Times New Roman" panose="02020603050405020304" pitchFamily="18" charset="0"/>
+              </a:rPr>
+              <a:t>Minimum Variance </a:t>
+            </a:r>
+            <a:r>
+              <a:rPr lang="fr-FR" sz="1800" i="1" dirty="0" err="1">
+                <a:effectLst/>
+                <a:latin typeface="Calibri" panose="020F0502020204030204" pitchFamily="34" charset="0"/>
+                <a:ea typeface="Calibri" panose="020F0502020204030204" pitchFamily="34" charset="0"/>
+                <a:cs typeface="Times New Roman" panose="02020603050405020304" pitchFamily="18" charset="0"/>
+              </a:rPr>
+              <a:t>Distortionless</a:t>
+            </a:r>
+            <a:r>
+              <a:rPr lang="fr-FR" sz="1800" i="1" dirty="0">
+                <a:effectLst/>
+                <a:latin typeface="Calibri" panose="020F0502020204030204" pitchFamily="34" charset="0"/>
+                <a:ea typeface="Calibri" panose="020F0502020204030204" pitchFamily="34" charset="0"/>
+                <a:cs typeface="Times New Roman" panose="02020603050405020304" pitchFamily="18" charset="0"/>
+              </a:rPr>
+              <a:t> </a:t>
+            </a:r>
+            <a:r>
+              <a:rPr lang="fr-FR" sz="1800" i="1" dirty="0" err="1">
+                <a:effectLst/>
+                <a:latin typeface="Calibri" panose="020F0502020204030204" pitchFamily="34" charset="0"/>
+                <a:ea typeface="Calibri" panose="020F0502020204030204" pitchFamily="34" charset="0"/>
+                <a:cs typeface="Times New Roman" panose="02020603050405020304" pitchFamily="18" charset="0"/>
+              </a:rPr>
+              <a:t>Response</a:t>
+            </a:r>
+            <a:r>
+              <a:rPr lang="fr-FR" sz="1800" i="1" dirty="0">
+                <a:effectLst/>
+                <a:latin typeface="Calibri" panose="020F0502020204030204" pitchFamily="34" charset="0"/>
+                <a:ea typeface="Calibri" panose="020F0502020204030204" pitchFamily="34" charset="0"/>
+                <a:cs typeface="Times New Roman" panose="02020603050405020304" pitchFamily="18" charset="0"/>
+              </a:rPr>
+              <a:t>,</a:t>
+            </a:r>
+            <a:r>
+              <a:rPr lang="fr-FR" sz="1800" i="0" dirty="0">
+                <a:effectLst/>
+                <a:latin typeface="Calibri" panose="020F0502020204030204" pitchFamily="34" charset="0"/>
+                <a:ea typeface="Calibri" panose="020F0502020204030204" pitchFamily="34" charset="0"/>
+                <a:cs typeface="Times New Roman" panose="02020603050405020304" pitchFamily="18" charset="0"/>
+              </a:rPr>
+              <a:t> qui assure une détection plus précise que la méthode classique.</a:t>
+            </a:r>
+            <a:br>
+              <a:rPr lang="fr-FR" sz="1800" i="0" dirty="0">
+                <a:effectLst/>
+                <a:latin typeface="Calibri" panose="020F0502020204030204" pitchFamily="34" charset="0"/>
+                <a:ea typeface="Calibri" panose="020F0502020204030204" pitchFamily="34" charset="0"/>
+                <a:cs typeface="Times New Roman" panose="02020603050405020304" pitchFamily="18" charset="0"/>
+              </a:rPr>
+            </a:br>
+            <a:r>
+              <a:rPr lang="fr-FR" sz="1800" i="0" dirty="0">
+                <a:effectLst/>
+                <a:latin typeface="Calibri" panose="020F0502020204030204" pitchFamily="34" charset="0"/>
+                <a:ea typeface="Calibri" panose="020F0502020204030204" pitchFamily="34" charset="0"/>
+                <a:cs typeface="Times New Roman" panose="02020603050405020304" pitchFamily="18" charset="0"/>
+              </a:rPr>
+              <a:t>Du moins, je donne toutes ces propriétés, mais a priori, je ne sais pas si c’est le cas. C’est pour cela que je les ai testées. </a:t>
+            </a:r>
+          </a:p>
+          <a:p>
+            <a:r>
+              <a:rPr lang="fr-FR" sz="1800" i="0" dirty="0">
+                <a:effectLst/>
+                <a:latin typeface="Calibri" panose="020F0502020204030204" pitchFamily="34" charset="0"/>
+                <a:cs typeface="Times New Roman" panose="02020603050405020304" pitchFamily="18" charset="0"/>
+              </a:rPr>
+              <a:t>Commenter les courbes.</a:t>
+            </a:r>
+            <a:endParaRPr lang="fr-FR" i="0" dirty="0"/>
+          </a:p>
+        </p:txBody>
+      </p:sp>
+      <p:sp>
+        <p:nvSpPr>
+          <p:cNvPr id="4" name="Espace réservé du numéro de diapositive 3"/>
+          <p:cNvSpPr>
+            <a:spLocks noGrp="1"/>
+          </p:cNvSpPr>
+          <p:nvPr>
+            <p:ph type="sldNum" sz="quarter" idx="5"/>
+          </p:nvPr>
+        </p:nvSpPr>
+        <p:spPr/>
+        <p:txBody>
+          <a:bodyPr/>
+          <a:lstStyle/>
+          <a:p>
+            <a:fld id="{946D1AFA-ED8B-B94E-B29F-CABEC407D280}" type="slidenum">
+              <a:rPr lang="fr-FR" smtClean="0"/>
+              <a:t>11</a:t>
+            </a:fld>
+            <a:endParaRPr lang="fr-FR"/>
+          </a:p>
+        </p:txBody>
+      </p:sp>
+    </p:spTree>
+    <p:extLst>
+      <p:ext uri="{BB962C8B-B14F-4D97-AF65-F5344CB8AC3E}">
+        <p14:creationId xmlns:p14="http://schemas.microsoft.com/office/powerpoint/2010/main" val="4033218797"/>
+      </p:ext>
+    </p:extLst>
+  </p:cSld>
+  <p:clrMapOvr>
+    <a:masterClrMapping/>
+  </p:clrMapOvr>
+</p:notes>
+</file>
+
+<file path=ppt/notesSlides/notesSlide12.xml><?xml version="1.0" encoding="utf-8"?>
+<p:notes xmlns:a="http://schemas.openxmlformats.org/drawingml/2006/main" xmlns:r="http://schemas.openxmlformats.org/officeDocument/2006/relationships" xmlns:p="http://schemas.openxmlformats.org/presentationml/2006/main">
+  <p:cSld>
+    <p:spTree>
+      <p:nvGrpSpPr>
+        <p:cNvPr id="1" name=""/>
+        <p:cNvGrpSpPr/>
+        <p:nvPr/>
+      </p:nvGrpSpPr>
+      <p:grpSpPr>
+        <a:xfrm>
+          <a:off x="0" y="0"/>
+          <a:ext cx="0" cy="0"/>
+          <a:chOff x="0" y="0"/>
+          <a:chExt cx="0" cy="0"/>
+        </a:xfrm>
+      </p:grpSpPr>
+      <p:sp>
+        <p:nvSpPr>
+          <p:cNvPr id="2" name="Espace réservé de l'image des diapositives 1"/>
+          <p:cNvSpPr>
+            <a:spLocks noGrp="1" noRot="1" noChangeAspect="1"/>
+          </p:cNvSpPr>
+          <p:nvPr>
+            <p:ph type="sldImg"/>
+          </p:nvPr>
+        </p:nvSpPr>
+        <p:spPr/>
+      </p:sp>
+      <p:sp>
+        <p:nvSpPr>
+          <p:cNvPr id="3" name="Espace réservé des notes 2"/>
+          <p:cNvSpPr>
+            <a:spLocks noGrp="1"/>
+          </p:cNvSpPr>
+          <p:nvPr>
+            <p:ph type="body" idx="1"/>
+          </p:nvPr>
+        </p:nvSpPr>
+        <p:spPr/>
+        <p:txBody>
+          <a:bodyPr/>
+          <a:lstStyle/>
+          <a:p>
+            <a:r>
+              <a:rPr lang="fr-FR" dirty="0"/>
+              <a:t>Pour simuler le mouvement, j’ai pris 3 sources fixes, et notre drone qui a un mouvement rectiligne a vitesse constante.</a:t>
+            </a:r>
+          </a:p>
+          <a:p>
+            <a:endParaRPr lang="fr-FR" dirty="0"/>
+          </a:p>
+        </p:txBody>
+      </p:sp>
+      <p:sp>
+        <p:nvSpPr>
+          <p:cNvPr id="4" name="Espace réservé du numéro de diapositive 3"/>
+          <p:cNvSpPr>
+            <a:spLocks noGrp="1"/>
+          </p:cNvSpPr>
+          <p:nvPr>
+            <p:ph type="sldNum" sz="quarter" idx="5"/>
+          </p:nvPr>
+        </p:nvSpPr>
+        <p:spPr/>
+        <p:txBody>
+          <a:bodyPr/>
+          <a:lstStyle/>
+          <a:p>
+            <a:fld id="{946D1AFA-ED8B-B94E-B29F-CABEC407D280}" type="slidenum">
+              <a:rPr lang="fr-FR" smtClean="0"/>
+              <a:t>12</a:t>
+            </a:fld>
+            <a:endParaRPr lang="fr-FR"/>
+          </a:p>
+        </p:txBody>
+      </p:sp>
+    </p:spTree>
+    <p:extLst>
+      <p:ext uri="{BB962C8B-B14F-4D97-AF65-F5344CB8AC3E}">
+        <p14:creationId xmlns:p14="http://schemas.microsoft.com/office/powerpoint/2010/main" val="2668306560"/>
+      </p:ext>
+    </p:extLst>
+  </p:cSld>
+  <p:clrMapOvr>
+    <a:masterClrMapping/>
+  </p:clrMapOvr>
+</p:notes>
+</file>
+
+<file path=ppt/notesSlides/notesSlide13.xml><?xml version="1.0" encoding="utf-8"?>
+<p:notes xmlns:a="http://schemas.openxmlformats.org/drawingml/2006/main" xmlns:r="http://schemas.openxmlformats.org/officeDocument/2006/relationships" xmlns:p="http://schemas.openxmlformats.org/presentationml/2006/main">
+  <p:cSld>
+    <p:spTree>
+      <p:nvGrpSpPr>
+        <p:cNvPr id="1" name=""/>
+        <p:cNvGrpSpPr/>
+        <p:nvPr/>
+      </p:nvGrpSpPr>
+      <p:grpSpPr>
+        <a:xfrm>
+          <a:off x="0" y="0"/>
+          <a:ext cx="0" cy="0"/>
+          <a:chOff x="0" y="0"/>
+          <a:chExt cx="0" cy="0"/>
+        </a:xfrm>
+      </p:grpSpPr>
+      <p:sp>
+        <p:nvSpPr>
+          <p:cNvPr id="2" name="Espace réservé de l'image des diapositives 1"/>
+          <p:cNvSpPr>
+            <a:spLocks noGrp="1" noRot="1" noChangeAspect="1"/>
+          </p:cNvSpPr>
+          <p:nvPr>
+            <p:ph type="sldImg"/>
+          </p:nvPr>
+        </p:nvSpPr>
+        <p:spPr/>
+      </p:sp>
+      <p:sp>
+        <p:nvSpPr>
+          <p:cNvPr id="3" name="Espace réservé des notes 2"/>
+          <p:cNvSpPr>
+            <a:spLocks noGrp="1"/>
+          </p:cNvSpPr>
+          <p:nvPr>
+            <p:ph type="body" idx="1"/>
+          </p:nvPr>
+        </p:nvSpPr>
+        <p:spPr/>
+        <p:txBody>
+          <a:bodyPr/>
+          <a:lstStyle/>
+          <a:p>
+            <a:r>
+              <a:rPr lang="fr-FR" sz="1800" dirty="0">
+                <a:effectLst/>
+                <a:latin typeface="Calibri" panose="020F0502020204030204" pitchFamily="34" charset="0"/>
+                <a:ea typeface="Calibri" panose="020F0502020204030204" pitchFamily="34" charset="0"/>
+                <a:cs typeface="Times New Roman" panose="02020603050405020304" pitchFamily="18" charset="0"/>
+              </a:rPr>
+              <a:t>avoir un premier aperçu des performances de nos algorithmes dans un cas non trivial : Quand ça se croise</a:t>
+            </a:r>
+          </a:p>
+          <a:p>
+            <a:r>
+              <a:rPr lang="fr-FR" sz="1800" dirty="0">
+                <a:effectLst/>
+                <a:latin typeface="Calibri" panose="020F0502020204030204" pitchFamily="34" charset="0"/>
+                <a:cs typeface="Times New Roman" panose="02020603050405020304" pitchFamily="18" charset="0"/>
+              </a:rPr>
+              <a:t>Mais aussi quand ça se rapproche à la fin</a:t>
+            </a:r>
+          </a:p>
+          <a:p>
+            <a:endParaRPr lang="fr-FR" sz="1800" dirty="0">
+              <a:effectLst/>
+              <a:latin typeface="Calibri" panose="020F0502020204030204" pitchFamily="34" charset="0"/>
+              <a:cs typeface="Times New Roman" panose="02020603050405020304" pitchFamily="18" charset="0"/>
+            </a:endParaRPr>
+          </a:p>
+          <a:p>
+            <a:endParaRPr lang="fr-FR" dirty="0"/>
+          </a:p>
+        </p:txBody>
+      </p:sp>
+      <p:sp>
+        <p:nvSpPr>
+          <p:cNvPr id="4" name="Espace réservé du numéro de diapositive 3"/>
+          <p:cNvSpPr>
+            <a:spLocks noGrp="1"/>
+          </p:cNvSpPr>
+          <p:nvPr>
+            <p:ph type="sldNum" sz="quarter" idx="5"/>
+          </p:nvPr>
+        </p:nvSpPr>
+        <p:spPr/>
+        <p:txBody>
+          <a:bodyPr/>
+          <a:lstStyle/>
+          <a:p>
+            <a:fld id="{946D1AFA-ED8B-B94E-B29F-CABEC407D280}" type="slidenum">
+              <a:rPr lang="fr-FR" smtClean="0"/>
+              <a:t>13</a:t>
+            </a:fld>
+            <a:endParaRPr lang="fr-FR"/>
+          </a:p>
+        </p:txBody>
+      </p:sp>
+    </p:spTree>
+    <p:extLst>
+      <p:ext uri="{BB962C8B-B14F-4D97-AF65-F5344CB8AC3E}">
+        <p14:creationId xmlns:p14="http://schemas.microsoft.com/office/powerpoint/2010/main" val="4288920230"/>
+      </p:ext>
+    </p:extLst>
+  </p:cSld>
+  <p:clrMapOvr>
+    <a:masterClrMapping/>
+  </p:clrMapOvr>
+</p:notes>
+</file>
+
+<file path=ppt/notesSlides/notesSlide14.xml><?xml version="1.0" encoding="utf-8"?>
+<p:notes xmlns:a="http://schemas.openxmlformats.org/drawingml/2006/main" xmlns:r="http://schemas.openxmlformats.org/officeDocument/2006/relationships" xmlns:p="http://schemas.openxmlformats.org/presentationml/2006/main">
+  <p:cSld>
+    <p:spTree>
+      <p:nvGrpSpPr>
+        <p:cNvPr id="1" name=""/>
+        <p:cNvGrpSpPr/>
+        <p:nvPr/>
+      </p:nvGrpSpPr>
+      <p:grpSpPr>
+        <a:xfrm>
+          <a:off x="0" y="0"/>
+          <a:ext cx="0" cy="0"/>
+          <a:chOff x="0" y="0"/>
+          <a:chExt cx="0" cy="0"/>
+        </a:xfrm>
+      </p:grpSpPr>
+      <p:sp>
+        <p:nvSpPr>
+          <p:cNvPr id="2" name="Espace réservé de l'image des diapositives 1"/>
+          <p:cNvSpPr>
+            <a:spLocks noGrp="1" noRot="1" noChangeAspect="1"/>
+          </p:cNvSpPr>
+          <p:nvPr>
+            <p:ph type="sldImg"/>
+          </p:nvPr>
+        </p:nvSpPr>
+        <p:spPr/>
+      </p:sp>
+      <p:sp>
+        <p:nvSpPr>
+          <p:cNvPr id="3" name="Espace réservé des notes 2"/>
+          <p:cNvSpPr>
+            <a:spLocks noGrp="1"/>
+          </p:cNvSpPr>
+          <p:nvPr>
+            <p:ph type="body" idx="1"/>
+          </p:nvPr>
+        </p:nvSpPr>
+        <p:spPr/>
+        <p:txBody>
+          <a:bodyPr/>
+          <a:lstStyle/>
+          <a:p>
+            <a:pPr marL="0" marR="0" lvl="0" indent="0" algn="l" defTabSz="914400" rtl="0" eaLnBrk="1" fontAlgn="auto" latinLnBrk="0" hangingPunct="1">
+              <a:lnSpc>
+                <a:spcPct val="100000"/>
+              </a:lnSpc>
+              <a:spcBef>
+                <a:spcPts val="0"/>
+              </a:spcBef>
+              <a:spcAft>
+                <a:spcPts val="0"/>
+              </a:spcAft>
+              <a:buClrTx/>
+              <a:buSzTx/>
+              <a:buFontTx/>
+              <a:buNone/>
+              <a:tabLst/>
+              <a:defRPr/>
+            </a:pPr>
+            <a:r>
+              <a:rPr lang="fr-FR" sz="1800" dirty="0">
+                <a:effectLst/>
+                <a:latin typeface="Calibri" panose="020F0502020204030204" pitchFamily="34" charset="0"/>
+                <a:ea typeface="Calibri" panose="020F0502020204030204" pitchFamily="34" charset="0"/>
+                <a:cs typeface="Times New Roman" panose="02020603050405020304" pitchFamily="18" charset="0"/>
+              </a:rPr>
+              <a:t>Il s’avère que les lobes sont bien de la même taille lorsque les sources sont finalement séparées angulairement, mais la méthode CBF va d’abord détecter un changement de pic brusque dans la direction de la cible la plus proche avant que les lobes ne soient totalement séparés.</a:t>
+            </a:r>
+          </a:p>
+          <a:p>
+            <a:endParaRPr lang="fr-FR" dirty="0"/>
+          </a:p>
+        </p:txBody>
+      </p:sp>
+      <p:sp>
+        <p:nvSpPr>
+          <p:cNvPr id="4" name="Espace réservé du numéro de diapositive 3"/>
+          <p:cNvSpPr>
+            <a:spLocks noGrp="1"/>
+          </p:cNvSpPr>
+          <p:nvPr>
+            <p:ph type="sldNum" sz="quarter" idx="5"/>
+          </p:nvPr>
+        </p:nvSpPr>
+        <p:spPr/>
+        <p:txBody>
+          <a:bodyPr/>
+          <a:lstStyle/>
+          <a:p>
+            <a:fld id="{946D1AFA-ED8B-B94E-B29F-CABEC407D280}" type="slidenum">
+              <a:rPr lang="fr-FR" smtClean="0"/>
+              <a:t>14</a:t>
+            </a:fld>
+            <a:endParaRPr lang="fr-FR"/>
+          </a:p>
+        </p:txBody>
+      </p:sp>
+    </p:spTree>
+    <p:extLst>
+      <p:ext uri="{BB962C8B-B14F-4D97-AF65-F5344CB8AC3E}">
+        <p14:creationId xmlns:p14="http://schemas.microsoft.com/office/powerpoint/2010/main" val="1499995410"/>
       </p:ext>
     </p:extLst>
   </p:cSld>
@@ -2170,7 +2690,7 @@
             <a:fld id="{B61BEF0D-F0BB-DE4B-95CE-6DB70DBA9567}" type="datetimeFigureOut">
               <a:rPr lang="en-US" dirty="0"/>
               <a:pPr/>
-              <a:t>11/2/2020</a:t>
+              <a:t>11/3/2020</a:t>
             </a:fld>
             <a:endParaRPr lang="en-US" dirty="0"/>
           </a:p>
@@ -2491,7 +3011,7 @@
             <a:fld id="{B61BEF0D-F0BB-DE4B-95CE-6DB70DBA9567}" type="datetimeFigureOut">
               <a:rPr lang="en-US" dirty="0"/>
               <a:pPr/>
-              <a:t>11/2/2020</a:t>
+              <a:t>11/3/2020</a:t>
             </a:fld>
             <a:endParaRPr lang="en-US" dirty="0"/>
           </a:p>
@@ -2736,7 +3256,7 @@
             <a:fld id="{B61BEF0D-F0BB-DE4B-95CE-6DB70DBA9567}" type="datetimeFigureOut">
               <a:rPr lang="en-US" dirty="0"/>
               <a:pPr/>
-              <a:t>11/2/2020</a:t>
+              <a:t>11/3/2020</a:t>
             </a:fld>
             <a:endParaRPr lang="en-US" dirty="0"/>
           </a:p>
@@ -3072,7 +3592,7 @@
             <a:fld id="{B61BEF0D-F0BB-DE4B-95CE-6DB70DBA9567}" type="datetimeFigureOut">
               <a:rPr lang="en-US" dirty="0"/>
               <a:pPr/>
-              <a:t>11/2/2020</a:t>
+              <a:t>11/3/2020</a:t>
             </a:fld>
             <a:endParaRPr lang="en-US" dirty="0"/>
           </a:p>
@@ -3416,7 +3936,7 @@
             <a:fld id="{B61BEF0D-F0BB-DE4B-95CE-6DB70DBA9567}" type="datetimeFigureOut">
               <a:rPr lang="en-US" dirty="0"/>
               <a:pPr/>
-              <a:t>11/2/2020</a:t>
+              <a:t>11/3/2020</a:t>
             </a:fld>
             <a:endParaRPr lang="en-US" dirty="0"/>
           </a:p>
@@ -3787,7 +4307,7 @@
             <a:fld id="{B61BEF0D-F0BB-DE4B-95CE-6DB70DBA9567}" type="datetimeFigureOut">
               <a:rPr lang="en-US" dirty="0"/>
               <a:pPr/>
-              <a:t>11/2/2020</a:t>
+              <a:t>11/3/2020</a:t>
             </a:fld>
             <a:endParaRPr lang="en-US" dirty="0"/>
           </a:p>
@@ -4254,7 +4774,7 @@
             <a:fld id="{B61BEF0D-F0BB-DE4B-95CE-6DB70DBA9567}" type="datetimeFigureOut">
               <a:rPr lang="en-US" dirty="0"/>
               <a:pPr/>
-              <a:t>11/2/2020</a:t>
+              <a:t>11/3/2020</a:t>
             </a:fld>
             <a:endParaRPr lang="en-US" dirty="0"/>
           </a:p>
@@ -4456,7 +4976,7 @@
             <a:fld id="{B61BEF0D-F0BB-DE4B-95CE-6DB70DBA9567}" type="datetimeFigureOut">
               <a:rPr lang="en-US" dirty="0"/>
               <a:pPr/>
-              <a:t>11/2/2020</a:t>
+              <a:t>11/3/2020</a:t>
             </a:fld>
             <a:endParaRPr lang="en-US" dirty="0"/>
           </a:p>
@@ -4664,7 +5184,7 @@
             <a:fld id="{B61BEF0D-F0BB-DE4B-95CE-6DB70DBA9567}" type="datetimeFigureOut">
               <a:rPr lang="en-US" dirty="0"/>
               <a:pPr/>
-              <a:t>11/2/2020</a:t>
+              <a:t>11/3/2020</a:t>
             </a:fld>
             <a:endParaRPr lang="en-US" dirty="0"/>
           </a:p>
@@ -4892,7 +5412,7 @@
           <a:p>
             <a:fld id="{52647F38-B617-4D2F-AE0A-013F0C4D2C57}" type="datetimeFigureOut">
               <a:rPr lang="en-US" dirty="0"/>
-              <a:t>11/2/2020</a:t>
+              <a:t>11/3/2020</a:t>
             </a:fld>
             <a:endParaRPr lang="en-US" dirty="0"/>
           </a:p>
@@ -5136,7 +5656,7 @@
             <a:fld id="{B61BEF0D-F0BB-DE4B-95CE-6DB70DBA9567}" type="datetimeFigureOut">
               <a:rPr lang="en-US" dirty="0"/>
               <a:pPr/>
-              <a:t>11/2/2020</a:t>
+              <a:t>11/3/2020</a:t>
             </a:fld>
             <a:endParaRPr lang="en-US" dirty="0"/>
           </a:p>
@@ -5430,7 +5950,7 @@
           <a:p>
             <a:fld id="{05BFA754-D5C3-4E66-96A6-867B257F58DC}" type="datetimeFigureOut">
               <a:rPr lang="en-US" dirty="0"/>
-              <a:t>11/2/2020</a:t>
+              <a:t>11/3/2020</a:t>
             </a:fld>
             <a:endParaRPr lang="en-US" dirty="0"/>
           </a:p>
@@ -5820,7 +6340,7 @@
             <a:fld id="{B61BEF0D-F0BB-DE4B-95CE-6DB70DBA9567}" type="datetimeFigureOut">
               <a:rPr lang="en-US" dirty="0"/>
               <a:pPr/>
-              <a:t>11/2/2020</a:t>
+              <a:t>11/3/2020</a:t>
             </a:fld>
             <a:endParaRPr lang="en-US" dirty="0"/>
           </a:p>
@@ -5966,7 +6486,7 @@
             <a:fld id="{B61BEF0D-F0BB-DE4B-95CE-6DB70DBA9567}" type="datetimeFigureOut">
               <a:rPr lang="en-US" dirty="0"/>
               <a:pPr/>
-              <a:t>11/2/2020</a:t>
+              <a:t>11/3/2020</a:t>
             </a:fld>
             <a:endParaRPr lang="en-US" dirty="0"/>
           </a:p>
@@ -6089,7 +6609,7 @@
             <a:fld id="{B61BEF0D-F0BB-DE4B-95CE-6DB70DBA9567}" type="datetimeFigureOut">
               <a:rPr lang="en-US" dirty="0"/>
               <a:pPr/>
-              <a:t>11/2/2020</a:t>
+              <a:t>11/3/2020</a:t>
             </a:fld>
             <a:endParaRPr lang="en-US" dirty="0"/>
           </a:p>
@@ -6341,7 +6861,7 @@
             <a:fld id="{B61BEF0D-F0BB-DE4B-95CE-6DB70DBA9567}" type="datetimeFigureOut">
               <a:rPr lang="en-US" dirty="0"/>
               <a:pPr/>
-              <a:t>11/2/2020</a:t>
+              <a:t>11/3/2020</a:t>
             </a:fld>
             <a:endParaRPr lang="en-US" dirty="0"/>
           </a:p>
@@ -6653,7 +7173,7 @@
             <a:fld id="{B61BEF0D-F0BB-DE4B-95CE-6DB70DBA9567}" type="datetimeFigureOut">
               <a:rPr lang="en-US" dirty="0"/>
               <a:pPr/>
-              <a:t>11/2/2020</a:t>
+              <a:t>11/3/2020</a:t>
             </a:fld>
             <a:endParaRPr lang="en-US" dirty="0"/>
           </a:p>
@@ -7001,7 +7521,7 @@
             <a:fld id="{B61BEF0D-F0BB-DE4B-95CE-6DB70DBA9567}" type="datetimeFigureOut">
               <a:rPr lang="en-US" dirty="0"/>
               <a:pPr/>
-              <a:t>11/2/2020</a:t>
+              <a:t>11/3/2020</a:t>
             </a:fld>
             <a:endParaRPr lang="en-US" dirty="0"/>
           </a:p>
@@ -9474,6 +9994,14 @@
 <file path=ppt/slides/slide11.xml><?xml version="1.0" encoding="utf-8"?>
 <p:sld xmlns:a="http://schemas.openxmlformats.org/drawingml/2006/main" xmlns:r="http://schemas.openxmlformats.org/officeDocument/2006/relationships" xmlns:p="http://schemas.openxmlformats.org/presentationml/2006/main">
   <p:cSld>
+    <p:bg>
+      <p:bgPr>
+        <a:solidFill>
+          <a:schemeClr val="bg1"/>
+        </a:solidFill>
+        <a:effectLst/>
+      </p:bgPr>
+    </p:bg>
     <p:spTree>
       <p:nvGrpSpPr>
         <p:cNvPr id="1" name=""/>
@@ -9488,6 +10016,461 @@
           <a:chExt cx="0" cy="0"/>
         </a:xfrm>
       </p:grpSpPr>
+      <p:grpSp>
+        <p:nvGrpSpPr>
+          <p:cNvPr id="10" name="Group 9">
+            <a:extLst>
+              <a:ext uri="{FF2B5EF4-FFF2-40B4-BE49-F238E27FC236}">
+                <a16:creationId xmlns:a16="http://schemas.microsoft.com/office/drawing/2014/main" id="{3F6D81C7-B083-478E-82FE-089A8CB72EB8}"/>
+              </a:ext>
+              <a:ext uri="{C183D7F6-B498-43B3-948B-1728B52AA6E4}">
+                <adec:decorative xmlns:adec="http://schemas.microsoft.com/office/drawing/2017/decorative" val="1"/>
+              </a:ext>
+            </a:extLst>
+          </p:cNvPr>
+          <p:cNvGrpSpPr>
+            <a:grpSpLocks noGrp="1" noUngrp="1" noRot="1" noChangeAspect="1" noMove="1" noResize="1"/>
+          </p:cNvGrpSpPr>
+          <p:nvPr>
+            <p:extLst>
+              <p:ext uri="{386F3935-93C4-4BCD-93E2-E3B085C9AB24}">
+                <p16:designElem xmlns:p16="http://schemas.microsoft.com/office/powerpoint/2015/main" val="1"/>
+              </p:ext>
+            </p:extLst>
+          </p:nvPr>
+        </p:nvGrpSpPr>
+        <p:grpSpPr>
+          <a:xfrm>
+            <a:off x="-15736" y="0"/>
+            <a:ext cx="12229962" cy="6856214"/>
+            <a:chOff x="-15736" y="0"/>
+            <a:chExt cx="12229962" cy="6856214"/>
+          </a:xfrm>
+        </p:grpSpPr>
+        <p:pic>
+          <p:nvPicPr>
+            <p:cNvPr id="11" name="Picture 10">
+              <a:extLst>
+                <a:ext uri="{FF2B5EF4-FFF2-40B4-BE49-F238E27FC236}">
+                  <a16:creationId xmlns:a16="http://schemas.microsoft.com/office/drawing/2014/main" id="{8398EDA2-4889-433D-AC01-5214D79764ED}"/>
+                </a:ext>
+                <a:ext uri="{C183D7F6-B498-43B3-948B-1728B52AA6E4}">
+                  <adec:decorative xmlns:adec="http://schemas.microsoft.com/office/drawing/2017/decorative" val="1"/>
+                </a:ext>
+              </a:extLst>
+            </p:cNvPr>
+            <p:cNvPicPr>
+              <a:picLocks noChangeAspect="1"/>
+            </p:cNvPicPr>
+            <p:nvPr>
+              <p:extLst>
+                <p:ext uri="{386F3935-93C4-4BCD-93E2-E3B085C9AB24}">
+                  <p16:designElem xmlns:p16="http://schemas.microsoft.com/office/powerpoint/2015/main" val="1"/>
+                </p:ext>
+              </p:extLst>
+            </p:nvPr>
+          </p:nvPicPr>
+          <p:blipFill>
+            <a:blip r:embed="rId3">
+              <a:extLst>
+                <a:ext uri="{28A0092B-C50C-407E-A947-70E740481C1C}">
+                  <a14:useLocalDpi xmlns:a14="http://schemas.microsoft.com/office/drawing/2010/main" val="0"/>
+                </a:ext>
+              </a:extLst>
+            </a:blip>
+            <a:stretch>
+              <a:fillRect/>
+            </a:stretch>
+          </p:blipFill>
+          <p:spPr>
+            <a:xfrm>
+              <a:off x="0" y="0"/>
+              <a:ext cx="12188825" cy="6856214"/>
+            </a:xfrm>
+            <a:prstGeom prst="rect">
+              <a:avLst/>
+            </a:prstGeom>
+          </p:spPr>
+        </p:pic>
+        <p:sp>
+          <p:nvSpPr>
+            <p:cNvPr id="12" name="Rectangle 11">
+              <a:extLst>
+                <a:ext uri="{FF2B5EF4-FFF2-40B4-BE49-F238E27FC236}">
+                  <a16:creationId xmlns:a16="http://schemas.microsoft.com/office/drawing/2014/main" id="{0099D46A-AF52-46FD-938B-D31189460A2F}"/>
+                </a:ext>
+                <a:ext uri="{C183D7F6-B498-43B3-948B-1728B52AA6E4}">
+                  <adec:decorative xmlns:adec="http://schemas.microsoft.com/office/drawing/2017/decorative" val="1"/>
+                </a:ext>
+              </a:extLst>
+            </p:cNvPr>
+            <p:cNvSpPr/>
+            <p:nvPr>
+              <p:extLst>
+                <p:ext uri="{386F3935-93C4-4BCD-93E2-E3B085C9AB24}">
+                  <p16:designElem xmlns:p16="http://schemas.microsoft.com/office/powerpoint/2015/main" val="1"/>
+                </p:ext>
+              </p:extLst>
+            </p:nvPr>
+          </p:nvSpPr>
+          <p:spPr>
+            <a:xfrm>
+              <a:off x="608012" y="609600"/>
+              <a:ext cx="10972800" cy="5638800"/>
+            </a:xfrm>
+            <a:prstGeom prst="rect">
+              <a:avLst/>
+            </a:prstGeom>
+            <a:noFill/>
+            <a:ln w="15875" cap="flat">
+              <a:miter lim="800000"/>
+            </a:ln>
+          </p:spPr>
+          <p:style>
+            <a:lnRef idx="1">
+              <a:schemeClr val="accent1"/>
+            </a:lnRef>
+            <a:fillRef idx="3">
+              <a:schemeClr val="accent1"/>
+            </a:fillRef>
+            <a:effectRef idx="2">
+              <a:schemeClr val="accent1"/>
+            </a:effectRef>
+            <a:fontRef idx="minor">
+              <a:schemeClr val="lt1"/>
+            </a:fontRef>
+          </p:style>
+        </p:sp>
+        <p:pic>
+          <p:nvPicPr>
+            <p:cNvPr id="13" name="Picture 12">
+              <a:extLst>
+                <a:ext uri="{FF2B5EF4-FFF2-40B4-BE49-F238E27FC236}">
+                  <a16:creationId xmlns:a16="http://schemas.microsoft.com/office/drawing/2014/main" id="{C933E919-C473-4F0E-9DBC-CC65FC9E926E}"/>
+                </a:ext>
+                <a:ext uri="{C183D7F6-B498-43B3-948B-1728B52AA6E4}">
+                  <adec:decorative xmlns:adec="http://schemas.microsoft.com/office/drawing/2017/decorative" val="1"/>
+                </a:ext>
+              </a:extLst>
+            </p:cNvPr>
+            <p:cNvPicPr>
+              <a:picLocks noChangeAspect="1"/>
+            </p:cNvPicPr>
+            <p:nvPr>
+              <p:extLst>
+                <p:ext uri="{386F3935-93C4-4BCD-93E2-E3B085C9AB24}">
+                  <p16:designElem xmlns:p16="http://schemas.microsoft.com/office/powerpoint/2015/main" val="1"/>
+                </p:ext>
+              </p:extLst>
+            </p:nvPr>
+          </p:nvPicPr>
+          <p:blipFill rotWithShape="1">
+            <a:blip r:embed="rId4">
+              <a:extLst>
+                <a:ext uri="{28A0092B-C50C-407E-A947-70E740481C1C}">
+                  <a14:useLocalDpi xmlns:a14="http://schemas.microsoft.com/office/drawing/2010/main" val="0"/>
+                </a:ext>
+              </a:extLst>
+            </a:blip>
+            <a:srcRect/>
+            <a:stretch/>
+          </p:blipFill>
+          <p:spPr>
+            <a:xfrm>
+              <a:off x="-15736" y="3153832"/>
+              <a:ext cx="777240" cy="606425"/>
+            </a:xfrm>
+            <a:prstGeom prst="rect">
+              <a:avLst/>
+            </a:prstGeom>
+          </p:spPr>
+        </p:pic>
+        <p:pic>
+          <p:nvPicPr>
+            <p:cNvPr id="14" name="Picture 13">
+              <a:extLst>
+                <a:ext uri="{FF2B5EF4-FFF2-40B4-BE49-F238E27FC236}">
+                  <a16:creationId xmlns:a16="http://schemas.microsoft.com/office/drawing/2014/main" id="{FBBF3BDD-5C99-4FDC-BBCB-E711359D93F6}"/>
+                </a:ext>
+                <a:ext uri="{C183D7F6-B498-43B3-948B-1728B52AA6E4}">
+                  <adec:decorative xmlns:adec="http://schemas.microsoft.com/office/drawing/2017/decorative" val="1"/>
+                </a:ext>
+              </a:extLst>
+            </p:cNvPr>
+            <p:cNvPicPr>
+              <a:picLocks noChangeAspect="1"/>
+            </p:cNvPicPr>
+            <p:nvPr>
+              <p:extLst>
+                <p:ext uri="{386F3935-93C4-4BCD-93E2-E3B085C9AB24}">
+                  <p16:designElem xmlns:p16="http://schemas.microsoft.com/office/powerpoint/2015/main" val="1"/>
+                </p:ext>
+              </p:extLst>
+            </p:nvPr>
+          </p:nvPicPr>
+          <p:blipFill rotWithShape="1">
+            <a:blip r:embed="rId4">
+              <a:extLst>
+                <a:ext uri="{28A0092B-C50C-407E-A947-70E740481C1C}">
+                  <a14:useLocalDpi xmlns:a14="http://schemas.microsoft.com/office/drawing/2010/main" val="0"/>
+                </a:ext>
+              </a:extLst>
+            </a:blip>
+            <a:srcRect/>
+            <a:stretch/>
+          </p:blipFill>
+          <p:spPr>
+            <a:xfrm>
+              <a:off x="11436986" y="3153832"/>
+              <a:ext cx="777240" cy="606425"/>
+            </a:xfrm>
+            <a:prstGeom prst="rect">
+              <a:avLst/>
+            </a:prstGeom>
+          </p:spPr>
+        </p:pic>
+      </p:grpSp>
+      <p:cxnSp>
+        <p:nvCxnSpPr>
+          <p:cNvPr id="16" name="Straight Connector 15">
+            <a:extLst>
+              <a:ext uri="{FF2B5EF4-FFF2-40B4-BE49-F238E27FC236}">
+                <a16:creationId xmlns:a16="http://schemas.microsoft.com/office/drawing/2014/main" id="{F06B54F2-CD11-4359-A7D6-DA7C76C091A6}"/>
+              </a:ext>
+              <a:ext uri="{C183D7F6-B498-43B3-948B-1728B52AA6E4}">
+                <adec:decorative xmlns:adec="http://schemas.microsoft.com/office/drawing/2017/decorative" val="1"/>
+              </a:ext>
+            </a:extLst>
+          </p:cNvPr>
+          <p:cNvCxnSpPr>
+            <a:cxnSpLocks noGrp="1" noRot="1" noChangeAspect="1" noMove="1" noResize="1" noEditPoints="1" noAdjustHandles="1" noChangeArrowheads="1" noChangeShapeType="1"/>
+          </p:cNvCxnSpPr>
+          <p:nvPr>
+            <p:extLst>
+              <p:ext uri="{386F3935-93C4-4BCD-93E2-E3B085C9AB24}">
+                <p16:designElem xmlns:p16="http://schemas.microsoft.com/office/powerpoint/2015/main" val="1"/>
+              </p:ext>
+            </p:extLst>
+          </p:nvPr>
+        </p:nvCxnSpPr>
+        <p:spPr>
+          <a:xfrm>
+            <a:off x="1396169" y="2421466"/>
+            <a:ext cx="9407298" cy="0"/>
+          </a:xfrm>
+          <a:prstGeom prst="line">
+            <a:avLst/>
+          </a:prstGeom>
+          <a:ln w="15875"/>
+        </p:spPr>
+        <p:style>
+          <a:lnRef idx="2">
+            <a:schemeClr val="accent1"/>
+          </a:lnRef>
+          <a:fillRef idx="0">
+            <a:schemeClr val="accent1"/>
+          </a:fillRef>
+          <a:effectRef idx="1">
+            <a:schemeClr val="accent1"/>
+          </a:effectRef>
+          <a:fontRef idx="minor">
+            <a:schemeClr val="tx1"/>
+          </a:fontRef>
+        </p:style>
+      </p:cxnSp>
+      <p:sp>
+        <p:nvSpPr>
+          <p:cNvPr id="18" name="Rectangle 17">
+            <a:extLst>
+              <a:ext uri="{FF2B5EF4-FFF2-40B4-BE49-F238E27FC236}">
+                <a16:creationId xmlns:a16="http://schemas.microsoft.com/office/drawing/2014/main" id="{333F0879-3DA0-4CB8-B35E-A0AD42558191}"/>
+              </a:ext>
+              <a:ext uri="{C183D7F6-B498-43B3-948B-1728B52AA6E4}">
+                <adec:decorative xmlns:adec="http://schemas.microsoft.com/office/drawing/2017/decorative" val="1"/>
+              </a:ext>
+            </a:extLst>
+          </p:cNvPr>
+          <p:cNvSpPr>
+            <a:spLocks noGrp="1" noRot="1" noChangeAspect="1" noMove="1" noResize="1" noEditPoints="1" noAdjustHandles="1" noChangeArrowheads="1" noChangeShapeType="1" noTextEdit="1"/>
+          </p:cNvSpPr>
+          <p:nvPr>
+            <p:extLst>
+              <p:ext uri="{386F3935-93C4-4BCD-93E2-E3B085C9AB24}">
+                <p16:designElem xmlns:p16="http://schemas.microsoft.com/office/powerpoint/2015/main" val="1"/>
+              </p:ext>
+            </p:extLst>
+          </p:nvPr>
+        </p:nvSpPr>
+        <p:spPr>
+          <a:xfrm>
+            <a:off x="0" y="2"/>
+            <a:ext cx="12188952" cy="6858000"/>
+          </a:xfrm>
+          <a:prstGeom prst="rect">
+            <a:avLst/>
+          </a:prstGeom>
+          <a:ln>
+            <a:noFill/>
+          </a:ln>
+        </p:spPr>
+        <p:style>
+          <a:lnRef idx="2">
+            <a:schemeClr val="accent1">
+              <a:shade val="50000"/>
+            </a:schemeClr>
+          </a:lnRef>
+          <a:fillRef idx="1003">
+            <a:schemeClr val="lt1"/>
+          </a:fillRef>
+          <a:effectRef idx="0">
+            <a:schemeClr val="accent1"/>
+          </a:effectRef>
+          <a:fontRef idx="minor">
+            <a:schemeClr val="lt1"/>
+          </a:fontRef>
+        </p:style>
+        <p:txBody>
+          <a:bodyPr rtlCol="0" anchor="ctr"/>
+          <a:lstStyle/>
+          <a:p>
+            <a:pPr algn="ctr"/>
+            <a:endParaRPr lang="en-US"/>
+          </a:p>
+        </p:txBody>
+      </p:sp>
+      <p:sp>
+        <p:nvSpPr>
+          <p:cNvPr id="20" name="Rectangle 19">
+            <a:extLst>
+              <a:ext uri="{FF2B5EF4-FFF2-40B4-BE49-F238E27FC236}">
+                <a16:creationId xmlns:a16="http://schemas.microsoft.com/office/drawing/2014/main" id="{324D2183-F388-476E-92A9-D6639D698580}"/>
+              </a:ext>
+              <a:ext uri="{C183D7F6-B498-43B3-948B-1728B52AA6E4}">
+                <adec:decorative xmlns:adec="http://schemas.microsoft.com/office/drawing/2017/decorative" val="1"/>
+              </a:ext>
+            </a:extLst>
+          </p:cNvPr>
+          <p:cNvSpPr>
+            <a:spLocks noGrp="1" noRot="1" noChangeAspect="1" noMove="1" noResize="1" noEditPoints="1" noAdjustHandles="1" noChangeArrowheads="1" noChangeShapeType="1" noTextEdit="1"/>
+          </p:cNvSpPr>
+          <p:nvPr>
+            <p:extLst>
+              <p:ext uri="{386F3935-93C4-4BCD-93E2-E3B085C9AB24}">
+                <p16:designElem xmlns:p16="http://schemas.microsoft.com/office/powerpoint/2015/main" val="1"/>
+              </p:ext>
+            </p:extLst>
+          </p:nvPr>
+        </p:nvSpPr>
+        <p:spPr>
+          <a:xfrm>
+            <a:off x="486138" y="496090"/>
+            <a:ext cx="3823215" cy="5883295"/>
+          </a:xfrm>
+          <a:prstGeom prst="rect">
+            <a:avLst/>
+          </a:prstGeom>
+          <a:blipFill dpi="0" rotWithShape="1">
+            <a:blip r:embed="rId5"/>
+            <a:srcRect/>
+            <a:tile tx="0" ty="0" sx="100000" sy="100000" flip="none" algn="tl"/>
+          </a:blipFill>
+          <a:ln>
+            <a:noFill/>
+          </a:ln>
+          <a:effectLst>
+            <a:outerShdw blurRad="114300" dist="127000" dir="5400000" sx="99000" sy="99000" algn="t" rotWithShape="0">
+              <a:prstClr val="black">
+                <a:alpha val="40000"/>
+              </a:prstClr>
+            </a:outerShdw>
+          </a:effectLst>
+          <a:scene3d>
+            <a:camera prst="orthographicFront"/>
+            <a:lightRig rig="twoPt" dir="t"/>
+          </a:scene3d>
+          <a:sp3d contourW="6350">
+            <a:bevelT w="12700" h="0" prst="coolSlant"/>
+            <a:contourClr>
+              <a:schemeClr val="bg2"/>
+            </a:contourClr>
+          </a:sp3d>
+        </p:spPr>
+        <p:style>
+          <a:lnRef idx="2">
+            <a:schemeClr val="accent1">
+              <a:shade val="50000"/>
+            </a:schemeClr>
+          </a:lnRef>
+          <a:fillRef idx="1">
+            <a:schemeClr val="accent1"/>
+          </a:fillRef>
+          <a:effectRef idx="0">
+            <a:schemeClr val="accent1"/>
+          </a:effectRef>
+          <a:fontRef idx="minor">
+            <a:schemeClr val="lt1"/>
+          </a:fontRef>
+        </p:style>
+        <p:txBody>
+          <a:bodyPr rtlCol="0" anchor="ctr"/>
+          <a:lstStyle/>
+          <a:p>
+            <a:pPr algn="ctr"/>
+            <a:endParaRPr lang="en-US"/>
+          </a:p>
+        </p:txBody>
+      </p:sp>
+      <p:sp>
+        <p:nvSpPr>
+          <p:cNvPr id="22" name="Rectangle 21">
+            <a:extLst>
+              <a:ext uri="{FF2B5EF4-FFF2-40B4-BE49-F238E27FC236}">
+                <a16:creationId xmlns:a16="http://schemas.microsoft.com/office/drawing/2014/main" id="{243462E7-1698-4B21-BE89-AEFAC7C2FEFA}"/>
+              </a:ext>
+              <a:ext uri="{C183D7F6-B498-43B3-948B-1728B52AA6E4}">
+                <adec:decorative xmlns:adec="http://schemas.microsoft.com/office/drawing/2017/decorative" val="1"/>
+              </a:ext>
+            </a:extLst>
+          </p:cNvPr>
+          <p:cNvSpPr>
+            <a:spLocks noGrp="1" noRot="1" noChangeAspect="1" noMove="1" noResize="1" noEditPoints="1" noAdjustHandles="1" noChangeArrowheads="1" noChangeShapeType="1" noTextEdit="1"/>
+          </p:cNvSpPr>
+          <p:nvPr>
+            <p:extLst>
+              <p:ext uri="{386F3935-93C4-4BCD-93E2-E3B085C9AB24}">
+                <p16:designElem xmlns:p16="http://schemas.microsoft.com/office/powerpoint/2015/main" val="1"/>
+              </p:ext>
+            </p:extLst>
+          </p:nvPr>
+        </p:nvSpPr>
+        <p:spPr>
+          <a:xfrm>
+            <a:off x="608012" y="609602"/>
+            <a:ext cx="3552006" cy="5638800"/>
+          </a:xfrm>
+          <a:prstGeom prst="rect">
+            <a:avLst/>
+          </a:prstGeom>
+          <a:noFill/>
+          <a:ln w="15875" cap="flat">
+            <a:miter lim="800000"/>
+          </a:ln>
+        </p:spPr>
+        <p:style>
+          <a:lnRef idx="1">
+            <a:schemeClr val="accent1"/>
+          </a:lnRef>
+          <a:fillRef idx="3">
+            <a:schemeClr val="accent1"/>
+          </a:fillRef>
+          <a:effectRef idx="2">
+            <a:schemeClr val="accent1"/>
+          </a:effectRef>
+          <a:fontRef idx="minor">
+            <a:schemeClr val="lt1"/>
+          </a:fontRef>
+        </p:style>
+      </p:sp>
       <p:sp>
         <p:nvSpPr>
           <p:cNvPr id="2" name="Titre 1">
@@ -9504,59 +10487,66 @@
             <p:ph type="title"/>
           </p:nvPr>
         </p:nvSpPr>
-        <p:spPr/>
-        <p:txBody>
-          <a:bodyPr/>
+        <p:spPr>
+          <a:xfrm>
+            <a:off x="929140" y="972766"/>
+            <a:ext cx="2835464" cy="1254868"/>
+          </a:xfrm>
+        </p:spPr>
+        <p:txBody>
+          <a:bodyPr vert="horz" lIns="91440" tIns="45720" rIns="91440" bIns="45720" rtlCol="0" anchor="b">
+            <a:normAutofit/>
+          </a:bodyPr>
           <a:lstStyle/>
           <a:p>
-            <a:r>
-              <a:rPr lang="fr-FR" dirty="0"/>
+            <a:pPr>
+              <a:lnSpc>
+                <a:spcPct val="90000"/>
+              </a:lnSpc>
+            </a:pPr>
+            <a:r>
+              <a:rPr lang="en-US">
+                <a:solidFill>
+                  <a:srgbClr val="262626"/>
+                </a:solidFill>
+              </a:rPr>
               <a:t>Algorithmes de </a:t>
             </a:r>
             <a:r>
-              <a:rPr lang="fr-FR" i="1" dirty="0"/>
+              <a:rPr lang="en-US" i="1">
+                <a:solidFill>
+                  <a:srgbClr val="262626"/>
+                </a:solidFill>
+              </a:rPr>
               <a:t>DoA</a:t>
             </a:r>
             <a:br>
-              <a:rPr lang="fr-FR" i="1" dirty="0"/>
+              <a:rPr lang="en-US" i="1">
+                <a:solidFill>
+                  <a:srgbClr val="262626"/>
+                </a:solidFill>
+              </a:rPr>
             </a:br>
             <a:br>
-              <a:rPr lang="fr-FR" i="1" dirty="0"/>
+              <a:rPr lang="en-US" i="1">
+                <a:solidFill>
+                  <a:srgbClr val="262626"/>
+                </a:solidFill>
+              </a:rPr>
             </a:br>
             <a:r>
-              <a:rPr lang="fr-FR" i="1" dirty="0"/>
-              <a:t>Directions of </a:t>
-            </a:r>
-            <a:r>
-              <a:rPr lang="fr-FR" i="1" dirty="0" err="1"/>
-              <a:t>Arrival</a:t>
-            </a:r>
-            <a:endParaRPr lang="fr-FR" dirty="0"/>
-          </a:p>
-        </p:txBody>
-      </p:sp>
-      <p:sp>
-        <p:nvSpPr>
-          <p:cNvPr id="3" name="Espace réservé du contenu 2">
-            <a:extLst>
-              <a:ext uri="{FF2B5EF4-FFF2-40B4-BE49-F238E27FC236}">
-                <a16:creationId xmlns:a16="http://schemas.microsoft.com/office/drawing/2014/main" id="{6B7A7356-5621-3941-969F-D7B161343073}"/>
-              </a:ext>
-            </a:extLst>
-          </p:cNvPr>
-          <p:cNvSpPr>
-            <a:spLocks noGrp="1"/>
-          </p:cNvSpPr>
-          <p:nvPr>
-            <p:ph idx="1"/>
-          </p:nvPr>
-        </p:nvSpPr>
-        <p:spPr/>
-        <p:txBody>
-          <a:bodyPr/>
-          <a:lstStyle/>
-          <a:p>
-            <a:endParaRPr lang="fr-FR" dirty="0"/>
+              <a:rPr lang="en-US" i="1">
+                <a:solidFill>
+                  <a:srgbClr val="262626"/>
+                </a:solidFill>
+              </a:rPr>
+              <a:t>Directions of Arrival</a:t>
+            </a:r>
+            <a:endParaRPr lang="en-US">
+              <a:solidFill>
+                <a:srgbClr val="262626"/>
+              </a:solidFill>
+            </a:endParaRPr>
           </a:p>
         </p:txBody>
       </p:sp>
@@ -9576,48 +10566,205 @@
             <p:ph type="body" sz="half" idx="2"/>
           </p:nvPr>
         </p:nvSpPr>
-        <p:spPr/>
-        <p:txBody>
-          <a:bodyPr/>
+        <p:spPr>
+          <a:xfrm>
+            <a:off x="929141" y="2430471"/>
+            <a:ext cx="2835464" cy="3552039"/>
+          </a:xfrm>
+        </p:spPr>
+        <p:txBody>
+          <a:bodyPr vert="horz" lIns="91440" tIns="45720" rIns="91440" bIns="45720" rtlCol="0" anchor="t">
+            <a:normAutofit/>
+          </a:bodyPr>
           <a:lstStyle/>
           <a:p>
-            <a:r>
-              <a:rPr lang="fr-FR" dirty="0"/>
+            <a:pPr algn="l">
+              <a:buFont typeface="Arial"/>
+              <a:buChar char="•"/>
+            </a:pPr>
+            <a:r>
+              <a:rPr lang="en-US" sz="1800" dirty="0">
+                <a:solidFill>
+                  <a:srgbClr val="262626"/>
+                </a:solidFill>
+              </a:rPr>
               <a:t>3 versions : </a:t>
             </a:r>
           </a:p>
           <a:p>
-            <a:pPr marL="285750" indent="-285750">
-              <a:buFontTx/>
-              <a:buChar char="-"/>
+            <a:pPr marL="285750" indent="-285750" algn="l">
+              <a:buFont typeface="Arial"/>
+              <a:buChar char="•"/>
             </a:pPr>
             <a:r>
-              <a:rPr lang="fr-FR" dirty="0"/>
+              <a:rPr lang="en-US" sz="1800" dirty="0">
+                <a:solidFill>
+                  <a:srgbClr val="262626"/>
+                </a:solidFill>
+              </a:rPr>
               <a:t>Classique</a:t>
             </a:r>
           </a:p>
           <a:p>
-            <a:pPr marL="285750" indent="-285750">
-              <a:buFontTx/>
-              <a:buChar char="-"/>
+            <a:pPr marL="285750" indent="-285750" algn="l">
+              <a:buFont typeface="Arial"/>
+              <a:buChar char="•"/>
             </a:pPr>
             <a:r>
-              <a:rPr lang="fr-FR" dirty="0"/>
+              <a:rPr lang="en-US" sz="1800" dirty="0">
+                <a:solidFill>
+                  <a:srgbClr val="262626"/>
+                </a:solidFill>
+              </a:rPr>
               <a:t>MUSIC</a:t>
             </a:r>
           </a:p>
           <a:p>
-            <a:pPr marL="285750" indent="-285750">
-              <a:buFontTx/>
-              <a:buChar char="-"/>
+            <a:pPr marL="285750" indent="-285750" algn="l">
+              <a:buFont typeface="Arial"/>
+              <a:buChar char="•"/>
             </a:pPr>
             <a:r>
-              <a:rPr lang="fr-FR" dirty="0"/>
-              <a:t>MVDR (aussi appelée CAPON)</a:t>
-            </a:r>
-          </a:p>
-        </p:txBody>
-      </p:sp>
+              <a:rPr lang="en-US" sz="1800" dirty="0">
+                <a:solidFill>
+                  <a:srgbClr val="262626"/>
+                </a:solidFill>
+              </a:rPr>
+              <a:t>MVDR (</a:t>
+            </a:r>
+            <a:r>
+              <a:rPr lang="en-US" sz="1800" dirty="0" err="1">
+                <a:solidFill>
+                  <a:srgbClr val="262626"/>
+                </a:solidFill>
+              </a:rPr>
+              <a:t>aussi</a:t>
+            </a:r>
+            <a:r>
+              <a:rPr lang="en-US" sz="1800" dirty="0">
+                <a:solidFill>
+                  <a:srgbClr val="262626"/>
+                </a:solidFill>
+              </a:rPr>
+              <a:t> </a:t>
+            </a:r>
+            <a:r>
+              <a:rPr lang="en-US" sz="1800" dirty="0" err="1">
+                <a:solidFill>
+                  <a:srgbClr val="262626"/>
+                </a:solidFill>
+              </a:rPr>
+              <a:t>appelée</a:t>
+            </a:r>
+            <a:r>
+              <a:rPr lang="en-US" sz="1800" dirty="0">
+                <a:solidFill>
+                  <a:srgbClr val="262626"/>
+                </a:solidFill>
+              </a:rPr>
+              <a:t> CAPON)</a:t>
+            </a:r>
+          </a:p>
+        </p:txBody>
+      </p:sp>
+      <p:sp useBgFill="1">
+        <p:nvSpPr>
+          <p:cNvPr id="24" name="Rectangle 23">
+            <a:extLst>
+              <a:ext uri="{FF2B5EF4-FFF2-40B4-BE49-F238E27FC236}">
+                <a16:creationId xmlns:a16="http://schemas.microsoft.com/office/drawing/2014/main" id="{6C22FCAC-D7EC-4A52-B153-FF761E2235B3}"/>
+              </a:ext>
+              <a:ext uri="{C183D7F6-B498-43B3-948B-1728B52AA6E4}">
+                <adec:decorative xmlns:adec="http://schemas.microsoft.com/office/drawing/2017/decorative" val="1"/>
+              </a:ext>
+            </a:extLst>
+          </p:cNvPr>
+          <p:cNvSpPr>
+            <a:spLocks noGrp="1" noRot="1" noChangeAspect="1" noMove="1" noResize="1" noEditPoints="1" noAdjustHandles="1" noChangeArrowheads="1" noChangeShapeType="1" noTextEdit="1"/>
+          </p:cNvSpPr>
+          <p:nvPr>
+            <p:extLst>
+              <p:ext uri="{386F3935-93C4-4BCD-93E2-E3B085C9AB24}">
+                <p16:designElem xmlns:p16="http://schemas.microsoft.com/office/powerpoint/2015/main" val="1"/>
+              </p:ext>
+            </p:extLst>
+          </p:nvPr>
+        </p:nvSpPr>
+        <p:spPr>
+          <a:xfrm>
+            <a:off x="4795491" y="0"/>
+            <a:ext cx="7396509" cy="6858002"/>
+          </a:xfrm>
+          <a:prstGeom prst="rect">
+            <a:avLst/>
+          </a:prstGeom>
+          <a:ln>
+            <a:noFill/>
+          </a:ln>
+        </p:spPr>
+        <p:style>
+          <a:lnRef idx="2">
+            <a:schemeClr val="accent1">
+              <a:shade val="50000"/>
+            </a:schemeClr>
+          </a:lnRef>
+          <a:fillRef idx="1">
+            <a:schemeClr val="accent1"/>
+          </a:fillRef>
+          <a:effectRef idx="0">
+            <a:schemeClr val="accent1"/>
+          </a:effectRef>
+          <a:fontRef idx="minor">
+            <a:schemeClr val="lt1"/>
+          </a:fontRef>
+        </p:style>
+        <p:txBody>
+          <a:bodyPr rtlCol="0" anchor="ctr"/>
+          <a:lstStyle/>
+          <a:p>
+            <a:pPr algn="ctr"/>
+            <a:endParaRPr lang="en-US"/>
+          </a:p>
+        </p:txBody>
+      </p:sp>
+      <p:pic>
+        <p:nvPicPr>
+          <p:cNvPr id="5" name="Espace réservé du contenu 4" descr="Une image contenant texte, carte&#10;&#10;Description générée automatiquement">
+            <a:extLst>
+              <a:ext uri="{FF2B5EF4-FFF2-40B4-BE49-F238E27FC236}">
+                <a16:creationId xmlns:a16="http://schemas.microsoft.com/office/drawing/2014/main" id="{E1C53708-E90B-4772-8A31-F5D738AC58B7}"/>
+              </a:ext>
+            </a:extLst>
+          </p:cNvPr>
+          <p:cNvPicPr>
+            <a:picLocks noGrp="1"/>
+          </p:cNvPicPr>
+          <p:nvPr>
+            <p:ph idx="1"/>
+          </p:nvPr>
+        </p:nvPicPr>
+        <p:blipFill>
+          <a:blip r:embed="rId6">
+            <a:extLst>
+              <a:ext uri="{28A0092B-C50C-407E-A947-70E740481C1C}">
+                <a14:useLocalDpi xmlns:a14="http://schemas.microsoft.com/office/drawing/2010/main" val="0"/>
+              </a:ext>
+            </a:extLst>
+          </a:blip>
+          <a:stretch>
+            <a:fillRect/>
+          </a:stretch>
+        </p:blipFill>
+        <p:spPr>
+          <a:xfrm>
+            <a:off x="5823765" y="609602"/>
+            <a:ext cx="5322330" cy="5587749"/>
+          </a:xfrm>
+          <a:prstGeom prst="rect">
+            <a:avLst/>
+          </a:prstGeom>
+        </p:spPr>
+      </p:pic>
     </p:spTree>
     <p:extLst>
       <p:ext uri="{BB962C8B-B14F-4D97-AF65-F5344CB8AC3E}">
@@ -9631,6 +10778,783 @@
   <p:transition spd="slow">
     <p:wipe/>
   </p:transition>
+  <p:timing>
+    <p:tnLst>
+      <p:par>
+        <p:cTn id="1" dur="indefinite" restart="never" nodeType="tmRoot">
+          <p:childTnLst>
+            <p:seq concurrent="1" nextAc="seek">
+              <p:cTn id="2" dur="indefinite" nodeType="mainSeq">
+                <p:childTnLst>
+                  <p:par>
+                    <p:cTn id="3" fill="hold">
+                      <p:stCondLst>
+                        <p:cond delay="indefinite"/>
+                      </p:stCondLst>
+                      <p:childTnLst>
+                        <p:par>
+                          <p:cTn id="4" fill="hold">
+                            <p:stCondLst>
+                              <p:cond delay="0"/>
+                            </p:stCondLst>
+                            <p:childTnLst>
+                              <p:par>
+                                <p:cTn id="5" presetID="1" presetClass="entr" presetSubtype="0" fill="hold" grpId="0" nodeType="clickEffect">
+                                  <p:stCondLst>
+                                    <p:cond delay="0"/>
+                                  </p:stCondLst>
+                                  <p:childTnLst>
+                                    <p:set>
+                                      <p:cBhvr>
+                                        <p:cTn id="6" dur="1" fill="hold">
+                                          <p:stCondLst>
+                                            <p:cond delay="0"/>
+                                          </p:stCondLst>
+                                        </p:cTn>
+                                        <p:tgtEl>
+                                          <p:spTgt spid="4">
+                                            <p:txEl>
+                                              <p:pRg st="0" end="0"/>
+                                            </p:txEl>
+                                          </p:spTgt>
+                                        </p:tgtEl>
+                                        <p:attrNameLst>
+                                          <p:attrName>style.visibility</p:attrName>
+                                        </p:attrNameLst>
+                                      </p:cBhvr>
+                                      <p:to>
+                                        <p:strVal val="visible"/>
+                                      </p:to>
+                                    </p:set>
+                                  </p:childTnLst>
+                                </p:cTn>
+                              </p:par>
+                            </p:childTnLst>
+                          </p:cTn>
+                        </p:par>
+                      </p:childTnLst>
+                    </p:cTn>
+                  </p:par>
+                  <p:par>
+                    <p:cTn id="7" fill="hold">
+                      <p:stCondLst>
+                        <p:cond delay="indefinite"/>
+                      </p:stCondLst>
+                      <p:childTnLst>
+                        <p:par>
+                          <p:cTn id="8" fill="hold">
+                            <p:stCondLst>
+                              <p:cond delay="0"/>
+                            </p:stCondLst>
+                            <p:childTnLst>
+                              <p:par>
+                                <p:cTn id="9" presetID="1" presetClass="entr" presetSubtype="0" fill="hold" grpId="0" nodeType="clickEffect">
+                                  <p:stCondLst>
+                                    <p:cond delay="0"/>
+                                  </p:stCondLst>
+                                  <p:childTnLst>
+                                    <p:set>
+                                      <p:cBhvr>
+                                        <p:cTn id="10" dur="1" fill="hold">
+                                          <p:stCondLst>
+                                            <p:cond delay="0"/>
+                                          </p:stCondLst>
+                                        </p:cTn>
+                                        <p:tgtEl>
+                                          <p:spTgt spid="4">
+                                            <p:txEl>
+                                              <p:pRg st="1" end="1"/>
+                                            </p:txEl>
+                                          </p:spTgt>
+                                        </p:tgtEl>
+                                        <p:attrNameLst>
+                                          <p:attrName>style.visibility</p:attrName>
+                                        </p:attrNameLst>
+                                      </p:cBhvr>
+                                      <p:to>
+                                        <p:strVal val="visible"/>
+                                      </p:to>
+                                    </p:set>
+                                  </p:childTnLst>
+                                </p:cTn>
+                              </p:par>
+                            </p:childTnLst>
+                          </p:cTn>
+                        </p:par>
+                      </p:childTnLst>
+                    </p:cTn>
+                  </p:par>
+                  <p:par>
+                    <p:cTn id="11" fill="hold">
+                      <p:stCondLst>
+                        <p:cond delay="indefinite"/>
+                      </p:stCondLst>
+                      <p:childTnLst>
+                        <p:par>
+                          <p:cTn id="12" fill="hold">
+                            <p:stCondLst>
+                              <p:cond delay="0"/>
+                            </p:stCondLst>
+                            <p:childTnLst>
+                              <p:par>
+                                <p:cTn id="13" presetID="1" presetClass="entr" presetSubtype="0" fill="hold" grpId="0" nodeType="clickEffect">
+                                  <p:stCondLst>
+                                    <p:cond delay="0"/>
+                                  </p:stCondLst>
+                                  <p:childTnLst>
+                                    <p:set>
+                                      <p:cBhvr>
+                                        <p:cTn id="14" dur="1" fill="hold">
+                                          <p:stCondLst>
+                                            <p:cond delay="0"/>
+                                          </p:stCondLst>
+                                        </p:cTn>
+                                        <p:tgtEl>
+                                          <p:spTgt spid="4">
+                                            <p:txEl>
+                                              <p:pRg st="2" end="2"/>
+                                            </p:txEl>
+                                          </p:spTgt>
+                                        </p:tgtEl>
+                                        <p:attrNameLst>
+                                          <p:attrName>style.visibility</p:attrName>
+                                        </p:attrNameLst>
+                                      </p:cBhvr>
+                                      <p:to>
+                                        <p:strVal val="visible"/>
+                                      </p:to>
+                                    </p:set>
+                                  </p:childTnLst>
+                                </p:cTn>
+                              </p:par>
+                            </p:childTnLst>
+                          </p:cTn>
+                        </p:par>
+                      </p:childTnLst>
+                    </p:cTn>
+                  </p:par>
+                  <p:par>
+                    <p:cTn id="15" fill="hold">
+                      <p:stCondLst>
+                        <p:cond delay="indefinite"/>
+                      </p:stCondLst>
+                      <p:childTnLst>
+                        <p:par>
+                          <p:cTn id="16" fill="hold">
+                            <p:stCondLst>
+                              <p:cond delay="0"/>
+                            </p:stCondLst>
+                            <p:childTnLst>
+                              <p:par>
+                                <p:cTn id="17" presetID="1" presetClass="entr" presetSubtype="0" fill="hold" grpId="0" nodeType="clickEffect">
+                                  <p:stCondLst>
+                                    <p:cond delay="0"/>
+                                  </p:stCondLst>
+                                  <p:childTnLst>
+                                    <p:set>
+                                      <p:cBhvr>
+                                        <p:cTn id="18" dur="1" fill="hold">
+                                          <p:stCondLst>
+                                            <p:cond delay="0"/>
+                                          </p:stCondLst>
+                                        </p:cTn>
+                                        <p:tgtEl>
+                                          <p:spTgt spid="4">
+                                            <p:txEl>
+                                              <p:pRg st="3" end="3"/>
+                                            </p:txEl>
+                                          </p:spTgt>
+                                        </p:tgtEl>
+                                        <p:attrNameLst>
+                                          <p:attrName>style.visibility</p:attrName>
+                                        </p:attrNameLst>
+                                      </p:cBhvr>
+                                      <p:to>
+                                        <p:strVal val="visible"/>
+                                      </p:to>
+                                    </p:set>
+                                  </p:childTnLst>
+                                </p:cTn>
+                              </p:par>
+                            </p:childTnLst>
+                          </p:cTn>
+                        </p:par>
+                      </p:childTnLst>
+                    </p:cTn>
+                  </p:par>
+                  <p:par>
+                    <p:cTn id="19" fill="hold">
+                      <p:stCondLst>
+                        <p:cond delay="indefinite"/>
+                      </p:stCondLst>
+                      <p:childTnLst>
+                        <p:par>
+                          <p:cTn id="20" fill="hold">
+                            <p:stCondLst>
+                              <p:cond delay="0"/>
+                            </p:stCondLst>
+                            <p:childTnLst>
+                              <p:par>
+                                <p:cTn id="21" presetID="1" presetClass="entr" presetSubtype="0" fill="hold" nodeType="clickEffect">
+                                  <p:stCondLst>
+                                    <p:cond delay="0"/>
+                                  </p:stCondLst>
+                                  <p:childTnLst>
+                                    <p:set>
+                                      <p:cBhvr>
+                                        <p:cTn id="22" dur="1" fill="hold">
+                                          <p:stCondLst>
+                                            <p:cond delay="0"/>
+                                          </p:stCondLst>
+                                        </p:cTn>
+                                        <p:tgtEl>
+                                          <p:spTgt spid="5"/>
+                                        </p:tgtEl>
+                                        <p:attrNameLst>
+                                          <p:attrName>style.visibility</p:attrName>
+                                        </p:attrNameLst>
+                                      </p:cBhvr>
+                                      <p:to>
+                                        <p:strVal val="visible"/>
+                                      </p:to>
+                                    </p:set>
+                                  </p:childTnLst>
+                                </p:cTn>
+                              </p:par>
+                            </p:childTnLst>
+                          </p:cTn>
+                        </p:par>
+                      </p:childTnLst>
+                    </p:cTn>
+                  </p:par>
+                </p:childTnLst>
+              </p:cTn>
+              <p:prevCondLst>
+                <p:cond evt="onPrev" delay="0">
+                  <p:tgtEl>
+                    <p:sldTgt/>
+                  </p:tgtEl>
+                </p:cond>
+              </p:prevCondLst>
+              <p:nextCondLst>
+                <p:cond evt="onNext" delay="0">
+                  <p:tgtEl>
+                    <p:sldTgt/>
+                  </p:tgtEl>
+                </p:cond>
+              </p:nextCondLst>
+            </p:seq>
+          </p:childTnLst>
+        </p:cTn>
+      </p:par>
+    </p:tnLst>
+    <p:bldLst>
+      <p:bldP spid="4" grpId="0" build="p"/>
+    </p:bldLst>
+  </p:timing>
+</p:sld>
+</file>
+
+<file path=ppt/slides/slide12.xml><?xml version="1.0" encoding="utf-8"?>
+<p:sld xmlns:a="http://schemas.openxmlformats.org/drawingml/2006/main" xmlns:r="http://schemas.openxmlformats.org/officeDocument/2006/relationships" xmlns:p="http://schemas.openxmlformats.org/presentationml/2006/main">
+  <p:cSld>
+    <p:spTree>
+      <p:nvGrpSpPr>
+        <p:cNvPr id="1" name=""/>
+        <p:cNvGrpSpPr/>
+        <p:nvPr/>
+      </p:nvGrpSpPr>
+      <p:grpSpPr>
+        <a:xfrm>
+          <a:off x="0" y="0"/>
+          <a:ext cx="0" cy="0"/>
+          <a:chOff x="0" y="0"/>
+          <a:chExt cx="0" cy="0"/>
+        </a:xfrm>
+      </p:grpSpPr>
+      <p:sp>
+        <p:nvSpPr>
+          <p:cNvPr id="2" name="Titre 1">
+            <a:extLst>
+              <a:ext uri="{FF2B5EF4-FFF2-40B4-BE49-F238E27FC236}">
+                <a16:creationId xmlns:a16="http://schemas.microsoft.com/office/drawing/2014/main" id="{C48B78EB-3514-4DA2-B814-89517B52831D}"/>
+              </a:ext>
+            </a:extLst>
+          </p:cNvPr>
+          <p:cNvSpPr>
+            <a:spLocks noGrp="1"/>
+          </p:cNvSpPr>
+          <p:nvPr>
+            <p:ph type="title"/>
+          </p:nvPr>
+        </p:nvSpPr>
+        <p:spPr/>
+        <p:txBody>
+          <a:bodyPr/>
+          <a:lstStyle/>
+          <a:p>
+            <a:r>
+              <a:rPr lang="fr-FR" dirty="0"/>
+              <a:t>Comment se comportent les méthodes lorsqu’il y a du mouvement ? </a:t>
+            </a:r>
+          </a:p>
+        </p:txBody>
+      </p:sp>
+      <p:pic>
+        <p:nvPicPr>
+          <p:cNvPr id="6" name="Espace réservé du contenu 5">
+            <a:extLst>
+              <a:ext uri="{FF2B5EF4-FFF2-40B4-BE49-F238E27FC236}">
+                <a16:creationId xmlns:a16="http://schemas.microsoft.com/office/drawing/2014/main" id="{FC1E1CC7-217C-421F-98D8-273CB8C7127F}"/>
+              </a:ext>
+            </a:extLst>
+          </p:cNvPr>
+          <p:cNvPicPr>
+            <a:picLocks noGrp="1" noChangeAspect="1"/>
+          </p:cNvPicPr>
+          <p:nvPr>
+            <p:ph idx="1"/>
+          </p:nvPr>
+        </p:nvPicPr>
+        <p:blipFill>
+          <a:blip r:embed="rId3"/>
+          <a:stretch>
+            <a:fillRect/>
+          </a:stretch>
+        </p:blipFill>
+        <p:spPr>
+          <a:xfrm>
+            <a:off x="5418138" y="1377554"/>
+            <a:ext cx="5470525" cy="4102893"/>
+          </a:xfrm>
+        </p:spPr>
+      </p:pic>
+      <p:sp>
+        <p:nvSpPr>
+          <p:cNvPr id="4" name="Espace réservé du texte 3">
+            <a:extLst>
+              <a:ext uri="{FF2B5EF4-FFF2-40B4-BE49-F238E27FC236}">
+                <a16:creationId xmlns:a16="http://schemas.microsoft.com/office/drawing/2014/main" id="{8A5B3709-E012-42C1-ACD9-B531AD44BA83}"/>
+              </a:ext>
+            </a:extLst>
+          </p:cNvPr>
+          <p:cNvSpPr>
+            <a:spLocks noGrp="1"/>
+          </p:cNvSpPr>
+          <p:nvPr>
+            <p:ph type="body" sz="half" idx="2"/>
+          </p:nvPr>
+        </p:nvSpPr>
+        <p:spPr/>
+        <p:txBody>
+          <a:bodyPr/>
+          <a:lstStyle/>
+          <a:p>
+            <a:pPr marL="285750" indent="-285750">
+              <a:buFont typeface="Arial" panose="020B0604020202020204" pitchFamily="34" charset="0"/>
+              <a:buChar char="•"/>
+            </a:pPr>
+            <a:r>
+              <a:rPr lang="fr-FR" dirty="0"/>
+              <a:t>Il faut d’abord simuler le mouvement</a:t>
+            </a:r>
+          </a:p>
+          <a:p>
+            <a:pPr marL="285750" indent="-285750">
+              <a:buFont typeface="Arial" panose="020B0604020202020204" pitchFamily="34" charset="0"/>
+              <a:buChar char="•"/>
+            </a:pPr>
+            <a:endParaRPr lang="fr-FR" dirty="0"/>
+          </a:p>
+          <a:p>
+            <a:pPr marL="285750" indent="-285750">
+              <a:buFont typeface="Arial" panose="020B0604020202020204" pitchFamily="34" charset="0"/>
+              <a:buChar char="•"/>
+            </a:pPr>
+            <a:r>
+              <a:rPr lang="fr-FR" dirty="0"/>
+              <a:t>On va simplement appliquer ce que l’on a fait précédemment plusieurs fois</a:t>
+            </a:r>
+          </a:p>
+          <a:p>
+            <a:pPr marL="285750" indent="-285750">
+              <a:buFont typeface="Arial" panose="020B0604020202020204" pitchFamily="34" charset="0"/>
+              <a:buChar char="•"/>
+            </a:pPr>
+            <a:endParaRPr lang="fr-FR" dirty="0"/>
+          </a:p>
+          <a:p>
+            <a:pPr marL="285750" indent="-285750">
+              <a:buFont typeface="Arial" panose="020B0604020202020204" pitchFamily="34" charset="0"/>
+              <a:buChar char="•"/>
+            </a:pPr>
+            <a:r>
+              <a:rPr lang="fr-FR" dirty="0"/>
+              <a:t>On va partir d’un mouvement simple</a:t>
+            </a:r>
+          </a:p>
+        </p:txBody>
+      </p:sp>
+    </p:spTree>
+    <p:extLst>
+      <p:ext uri="{BB962C8B-B14F-4D97-AF65-F5344CB8AC3E}">
+        <p14:creationId xmlns:p14="http://schemas.microsoft.com/office/powerpoint/2010/main" val="3085823411"/>
+      </p:ext>
+    </p:extLst>
+  </p:cSld>
+  <p:clrMapOvr>
+    <a:masterClrMapping/>
+  </p:clrMapOvr>
+  <p:transition spd="slow">
+    <p:wipe/>
+  </p:transition>
+  <p:timing>
+    <p:tnLst>
+      <p:par>
+        <p:cTn id="1" dur="indefinite" restart="never" nodeType="tmRoot">
+          <p:childTnLst>
+            <p:seq concurrent="1" nextAc="seek">
+              <p:cTn id="2" dur="indefinite" nodeType="mainSeq">
+                <p:childTnLst>
+                  <p:par>
+                    <p:cTn id="3" fill="hold">
+                      <p:stCondLst>
+                        <p:cond delay="indefinite"/>
+                      </p:stCondLst>
+                      <p:childTnLst>
+                        <p:par>
+                          <p:cTn id="4" fill="hold">
+                            <p:stCondLst>
+                              <p:cond delay="0"/>
+                            </p:stCondLst>
+                            <p:childTnLst>
+                              <p:par>
+                                <p:cTn id="5" presetID="1" presetClass="entr" presetSubtype="0" fill="hold" nodeType="clickEffect">
+                                  <p:stCondLst>
+                                    <p:cond delay="0"/>
+                                  </p:stCondLst>
+                                  <p:childTnLst>
+                                    <p:set>
+                                      <p:cBhvr>
+                                        <p:cTn id="6" dur="1" fill="hold">
+                                          <p:stCondLst>
+                                            <p:cond delay="0"/>
+                                          </p:stCondLst>
+                                        </p:cTn>
+                                        <p:tgtEl>
+                                          <p:spTgt spid="6"/>
+                                        </p:tgtEl>
+                                        <p:attrNameLst>
+                                          <p:attrName>style.visibility</p:attrName>
+                                        </p:attrNameLst>
+                                      </p:cBhvr>
+                                      <p:to>
+                                        <p:strVal val="visible"/>
+                                      </p:to>
+                                    </p:set>
+                                  </p:childTnLst>
+                                </p:cTn>
+                              </p:par>
+                            </p:childTnLst>
+                          </p:cTn>
+                        </p:par>
+                      </p:childTnLst>
+                    </p:cTn>
+                  </p:par>
+                </p:childTnLst>
+              </p:cTn>
+              <p:prevCondLst>
+                <p:cond evt="onPrev" delay="0">
+                  <p:tgtEl>
+                    <p:sldTgt/>
+                  </p:tgtEl>
+                </p:cond>
+              </p:prevCondLst>
+              <p:nextCondLst>
+                <p:cond evt="onNext" delay="0">
+                  <p:tgtEl>
+                    <p:sldTgt/>
+                  </p:tgtEl>
+                </p:cond>
+              </p:nextCondLst>
+            </p:seq>
+          </p:childTnLst>
+        </p:cTn>
+      </p:par>
+    </p:tnLst>
+  </p:timing>
+</p:sld>
+</file>
+
+<file path=ppt/slides/slide13.xml><?xml version="1.0" encoding="utf-8"?>
+<p:sld xmlns:a="http://schemas.openxmlformats.org/drawingml/2006/main" xmlns:r="http://schemas.openxmlformats.org/officeDocument/2006/relationships" xmlns:p="http://schemas.openxmlformats.org/presentationml/2006/main">
+  <p:cSld>
+    <p:spTree>
+      <p:nvGrpSpPr>
+        <p:cNvPr id="1" name=""/>
+        <p:cNvGrpSpPr/>
+        <p:nvPr/>
+      </p:nvGrpSpPr>
+      <p:grpSpPr>
+        <a:xfrm>
+          <a:off x="0" y="0"/>
+          <a:ext cx="0" cy="0"/>
+          <a:chOff x="0" y="0"/>
+          <a:chExt cx="0" cy="0"/>
+        </a:xfrm>
+      </p:grpSpPr>
+      <p:sp>
+        <p:nvSpPr>
+          <p:cNvPr id="2" name="Titre 1">
+            <a:extLst>
+              <a:ext uri="{FF2B5EF4-FFF2-40B4-BE49-F238E27FC236}">
+                <a16:creationId xmlns:a16="http://schemas.microsoft.com/office/drawing/2014/main" id="{0E974D46-E076-47C5-B178-1EFAC06D0C2F}"/>
+              </a:ext>
+            </a:extLst>
+          </p:cNvPr>
+          <p:cNvSpPr>
+            <a:spLocks noGrp="1"/>
+          </p:cNvSpPr>
+          <p:nvPr>
+            <p:ph type="title"/>
+          </p:nvPr>
+        </p:nvSpPr>
+        <p:spPr/>
+        <p:txBody>
+          <a:bodyPr/>
+          <a:lstStyle/>
+          <a:p>
+            <a:r>
+              <a:rPr lang="fr-FR" dirty="0"/>
+              <a:t>Evolution des angles au cours du temps</a:t>
+            </a:r>
+          </a:p>
+        </p:txBody>
+      </p:sp>
+      <p:sp>
+        <p:nvSpPr>
+          <p:cNvPr id="4" name="Espace réservé du texte 3">
+            <a:extLst>
+              <a:ext uri="{FF2B5EF4-FFF2-40B4-BE49-F238E27FC236}">
+                <a16:creationId xmlns:a16="http://schemas.microsoft.com/office/drawing/2014/main" id="{0D61EA00-A462-462F-B969-CE6B36EF6607}"/>
+              </a:ext>
+            </a:extLst>
+          </p:cNvPr>
+          <p:cNvSpPr>
+            <a:spLocks noGrp="1"/>
+          </p:cNvSpPr>
+          <p:nvPr>
+            <p:ph type="body" sz="half" idx="2"/>
+          </p:nvPr>
+        </p:nvSpPr>
+        <p:spPr/>
+        <p:txBody>
+          <a:bodyPr/>
+          <a:lstStyle/>
+          <a:p>
+            <a:pPr marL="285750" indent="-285750">
+              <a:buFontTx/>
+              <a:buChar char="-"/>
+            </a:pPr>
+            <a:r>
+              <a:rPr lang="fr-FR" dirty="0"/>
+              <a:t>Faire en sorte que les sources soient superposées</a:t>
+            </a:r>
+          </a:p>
+          <a:p>
+            <a:pPr marL="285750" indent="-285750">
+              <a:buFontTx/>
+              <a:buChar char="-"/>
+            </a:pPr>
+            <a:endParaRPr lang="fr-FR" dirty="0"/>
+          </a:p>
+          <a:p>
+            <a:pPr marL="285750" indent="-285750">
+              <a:buFontTx/>
+              <a:buChar char="-"/>
+            </a:pPr>
+            <a:r>
+              <a:rPr lang="fr-FR" dirty="0"/>
+              <a:t>Voir ce qu’il se passe si les sources sont trop proches</a:t>
+            </a:r>
+          </a:p>
+          <a:p>
+            <a:pPr marL="285750" indent="-285750">
+              <a:buFontTx/>
+              <a:buChar char="-"/>
+            </a:pPr>
+            <a:endParaRPr lang="fr-FR" dirty="0"/>
+          </a:p>
+          <a:p>
+            <a:pPr marL="285750" indent="-285750">
+              <a:buFontTx/>
+              <a:buChar char="-"/>
+            </a:pPr>
+            <a:endParaRPr lang="fr-FR" dirty="0"/>
+          </a:p>
+        </p:txBody>
+      </p:sp>
+      <p:pic>
+        <p:nvPicPr>
+          <p:cNvPr id="1026" name="Picture 2">
+            <a:extLst>
+              <a:ext uri="{FF2B5EF4-FFF2-40B4-BE49-F238E27FC236}">
+                <a16:creationId xmlns:a16="http://schemas.microsoft.com/office/drawing/2014/main" id="{8A38F5C6-DA9E-457D-AE32-4C74633BD968}"/>
+              </a:ext>
+            </a:extLst>
+          </p:cNvPr>
+          <p:cNvPicPr>
+            <a:picLocks noGrp="1" noChangeAspect="1" noChangeArrowheads="1"/>
+          </p:cNvPicPr>
+          <p:nvPr>
+            <p:ph idx="1"/>
+          </p:nvPr>
+        </p:nvPicPr>
+        <p:blipFill>
+          <a:blip r:embed="rId3">
+            <a:extLst>
+              <a:ext uri="{28A0092B-C50C-407E-A947-70E740481C1C}">
+                <a14:useLocalDpi xmlns:a14="http://schemas.microsoft.com/office/drawing/2010/main" val="0"/>
+              </a:ext>
+            </a:extLst>
+          </a:blip>
+          <a:srcRect/>
+          <a:stretch>
+            <a:fillRect/>
+          </a:stretch>
+        </p:blipFill>
+        <p:spPr bwMode="auto">
+          <a:xfrm>
+            <a:off x="5707063" y="982663"/>
+            <a:ext cx="4892675" cy="4892675"/>
+          </a:xfrm>
+          <a:prstGeom prst="rect">
+            <a:avLst/>
+          </a:prstGeom>
+          <a:noFill/>
+          <a:extLst>
+            <a:ext uri="{909E8E84-426E-40DD-AFC4-6F175D3DCCD1}">
+              <a14:hiddenFill xmlns:a14="http://schemas.microsoft.com/office/drawing/2010/main">
+                <a:solidFill>
+                  <a:srgbClr val="FFFFFF"/>
+                </a:solidFill>
+              </a14:hiddenFill>
+            </a:ext>
+          </a:extLst>
+        </p:spPr>
+      </p:pic>
+    </p:spTree>
+    <p:extLst>
+      <p:ext uri="{BB962C8B-B14F-4D97-AF65-F5344CB8AC3E}">
+        <p14:creationId xmlns:p14="http://schemas.microsoft.com/office/powerpoint/2010/main" val="3896122733"/>
+      </p:ext>
+    </p:extLst>
+  </p:cSld>
+  <p:clrMapOvr>
+    <a:masterClrMapping/>
+  </p:clrMapOvr>
+  <p:transition spd="slow">
+    <p:wipe/>
+  </p:transition>
+</p:sld>
+</file>
+
+<file path=ppt/slides/slide14.xml><?xml version="1.0" encoding="utf-8"?>
+<p:sld xmlns:a="http://schemas.openxmlformats.org/drawingml/2006/main" xmlns:r="http://schemas.openxmlformats.org/officeDocument/2006/relationships" xmlns:p="http://schemas.openxmlformats.org/presentationml/2006/main">
+  <p:cSld>
+    <p:spTree>
+      <p:nvGrpSpPr>
+        <p:cNvPr id="1" name=""/>
+        <p:cNvGrpSpPr/>
+        <p:nvPr/>
+      </p:nvGrpSpPr>
+      <p:grpSpPr>
+        <a:xfrm>
+          <a:off x="0" y="0"/>
+          <a:ext cx="0" cy="0"/>
+          <a:chOff x="0" y="0"/>
+          <a:chExt cx="0" cy="0"/>
+        </a:xfrm>
+      </p:grpSpPr>
+      <p:sp>
+        <p:nvSpPr>
+          <p:cNvPr id="2" name="Titre 1">
+            <a:extLst>
+              <a:ext uri="{FF2B5EF4-FFF2-40B4-BE49-F238E27FC236}">
+                <a16:creationId xmlns:a16="http://schemas.microsoft.com/office/drawing/2014/main" id="{2FB9B3CB-8626-492B-800A-9F905FFB3D0C}"/>
+              </a:ext>
+            </a:extLst>
+          </p:cNvPr>
+          <p:cNvSpPr>
+            <a:spLocks noGrp="1"/>
+          </p:cNvSpPr>
+          <p:nvPr>
+            <p:ph type="title"/>
+          </p:nvPr>
+        </p:nvSpPr>
+        <p:spPr>
+          <a:xfrm>
+            <a:off x="1393935" y="1681655"/>
+            <a:ext cx="9404129" cy="604344"/>
+          </a:xfrm>
+        </p:spPr>
+        <p:txBody>
+          <a:bodyPr>
+            <a:normAutofit fontScale="90000"/>
+          </a:bodyPr>
+          <a:lstStyle/>
+          <a:p>
+            <a:r>
+              <a:rPr lang="fr-FR" dirty="0"/>
+              <a:t>Largeur et mi-hauteur et résolution spatiale</a:t>
+            </a:r>
+          </a:p>
+        </p:txBody>
+      </p:sp>
+      <p:pic>
+        <p:nvPicPr>
+          <p:cNvPr id="7" name="Image 6">
+            <a:extLst>
+              <a:ext uri="{FF2B5EF4-FFF2-40B4-BE49-F238E27FC236}">
+                <a16:creationId xmlns:a16="http://schemas.microsoft.com/office/drawing/2014/main" id="{CA64B727-BF13-4237-BF03-A2251D2DC29F}"/>
+              </a:ext>
+            </a:extLst>
+          </p:cNvPr>
+          <p:cNvPicPr/>
+          <p:nvPr/>
+        </p:nvPicPr>
+        <p:blipFill>
+          <a:blip r:embed="rId3" cstate="print">
+            <a:extLst>
+              <a:ext uri="{28A0092B-C50C-407E-A947-70E740481C1C}">
+                <a14:useLocalDpi xmlns:a14="http://schemas.microsoft.com/office/drawing/2010/main" val="0"/>
+              </a:ext>
+            </a:extLst>
+          </a:blip>
+          <a:stretch>
+            <a:fillRect/>
+          </a:stretch>
+        </p:blipFill>
+        <p:spPr>
+          <a:xfrm>
+            <a:off x="3665209" y="2937350"/>
+            <a:ext cx="4861582" cy="3269302"/>
+          </a:xfrm>
+          <a:prstGeom prst="rect">
+            <a:avLst/>
+          </a:prstGeom>
+        </p:spPr>
+      </p:pic>
+    </p:spTree>
+    <p:extLst>
+      <p:ext uri="{BB962C8B-B14F-4D97-AF65-F5344CB8AC3E}">
+        <p14:creationId xmlns:p14="http://schemas.microsoft.com/office/powerpoint/2010/main" val="1905760650"/>
+      </p:ext>
+    </p:extLst>
+  </p:cSld>
+  <p:clrMapOvr>
+    <a:masterClrMapping/>
+  </p:clrMapOvr>
 </p:sld>
 </file>
 

--- a/Soutenance.pptx
+++ b/Soutenance.pptx
@@ -5,7 +5,7 @@
     <p:sldMasterId id="2147483648" r:id="rId1"/>
   </p:sldMasterIdLst>
   <p:notesMasterIdLst>
-    <p:notesMasterId r:id="rId16"/>
+    <p:notesMasterId r:id="rId18"/>
   </p:notesMasterIdLst>
   <p:sldIdLst>
     <p:sldId id="256" r:id="rId2"/>
@@ -22,6 +22,8 @@
     <p:sldId id="267" r:id="rId13"/>
     <p:sldId id="268" r:id="rId14"/>
     <p:sldId id="269" r:id="rId15"/>
+    <p:sldId id="270" r:id="rId16"/>
+    <p:sldId id="271" r:id="rId17"/>
   </p:sldIdLst>
   <p:sldSz cx="12192000" cy="6858000"/>
   <p:notesSz cx="6858000" cy="9144000"/>
@@ -210,7 +212,7 @@
           <a:p>
             <a:fld id="{1C4918F8-3781-C942-9B1B-713CC283EA91}" type="datetimeFigureOut">
               <a:rPr lang="fr-FR" smtClean="0"/>
-              <a:t>03/11/2020</a:t>
+              <a:t>04/11/2020</a:t>
             </a:fld>
             <a:endParaRPr lang="fr-FR"/>
           </a:p>
@@ -532,7 +534,15 @@
           <a:p>
             <a:r>
               <a:rPr lang="fr-FR" dirty="0"/>
-              <a:t>- Expliquer mon projet professionnel, mais aussi ce qui m’a amené à vouloir aller à l’ERM</a:t>
+              <a:t>- Expliquer mon projet professionnel (guerre </a:t>
+            </a:r>
+            <a:r>
+              <a:rPr lang="fr-FR" dirty="0" err="1"/>
+              <a:t>electronique</a:t>
+            </a:r>
+            <a:r>
+              <a:rPr lang="fr-FR" dirty="0"/>
+              <a:t>, RADAR, application au contexte opérationnel), mais aussi ce qui m’a amené à vouloir aller à l’ERM ( Similitude à l’ENSTA ) </a:t>
             </a:r>
           </a:p>
           <a:p>
@@ -1354,6 +1364,243 @@
     <p:extLst>
       <p:ext uri="{BB962C8B-B14F-4D97-AF65-F5344CB8AC3E}">
         <p14:creationId xmlns:p14="http://schemas.microsoft.com/office/powerpoint/2010/main" val="1499995410"/>
+      </p:ext>
+    </p:extLst>
+  </p:cSld>
+  <p:clrMapOvr>
+    <a:masterClrMapping/>
+  </p:clrMapOvr>
+</p:notes>
+</file>
+
+<file path=ppt/notesSlides/notesSlide15.xml><?xml version="1.0" encoding="utf-8"?>
+<p:notes xmlns:a="http://schemas.openxmlformats.org/drawingml/2006/main" xmlns:r="http://schemas.openxmlformats.org/officeDocument/2006/relationships" xmlns:p="http://schemas.openxmlformats.org/presentationml/2006/main">
+  <p:cSld>
+    <p:spTree>
+      <p:nvGrpSpPr>
+        <p:cNvPr id="1" name=""/>
+        <p:cNvGrpSpPr/>
+        <p:nvPr/>
+      </p:nvGrpSpPr>
+      <p:grpSpPr>
+        <a:xfrm>
+          <a:off x="0" y="0"/>
+          <a:ext cx="0" cy="0"/>
+          <a:chOff x="0" y="0"/>
+          <a:chExt cx="0" cy="0"/>
+        </a:xfrm>
+      </p:grpSpPr>
+      <p:sp>
+        <p:nvSpPr>
+          <p:cNvPr id="2" name="Espace réservé de l'image des diapositives 1"/>
+          <p:cNvSpPr>
+            <a:spLocks noGrp="1" noRot="1" noChangeAspect="1"/>
+          </p:cNvSpPr>
+          <p:nvPr>
+            <p:ph type="sldImg"/>
+          </p:nvPr>
+        </p:nvSpPr>
+        <p:spPr/>
+      </p:sp>
+      <p:sp>
+        <p:nvSpPr>
+          <p:cNvPr id="3" name="Espace réservé des notes 2"/>
+          <p:cNvSpPr>
+            <a:spLocks noGrp="1"/>
+          </p:cNvSpPr>
+          <p:nvPr>
+            <p:ph type="body" idx="1"/>
+          </p:nvPr>
+        </p:nvSpPr>
+        <p:spPr/>
+        <p:txBody>
+          <a:bodyPr/>
+          <a:lstStyle/>
+          <a:p>
+            <a:pPr algn="l"/>
+            <a:r>
+              <a:rPr lang="fr-FR" b="1" i="0" dirty="0">
+                <a:solidFill>
+                  <a:srgbClr val="000000"/>
+                </a:solidFill>
+                <a:effectLst/>
+                <a:latin typeface="Helvetica Neue"/>
+              </a:rPr>
+              <a:t>Les deux notebooks précédents illustrent respectivement :</a:t>
+            </a:r>
+          </a:p>
+          <a:p>
+            <a:pPr algn="l">
+              <a:buFont typeface="Arial" panose="020B0604020202020204" pitchFamily="34" charset="0"/>
+              <a:buChar char="•"/>
+            </a:pPr>
+            <a:r>
+              <a:rPr lang="fr-FR" b="0" i="0" dirty="0">
+                <a:solidFill>
+                  <a:srgbClr val="000000"/>
+                </a:solidFill>
+                <a:effectLst/>
+                <a:latin typeface="Helvetica Neue"/>
+              </a:rPr>
+              <a:t>L'estimation de la direction d'arrivée d'un signal et la comparaison de différentes méthodes (Justesse, faux-positif, non-détection, robustesse de la méthode au mouvement)</a:t>
+            </a:r>
+          </a:p>
+          <a:p>
+            <a:pPr algn="l">
+              <a:buFont typeface="Arial" panose="020B0604020202020204" pitchFamily="34" charset="0"/>
+              <a:buChar char="•"/>
+            </a:pPr>
+            <a:r>
+              <a:rPr lang="fr-FR" b="0" i="0" dirty="0">
+                <a:solidFill>
+                  <a:srgbClr val="000000"/>
+                </a:solidFill>
+                <a:effectLst/>
+                <a:latin typeface="Helvetica Neue"/>
+              </a:rPr>
+              <a:t>La mise en place d'une situation s'approchant de la réalité et introduire le principe d'émission dans une certaine direction.</a:t>
+            </a:r>
+          </a:p>
+          <a:p>
+            <a:endParaRPr lang="fr-FR" dirty="0"/>
+          </a:p>
+        </p:txBody>
+      </p:sp>
+      <p:sp>
+        <p:nvSpPr>
+          <p:cNvPr id="4" name="Espace réservé du numéro de diapositive 3"/>
+          <p:cNvSpPr>
+            <a:spLocks noGrp="1"/>
+          </p:cNvSpPr>
+          <p:nvPr>
+            <p:ph type="sldNum" sz="quarter" idx="5"/>
+          </p:nvPr>
+        </p:nvSpPr>
+        <p:spPr/>
+        <p:txBody>
+          <a:bodyPr/>
+          <a:lstStyle/>
+          <a:p>
+            <a:fld id="{946D1AFA-ED8B-B94E-B29F-CABEC407D280}" type="slidenum">
+              <a:rPr lang="fr-FR" smtClean="0"/>
+              <a:t>15</a:t>
+            </a:fld>
+            <a:endParaRPr lang="fr-FR"/>
+          </a:p>
+        </p:txBody>
+      </p:sp>
+    </p:spTree>
+    <p:extLst>
+      <p:ext uri="{BB962C8B-B14F-4D97-AF65-F5344CB8AC3E}">
+        <p14:creationId xmlns:p14="http://schemas.microsoft.com/office/powerpoint/2010/main" val="1728229746"/>
+      </p:ext>
+    </p:extLst>
+  </p:cSld>
+  <p:clrMapOvr>
+    <a:masterClrMapping/>
+  </p:clrMapOvr>
+</p:notes>
+</file>
+
+<file path=ppt/notesSlides/notesSlide16.xml><?xml version="1.0" encoding="utf-8"?>
+<p:notes xmlns:a="http://schemas.openxmlformats.org/drawingml/2006/main" xmlns:r="http://schemas.openxmlformats.org/officeDocument/2006/relationships" xmlns:p="http://schemas.openxmlformats.org/presentationml/2006/main">
+  <p:cSld>
+    <p:spTree>
+      <p:nvGrpSpPr>
+        <p:cNvPr id="1" name=""/>
+        <p:cNvGrpSpPr/>
+        <p:nvPr/>
+      </p:nvGrpSpPr>
+      <p:grpSpPr>
+        <a:xfrm>
+          <a:off x="0" y="0"/>
+          <a:ext cx="0" cy="0"/>
+          <a:chOff x="0" y="0"/>
+          <a:chExt cx="0" cy="0"/>
+        </a:xfrm>
+      </p:grpSpPr>
+      <p:sp>
+        <p:nvSpPr>
+          <p:cNvPr id="2" name="Espace réservé de l'image des diapositives 1"/>
+          <p:cNvSpPr>
+            <a:spLocks noGrp="1" noRot="1" noChangeAspect="1"/>
+          </p:cNvSpPr>
+          <p:nvPr>
+            <p:ph type="sldImg"/>
+          </p:nvPr>
+        </p:nvSpPr>
+        <p:spPr/>
+      </p:sp>
+      <p:sp>
+        <p:nvSpPr>
+          <p:cNvPr id="3" name="Espace réservé des notes 2"/>
+          <p:cNvSpPr>
+            <a:spLocks noGrp="1"/>
+          </p:cNvSpPr>
+          <p:nvPr>
+            <p:ph type="body" idx="1"/>
+          </p:nvPr>
+        </p:nvSpPr>
+        <p:spPr/>
+        <p:txBody>
+          <a:bodyPr/>
+          <a:lstStyle/>
+          <a:p>
+            <a:pPr algn="l">
+              <a:lnSpc>
+                <a:spcPct val="115000"/>
+              </a:lnSpc>
+            </a:pPr>
+            <a:r>
+              <a:rPr lang="fr-FR" sz="1800" dirty="0">
+                <a:effectLst/>
+                <a:latin typeface="Calibri" panose="020F0502020204030204" pitchFamily="34" charset="0"/>
+                <a:ea typeface="Calibri" panose="020F0502020204030204" pitchFamily="34" charset="0"/>
+                <a:cs typeface="Times New Roman" panose="02020603050405020304" pitchFamily="18" charset="0"/>
+              </a:rPr>
+              <a:t>Nous nous rendons bien compte qu’en complexifiant la matrice de covariance R, on obtient plus difficilement les directions d’intérêt. En effet, nous voyons dans un premier temps que l’amplitude des pics n’est pas la même, alors que les sources sont à la même distance. De plus, un troisième pic fait son apparition, et vient potentiellement perturber l’estimation des directions d’intérêt en induisant un faux-positif. </a:t>
+            </a:r>
+          </a:p>
+          <a:p>
+            <a:br>
+              <a:rPr lang="fr-FR" sz="1800" dirty="0">
+                <a:effectLst/>
+                <a:latin typeface="Calibri" panose="020F0502020204030204" pitchFamily="34" charset="0"/>
+                <a:ea typeface="Calibri" panose="020F0502020204030204" pitchFamily="34" charset="0"/>
+                <a:cs typeface="Times New Roman" panose="02020603050405020304" pitchFamily="18" charset="0"/>
+              </a:rPr>
+            </a:br>
+            <a:endParaRPr lang="fr-FR" dirty="0"/>
+          </a:p>
+        </p:txBody>
+      </p:sp>
+      <p:sp>
+        <p:nvSpPr>
+          <p:cNvPr id="4" name="Espace réservé du numéro de diapositive 3"/>
+          <p:cNvSpPr>
+            <a:spLocks noGrp="1"/>
+          </p:cNvSpPr>
+          <p:nvPr>
+            <p:ph type="sldNum" sz="quarter" idx="5"/>
+          </p:nvPr>
+        </p:nvSpPr>
+        <p:spPr/>
+        <p:txBody>
+          <a:bodyPr/>
+          <a:lstStyle/>
+          <a:p>
+            <a:fld id="{946D1AFA-ED8B-B94E-B29F-CABEC407D280}" type="slidenum">
+              <a:rPr lang="fr-FR" smtClean="0"/>
+              <a:t>16</a:t>
+            </a:fld>
+            <a:endParaRPr lang="fr-FR"/>
+          </a:p>
+        </p:txBody>
+      </p:sp>
+    </p:spTree>
+    <p:extLst>
+      <p:ext uri="{BB962C8B-B14F-4D97-AF65-F5344CB8AC3E}">
+        <p14:creationId xmlns:p14="http://schemas.microsoft.com/office/powerpoint/2010/main" val="403921720"/>
       </p:ext>
     </p:extLst>
   </p:cSld>
@@ -2690,7 +2937,7 @@
             <a:fld id="{B61BEF0D-F0BB-DE4B-95CE-6DB70DBA9567}" type="datetimeFigureOut">
               <a:rPr lang="en-US" dirty="0"/>
               <a:pPr/>
-              <a:t>11/3/2020</a:t>
+              <a:t>11/4/2020</a:t>
             </a:fld>
             <a:endParaRPr lang="en-US" dirty="0"/>
           </a:p>
@@ -3011,7 +3258,7 @@
             <a:fld id="{B61BEF0D-F0BB-DE4B-95CE-6DB70DBA9567}" type="datetimeFigureOut">
               <a:rPr lang="en-US" dirty="0"/>
               <a:pPr/>
-              <a:t>11/3/2020</a:t>
+              <a:t>11/4/2020</a:t>
             </a:fld>
             <a:endParaRPr lang="en-US" dirty="0"/>
           </a:p>
@@ -3256,7 +3503,7 @@
             <a:fld id="{B61BEF0D-F0BB-DE4B-95CE-6DB70DBA9567}" type="datetimeFigureOut">
               <a:rPr lang="en-US" dirty="0"/>
               <a:pPr/>
-              <a:t>11/3/2020</a:t>
+              <a:t>11/4/2020</a:t>
             </a:fld>
             <a:endParaRPr lang="en-US" dirty="0"/>
           </a:p>
@@ -3592,7 +3839,7 @@
             <a:fld id="{B61BEF0D-F0BB-DE4B-95CE-6DB70DBA9567}" type="datetimeFigureOut">
               <a:rPr lang="en-US" dirty="0"/>
               <a:pPr/>
-              <a:t>11/3/2020</a:t>
+              <a:t>11/4/2020</a:t>
             </a:fld>
             <a:endParaRPr lang="en-US" dirty="0"/>
           </a:p>
@@ -3936,7 +4183,7 @@
             <a:fld id="{B61BEF0D-F0BB-DE4B-95CE-6DB70DBA9567}" type="datetimeFigureOut">
               <a:rPr lang="en-US" dirty="0"/>
               <a:pPr/>
-              <a:t>11/3/2020</a:t>
+              <a:t>11/4/2020</a:t>
             </a:fld>
             <a:endParaRPr lang="en-US" dirty="0"/>
           </a:p>
@@ -4307,7 +4554,7 @@
             <a:fld id="{B61BEF0D-F0BB-DE4B-95CE-6DB70DBA9567}" type="datetimeFigureOut">
               <a:rPr lang="en-US" dirty="0"/>
               <a:pPr/>
-              <a:t>11/3/2020</a:t>
+              <a:t>11/4/2020</a:t>
             </a:fld>
             <a:endParaRPr lang="en-US" dirty="0"/>
           </a:p>
@@ -4774,7 +5021,7 @@
             <a:fld id="{B61BEF0D-F0BB-DE4B-95CE-6DB70DBA9567}" type="datetimeFigureOut">
               <a:rPr lang="en-US" dirty="0"/>
               <a:pPr/>
-              <a:t>11/3/2020</a:t>
+              <a:t>11/4/2020</a:t>
             </a:fld>
             <a:endParaRPr lang="en-US" dirty="0"/>
           </a:p>
@@ -4976,7 +5223,7 @@
             <a:fld id="{B61BEF0D-F0BB-DE4B-95CE-6DB70DBA9567}" type="datetimeFigureOut">
               <a:rPr lang="en-US" dirty="0"/>
               <a:pPr/>
-              <a:t>11/3/2020</a:t>
+              <a:t>11/4/2020</a:t>
             </a:fld>
             <a:endParaRPr lang="en-US" dirty="0"/>
           </a:p>
@@ -5184,7 +5431,7 @@
             <a:fld id="{B61BEF0D-F0BB-DE4B-95CE-6DB70DBA9567}" type="datetimeFigureOut">
               <a:rPr lang="en-US" dirty="0"/>
               <a:pPr/>
-              <a:t>11/3/2020</a:t>
+              <a:t>11/4/2020</a:t>
             </a:fld>
             <a:endParaRPr lang="en-US" dirty="0"/>
           </a:p>
@@ -5412,7 +5659,7 @@
           <a:p>
             <a:fld id="{52647F38-B617-4D2F-AE0A-013F0C4D2C57}" type="datetimeFigureOut">
               <a:rPr lang="en-US" dirty="0"/>
-              <a:t>11/3/2020</a:t>
+              <a:t>11/4/2020</a:t>
             </a:fld>
             <a:endParaRPr lang="en-US" dirty="0"/>
           </a:p>
@@ -5656,7 +5903,7 @@
             <a:fld id="{B61BEF0D-F0BB-DE4B-95CE-6DB70DBA9567}" type="datetimeFigureOut">
               <a:rPr lang="en-US" dirty="0"/>
               <a:pPr/>
-              <a:t>11/3/2020</a:t>
+              <a:t>11/4/2020</a:t>
             </a:fld>
             <a:endParaRPr lang="en-US" dirty="0"/>
           </a:p>
@@ -5950,7 +6197,7 @@
           <a:p>
             <a:fld id="{05BFA754-D5C3-4E66-96A6-867B257F58DC}" type="datetimeFigureOut">
               <a:rPr lang="en-US" dirty="0"/>
-              <a:t>11/3/2020</a:t>
+              <a:t>11/4/2020</a:t>
             </a:fld>
             <a:endParaRPr lang="en-US" dirty="0"/>
           </a:p>
@@ -6340,7 +6587,7 @@
             <a:fld id="{B61BEF0D-F0BB-DE4B-95CE-6DB70DBA9567}" type="datetimeFigureOut">
               <a:rPr lang="en-US" dirty="0"/>
               <a:pPr/>
-              <a:t>11/3/2020</a:t>
+              <a:t>11/4/2020</a:t>
             </a:fld>
             <a:endParaRPr lang="en-US" dirty="0"/>
           </a:p>
@@ -6486,7 +6733,7 @@
             <a:fld id="{B61BEF0D-F0BB-DE4B-95CE-6DB70DBA9567}" type="datetimeFigureOut">
               <a:rPr lang="en-US" dirty="0"/>
               <a:pPr/>
-              <a:t>11/3/2020</a:t>
+              <a:t>11/4/2020</a:t>
             </a:fld>
             <a:endParaRPr lang="en-US" dirty="0"/>
           </a:p>
@@ -6609,7 +6856,7 @@
             <a:fld id="{B61BEF0D-F0BB-DE4B-95CE-6DB70DBA9567}" type="datetimeFigureOut">
               <a:rPr lang="en-US" dirty="0"/>
               <a:pPr/>
-              <a:t>11/3/2020</a:t>
+              <a:t>11/4/2020</a:t>
             </a:fld>
             <a:endParaRPr lang="en-US" dirty="0"/>
           </a:p>
@@ -6861,7 +7108,7 @@
             <a:fld id="{B61BEF0D-F0BB-DE4B-95CE-6DB70DBA9567}" type="datetimeFigureOut">
               <a:rPr lang="en-US" dirty="0"/>
               <a:pPr/>
-              <a:t>11/3/2020</a:t>
+              <a:t>11/4/2020</a:t>
             </a:fld>
             <a:endParaRPr lang="en-US" dirty="0"/>
           </a:p>
@@ -7173,7 +7420,7 @@
             <a:fld id="{B61BEF0D-F0BB-DE4B-95CE-6DB70DBA9567}" type="datetimeFigureOut">
               <a:rPr lang="en-US" dirty="0"/>
               <a:pPr/>
-              <a:t>11/3/2020</a:t>
+              <a:t>11/4/2020</a:t>
             </a:fld>
             <a:endParaRPr lang="en-US" dirty="0"/>
           </a:p>
@@ -7521,7 +7768,7 @@
             <a:fld id="{B61BEF0D-F0BB-DE4B-95CE-6DB70DBA9567}" type="datetimeFigureOut">
               <a:rPr lang="en-US" dirty="0"/>
               <a:pPr/>
-              <a:t>11/3/2020</a:t>
+              <a:t>11/4/2020</a:t>
             </a:fld>
             <a:endParaRPr lang="en-US" dirty="0"/>
           </a:p>
@@ -11555,6 +11802,624 @@
   <p:clrMapOvr>
     <a:masterClrMapping/>
   </p:clrMapOvr>
+  <p:transition spd="slow">
+    <p:wipe/>
+  </p:transition>
+</p:sld>
+</file>
+
+<file path=ppt/slides/slide15.xml><?xml version="1.0" encoding="utf-8"?>
+<p:sld xmlns:a="http://schemas.openxmlformats.org/drawingml/2006/main" xmlns:r="http://schemas.openxmlformats.org/officeDocument/2006/relationships" xmlns:p="http://schemas.openxmlformats.org/presentationml/2006/main">
+  <p:cSld>
+    <p:spTree>
+      <p:nvGrpSpPr>
+        <p:cNvPr id="1" name=""/>
+        <p:cNvGrpSpPr/>
+        <p:nvPr/>
+      </p:nvGrpSpPr>
+      <p:grpSpPr>
+        <a:xfrm>
+          <a:off x="0" y="0"/>
+          <a:ext cx="0" cy="0"/>
+          <a:chOff x="0" y="0"/>
+          <a:chExt cx="0" cy="0"/>
+        </a:xfrm>
+      </p:grpSpPr>
+      <p:sp>
+        <p:nvSpPr>
+          <p:cNvPr id="2" name="Titre 1">
+            <a:extLst>
+              <a:ext uri="{FF2B5EF4-FFF2-40B4-BE49-F238E27FC236}">
+                <a16:creationId xmlns:a16="http://schemas.microsoft.com/office/drawing/2014/main" id="{84F18207-C1CE-4B1B-A3BA-670067986130}"/>
+              </a:ext>
+            </a:extLst>
+          </p:cNvPr>
+          <p:cNvSpPr>
+            <a:spLocks noGrp="1"/>
+          </p:cNvSpPr>
+          <p:nvPr>
+            <p:ph type="title"/>
+          </p:nvPr>
+        </p:nvSpPr>
+        <p:spPr/>
+        <p:txBody>
+          <a:bodyPr/>
+          <a:lstStyle/>
+          <a:p>
+            <a:r>
+              <a:rPr lang="fr-FR" dirty="0"/>
+              <a:t>Dernier Notebook – </a:t>
+            </a:r>
+            <a:r>
+              <a:rPr lang="fr-FR" dirty="0" err="1"/>
+              <a:t>Simulation.ipynb</a:t>
+            </a:r>
+            <a:endParaRPr lang="fr-FR" dirty="0"/>
+          </a:p>
+        </p:txBody>
+      </p:sp>
+      <p:sp>
+        <p:nvSpPr>
+          <p:cNvPr id="3" name="Espace réservé du texte 2">
+            <a:extLst>
+              <a:ext uri="{FF2B5EF4-FFF2-40B4-BE49-F238E27FC236}">
+                <a16:creationId xmlns:a16="http://schemas.microsoft.com/office/drawing/2014/main" id="{4BF5E3B8-8AE0-47B0-A118-B1D35910FF52}"/>
+              </a:ext>
+            </a:extLst>
+          </p:cNvPr>
+          <p:cNvSpPr>
+            <a:spLocks noGrp="1"/>
+          </p:cNvSpPr>
+          <p:nvPr>
+            <p:ph type="body" idx="1"/>
+          </p:nvPr>
+        </p:nvSpPr>
+        <p:spPr/>
+        <p:txBody>
+          <a:bodyPr/>
+          <a:lstStyle/>
+          <a:p>
+            <a:r>
+              <a:rPr lang="fr-FR" dirty="0"/>
+              <a:t>Contexte</a:t>
+            </a:r>
+          </a:p>
+        </p:txBody>
+      </p:sp>
+      <mc:AlternateContent xmlns:mc="http://schemas.openxmlformats.org/markup-compatibility/2006">
+        <mc:Choice xmlns:a14="http://schemas.microsoft.com/office/drawing/2010/main" Requires="a14">
+          <p:sp>
+            <p:nvSpPr>
+              <p:cNvPr id="4" name="Espace réservé du contenu 3">
+                <a:extLst>
+                  <a:ext uri="{FF2B5EF4-FFF2-40B4-BE49-F238E27FC236}">
+                    <a16:creationId xmlns:a16="http://schemas.microsoft.com/office/drawing/2014/main" id="{2E8CAD63-5268-433B-BE81-6BD3D30E6389}"/>
+                  </a:ext>
+                </a:extLst>
+              </p:cNvPr>
+              <p:cNvSpPr>
+                <a:spLocks noGrp="1"/>
+              </p:cNvSpPr>
+              <p:nvPr>
+                <p:ph sz="half" idx="2"/>
+              </p:nvPr>
+            </p:nvSpPr>
+            <p:spPr/>
+            <p:txBody>
+              <a:bodyPr/>
+              <a:lstStyle/>
+              <a:p>
+                <a:r>
+                  <a:rPr lang="fr-FR" dirty="0"/>
+                  <a:t>Un système mobile, et deux RADAR pour l’éclairer.</a:t>
+                </a:r>
+              </a:p>
+              <a:p>
+                <a:r>
+                  <a:rPr lang="fr-FR" dirty="0" err="1"/>
+                  <a:t>Récéption</a:t>
+                </a:r>
+                <a:r>
+                  <a:rPr lang="fr-FR" dirty="0"/>
+                  <a:t> d’un signal s0, somme des deux signaux des RADAR</a:t>
+                </a:r>
+              </a:p>
+              <a:p>
+                <a:r>
+                  <a:rPr lang="fr-FR" dirty="0"/>
+                  <a:t>Etude de la matrice </a:t>
+                </a:r>
+                <a14:m>
+                  <m:oMath xmlns:m="http://schemas.openxmlformats.org/officeDocument/2006/math">
+                    <m:r>
+                      <a:rPr lang="fr-FR" sz="2000" b="1" i="1" smtClean="0">
+                        <a:effectLst/>
+                        <a:latin typeface="Cambria Math" panose="02040503050406030204" pitchFamily="18" charset="0"/>
+                        <a:ea typeface="Calibri" panose="020F0502020204030204" pitchFamily="34" charset="0"/>
+                        <a:cs typeface="Times New Roman" panose="02020603050405020304" pitchFamily="18" charset="0"/>
+                      </a:rPr>
+                      <m:t>𝐑</m:t>
+                    </m:r>
+                    <m:r>
+                      <a:rPr lang="fr-FR" sz="2000" i="1">
+                        <a:effectLst/>
+                        <a:latin typeface="Cambria Math" panose="02040503050406030204" pitchFamily="18" charset="0"/>
+                        <a:ea typeface="Calibri" panose="020F0502020204030204" pitchFamily="34" charset="0"/>
+                        <a:cs typeface="Times New Roman" panose="02020603050405020304" pitchFamily="18" charset="0"/>
+                      </a:rPr>
+                      <m:t>=</m:t>
+                    </m:r>
+                    <m:r>
+                      <a:rPr lang="fr-FR" sz="2000" b="1" i="1">
+                        <a:effectLst/>
+                        <a:latin typeface="Cambria Math" panose="02040503050406030204" pitchFamily="18" charset="0"/>
+                        <a:ea typeface="Calibri" panose="020F0502020204030204" pitchFamily="34" charset="0"/>
+                        <a:cs typeface="Times New Roman" panose="02020603050405020304" pitchFamily="18" charset="0"/>
+                      </a:rPr>
+                      <m:t>𝐄</m:t>
+                    </m:r>
+                    <m:r>
+                      <a:rPr lang="fr-FR" sz="2000" i="1">
+                        <a:effectLst/>
+                        <a:latin typeface="Cambria Math" panose="02040503050406030204" pitchFamily="18" charset="0"/>
+                        <a:ea typeface="Calibri" panose="020F0502020204030204" pitchFamily="34" charset="0"/>
+                        <a:cs typeface="Times New Roman" panose="02020603050405020304" pitchFamily="18" charset="0"/>
+                      </a:rPr>
+                      <m:t>(</m:t>
+                    </m:r>
+                    <m:sSub>
+                      <m:sSubPr>
+                        <m:ctrlPr>
+                          <a:rPr lang="fr-FR" sz="2800" i="1">
+                            <a:effectLst/>
+                            <a:latin typeface="Cambria Math" panose="02040503050406030204" pitchFamily="18" charset="0"/>
+                          </a:rPr>
+                        </m:ctrlPr>
+                      </m:sSubPr>
+                      <m:e>
+                        <m:r>
+                          <a:rPr lang="fr-FR" sz="2000" b="1" i="1">
+                            <a:effectLst/>
+                            <a:latin typeface="Cambria Math" panose="02040503050406030204" pitchFamily="18" charset="0"/>
+                            <a:ea typeface="Calibri" panose="020F0502020204030204" pitchFamily="34" charset="0"/>
+                            <a:cs typeface="Times New Roman" panose="02020603050405020304" pitchFamily="18" charset="0"/>
+                          </a:rPr>
+                          <m:t>𝐬</m:t>
+                        </m:r>
+                      </m:e>
+                      <m:sub>
+                        <m:r>
+                          <a:rPr lang="fr-FR" sz="2000" i="1">
+                            <a:effectLst/>
+                            <a:latin typeface="Cambria Math" panose="02040503050406030204" pitchFamily="18" charset="0"/>
+                            <a:ea typeface="Calibri" panose="020F0502020204030204" pitchFamily="34" charset="0"/>
+                            <a:cs typeface="Times New Roman" panose="02020603050405020304" pitchFamily="18" charset="0"/>
+                          </a:rPr>
+                          <m:t>0</m:t>
+                        </m:r>
+                      </m:sub>
+                    </m:sSub>
+                    <m:r>
+                      <a:rPr lang="fr-FR" sz="2000" i="1">
+                        <a:effectLst/>
+                        <a:latin typeface="Cambria Math" panose="02040503050406030204" pitchFamily="18" charset="0"/>
+                        <a:ea typeface="Calibri" panose="020F0502020204030204" pitchFamily="34" charset="0"/>
+                        <a:cs typeface="Times New Roman" panose="02020603050405020304" pitchFamily="18" charset="0"/>
+                      </a:rPr>
+                      <m:t>∗</m:t>
+                    </m:r>
+                    <m:sSubSup>
+                      <m:sSubSupPr>
+                        <m:ctrlPr>
+                          <a:rPr lang="fr-FR" sz="2800" i="1">
+                            <a:effectLst/>
+                            <a:latin typeface="Cambria Math" panose="02040503050406030204" pitchFamily="18" charset="0"/>
+                          </a:rPr>
+                        </m:ctrlPr>
+                      </m:sSubSupPr>
+                      <m:e>
+                        <m:r>
+                          <a:rPr lang="fr-FR" sz="2000" b="1" i="1">
+                            <a:effectLst/>
+                            <a:latin typeface="Cambria Math" panose="02040503050406030204" pitchFamily="18" charset="0"/>
+                            <a:ea typeface="Calibri" panose="020F0502020204030204" pitchFamily="34" charset="0"/>
+                            <a:cs typeface="Times New Roman" panose="02020603050405020304" pitchFamily="18" charset="0"/>
+                          </a:rPr>
+                          <m:t>𝐬</m:t>
+                        </m:r>
+                      </m:e>
+                      <m:sub>
+                        <m:r>
+                          <a:rPr lang="fr-FR" sz="2000" i="1">
+                            <a:effectLst/>
+                            <a:latin typeface="Cambria Math" panose="02040503050406030204" pitchFamily="18" charset="0"/>
+                            <a:ea typeface="Calibri" panose="020F0502020204030204" pitchFamily="34" charset="0"/>
+                            <a:cs typeface="Times New Roman" panose="02020603050405020304" pitchFamily="18" charset="0"/>
+                          </a:rPr>
+                          <m:t>0</m:t>
+                        </m:r>
+                      </m:sub>
+                      <m:sup>
+                        <m:r>
+                          <a:rPr lang="fr-FR" sz="2000" i="1">
+                            <a:effectLst/>
+                            <a:latin typeface="Cambria Math" panose="02040503050406030204" pitchFamily="18" charset="0"/>
+                            <a:ea typeface="Calibri" panose="020F0502020204030204" pitchFamily="34" charset="0"/>
+                            <a:cs typeface="Times New Roman" panose="02020603050405020304" pitchFamily="18" charset="0"/>
+                          </a:rPr>
+                          <m:t>𝑡</m:t>
+                        </m:r>
+                      </m:sup>
+                    </m:sSubSup>
+                    <m:r>
+                      <a:rPr lang="fr-FR" sz="2000" i="1">
+                        <a:effectLst/>
+                        <a:latin typeface="Cambria Math" panose="02040503050406030204" pitchFamily="18" charset="0"/>
+                        <a:ea typeface="Calibri" panose="020F0502020204030204" pitchFamily="34" charset="0"/>
+                        <a:cs typeface="Times New Roman" panose="02020603050405020304" pitchFamily="18" charset="0"/>
+                      </a:rPr>
+                      <m:t>)</m:t>
+                    </m:r>
+                  </m:oMath>
+                </a14:m>
+                <a:endParaRPr lang="fr-FR" dirty="0"/>
+              </a:p>
+            </p:txBody>
+          </p:sp>
+        </mc:Choice>
+        <mc:Fallback>
+          <p:sp>
+            <p:nvSpPr>
+              <p:cNvPr id="4" name="Espace réservé du contenu 3">
+                <a:extLst>
+                  <a:ext uri="{FF2B5EF4-FFF2-40B4-BE49-F238E27FC236}">
+                    <a16:creationId xmlns:a16="http://schemas.microsoft.com/office/drawing/2014/main" id="{2E8CAD63-5268-433B-BE81-6BD3D30E6389}"/>
+                  </a:ext>
+                </a:extLst>
+              </p:cNvPr>
+              <p:cNvSpPr>
+                <a:spLocks noGrp="1" noRot="1" noChangeAspect="1" noMove="1" noResize="1" noEditPoints="1" noAdjustHandles="1" noChangeArrowheads="1" noChangeShapeType="1" noTextEdit="1"/>
+              </p:cNvSpPr>
+              <p:nvPr>
+                <p:ph sz="half" idx="2"/>
+              </p:nvPr>
+            </p:nvSpPr>
+            <p:spPr>
+              <a:blipFill>
+                <a:blip r:embed="rId3"/>
+                <a:stretch>
+                  <a:fillRect l="-2326" t="-3704"/>
+                </a:stretch>
+              </a:blipFill>
+            </p:spPr>
+            <p:txBody>
+              <a:bodyPr/>
+              <a:lstStyle/>
+              <a:p>
+                <a:r>
+                  <a:rPr lang="fr-FR">
+                    <a:noFill/>
+                  </a:rPr>
+                  <a:t> </a:t>
+                </a:r>
+              </a:p>
+            </p:txBody>
+          </p:sp>
+        </mc:Fallback>
+      </mc:AlternateContent>
+      <p:cxnSp>
+        <p:nvCxnSpPr>
+          <p:cNvPr id="29" name="Connecteur en arc 10">
+            <a:extLst>
+              <a:ext uri="{FF2B5EF4-FFF2-40B4-BE49-F238E27FC236}">
+                <a16:creationId xmlns:a16="http://schemas.microsoft.com/office/drawing/2014/main" id="{05E71057-7FA5-4407-8D85-961363E976AB}"/>
+              </a:ext>
+            </a:extLst>
+          </p:cNvPr>
+          <p:cNvCxnSpPr>
+            <a:cxnSpLocks/>
+          </p:cNvCxnSpPr>
+          <p:nvPr/>
+        </p:nvCxnSpPr>
+        <p:spPr>
+          <a:xfrm rot="5400000" flipH="1" flipV="1">
+            <a:off x="5198775" y="3829879"/>
+            <a:ext cx="1959047" cy="785812"/>
+          </a:xfrm>
+          <a:prstGeom prst="curvedConnector2">
+            <a:avLst/>
+          </a:prstGeom>
+          <a:ln>
+            <a:tailEnd type="triangle"/>
+          </a:ln>
+        </p:spPr>
+        <p:style>
+          <a:lnRef idx="1">
+            <a:schemeClr val="dk1"/>
+          </a:lnRef>
+          <a:fillRef idx="0">
+            <a:schemeClr val="dk1"/>
+          </a:fillRef>
+          <a:effectRef idx="0">
+            <a:schemeClr val="dk1"/>
+          </a:effectRef>
+          <a:fontRef idx="minor">
+            <a:schemeClr val="tx1"/>
+          </a:fontRef>
+        </p:style>
+      </p:cxnSp>
+      <p:sp>
+        <p:nvSpPr>
+          <p:cNvPr id="30" name="ZoneTexte 29">
+            <a:extLst>
+              <a:ext uri="{FF2B5EF4-FFF2-40B4-BE49-F238E27FC236}">
+                <a16:creationId xmlns:a16="http://schemas.microsoft.com/office/drawing/2014/main" id="{B79E65F1-A1E7-4C7A-9985-D45F8DD298E7}"/>
+              </a:ext>
+            </a:extLst>
+          </p:cNvPr>
+          <p:cNvSpPr txBox="1"/>
+          <p:nvPr/>
+        </p:nvSpPr>
+        <p:spPr>
+          <a:xfrm>
+            <a:off x="6695090" y="2732690"/>
+            <a:ext cx="4046482" cy="1754326"/>
+          </a:xfrm>
+          <a:prstGeom prst="rect">
+            <a:avLst/>
+          </a:prstGeom>
+          <a:noFill/>
+        </p:spPr>
+        <p:txBody>
+          <a:bodyPr wrap="square" rtlCol="0">
+            <a:spAutoFit/>
+          </a:bodyPr>
+          <a:lstStyle/>
+          <a:p>
+            <a:pPr algn="l"/>
+            <a:r>
+              <a:rPr lang="fr-FR" b="0" i="0" dirty="0">
+                <a:solidFill>
+                  <a:srgbClr val="000000"/>
+                </a:solidFill>
+                <a:effectLst/>
+                <a:latin typeface="Garamond (Corps)"/>
+              </a:rPr>
+              <a:t>La structure de cette matrice dépend de plusieurs facteurs :</a:t>
+            </a:r>
+          </a:p>
+          <a:p>
+            <a:pPr algn="l"/>
+            <a:r>
+              <a:rPr lang="fr-FR" b="0" i="0" dirty="0">
+                <a:solidFill>
+                  <a:srgbClr val="000000"/>
+                </a:solidFill>
+                <a:effectLst/>
+                <a:latin typeface="Garamond (Corps)"/>
+              </a:rPr>
+              <a:t>- Il y a t'il du bruit ?</a:t>
+            </a:r>
+          </a:p>
+          <a:p>
+            <a:pPr algn="l"/>
+            <a:r>
+              <a:rPr lang="fr-FR" b="0" i="0" dirty="0">
+                <a:solidFill>
+                  <a:srgbClr val="000000"/>
+                </a:solidFill>
+                <a:effectLst/>
+                <a:latin typeface="Garamond (Corps)"/>
+              </a:rPr>
+              <a:t>- Les signaux composants s0 sont-ils corrélés ?</a:t>
+            </a:r>
+          </a:p>
+          <a:p>
+            <a:endParaRPr lang="fr-FR" dirty="0"/>
+          </a:p>
+        </p:txBody>
+      </p:sp>
+    </p:spTree>
+    <p:extLst>
+      <p:ext uri="{BB962C8B-B14F-4D97-AF65-F5344CB8AC3E}">
+        <p14:creationId xmlns:p14="http://schemas.microsoft.com/office/powerpoint/2010/main" val="3696952606"/>
+      </p:ext>
+    </p:extLst>
+  </p:cSld>
+  <p:clrMapOvr>
+    <a:masterClrMapping/>
+  </p:clrMapOvr>
+  <p:timing>
+    <p:tnLst>
+      <p:par>
+        <p:cTn id="1" dur="indefinite" restart="never" nodeType="tmRoot">
+          <p:childTnLst>
+            <p:seq concurrent="1" nextAc="seek">
+              <p:cTn id="2" dur="indefinite" nodeType="mainSeq">
+                <p:childTnLst>
+                  <p:par>
+                    <p:cTn id="3" fill="hold">
+                      <p:stCondLst>
+                        <p:cond delay="indefinite"/>
+                      </p:stCondLst>
+                      <p:childTnLst>
+                        <p:par>
+                          <p:cTn id="4" fill="hold">
+                            <p:stCondLst>
+                              <p:cond delay="0"/>
+                            </p:stCondLst>
+                            <p:childTnLst>
+                              <p:par>
+                                <p:cTn id="5" presetID="1" presetClass="entr" presetSubtype="0" fill="hold" nodeType="clickEffect">
+                                  <p:stCondLst>
+                                    <p:cond delay="0"/>
+                                  </p:stCondLst>
+                                  <p:childTnLst>
+                                    <p:set>
+                                      <p:cBhvr>
+                                        <p:cTn id="6" dur="1" fill="hold">
+                                          <p:stCondLst>
+                                            <p:cond delay="0"/>
+                                          </p:stCondLst>
+                                        </p:cTn>
+                                        <p:tgtEl>
+                                          <p:spTgt spid="29"/>
+                                        </p:tgtEl>
+                                        <p:attrNameLst>
+                                          <p:attrName>style.visibility</p:attrName>
+                                        </p:attrNameLst>
+                                      </p:cBhvr>
+                                      <p:to>
+                                        <p:strVal val="visible"/>
+                                      </p:to>
+                                    </p:set>
+                                  </p:childTnLst>
+                                </p:cTn>
+                              </p:par>
+                            </p:childTnLst>
+                          </p:cTn>
+                        </p:par>
+                      </p:childTnLst>
+                    </p:cTn>
+                  </p:par>
+                </p:childTnLst>
+              </p:cTn>
+              <p:prevCondLst>
+                <p:cond evt="onPrev" delay="0">
+                  <p:tgtEl>
+                    <p:sldTgt/>
+                  </p:tgtEl>
+                </p:cond>
+              </p:prevCondLst>
+              <p:nextCondLst>
+                <p:cond evt="onNext" delay="0">
+                  <p:tgtEl>
+                    <p:sldTgt/>
+                  </p:tgtEl>
+                </p:cond>
+              </p:nextCondLst>
+            </p:seq>
+          </p:childTnLst>
+        </p:cTn>
+      </p:par>
+    </p:tnLst>
+  </p:timing>
+</p:sld>
+</file>
+
+<file path=ppt/slides/slide16.xml><?xml version="1.0" encoding="utf-8"?>
+<p:sld xmlns:a="http://schemas.openxmlformats.org/drawingml/2006/main" xmlns:r="http://schemas.openxmlformats.org/officeDocument/2006/relationships" xmlns:p="http://schemas.openxmlformats.org/presentationml/2006/main">
+  <p:cSld>
+    <p:spTree>
+      <p:nvGrpSpPr>
+        <p:cNvPr id="1" name=""/>
+        <p:cNvGrpSpPr/>
+        <p:nvPr/>
+      </p:nvGrpSpPr>
+      <p:grpSpPr>
+        <a:xfrm>
+          <a:off x="0" y="0"/>
+          <a:ext cx="0" cy="0"/>
+          <a:chOff x="0" y="0"/>
+          <a:chExt cx="0" cy="0"/>
+        </a:xfrm>
+      </p:grpSpPr>
+      <p:sp>
+        <p:nvSpPr>
+          <p:cNvPr id="2" name="Titre 1">
+            <a:extLst>
+              <a:ext uri="{FF2B5EF4-FFF2-40B4-BE49-F238E27FC236}">
+                <a16:creationId xmlns:a16="http://schemas.microsoft.com/office/drawing/2014/main" id="{826D3F8B-B6A0-4AD4-B105-8C61E0790605}"/>
+              </a:ext>
+            </a:extLst>
+          </p:cNvPr>
+          <p:cNvSpPr>
+            <a:spLocks noGrp="1"/>
+          </p:cNvSpPr>
+          <p:nvPr>
+            <p:ph type="title"/>
+          </p:nvPr>
+        </p:nvSpPr>
+        <p:spPr/>
+        <p:txBody>
+          <a:bodyPr/>
+          <a:lstStyle/>
+          <a:p>
+            <a:r>
+              <a:rPr lang="fr-FR" dirty="0"/>
+              <a:t>Comparaison et conclusion</a:t>
+            </a:r>
+          </a:p>
+        </p:txBody>
+      </p:sp>
+      <p:pic>
+        <p:nvPicPr>
+          <p:cNvPr id="8" name="Espace réservé du contenu 7">
+            <a:extLst>
+              <a:ext uri="{FF2B5EF4-FFF2-40B4-BE49-F238E27FC236}">
+                <a16:creationId xmlns:a16="http://schemas.microsoft.com/office/drawing/2014/main" id="{DFD3E6AD-7174-4D73-8AB8-938F71D58996}"/>
+              </a:ext>
+            </a:extLst>
+          </p:cNvPr>
+          <p:cNvPicPr>
+            <a:picLocks noGrp="1" noChangeAspect="1"/>
+          </p:cNvPicPr>
+          <p:nvPr>
+            <p:ph sz="half" idx="2"/>
+          </p:nvPr>
+        </p:nvPicPr>
+        <p:blipFill>
+          <a:blip r:embed="rId3"/>
+          <a:stretch>
+            <a:fillRect/>
+          </a:stretch>
+        </p:blipFill>
+        <p:spPr>
+          <a:xfrm>
+            <a:off x="1295402" y="2613706"/>
+            <a:ext cx="4306817" cy="3239508"/>
+          </a:xfrm>
+        </p:spPr>
+      </p:pic>
+      <p:pic>
+        <p:nvPicPr>
+          <p:cNvPr id="10" name="Espace réservé du contenu 9">
+            <a:extLst>
+              <a:ext uri="{FF2B5EF4-FFF2-40B4-BE49-F238E27FC236}">
+                <a16:creationId xmlns:a16="http://schemas.microsoft.com/office/drawing/2014/main" id="{F536F632-7535-4866-AE8E-76B6E926901C}"/>
+              </a:ext>
+            </a:extLst>
+          </p:cNvPr>
+          <p:cNvPicPr>
+            <a:picLocks noGrp="1" noChangeAspect="1"/>
+          </p:cNvPicPr>
+          <p:nvPr>
+            <p:ph sz="quarter" idx="4"/>
+          </p:nvPr>
+        </p:nvPicPr>
+        <p:blipFill>
+          <a:blip r:embed="rId4"/>
+          <a:stretch>
+            <a:fillRect/>
+          </a:stretch>
+        </p:blipFill>
+        <p:spPr>
+          <a:xfrm>
+            <a:off x="6571974" y="2635831"/>
+            <a:ext cx="4324624" cy="3239508"/>
+          </a:xfrm>
+        </p:spPr>
+      </p:pic>
+    </p:spTree>
+    <p:extLst>
+      <p:ext uri="{BB962C8B-B14F-4D97-AF65-F5344CB8AC3E}">
+        <p14:creationId xmlns:p14="http://schemas.microsoft.com/office/powerpoint/2010/main" val="3464455683"/>
+      </p:ext>
+    </p:extLst>
+  </p:cSld>
+  <p:clrMapOvr>
+    <a:masterClrMapping/>
+  </p:clrMapOvr>
 </p:sld>
 </file>
 

--- a/Soutenance.pptx
+++ b/Soutenance.pptx
@@ -5,7 +5,7 @@
     <p:sldMasterId id="2147483648" r:id="rId1"/>
   </p:sldMasterIdLst>
   <p:notesMasterIdLst>
-    <p:notesMasterId r:id="rId9"/>
+    <p:notesMasterId r:id="rId18"/>
   </p:notesMasterIdLst>
   <p:sldIdLst>
     <p:sldId id="256" r:id="rId2"/>
@@ -15,6 +15,15 @@
     <p:sldId id="260" r:id="rId6"/>
     <p:sldId id="261" r:id="rId7"/>
     <p:sldId id="262" r:id="rId8"/>
+    <p:sldId id="263" r:id="rId9"/>
+    <p:sldId id="264" r:id="rId10"/>
+    <p:sldId id="265" r:id="rId11"/>
+    <p:sldId id="266" r:id="rId12"/>
+    <p:sldId id="267" r:id="rId13"/>
+    <p:sldId id="268" r:id="rId14"/>
+    <p:sldId id="269" r:id="rId15"/>
+    <p:sldId id="270" r:id="rId16"/>
+    <p:sldId id="271" r:id="rId17"/>
   </p:sldIdLst>
   <p:sldSz cx="12192000" cy="6858000"/>
   <p:notesSz cx="6858000" cy="9144000"/>
@@ -113,6 +122,11 @@
       </a:defRPr>
     </a:lvl9pPr>
   </p:defaultTextStyle>
+  <p:extLst>
+    <p:ext uri="{EFAFB233-063F-42B5-8137-9DF3F51BA10A}">
+      <p15:sldGuideLst xmlns:p15="http://schemas.microsoft.com/office/powerpoint/2012/main"/>
+    </p:ext>
+  </p:extLst>
 </p:presentation>
 </file>
 
@@ -198,7 +212,7 @@
           <a:p>
             <a:fld id="{1C4918F8-3781-C942-9B1B-713CC283EA91}" type="datetimeFigureOut">
               <a:rPr lang="fr-FR" smtClean="0"/>
-              <a:t>11/10/2020</a:t>
+              <a:t>04/11/2020</a:t>
             </a:fld>
             <a:endParaRPr lang="fr-FR"/>
           </a:p>
@@ -520,7 +534,15 @@
           <a:p>
             <a:r>
               <a:rPr lang="fr-FR" dirty="0"/>
-              <a:t>- Expliquer mon projet professionnel, mais aussi ce qui m’a amené à vouloir aller à l’ERM</a:t>
+              <a:t>- Expliquer mon projet professionnel (guerre </a:t>
+            </a:r>
+            <a:r>
+              <a:rPr lang="fr-FR" dirty="0" err="1"/>
+              <a:t>electronique</a:t>
+            </a:r>
+            <a:r>
+              <a:rPr lang="fr-FR" dirty="0"/>
+              <a:t>, RADAR, application au contexte opérationnel), mais aussi ce qui m’a amené à vouloir aller à l’ERM ( Similitude à l’ENSTA ) </a:t>
             </a:r>
           </a:p>
           <a:p>
@@ -599,6 +621,986 @@
     <p:extLst>
       <p:ext uri="{BB962C8B-B14F-4D97-AF65-F5344CB8AC3E}">
         <p14:creationId xmlns:p14="http://schemas.microsoft.com/office/powerpoint/2010/main" val="308815383"/>
+      </p:ext>
+    </p:extLst>
+  </p:cSld>
+  <p:clrMapOvr>
+    <a:masterClrMapping/>
+  </p:clrMapOvr>
+</p:notes>
+</file>
+
+<file path=ppt/notesSlides/notesSlide10.xml><?xml version="1.0" encoding="utf-8"?>
+<p:notes xmlns:a="http://schemas.openxmlformats.org/drawingml/2006/main" xmlns:r="http://schemas.openxmlformats.org/officeDocument/2006/relationships" xmlns:p="http://schemas.openxmlformats.org/presentationml/2006/main">
+  <p:cSld>
+    <p:spTree>
+      <p:nvGrpSpPr>
+        <p:cNvPr id="1" name=""/>
+        <p:cNvGrpSpPr/>
+        <p:nvPr/>
+      </p:nvGrpSpPr>
+      <p:grpSpPr>
+        <a:xfrm>
+          <a:off x="0" y="0"/>
+          <a:ext cx="0" cy="0"/>
+          <a:chOff x="0" y="0"/>
+          <a:chExt cx="0" cy="0"/>
+        </a:xfrm>
+      </p:grpSpPr>
+      <p:sp>
+        <p:nvSpPr>
+          <p:cNvPr id="2" name="Espace réservé de l'image des diapositives 1"/>
+          <p:cNvSpPr>
+            <a:spLocks noGrp="1" noRot="1" noChangeAspect="1"/>
+          </p:cNvSpPr>
+          <p:nvPr>
+            <p:ph type="sldImg"/>
+          </p:nvPr>
+        </p:nvSpPr>
+        <p:spPr/>
+      </p:sp>
+      <p:sp>
+        <p:nvSpPr>
+          <p:cNvPr id="3" name="Espace réservé des notes 2"/>
+          <p:cNvSpPr>
+            <a:spLocks noGrp="1"/>
+          </p:cNvSpPr>
+          <p:nvPr>
+            <p:ph type="body" idx="1"/>
+          </p:nvPr>
+        </p:nvSpPr>
+        <p:spPr/>
+        <p:txBody>
+          <a:bodyPr/>
+          <a:lstStyle/>
+          <a:p>
+            <a:pPr marL="0" marR="0" lvl="0" indent="0" algn="l" defTabSz="914400" rtl="0" eaLnBrk="1" fontAlgn="auto" latinLnBrk="0" hangingPunct="1">
+              <a:lnSpc>
+                <a:spcPct val="100000"/>
+              </a:lnSpc>
+              <a:spcBef>
+                <a:spcPts val="0"/>
+              </a:spcBef>
+              <a:spcAft>
+                <a:spcPts val="0"/>
+              </a:spcAft>
+              <a:buClrTx/>
+              <a:buSzTx/>
+              <a:buFontTx/>
+              <a:buNone/>
+              <a:tabLst/>
+              <a:defRPr/>
+            </a:pPr>
+            <a:r>
+              <a:rPr lang="fr-FR" sz="1200" kern="1200" dirty="0">
+                <a:solidFill>
+                  <a:schemeClr val="tx1"/>
+                </a:solidFill>
+                <a:effectLst/>
+                <a:latin typeface="+mn-lt"/>
+                <a:ea typeface="+mn-ea"/>
+                <a:cs typeface="+mn-cs"/>
+              </a:rPr>
+              <a:t>Le </a:t>
+            </a:r>
+            <a:r>
+              <a:rPr lang="fr-FR" sz="1200" i="1" kern="1200" dirty="0" err="1">
+                <a:solidFill>
+                  <a:schemeClr val="tx1"/>
+                </a:solidFill>
+                <a:effectLst/>
+                <a:latin typeface="+mn-lt"/>
+                <a:ea typeface="+mn-ea"/>
+                <a:cs typeface="+mn-cs"/>
+              </a:rPr>
+              <a:t>Beamforming</a:t>
+            </a:r>
+            <a:r>
+              <a:rPr lang="fr-FR" sz="1200" kern="1200" dirty="0">
+                <a:solidFill>
+                  <a:schemeClr val="tx1"/>
+                </a:solidFill>
+                <a:effectLst/>
+                <a:latin typeface="+mn-lt"/>
+                <a:ea typeface="+mn-ea"/>
+                <a:cs typeface="+mn-cs"/>
+              </a:rPr>
+              <a:t>, ou formation de faisceaux, est une technique de traitement du signal utilisée avec des réseaux de capteurs afin d’émettre ou de recevoir des signaux directionnels. Dans le cas où le réseau d’antenne est utilisé pour recevoir un signal, nous l’appellerons </a:t>
+            </a:r>
+            <a:r>
+              <a:rPr lang="fr-FR" sz="1200" i="1" kern="1200" dirty="0" err="1">
+                <a:solidFill>
+                  <a:schemeClr val="tx1"/>
+                </a:solidFill>
+                <a:effectLst/>
+                <a:latin typeface="+mn-lt"/>
+                <a:ea typeface="+mn-ea"/>
+                <a:cs typeface="+mn-cs"/>
+              </a:rPr>
+              <a:t>beamformee</a:t>
+            </a:r>
+            <a:r>
+              <a:rPr lang="fr-FR" sz="1200" kern="1200" dirty="0">
+                <a:solidFill>
+                  <a:schemeClr val="tx1"/>
+                </a:solidFill>
+                <a:effectLst/>
+                <a:latin typeface="+mn-lt"/>
+                <a:ea typeface="+mn-ea"/>
+                <a:cs typeface="+mn-cs"/>
+              </a:rPr>
+              <a:t>, et </a:t>
+            </a:r>
+            <a:r>
+              <a:rPr lang="fr-FR" sz="1200" i="1" kern="1200" dirty="0">
+                <a:solidFill>
+                  <a:schemeClr val="tx1"/>
+                </a:solidFill>
+                <a:effectLst/>
+                <a:latin typeface="+mn-lt"/>
+                <a:ea typeface="+mn-ea"/>
+                <a:cs typeface="+mn-cs"/>
+              </a:rPr>
+              <a:t>beamformer</a:t>
+            </a:r>
+            <a:r>
+              <a:rPr lang="fr-FR" sz="1200" kern="1200" dirty="0">
+                <a:solidFill>
+                  <a:schemeClr val="tx1"/>
+                </a:solidFill>
+                <a:effectLst/>
+                <a:latin typeface="+mn-lt"/>
+                <a:ea typeface="+mn-ea"/>
+                <a:cs typeface="+mn-cs"/>
+              </a:rPr>
+              <a:t> dans le cas contraire.  </a:t>
+            </a:r>
+          </a:p>
+          <a:p>
+            <a:pPr marL="0" marR="0" lvl="0" indent="0" algn="l" defTabSz="914400" rtl="0" eaLnBrk="1" fontAlgn="auto" latinLnBrk="0" hangingPunct="1">
+              <a:lnSpc>
+                <a:spcPct val="100000"/>
+              </a:lnSpc>
+              <a:spcBef>
+                <a:spcPts val="0"/>
+              </a:spcBef>
+              <a:spcAft>
+                <a:spcPts val="0"/>
+              </a:spcAft>
+              <a:buClrTx/>
+              <a:buSzTx/>
+              <a:buFontTx/>
+              <a:buNone/>
+              <a:tabLst/>
+              <a:defRPr/>
+            </a:pPr>
+            <a:r>
+              <a:rPr lang="fr-FR" sz="1200" kern="1200" dirty="0">
+                <a:solidFill>
+                  <a:schemeClr val="tx1"/>
+                </a:solidFill>
+                <a:effectLst/>
+                <a:latin typeface="+mn-lt"/>
+                <a:ea typeface="+mn-ea"/>
+                <a:cs typeface="+mn-cs"/>
+              </a:rPr>
+              <a:t>Pour connaitre la direction dans laquelle on reçoit une onde incidente dans une direction principale, le principe de base est le suivant : le déphasage induit par la différence de chemin entre chaque capteur. </a:t>
+            </a:r>
+          </a:p>
+          <a:p>
+            <a:r>
+              <a:rPr lang="fr-FR" dirty="0"/>
+              <a:t>Pour connaitre la ou les directions en question, on peut faire appel à </a:t>
+            </a:r>
+            <a:r>
+              <a:rPr lang="fr-FR"/>
+              <a:t>plusieurs méthodes.</a:t>
+            </a:r>
+            <a:endParaRPr lang="fr-FR" dirty="0"/>
+          </a:p>
+        </p:txBody>
+      </p:sp>
+      <p:sp>
+        <p:nvSpPr>
+          <p:cNvPr id="4" name="Espace réservé du numéro de diapositive 3"/>
+          <p:cNvSpPr>
+            <a:spLocks noGrp="1"/>
+          </p:cNvSpPr>
+          <p:nvPr>
+            <p:ph type="sldNum" sz="quarter" idx="5"/>
+          </p:nvPr>
+        </p:nvSpPr>
+        <p:spPr/>
+        <p:txBody>
+          <a:bodyPr/>
+          <a:lstStyle/>
+          <a:p>
+            <a:fld id="{946D1AFA-ED8B-B94E-B29F-CABEC407D280}" type="slidenum">
+              <a:rPr lang="fr-FR" smtClean="0"/>
+              <a:t>10</a:t>
+            </a:fld>
+            <a:endParaRPr lang="fr-FR"/>
+          </a:p>
+        </p:txBody>
+      </p:sp>
+    </p:spTree>
+    <p:extLst>
+      <p:ext uri="{BB962C8B-B14F-4D97-AF65-F5344CB8AC3E}">
+        <p14:creationId xmlns:p14="http://schemas.microsoft.com/office/powerpoint/2010/main" val="2569388808"/>
+      </p:ext>
+    </p:extLst>
+  </p:cSld>
+  <p:clrMapOvr>
+    <a:masterClrMapping/>
+  </p:clrMapOvr>
+</p:notes>
+</file>
+
+<file path=ppt/notesSlides/notesSlide11.xml><?xml version="1.0" encoding="utf-8"?>
+<p:notes xmlns:a="http://schemas.openxmlformats.org/drawingml/2006/main" xmlns:r="http://schemas.openxmlformats.org/officeDocument/2006/relationships" xmlns:p="http://schemas.openxmlformats.org/presentationml/2006/main">
+  <p:cSld>
+    <p:spTree>
+      <p:nvGrpSpPr>
+        <p:cNvPr id="1" name=""/>
+        <p:cNvGrpSpPr/>
+        <p:nvPr/>
+      </p:nvGrpSpPr>
+      <p:grpSpPr>
+        <a:xfrm>
+          <a:off x="0" y="0"/>
+          <a:ext cx="0" cy="0"/>
+          <a:chOff x="0" y="0"/>
+          <a:chExt cx="0" cy="0"/>
+        </a:xfrm>
+      </p:grpSpPr>
+      <p:sp>
+        <p:nvSpPr>
+          <p:cNvPr id="2" name="Espace réservé de l'image des diapositives 1"/>
+          <p:cNvSpPr>
+            <a:spLocks noGrp="1" noRot="1" noChangeAspect="1"/>
+          </p:cNvSpPr>
+          <p:nvPr>
+            <p:ph type="sldImg"/>
+          </p:nvPr>
+        </p:nvSpPr>
+        <p:spPr/>
+      </p:sp>
+      <p:sp>
+        <p:nvSpPr>
+          <p:cNvPr id="3" name="Espace réservé des notes 2"/>
+          <p:cNvSpPr>
+            <a:spLocks noGrp="1"/>
+          </p:cNvSpPr>
+          <p:nvPr>
+            <p:ph type="body" idx="1"/>
+          </p:nvPr>
+        </p:nvSpPr>
+        <p:spPr/>
+        <p:txBody>
+          <a:bodyPr/>
+          <a:lstStyle/>
+          <a:p>
+            <a:r>
+              <a:rPr lang="fr-FR" dirty="0"/>
+              <a:t>On a la méthode classique, où les maxima de puissance reçue correspondent à des directions bien définies.</a:t>
+            </a:r>
+          </a:p>
+          <a:p>
+            <a:r>
+              <a:rPr lang="fr-FR" dirty="0"/>
+              <a:t>On a ensuite MUSIC, </a:t>
+            </a:r>
+            <a:r>
+              <a:rPr lang="fr-FR" sz="1800" i="1" dirty="0" err="1">
+                <a:effectLst/>
+                <a:latin typeface="Calibri" panose="020F0502020204030204" pitchFamily="34" charset="0"/>
+                <a:ea typeface="Calibri" panose="020F0502020204030204" pitchFamily="34" charset="0"/>
+                <a:cs typeface="Times New Roman" panose="02020603050405020304" pitchFamily="18" charset="0"/>
+              </a:rPr>
+              <a:t>MUltiple</a:t>
+            </a:r>
+            <a:r>
+              <a:rPr lang="fr-FR" sz="1800" i="1" dirty="0">
+                <a:effectLst/>
+                <a:latin typeface="Calibri" panose="020F0502020204030204" pitchFamily="34" charset="0"/>
+                <a:ea typeface="Calibri" panose="020F0502020204030204" pitchFamily="34" charset="0"/>
+                <a:cs typeface="Times New Roman" panose="02020603050405020304" pitchFamily="18" charset="0"/>
+              </a:rPr>
+              <a:t> Signal Classification</a:t>
+            </a:r>
+            <a:r>
+              <a:rPr lang="fr-FR" dirty="0"/>
+              <a:t>, qui est un algorithme robuste au bruit, et qui utilise une décomposition en éléments propre pour séparer le bruit du signal.</a:t>
+            </a:r>
+          </a:p>
+          <a:p>
+            <a:r>
+              <a:rPr lang="fr-FR" dirty="0"/>
+              <a:t>Et enfin CAPON : </a:t>
+            </a:r>
+            <a:r>
+              <a:rPr lang="fr-FR" sz="1800" i="1" dirty="0">
+                <a:effectLst/>
+                <a:latin typeface="Calibri" panose="020F0502020204030204" pitchFamily="34" charset="0"/>
+                <a:ea typeface="Calibri" panose="020F0502020204030204" pitchFamily="34" charset="0"/>
+                <a:cs typeface="Times New Roman" panose="02020603050405020304" pitchFamily="18" charset="0"/>
+              </a:rPr>
+              <a:t>Minimum Variance </a:t>
+            </a:r>
+            <a:r>
+              <a:rPr lang="fr-FR" sz="1800" i="1" dirty="0" err="1">
+                <a:effectLst/>
+                <a:latin typeface="Calibri" panose="020F0502020204030204" pitchFamily="34" charset="0"/>
+                <a:ea typeface="Calibri" panose="020F0502020204030204" pitchFamily="34" charset="0"/>
+                <a:cs typeface="Times New Roman" panose="02020603050405020304" pitchFamily="18" charset="0"/>
+              </a:rPr>
+              <a:t>Distortionless</a:t>
+            </a:r>
+            <a:r>
+              <a:rPr lang="fr-FR" sz="1800" i="1" dirty="0">
+                <a:effectLst/>
+                <a:latin typeface="Calibri" panose="020F0502020204030204" pitchFamily="34" charset="0"/>
+                <a:ea typeface="Calibri" panose="020F0502020204030204" pitchFamily="34" charset="0"/>
+                <a:cs typeface="Times New Roman" panose="02020603050405020304" pitchFamily="18" charset="0"/>
+              </a:rPr>
+              <a:t> </a:t>
+            </a:r>
+            <a:r>
+              <a:rPr lang="fr-FR" sz="1800" i="1" dirty="0" err="1">
+                <a:effectLst/>
+                <a:latin typeface="Calibri" panose="020F0502020204030204" pitchFamily="34" charset="0"/>
+                <a:ea typeface="Calibri" panose="020F0502020204030204" pitchFamily="34" charset="0"/>
+                <a:cs typeface="Times New Roman" panose="02020603050405020304" pitchFamily="18" charset="0"/>
+              </a:rPr>
+              <a:t>Response</a:t>
+            </a:r>
+            <a:r>
+              <a:rPr lang="fr-FR" sz="1800" i="1" dirty="0">
+                <a:effectLst/>
+                <a:latin typeface="Calibri" panose="020F0502020204030204" pitchFamily="34" charset="0"/>
+                <a:ea typeface="Calibri" panose="020F0502020204030204" pitchFamily="34" charset="0"/>
+                <a:cs typeface="Times New Roman" panose="02020603050405020304" pitchFamily="18" charset="0"/>
+              </a:rPr>
+              <a:t>,</a:t>
+            </a:r>
+            <a:r>
+              <a:rPr lang="fr-FR" sz="1800" i="0" dirty="0">
+                <a:effectLst/>
+                <a:latin typeface="Calibri" panose="020F0502020204030204" pitchFamily="34" charset="0"/>
+                <a:ea typeface="Calibri" panose="020F0502020204030204" pitchFamily="34" charset="0"/>
+                <a:cs typeface="Times New Roman" panose="02020603050405020304" pitchFamily="18" charset="0"/>
+              </a:rPr>
+              <a:t> qui assure une détection plus précise que la méthode classique.</a:t>
+            </a:r>
+            <a:br>
+              <a:rPr lang="fr-FR" sz="1800" i="0" dirty="0">
+                <a:effectLst/>
+                <a:latin typeface="Calibri" panose="020F0502020204030204" pitchFamily="34" charset="0"/>
+                <a:ea typeface="Calibri" panose="020F0502020204030204" pitchFamily="34" charset="0"/>
+                <a:cs typeface="Times New Roman" panose="02020603050405020304" pitchFamily="18" charset="0"/>
+              </a:rPr>
+            </a:br>
+            <a:r>
+              <a:rPr lang="fr-FR" sz="1800" i="0" dirty="0">
+                <a:effectLst/>
+                <a:latin typeface="Calibri" panose="020F0502020204030204" pitchFamily="34" charset="0"/>
+                <a:ea typeface="Calibri" panose="020F0502020204030204" pitchFamily="34" charset="0"/>
+                <a:cs typeface="Times New Roman" panose="02020603050405020304" pitchFamily="18" charset="0"/>
+              </a:rPr>
+              <a:t>Du moins, je donne toutes ces propriétés, mais a priori, je ne sais pas si c’est le cas. C’est pour cela que je les ai testées. </a:t>
+            </a:r>
+          </a:p>
+          <a:p>
+            <a:r>
+              <a:rPr lang="fr-FR" sz="1800" i="0" dirty="0">
+                <a:effectLst/>
+                <a:latin typeface="Calibri" panose="020F0502020204030204" pitchFamily="34" charset="0"/>
+                <a:cs typeface="Times New Roman" panose="02020603050405020304" pitchFamily="18" charset="0"/>
+              </a:rPr>
+              <a:t>Commenter les courbes.</a:t>
+            </a:r>
+            <a:endParaRPr lang="fr-FR" i="0" dirty="0"/>
+          </a:p>
+        </p:txBody>
+      </p:sp>
+      <p:sp>
+        <p:nvSpPr>
+          <p:cNvPr id="4" name="Espace réservé du numéro de diapositive 3"/>
+          <p:cNvSpPr>
+            <a:spLocks noGrp="1"/>
+          </p:cNvSpPr>
+          <p:nvPr>
+            <p:ph type="sldNum" sz="quarter" idx="5"/>
+          </p:nvPr>
+        </p:nvSpPr>
+        <p:spPr/>
+        <p:txBody>
+          <a:bodyPr/>
+          <a:lstStyle/>
+          <a:p>
+            <a:fld id="{946D1AFA-ED8B-B94E-B29F-CABEC407D280}" type="slidenum">
+              <a:rPr lang="fr-FR" smtClean="0"/>
+              <a:t>11</a:t>
+            </a:fld>
+            <a:endParaRPr lang="fr-FR"/>
+          </a:p>
+        </p:txBody>
+      </p:sp>
+    </p:spTree>
+    <p:extLst>
+      <p:ext uri="{BB962C8B-B14F-4D97-AF65-F5344CB8AC3E}">
+        <p14:creationId xmlns:p14="http://schemas.microsoft.com/office/powerpoint/2010/main" val="4033218797"/>
+      </p:ext>
+    </p:extLst>
+  </p:cSld>
+  <p:clrMapOvr>
+    <a:masterClrMapping/>
+  </p:clrMapOvr>
+</p:notes>
+</file>
+
+<file path=ppt/notesSlides/notesSlide12.xml><?xml version="1.0" encoding="utf-8"?>
+<p:notes xmlns:a="http://schemas.openxmlformats.org/drawingml/2006/main" xmlns:r="http://schemas.openxmlformats.org/officeDocument/2006/relationships" xmlns:p="http://schemas.openxmlformats.org/presentationml/2006/main">
+  <p:cSld>
+    <p:spTree>
+      <p:nvGrpSpPr>
+        <p:cNvPr id="1" name=""/>
+        <p:cNvGrpSpPr/>
+        <p:nvPr/>
+      </p:nvGrpSpPr>
+      <p:grpSpPr>
+        <a:xfrm>
+          <a:off x="0" y="0"/>
+          <a:ext cx="0" cy="0"/>
+          <a:chOff x="0" y="0"/>
+          <a:chExt cx="0" cy="0"/>
+        </a:xfrm>
+      </p:grpSpPr>
+      <p:sp>
+        <p:nvSpPr>
+          <p:cNvPr id="2" name="Espace réservé de l'image des diapositives 1"/>
+          <p:cNvSpPr>
+            <a:spLocks noGrp="1" noRot="1" noChangeAspect="1"/>
+          </p:cNvSpPr>
+          <p:nvPr>
+            <p:ph type="sldImg"/>
+          </p:nvPr>
+        </p:nvSpPr>
+        <p:spPr/>
+      </p:sp>
+      <p:sp>
+        <p:nvSpPr>
+          <p:cNvPr id="3" name="Espace réservé des notes 2"/>
+          <p:cNvSpPr>
+            <a:spLocks noGrp="1"/>
+          </p:cNvSpPr>
+          <p:nvPr>
+            <p:ph type="body" idx="1"/>
+          </p:nvPr>
+        </p:nvSpPr>
+        <p:spPr/>
+        <p:txBody>
+          <a:bodyPr/>
+          <a:lstStyle/>
+          <a:p>
+            <a:r>
+              <a:rPr lang="fr-FR" dirty="0"/>
+              <a:t>Pour simuler le mouvement, j’ai pris 3 sources fixes, et notre drone qui a un mouvement rectiligne a vitesse constante.</a:t>
+            </a:r>
+          </a:p>
+          <a:p>
+            <a:endParaRPr lang="fr-FR" dirty="0"/>
+          </a:p>
+        </p:txBody>
+      </p:sp>
+      <p:sp>
+        <p:nvSpPr>
+          <p:cNvPr id="4" name="Espace réservé du numéro de diapositive 3"/>
+          <p:cNvSpPr>
+            <a:spLocks noGrp="1"/>
+          </p:cNvSpPr>
+          <p:nvPr>
+            <p:ph type="sldNum" sz="quarter" idx="5"/>
+          </p:nvPr>
+        </p:nvSpPr>
+        <p:spPr/>
+        <p:txBody>
+          <a:bodyPr/>
+          <a:lstStyle/>
+          <a:p>
+            <a:fld id="{946D1AFA-ED8B-B94E-B29F-CABEC407D280}" type="slidenum">
+              <a:rPr lang="fr-FR" smtClean="0"/>
+              <a:t>12</a:t>
+            </a:fld>
+            <a:endParaRPr lang="fr-FR"/>
+          </a:p>
+        </p:txBody>
+      </p:sp>
+    </p:spTree>
+    <p:extLst>
+      <p:ext uri="{BB962C8B-B14F-4D97-AF65-F5344CB8AC3E}">
+        <p14:creationId xmlns:p14="http://schemas.microsoft.com/office/powerpoint/2010/main" val="2668306560"/>
+      </p:ext>
+    </p:extLst>
+  </p:cSld>
+  <p:clrMapOvr>
+    <a:masterClrMapping/>
+  </p:clrMapOvr>
+</p:notes>
+</file>
+
+<file path=ppt/notesSlides/notesSlide13.xml><?xml version="1.0" encoding="utf-8"?>
+<p:notes xmlns:a="http://schemas.openxmlformats.org/drawingml/2006/main" xmlns:r="http://schemas.openxmlformats.org/officeDocument/2006/relationships" xmlns:p="http://schemas.openxmlformats.org/presentationml/2006/main">
+  <p:cSld>
+    <p:spTree>
+      <p:nvGrpSpPr>
+        <p:cNvPr id="1" name=""/>
+        <p:cNvGrpSpPr/>
+        <p:nvPr/>
+      </p:nvGrpSpPr>
+      <p:grpSpPr>
+        <a:xfrm>
+          <a:off x="0" y="0"/>
+          <a:ext cx="0" cy="0"/>
+          <a:chOff x="0" y="0"/>
+          <a:chExt cx="0" cy="0"/>
+        </a:xfrm>
+      </p:grpSpPr>
+      <p:sp>
+        <p:nvSpPr>
+          <p:cNvPr id="2" name="Espace réservé de l'image des diapositives 1"/>
+          <p:cNvSpPr>
+            <a:spLocks noGrp="1" noRot="1" noChangeAspect="1"/>
+          </p:cNvSpPr>
+          <p:nvPr>
+            <p:ph type="sldImg"/>
+          </p:nvPr>
+        </p:nvSpPr>
+        <p:spPr/>
+      </p:sp>
+      <p:sp>
+        <p:nvSpPr>
+          <p:cNvPr id="3" name="Espace réservé des notes 2"/>
+          <p:cNvSpPr>
+            <a:spLocks noGrp="1"/>
+          </p:cNvSpPr>
+          <p:nvPr>
+            <p:ph type="body" idx="1"/>
+          </p:nvPr>
+        </p:nvSpPr>
+        <p:spPr/>
+        <p:txBody>
+          <a:bodyPr/>
+          <a:lstStyle/>
+          <a:p>
+            <a:r>
+              <a:rPr lang="fr-FR" sz="1800" dirty="0">
+                <a:effectLst/>
+                <a:latin typeface="Calibri" panose="020F0502020204030204" pitchFamily="34" charset="0"/>
+                <a:ea typeface="Calibri" panose="020F0502020204030204" pitchFamily="34" charset="0"/>
+                <a:cs typeface="Times New Roman" panose="02020603050405020304" pitchFamily="18" charset="0"/>
+              </a:rPr>
+              <a:t>avoir un premier aperçu des performances de nos algorithmes dans un cas non trivial : Quand ça se croise</a:t>
+            </a:r>
+          </a:p>
+          <a:p>
+            <a:r>
+              <a:rPr lang="fr-FR" sz="1800" dirty="0">
+                <a:effectLst/>
+                <a:latin typeface="Calibri" panose="020F0502020204030204" pitchFamily="34" charset="0"/>
+                <a:cs typeface="Times New Roman" panose="02020603050405020304" pitchFamily="18" charset="0"/>
+              </a:rPr>
+              <a:t>Mais aussi quand ça se rapproche à la fin</a:t>
+            </a:r>
+          </a:p>
+          <a:p>
+            <a:endParaRPr lang="fr-FR" sz="1800" dirty="0">
+              <a:effectLst/>
+              <a:latin typeface="Calibri" panose="020F0502020204030204" pitchFamily="34" charset="0"/>
+              <a:cs typeface="Times New Roman" panose="02020603050405020304" pitchFamily="18" charset="0"/>
+            </a:endParaRPr>
+          </a:p>
+          <a:p>
+            <a:endParaRPr lang="fr-FR" dirty="0"/>
+          </a:p>
+        </p:txBody>
+      </p:sp>
+      <p:sp>
+        <p:nvSpPr>
+          <p:cNvPr id="4" name="Espace réservé du numéro de diapositive 3"/>
+          <p:cNvSpPr>
+            <a:spLocks noGrp="1"/>
+          </p:cNvSpPr>
+          <p:nvPr>
+            <p:ph type="sldNum" sz="quarter" idx="5"/>
+          </p:nvPr>
+        </p:nvSpPr>
+        <p:spPr/>
+        <p:txBody>
+          <a:bodyPr/>
+          <a:lstStyle/>
+          <a:p>
+            <a:fld id="{946D1AFA-ED8B-B94E-B29F-CABEC407D280}" type="slidenum">
+              <a:rPr lang="fr-FR" smtClean="0"/>
+              <a:t>13</a:t>
+            </a:fld>
+            <a:endParaRPr lang="fr-FR"/>
+          </a:p>
+        </p:txBody>
+      </p:sp>
+    </p:spTree>
+    <p:extLst>
+      <p:ext uri="{BB962C8B-B14F-4D97-AF65-F5344CB8AC3E}">
+        <p14:creationId xmlns:p14="http://schemas.microsoft.com/office/powerpoint/2010/main" val="4288920230"/>
+      </p:ext>
+    </p:extLst>
+  </p:cSld>
+  <p:clrMapOvr>
+    <a:masterClrMapping/>
+  </p:clrMapOvr>
+</p:notes>
+</file>
+
+<file path=ppt/notesSlides/notesSlide14.xml><?xml version="1.0" encoding="utf-8"?>
+<p:notes xmlns:a="http://schemas.openxmlformats.org/drawingml/2006/main" xmlns:r="http://schemas.openxmlformats.org/officeDocument/2006/relationships" xmlns:p="http://schemas.openxmlformats.org/presentationml/2006/main">
+  <p:cSld>
+    <p:spTree>
+      <p:nvGrpSpPr>
+        <p:cNvPr id="1" name=""/>
+        <p:cNvGrpSpPr/>
+        <p:nvPr/>
+      </p:nvGrpSpPr>
+      <p:grpSpPr>
+        <a:xfrm>
+          <a:off x="0" y="0"/>
+          <a:ext cx="0" cy="0"/>
+          <a:chOff x="0" y="0"/>
+          <a:chExt cx="0" cy="0"/>
+        </a:xfrm>
+      </p:grpSpPr>
+      <p:sp>
+        <p:nvSpPr>
+          <p:cNvPr id="2" name="Espace réservé de l'image des diapositives 1"/>
+          <p:cNvSpPr>
+            <a:spLocks noGrp="1" noRot="1" noChangeAspect="1"/>
+          </p:cNvSpPr>
+          <p:nvPr>
+            <p:ph type="sldImg"/>
+          </p:nvPr>
+        </p:nvSpPr>
+        <p:spPr/>
+      </p:sp>
+      <p:sp>
+        <p:nvSpPr>
+          <p:cNvPr id="3" name="Espace réservé des notes 2"/>
+          <p:cNvSpPr>
+            <a:spLocks noGrp="1"/>
+          </p:cNvSpPr>
+          <p:nvPr>
+            <p:ph type="body" idx="1"/>
+          </p:nvPr>
+        </p:nvSpPr>
+        <p:spPr/>
+        <p:txBody>
+          <a:bodyPr/>
+          <a:lstStyle/>
+          <a:p>
+            <a:pPr marL="0" marR="0" lvl="0" indent="0" algn="l" defTabSz="914400" rtl="0" eaLnBrk="1" fontAlgn="auto" latinLnBrk="0" hangingPunct="1">
+              <a:lnSpc>
+                <a:spcPct val="100000"/>
+              </a:lnSpc>
+              <a:spcBef>
+                <a:spcPts val="0"/>
+              </a:spcBef>
+              <a:spcAft>
+                <a:spcPts val="0"/>
+              </a:spcAft>
+              <a:buClrTx/>
+              <a:buSzTx/>
+              <a:buFontTx/>
+              <a:buNone/>
+              <a:tabLst/>
+              <a:defRPr/>
+            </a:pPr>
+            <a:r>
+              <a:rPr lang="fr-FR" sz="1800" dirty="0">
+                <a:effectLst/>
+                <a:latin typeface="Calibri" panose="020F0502020204030204" pitchFamily="34" charset="0"/>
+                <a:ea typeface="Calibri" panose="020F0502020204030204" pitchFamily="34" charset="0"/>
+                <a:cs typeface="Times New Roman" panose="02020603050405020304" pitchFamily="18" charset="0"/>
+              </a:rPr>
+              <a:t>Il s’avère que les lobes sont bien de la même taille lorsque les sources sont finalement séparées angulairement, mais la méthode CBF va d’abord détecter un changement de pic brusque dans la direction de la cible la plus proche avant que les lobes ne soient totalement séparés.</a:t>
+            </a:r>
+          </a:p>
+          <a:p>
+            <a:endParaRPr lang="fr-FR" dirty="0"/>
+          </a:p>
+        </p:txBody>
+      </p:sp>
+      <p:sp>
+        <p:nvSpPr>
+          <p:cNvPr id="4" name="Espace réservé du numéro de diapositive 3"/>
+          <p:cNvSpPr>
+            <a:spLocks noGrp="1"/>
+          </p:cNvSpPr>
+          <p:nvPr>
+            <p:ph type="sldNum" sz="quarter" idx="5"/>
+          </p:nvPr>
+        </p:nvSpPr>
+        <p:spPr/>
+        <p:txBody>
+          <a:bodyPr/>
+          <a:lstStyle/>
+          <a:p>
+            <a:fld id="{946D1AFA-ED8B-B94E-B29F-CABEC407D280}" type="slidenum">
+              <a:rPr lang="fr-FR" smtClean="0"/>
+              <a:t>14</a:t>
+            </a:fld>
+            <a:endParaRPr lang="fr-FR"/>
+          </a:p>
+        </p:txBody>
+      </p:sp>
+    </p:spTree>
+    <p:extLst>
+      <p:ext uri="{BB962C8B-B14F-4D97-AF65-F5344CB8AC3E}">
+        <p14:creationId xmlns:p14="http://schemas.microsoft.com/office/powerpoint/2010/main" val="1499995410"/>
+      </p:ext>
+    </p:extLst>
+  </p:cSld>
+  <p:clrMapOvr>
+    <a:masterClrMapping/>
+  </p:clrMapOvr>
+</p:notes>
+</file>
+
+<file path=ppt/notesSlides/notesSlide15.xml><?xml version="1.0" encoding="utf-8"?>
+<p:notes xmlns:a="http://schemas.openxmlformats.org/drawingml/2006/main" xmlns:r="http://schemas.openxmlformats.org/officeDocument/2006/relationships" xmlns:p="http://schemas.openxmlformats.org/presentationml/2006/main">
+  <p:cSld>
+    <p:spTree>
+      <p:nvGrpSpPr>
+        <p:cNvPr id="1" name=""/>
+        <p:cNvGrpSpPr/>
+        <p:nvPr/>
+      </p:nvGrpSpPr>
+      <p:grpSpPr>
+        <a:xfrm>
+          <a:off x="0" y="0"/>
+          <a:ext cx="0" cy="0"/>
+          <a:chOff x="0" y="0"/>
+          <a:chExt cx="0" cy="0"/>
+        </a:xfrm>
+      </p:grpSpPr>
+      <p:sp>
+        <p:nvSpPr>
+          <p:cNvPr id="2" name="Espace réservé de l'image des diapositives 1"/>
+          <p:cNvSpPr>
+            <a:spLocks noGrp="1" noRot="1" noChangeAspect="1"/>
+          </p:cNvSpPr>
+          <p:nvPr>
+            <p:ph type="sldImg"/>
+          </p:nvPr>
+        </p:nvSpPr>
+        <p:spPr/>
+      </p:sp>
+      <p:sp>
+        <p:nvSpPr>
+          <p:cNvPr id="3" name="Espace réservé des notes 2"/>
+          <p:cNvSpPr>
+            <a:spLocks noGrp="1"/>
+          </p:cNvSpPr>
+          <p:nvPr>
+            <p:ph type="body" idx="1"/>
+          </p:nvPr>
+        </p:nvSpPr>
+        <p:spPr/>
+        <p:txBody>
+          <a:bodyPr/>
+          <a:lstStyle/>
+          <a:p>
+            <a:pPr algn="l"/>
+            <a:r>
+              <a:rPr lang="fr-FR" b="1" i="0" dirty="0">
+                <a:solidFill>
+                  <a:srgbClr val="000000"/>
+                </a:solidFill>
+                <a:effectLst/>
+                <a:latin typeface="Helvetica Neue"/>
+              </a:rPr>
+              <a:t>Les deux notebooks précédents illustrent respectivement :</a:t>
+            </a:r>
+          </a:p>
+          <a:p>
+            <a:pPr algn="l">
+              <a:buFont typeface="Arial" panose="020B0604020202020204" pitchFamily="34" charset="0"/>
+              <a:buChar char="•"/>
+            </a:pPr>
+            <a:r>
+              <a:rPr lang="fr-FR" b="0" i="0" dirty="0">
+                <a:solidFill>
+                  <a:srgbClr val="000000"/>
+                </a:solidFill>
+                <a:effectLst/>
+                <a:latin typeface="Helvetica Neue"/>
+              </a:rPr>
+              <a:t>L'estimation de la direction d'arrivée d'un signal et la comparaison de différentes méthodes (Justesse, faux-positif, non-détection, robustesse de la méthode au mouvement)</a:t>
+            </a:r>
+          </a:p>
+          <a:p>
+            <a:pPr algn="l">
+              <a:buFont typeface="Arial" panose="020B0604020202020204" pitchFamily="34" charset="0"/>
+              <a:buChar char="•"/>
+            </a:pPr>
+            <a:r>
+              <a:rPr lang="fr-FR" b="0" i="0" dirty="0">
+                <a:solidFill>
+                  <a:srgbClr val="000000"/>
+                </a:solidFill>
+                <a:effectLst/>
+                <a:latin typeface="Helvetica Neue"/>
+              </a:rPr>
+              <a:t>La mise en place d'une situation s'approchant de la réalité et introduire le principe d'émission dans une certaine direction.</a:t>
+            </a:r>
+          </a:p>
+          <a:p>
+            <a:endParaRPr lang="fr-FR" dirty="0"/>
+          </a:p>
+        </p:txBody>
+      </p:sp>
+      <p:sp>
+        <p:nvSpPr>
+          <p:cNvPr id="4" name="Espace réservé du numéro de diapositive 3"/>
+          <p:cNvSpPr>
+            <a:spLocks noGrp="1"/>
+          </p:cNvSpPr>
+          <p:nvPr>
+            <p:ph type="sldNum" sz="quarter" idx="5"/>
+          </p:nvPr>
+        </p:nvSpPr>
+        <p:spPr/>
+        <p:txBody>
+          <a:bodyPr/>
+          <a:lstStyle/>
+          <a:p>
+            <a:fld id="{946D1AFA-ED8B-B94E-B29F-CABEC407D280}" type="slidenum">
+              <a:rPr lang="fr-FR" smtClean="0"/>
+              <a:t>15</a:t>
+            </a:fld>
+            <a:endParaRPr lang="fr-FR"/>
+          </a:p>
+        </p:txBody>
+      </p:sp>
+    </p:spTree>
+    <p:extLst>
+      <p:ext uri="{BB962C8B-B14F-4D97-AF65-F5344CB8AC3E}">
+        <p14:creationId xmlns:p14="http://schemas.microsoft.com/office/powerpoint/2010/main" val="1728229746"/>
+      </p:ext>
+    </p:extLst>
+  </p:cSld>
+  <p:clrMapOvr>
+    <a:masterClrMapping/>
+  </p:clrMapOvr>
+</p:notes>
+</file>
+
+<file path=ppt/notesSlides/notesSlide16.xml><?xml version="1.0" encoding="utf-8"?>
+<p:notes xmlns:a="http://schemas.openxmlformats.org/drawingml/2006/main" xmlns:r="http://schemas.openxmlformats.org/officeDocument/2006/relationships" xmlns:p="http://schemas.openxmlformats.org/presentationml/2006/main">
+  <p:cSld>
+    <p:spTree>
+      <p:nvGrpSpPr>
+        <p:cNvPr id="1" name=""/>
+        <p:cNvGrpSpPr/>
+        <p:nvPr/>
+      </p:nvGrpSpPr>
+      <p:grpSpPr>
+        <a:xfrm>
+          <a:off x="0" y="0"/>
+          <a:ext cx="0" cy="0"/>
+          <a:chOff x="0" y="0"/>
+          <a:chExt cx="0" cy="0"/>
+        </a:xfrm>
+      </p:grpSpPr>
+      <p:sp>
+        <p:nvSpPr>
+          <p:cNvPr id="2" name="Espace réservé de l'image des diapositives 1"/>
+          <p:cNvSpPr>
+            <a:spLocks noGrp="1" noRot="1" noChangeAspect="1"/>
+          </p:cNvSpPr>
+          <p:nvPr>
+            <p:ph type="sldImg"/>
+          </p:nvPr>
+        </p:nvSpPr>
+        <p:spPr/>
+      </p:sp>
+      <p:sp>
+        <p:nvSpPr>
+          <p:cNvPr id="3" name="Espace réservé des notes 2"/>
+          <p:cNvSpPr>
+            <a:spLocks noGrp="1"/>
+          </p:cNvSpPr>
+          <p:nvPr>
+            <p:ph type="body" idx="1"/>
+          </p:nvPr>
+        </p:nvSpPr>
+        <p:spPr/>
+        <p:txBody>
+          <a:bodyPr/>
+          <a:lstStyle/>
+          <a:p>
+            <a:pPr algn="l">
+              <a:lnSpc>
+                <a:spcPct val="115000"/>
+              </a:lnSpc>
+            </a:pPr>
+            <a:r>
+              <a:rPr lang="fr-FR" sz="1800" dirty="0">
+                <a:effectLst/>
+                <a:latin typeface="Calibri" panose="020F0502020204030204" pitchFamily="34" charset="0"/>
+                <a:ea typeface="Calibri" panose="020F0502020204030204" pitchFamily="34" charset="0"/>
+                <a:cs typeface="Times New Roman" panose="02020603050405020304" pitchFamily="18" charset="0"/>
+              </a:rPr>
+              <a:t>Nous nous rendons bien compte qu’en complexifiant la matrice de covariance R, on obtient plus difficilement les directions d’intérêt. En effet, nous voyons dans un premier temps que l’amplitude des pics n’est pas la même, alors que les sources sont à la même distance. De plus, un troisième pic fait son apparition, et vient potentiellement perturber l’estimation des directions d’intérêt en induisant un faux-positif. </a:t>
+            </a:r>
+          </a:p>
+          <a:p>
+            <a:br>
+              <a:rPr lang="fr-FR" sz="1800" dirty="0">
+                <a:effectLst/>
+                <a:latin typeface="Calibri" panose="020F0502020204030204" pitchFamily="34" charset="0"/>
+                <a:ea typeface="Calibri" panose="020F0502020204030204" pitchFamily="34" charset="0"/>
+                <a:cs typeface="Times New Roman" panose="02020603050405020304" pitchFamily="18" charset="0"/>
+              </a:rPr>
+            </a:br>
+            <a:endParaRPr lang="fr-FR" dirty="0"/>
+          </a:p>
+        </p:txBody>
+      </p:sp>
+      <p:sp>
+        <p:nvSpPr>
+          <p:cNvPr id="4" name="Espace réservé du numéro de diapositive 3"/>
+          <p:cNvSpPr>
+            <a:spLocks noGrp="1"/>
+          </p:cNvSpPr>
+          <p:nvPr>
+            <p:ph type="sldNum" sz="quarter" idx="5"/>
+          </p:nvPr>
+        </p:nvSpPr>
+        <p:spPr/>
+        <p:txBody>
+          <a:bodyPr/>
+          <a:lstStyle/>
+          <a:p>
+            <a:fld id="{946D1AFA-ED8B-B94E-B29F-CABEC407D280}" type="slidenum">
+              <a:rPr lang="fr-FR" smtClean="0"/>
+              <a:t>16</a:t>
+            </a:fld>
+            <a:endParaRPr lang="fr-FR"/>
+          </a:p>
+        </p:txBody>
+      </p:sp>
+    </p:spTree>
+    <p:extLst>
+      <p:ext uri="{BB962C8B-B14F-4D97-AF65-F5344CB8AC3E}">
+        <p14:creationId xmlns:p14="http://schemas.microsoft.com/office/powerpoint/2010/main" val="403921720"/>
       </p:ext>
     </p:extLst>
   </p:cSld>
@@ -1418,6 +2420,182 @@
     <p:extLst>
       <p:ext uri="{BB962C8B-B14F-4D97-AF65-F5344CB8AC3E}">
         <p14:creationId xmlns:p14="http://schemas.microsoft.com/office/powerpoint/2010/main" val="2084041231"/>
+      </p:ext>
+    </p:extLst>
+  </p:cSld>
+  <p:clrMapOvr>
+    <a:masterClrMapping/>
+  </p:clrMapOvr>
+</p:notes>
+</file>
+
+<file path=ppt/notesSlides/notesSlide8.xml><?xml version="1.0" encoding="utf-8"?>
+<p:notes xmlns:a="http://schemas.openxmlformats.org/drawingml/2006/main" xmlns:r="http://schemas.openxmlformats.org/officeDocument/2006/relationships" xmlns:p="http://schemas.openxmlformats.org/presentationml/2006/main">
+  <p:cSld>
+    <p:spTree>
+      <p:nvGrpSpPr>
+        <p:cNvPr id="1" name=""/>
+        <p:cNvGrpSpPr/>
+        <p:nvPr/>
+      </p:nvGrpSpPr>
+      <p:grpSpPr>
+        <a:xfrm>
+          <a:off x="0" y="0"/>
+          <a:ext cx="0" cy="0"/>
+          <a:chOff x="0" y="0"/>
+          <a:chExt cx="0" cy="0"/>
+        </a:xfrm>
+      </p:grpSpPr>
+      <p:sp>
+        <p:nvSpPr>
+          <p:cNvPr id="2" name="Espace réservé de l'image des diapositives 1"/>
+          <p:cNvSpPr>
+            <a:spLocks noGrp="1" noRot="1" noChangeAspect="1"/>
+          </p:cNvSpPr>
+          <p:nvPr>
+            <p:ph type="sldImg"/>
+          </p:nvPr>
+        </p:nvSpPr>
+        <p:spPr/>
+      </p:sp>
+      <p:sp>
+        <p:nvSpPr>
+          <p:cNvPr id="3" name="Espace réservé des notes 2"/>
+          <p:cNvSpPr>
+            <a:spLocks noGrp="1"/>
+          </p:cNvSpPr>
+          <p:nvPr>
+            <p:ph type="body" idx="1"/>
+          </p:nvPr>
+        </p:nvSpPr>
+        <p:spPr/>
+        <p:txBody>
+          <a:bodyPr/>
+          <a:lstStyle/>
+          <a:p>
+            <a:r>
+              <a:rPr lang="fr-FR" dirty="0"/>
+              <a:t>Description de la plateforme </a:t>
+            </a:r>
+            <a:r>
+              <a:rPr lang="fr-FR" dirty="0" err="1"/>
+              <a:t>HackRF</a:t>
+            </a:r>
+            <a:endParaRPr lang="fr-FR" dirty="0"/>
+          </a:p>
+        </p:txBody>
+      </p:sp>
+      <p:sp>
+        <p:nvSpPr>
+          <p:cNvPr id="4" name="Espace réservé du numéro de diapositive 3"/>
+          <p:cNvSpPr>
+            <a:spLocks noGrp="1"/>
+          </p:cNvSpPr>
+          <p:nvPr>
+            <p:ph type="sldNum" sz="quarter" idx="5"/>
+          </p:nvPr>
+        </p:nvSpPr>
+        <p:spPr/>
+        <p:txBody>
+          <a:bodyPr/>
+          <a:lstStyle/>
+          <a:p>
+            <a:fld id="{946D1AFA-ED8B-B94E-B29F-CABEC407D280}" type="slidenum">
+              <a:rPr lang="fr-FR" smtClean="0"/>
+              <a:t>8</a:t>
+            </a:fld>
+            <a:endParaRPr lang="fr-FR"/>
+          </a:p>
+        </p:txBody>
+      </p:sp>
+    </p:spTree>
+    <p:extLst>
+      <p:ext uri="{BB962C8B-B14F-4D97-AF65-F5344CB8AC3E}">
+        <p14:creationId xmlns:p14="http://schemas.microsoft.com/office/powerpoint/2010/main" val="1849802733"/>
+      </p:ext>
+    </p:extLst>
+  </p:cSld>
+  <p:clrMapOvr>
+    <a:masterClrMapping/>
+  </p:clrMapOvr>
+</p:notes>
+</file>
+
+<file path=ppt/notesSlides/notesSlide9.xml><?xml version="1.0" encoding="utf-8"?>
+<p:notes xmlns:a="http://schemas.openxmlformats.org/drawingml/2006/main" xmlns:r="http://schemas.openxmlformats.org/officeDocument/2006/relationships" xmlns:p="http://schemas.openxmlformats.org/presentationml/2006/main">
+  <p:cSld>
+    <p:spTree>
+      <p:nvGrpSpPr>
+        <p:cNvPr id="1" name=""/>
+        <p:cNvGrpSpPr/>
+        <p:nvPr/>
+      </p:nvGrpSpPr>
+      <p:grpSpPr>
+        <a:xfrm>
+          <a:off x="0" y="0"/>
+          <a:ext cx="0" cy="0"/>
+          <a:chOff x="0" y="0"/>
+          <a:chExt cx="0" cy="0"/>
+        </a:xfrm>
+      </p:grpSpPr>
+      <p:sp>
+        <p:nvSpPr>
+          <p:cNvPr id="2" name="Espace réservé de l'image des diapositives 1"/>
+          <p:cNvSpPr>
+            <a:spLocks noGrp="1" noRot="1" noChangeAspect="1"/>
+          </p:cNvSpPr>
+          <p:nvPr>
+            <p:ph type="sldImg"/>
+          </p:nvPr>
+        </p:nvSpPr>
+        <p:spPr/>
+      </p:sp>
+      <p:sp>
+        <p:nvSpPr>
+          <p:cNvPr id="3" name="Espace réservé des notes 2"/>
+          <p:cNvSpPr>
+            <a:spLocks noGrp="1"/>
+          </p:cNvSpPr>
+          <p:nvPr>
+            <p:ph type="body" idx="1"/>
+          </p:nvPr>
+        </p:nvSpPr>
+        <p:spPr/>
+        <p:txBody>
+          <a:bodyPr/>
+          <a:lstStyle/>
+          <a:p>
+            <a:endParaRPr lang="fr-FR" dirty="0"/>
+          </a:p>
+        </p:txBody>
+      </p:sp>
+      <p:sp>
+        <p:nvSpPr>
+          <p:cNvPr id="4" name="Espace réservé du numéro de diapositive 3"/>
+          <p:cNvSpPr>
+            <a:spLocks noGrp="1"/>
+          </p:cNvSpPr>
+          <p:nvPr>
+            <p:ph type="sldNum" sz="quarter" idx="5"/>
+          </p:nvPr>
+        </p:nvSpPr>
+        <p:spPr/>
+        <p:txBody>
+          <a:bodyPr/>
+          <a:lstStyle/>
+          <a:p>
+            <a:fld id="{946D1AFA-ED8B-B94E-B29F-CABEC407D280}" type="slidenum">
+              <a:rPr lang="fr-FR" smtClean="0"/>
+              <a:t>9</a:t>
+            </a:fld>
+            <a:endParaRPr lang="fr-FR"/>
+          </a:p>
+        </p:txBody>
+      </p:sp>
+    </p:spTree>
+    <p:extLst>
+      <p:ext uri="{BB962C8B-B14F-4D97-AF65-F5344CB8AC3E}">
+        <p14:creationId xmlns:p14="http://schemas.microsoft.com/office/powerpoint/2010/main" val="1414805743"/>
       </p:ext>
     </p:extLst>
   </p:cSld>
@@ -1759,7 +2937,7 @@
             <a:fld id="{B61BEF0D-F0BB-DE4B-95CE-6DB70DBA9567}" type="datetimeFigureOut">
               <a:rPr lang="en-US" dirty="0"/>
               <a:pPr/>
-              <a:t>10/11/20</a:t>
+              <a:t>11/4/2020</a:t>
             </a:fld>
             <a:endParaRPr lang="en-US" dirty="0"/>
           </a:p>
@@ -2080,7 +3258,7 @@
             <a:fld id="{B61BEF0D-F0BB-DE4B-95CE-6DB70DBA9567}" type="datetimeFigureOut">
               <a:rPr lang="en-US" dirty="0"/>
               <a:pPr/>
-              <a:t>10/11/20</a:t>
+              <a:t>11/4/2020</a:t>
             </a:fld>
             <a:endParaRPr lang="en-US" dirty="0"/>
           </a:p>
@@ -2325,7 +3503,7 @@
             <a:fld id="{B61BEF0D-F0BB-DE4B-95CE-6DB70DBA9567}" type="datetimeFigureOut">
               <a:rPr lang="en-US" dirty="0"/>
               <a:pPr/>
-              <a:t>10/11/20</a:t>
+              <a:t>11/4/2020</a:t>
             </a:fld>
             <a:endParaRPr lang="en-US" dirty="0"/>
           </a:p>
@@ -2661,7 +3839,7 @@
             <a:fld id="{B61BEF0D-F0BB-DE4B-95CE-6DB70DBA9567}" type="datetimeFigureOut">
               <a:rPr lang="en-US" dirty="0"/>
               <a:pPr/>
-              <a:t>10/11/20</a:t>
+              <a:t>11/4/2020</a:t>
             </a:fld>
             <a:endParaRPr lang="en-US" dirty="0"/>
           </a:p>
@@ -3005,7 +4183,7 @@
             <a:fld id="{B61BEF0D-F0BB-DE4B-95CE-6DB70DBA9567}" type="datetimeFigureOut">
               <a:rPr lang="en-US" dirty="0"/>
               <a:pPr/>
-              <a:t>10/11/20</a:t>
+              <a:t>11/4/2020</a:t>
             </a:fld>
             <a:endParaRPr lang="en-US" dirty="0"/>
           </a:p>
@@ -3376,7 +4554,7 @@
             <a:fld id="{B61BEF0D-F0BB-DE4B-95CE-6DB70DBA9567}" type="datetimeFigureOut">
               <a:rPr lang="en-US" dirty="0"/>
               <a:pPr/>
-              <a:t>10/11/20</a:t>
+              <a:t>11/4/2020</a:t>
             </a:fld>
             <a:endParaRPr lang="en-US" dirty="0"/>
           </a:p>
@@ -3843,7 +5021,7 @@
             <a:fld id="{B61BEF0D-F0BB-DE4B-95CE-6DB70DBA9567}" type="datetimeFigureOut">
               <a:rPr lang="en-US" dirty="0"/>
               <a:pPr/>
-              <a:t>10/11/20</a:t>
+              <a:t>11/4/2020</a:t>
             </a:fld>
             <a:endParaRPr lang="en-US" dirty="0"/>
           </a:p>
@@ -4045,7 +5223,7 @@
             <a:fld id="{B61BEF0D-F0BB-DE4B-95CE-6DB70DBA9567}" type="datetimeFigureOut">
               <a:rPr lang="en-US" dirty="0"/>
               <a:pPr/>
-              <a:t>10/11/20</a:t>
+              <a:t>11/4/2020</a:t>
             </a:fld>
             <a:endParaRPr lang="en-US" dirty="0"/>
           </a:p>
@@ -4253,7 +5431,7 @@
             <a:fld id="{B61BEF0D-F0BB-DE4B-95CE-6DB70DBA9567}" type="datetimeFigureOut">
               <a:rPr lang="en-US" dirty="0"/>
               <a:pPr/>
-              <a:t>10/11/20</a:t>
+              <a:t>11/4/2020</a:t>
             </a:fld>
             <a:endParaRPr lang="en-US" dirty="0"/>
           </a:p>
@@ -4481,7 +5659,7 @@
           <a:p>
             <a:fld id="{52647F38-B617-4D2F-AE0A-013F0C4D2C57}" type="datetimeFigureOut">
               <a:rPr lang="en-US" dirty="0"/>
-              <a:t>10/11/20</a:t>
+              <a:t>11/4/2020</a:t>
             </a:fld>
             <a:endParaRPr lang="en-US" dirty="0"/>
           </a:p>
@@ -4725,7 +5903,7 @@
             <a:fld id="{B61BEF0D-F0BB-DE4B-95CE-6DB70DBA9567}" type="datetimeFigureOut">
               <a:rPr lang="en-US" dirty="0"/>
               <a:pPr/>
-              <a:t>10/11/20</a:t>
+              <a:t>11/4/2020</a:t>
             </a:fld>
             <a:endParaRPr lang="en-US" dirty="0"/>
           </a:p>
@@ -5019,7 +6197,7 @@
           <a:p>
             <a:fld id="{05BFA754-D5C3-4E66-96A6-867B257F58DC}" type="datetimeFigureOut">
               <a:rPr lang="en-US" dirty="0"/>
-              <a:t>10/11/20</a:t>
+              <a:t>11/4/2020</a:t>
             </a:fld>
             <a:endParaRPr lang="en-US" dirty="0"/>
           </a:p>
@@ -5409,7 +6587,7 @@
             <a:fld id="{B61BEF0D-F0BB-DE4B-95CE-6DB70DBA9567}" type="datetimeFigureOut">
               <a:rPr lang="en-US" dirty="0"/>
               <a:pPr/>
-              <a:t>10/11/20</a:t>
+              <a:t>11/4/2020</a:t>
             </a:fld>
             <a:endParaRPr lang="en-US" dirty="0"/>
           </a:p>
@@ -5555,7 +6733,7 @@
             <a:fld id="{B61BEF0D-F0BB-DE4B-95CE-6DB70DBA9567}" type="datetimeFigureOut">
               <a:rPr lang="en-US" dirty="0"/>
               <a:pPr/>
-              <a:t>10/11/20</a:t>
+              <a:t>11/4/2020</a:t>
             </a:fld>
             <a:endParaRPr lang="en-US" dirty="0"/>
           </a:p>
@@ -5678,7 +6856,7 @@
             <a:fld id="{B61BEF0D-F0BB-DE4B-95CE-6DB70DBA9567}" type="datetimeFigureOut">
               <a:rPr lang="en-US" dirty="0"/>
               <a:pPr/>
-              <a:t>10/11/20</a:t>
+              <a:t>11/4/2020</a:t>
             </a:fld>
             <a:endParaRPr lang="en-US" dirty="0"/>
           </a:p>
@@ -5930,7 +7108,7 @@
             <a:fld id="{B61BEF0D-F0BB-DE4B-95CE-6DB70DBA9567}" type="datetimeFigureOut">
               <a:rPr lang="en-US" dirty="0"/>
               <a:pPr/>
-              <a:t>10/11/20</a:t>
+              <a:t>11/4/2020</a:t>
             </a:fld>
             <a:endParaRPr lang="en-US" dirty="0"/>
           </a:p>
@@ -6242,7 +7420,7 @@
             <a:fld id="{B61BEF0D-F0BB-DE4B-95CE-6DB70DBA9567}" type="datetimeFigureOut">
               <a:rPr lang="en-US" dirty="0"/>
               <a:pPr/>
-              <a:t>10/11/20</a:t>
+              <a:t>11/4/2020</a:t>
             </a:fld>
             <a:endParaRPr lang="en-US" dirty="0"/>
           </a:p>
@@ -6590,7 +7768,7 @@
             <a:fld id="{B61BEF0D-F0BB-DE4B-95CE-6DB70DBA9567}" type="datetimeFigureOut">
               <a:rPr lang="en-US" dirty="0"/>
               <a:pPr/>
-              <a:t>10/11/20</a:t>
+              <a:t>11/4/2020</a:t>
             </a:fld>
             <a:endParaRPr lang="en-US" dirty="0"/>
           </a:p>
@@ -7210,18 +8388,4038 @@
   <p:clrMapOvr>
     <a:masterClrMapping/>
   </p:clrMapOvr>
-  <mc:AlternateContent xmlns:mc="http://schemas.openxmlformats.org/markup-compatibility/2006">
-    <mc:Choice xmlns:p14="http://schemas.microsoft.com/office/powerpoint/2010/main" Requires="p14">
+  <mc:AlternateContent xmlns:mc="http://schemas.openxmlformats.org/markup-compatibility/2006" xmlns:p14="http://schemas.microsoft.com/office/powerpoint/2010/main">
+    <mc:Choice Requires="p14">
       <p:transition spd="slow" p14:dur="3400">
         <p14:reveal/>
       </p:transition>
     </mc:Choice>
-    <mc:Fallback>
+    <mc:Fallback xmlns="">
       <p:transition spd="slow">
         <p:fade/>
       </p:transition>
     </mc:Fallback>
   </mc:AlternateContent>
+</p:sld>
+</file>
+
+<file path=ppt/slides/slide10.xml><?xml version="1.0" encoding="utf-8"?>
+<p:sld xmlns:a="http://schemas.openxmlformats.org/drawingml/2006/main" xmlns:r="http://schemas.openxmlformats.org/officeDocument/2006/relationships" xmlns:p="http://schemas.openxmlformats.org/presentationml/2006/main">
+  <p:cSld>
+    <p:bg>
+      <p:bgPr>
+        <a:solidFill>
+          <a:schemeClr val="bg1"/>
+        </a:solidFill>
+        <a:effectLst/>
+      </p:bgPr>
+    </p:bg>
+    <p:spTree>
+      <p:nvGrpSpPr>
+        <p:cNvPr id="1" name=""/>
+        <p:cNvGrpSpPr/>
+        <p:nvPr/>
+      </p:nvGrpSpPr>
+      <p:grpSpPr>
+        <a:xfrm>
+          <a:off x="0" y="0"/>
+          <a:ext cx="0" cy="0"/>
+          <a:chOff x="0" y="0"/>
+          <a:chExt cx="0" cy="0"/>
+        </a:xfrm>
+      </p:grpSpPr>
+      <p:grpSp>
+        <p:nvGrpSpPr>
+          <p:cNvPr id="11" name="Group 10">
+            <a:extLst>
+              <a:ext uri="{FF2B5EF4-FFF2-40B4-BE49-F238E27FC236}">
+                <a16:creationId xmlns:a16="http://schemas.microsoft.com/office/drawing/2014/main" id="{3F6D81C7-B083-478E-82FE-089A8CB72EB8}"/>
+              </a:ext>
+              <a:ext uri="{C183D7F6-B498-43B3-948B-1728B52AA6E4}">
+                <adec:decorative xmlns:adec="http://schemas.microsoft.com/office/drawing/2017/decorative" val="1"/>
+              </a:ext>
+            </a:extLst>
+          </p:cNvPr>
+          <p:cNvGrpSpPr>
+            <a:grpSpLocks noGrp="1" noUngrp="1" noRot="1" noChangeAspect="1" noMove="1" noResize="1"/>
+          </p:cNvGrpSpPr>
+          <p:nvPr>
+            <p:extLst>
+              <p:ext uri="{386F3935-93C4-4BCD-93E2-E3B085C9AB24}">
+                <p16:designElem xmlns:p16="http://schemas.microsoft.com/office/powerpoint/2015/main" val="1"/>
+              </p:ext>
+            </p:extLst>
+          </p:nvPr>
+        </p:nvGrpSpPr>
+        <p:grpSpPr>
+          <a:xfrm>
+            <a:off x="-15736" y="0"/>
+            <a:ext cx="12229962" cy="6856214"/>
+            <a:chOff x="-15736" y="0"/>
+            <a:chExt cx="12229962" cy="6856214"/>
+          </a:xfrm>
+        </p:grpSpPr>
+        <p:pic>
+          <p:nvPicPr>
+            <p:cNvPr id="12" name="Picture 11">
+              <a:extLst>
+                <a:ext uri="{FF2B5EF4-FFF2-40B4-BE49-F238E27FC236}">
+                  <a16:creationId xmlns:a16="http://schemas.microsoft.com/office/drawing/2014/main" id="{8398EDA2-4889-433D-AC01-5214D79764ED}"/>
+                </a:ext>
+                <a:ext uri="{C183D7F6-B498-43B3-948B-1728B52AA6E4}">
+                  <adec:decorative xmlns:adec="http://schemas.microsoft.com/office/drawing/2017/decorative" val="1"/>
+                </a:ext>
+              </a:extLst>
+            </p:cNvPr>
+            <p:cNvPicPr>
+              <a:picLocks noChangeAspect="1"/>
+            </p:cNvPicPr>
+            <p:nvPr>
+              <p:extLst>
+                <p:ext uri="{386F3935-93C4-4BCD-93E2-E3B085C9AB24}">
+                  <p16:designElem xmlns:p16="http://schemas.microsoft.com/office/powerpoint/2015/main" val="1"/>
+                </p:ext>
+              </p:extLst>
+            </p:nvPr>
+          </p:nvPicPr>
+          <p:blipFill>
+            <a:blip r:embed="rId3">
+              <a:extLst>
+                <a:ext uri="{28A0092B-C50C-407E-A947-70E740481C1C}">
+                  <a14:useLocalDpi xmlns:a14="http://schemas.microsoft.com/office/drawing/2010/main" val="0"/>
+                </a:ext>
+              </a:extLst>
+            </a:blip>
+            <a:stretch>
+              <a:fillRect/>
+            </a:stretch>
+          </p:blipFill>
+          <p:spPr>
+            <a:xfrm>
+              <a:off x="0" y="0"/>
+              <a:ext cx="12188825" cy="6856214"/>
+            </a:xfrm>
+            <a:prstGeom prst="rect">
+              <a:avLst/>
+            </a:prstGeom>
+          </p:spPr>
+        </p:pic>
+        <p:sp>
+          <p:nvSpPr>
+            <p:cNvPr id="13" name="Rectangle 12">
+              <a:extLst>
+                <a:ext uri="{FF2B5EF4-FFF2-40B4-BE49-F238E27FC236}">
+                  <a16:creationId xmlns:a16="http://schemas.microsoft.com/office/drawing/2014/main" id="{0099D46A-AF52-46FD-938B-D31189460A2F}"/>
+                </a:ext>
+                <a:ext uri="{C183D7F6-B498-43B3-948B-1728B52AA6E4}">
+                  <adec:decorative xmlns:adec="http://schemas.microsoft.com/office/drawing/2017/decorative" val="1"/>
+                </a:ext>
+              </a:extLst>
+            </p:cNvPr>
+            <p:cNvSpPr/>
+            <p:nvPr>
+              <p:extLst>
+                <p:ext uri="{386F3935-93C4-4BCD-93E2-E3B085C9AB24}">
+                  <p16:designElem xmlns:p16="http://schemas.microsoft.com/office/powerpoint/2015/main" val="1"/>
+                </p:ext>
+              </p:extLst>
+            </p:nvPr>
+          </p:nvSpPr>
+          <p:spPr>
+            <a:xfrm>
+              <a:off x="608012" y="609600"/>
+              <a:ext cx="10972800" cy="5638800"/>
+            </a:xfrm>
+            <a:prstGeom prst="rect">
+              <a:avLst/>
+            </a:prstGeom>
+            <a:noFill/>
+            <a:ln w="15875" cap="flat">
+              <a:miter lim="800000"/>
+            </a:ln>
+          </p:spPr>
+          <p:style>
+            <a:lnRef idx="1">
+              <a:schemeClr val="accent1"/>
+            </a:lnRef>
+            <a:fillRef idx="3">
+              <a:schemeClr val="accent1"/>
+            </a:fillRef>
+            <a:effectRef idx="2">
+              <a:schemeClr val="accent1"/>
+            </a:effectRef>
+            <a:fontRef idx="minor">
+              <a:schemeClr val="lt1"/>
+            </a:fontRef>
+          </p:style>
+        </p:sp>
+        <p:pic>
+          <p:nvPicPr>
+            <p:cNvPr id="14" name="Picture 13">
+              <a:extLst>
+                <a:ext uri="{FF2B5EF4-FFF2-40B4-BE49-F238E27FC236}">
+                  <a16:creationId xmlns:a16="http://schemas.microsoft.com/office/drawing/2014/main" id="{C933E919-C473-4F0E-9DBC-CC65FC9E926E}"/>
+                </a:ext>
+                <a:ext uri="{C183D7F6-B498-43B3-948B-1728B52AA6E4}">
+                  <adec:decorative xmlns:adec="http://schemas.microsoft.com/office/drawing/2017/decorative" val="1"/>
+                </a:ext>
+              </a:extLst>
+            </p:cNvPr>
+            <p:cNvPicPr>
+              <a:picLocks noChangeAspect="1"/>
+            </p:cNvPicPr>
+            <p:nvPr>
+              <p:extLst>
+                <p:ext uri="{386F3935-93C4-4BCD-93E2-E3B085C9AB24}">
+                  <p16:designElem xmlns:p16="http://schemas.microsoft.com/office/powerpoint/2015/main" val="1"/>
+                </p:ext>
+              </p:extLst>
+            </p:nvPr>
+          </p:nvPicPr>
+          <p:blipFill rotWithShape="1">
+            <a:blip r:embed="rId4">
+              <a:extLst>
+                <a:ext uri="{28A0092B-C50C-407E-A947-70E740481C1C}">
+                  <a14:useLocalDpi xmlns:a14="http://schemas.microsoft.com/office/drawing/2010/main" val="0"/>
+                </a:ext>
+              </a:extLst>
+            </a:blip>
+            <a:srcRect/>
+            <a:stretch/>
+          </p:blipFill>
+          <p:spPr>
+            <a:xfrm>
+              <a:off x="-15736" y="3153832"/>
+              <a:ext cx="777240" cy="606425"/>
+            </a:xfrm>
+            <a:prstGeom prst="rect">
+              <a:avLst/>
+            </a:prstGeom>
+          </p:spPr>
+        </p:pic>
+        <p:pic>
+          <p:nvPicPr>
+            <p:cNvPr id="15" name="Picture 14">
+              <a:extLst>
+                <a:ext uri="{FF2B5EF4-FFF2-40B4-BE49-F238E27FC236}">
+                  <a16:creationId xmlns:a16="http://schemas.microsoft.com/office/drawing/2014/main" id="{FBBF3BDD-5C99-4FDC-BBCB-E711359D93F6}"/>
+                </a:ext>
+                <a:ext uri="{C183D7F6-B498-43B3-948B-1728B52AA6E4}">
+                  <adec:decorative xmlns:adec="http://schemas.microsoft.com/office/drawing/2017/decorative" val="1"/>
+                </a:ext>
+              </a:extLst>
+            </p:cNvPr>
+            <p:cNvPicPr>
+              <a:picLocks noChangeAspect="1"/>
+            </p:cNvPicPr>
+            <p:nvPr>
+              <p:extLst>
+                <p:ext uri="{386F3935-93C4-4BCD-93E2-E3B085C9AB24}">
+                  <p16:designElem xmlns:p16="http://schemas.microsoft.com/office/powerpoint/2015/main" val="1"/>
+                </p:ext>
+              </p:extLst>
+            </p:nvPr>
+          </p:nvPicPr>
+          <p:blipFill rotWithShape="1">
+            <a:blip r:embed="rId4">
+              <a:extLst>
+                <a:ext uri="{28A0092B-C50C-407E-A947-70E740481C1C}">
+                  <a14:useLocalDpi xmlns:a14="http://schemas.microsoft.com/office/drawing/2010/main" val="0"/>
+                </a:ext>
+              </a:extLst>
+            </a:blip>
+            <a:srcRect/>
+            <a:stretch/>
+          </p:blipFill>
+          <p:spPr>
+            <a:xfrm>
+              <a:off x="11436986" y="3153832"/>
+              <a:ext cx="777240" cy="606425"/>
+            </a:xfrm>
+            <a:prstGeom prst="rect">
+              <a:avLst/>
+            </a:prstGeom>
+          </p:spPr>
+        </p:pic>
+      </p:grpSp>
+      <p:cxnSp>
+        <p:nvCxnSpPr>
+          <p:cNvPr id="17" name="Straight Connector 16">
+            <a:extLst>
+              <a:ext uri="{FF2B5EF4-FFF2-40B4-BE49-F238E27FC236}">
+                <a16:creationId xmlns:a16="http://schemas.microsoft.com/office/drawing/2014/main" id="{F06B54F2-CD11-4359-A7D6-DA7C76C091A6}"/>
+              </a:ext>
+              <a:ext uri="{C183D7F6-B498-43B3-948B-1728B52AA6E4}">
+                <adec:decorative xmlns:adec="http://schemas.microsoft.com/office/drawing/2017/decorative" val="1"/>
+              </a:ext>
+            </a:extLst>
+          </p:cNvPr>
+          <p:cNvCxnSpPr>
+            <a:cxnSpLocks noGrp="1" noRot="1" noChangeAspect="1" noMove="1" noResize="1" noEditPoints="1" noAdjustHandles="1" noChangeArrowheads="1" noChangeShapeType="1"/>
+          </p:cNvCxnSpPr>
+          <p:nvPr>
+            <p:extLst>
+              <p:ext uri="{386F3935-93C4-4BCD-93E2-E3B085C9AB24}">
+                <p16:designElem xmlns:p16="http://schemas.microsoft.com/office/powerpoint/2015/main" val="1"/>
+              </p:ext>
+            </p:extLst>
+          </p:nvPr>
+        </p:nvCxnSpPr>
+        <p:spPr>
+          <a:xfrm>
+            <a:off x="1396169" y="2421466"/>
+            <a:ext cx="9407298" cy="0"/>
+          </a:xfrm>
+          <a:prstGeom prst="line">
+            <a:avLst/>
+          </a:prstGeom>
+          <a:ln w="15875"/>
+        </p:spPr>
+        <p:style>
+          <a:lnRef idx="2">
+            <a:schemeClr val="accent1"/>
+          </a:lnRef>
+          <a:fillRef idx="0">
+            <a:schemeClr val="accent1"/>
+          </a:fillRef>
+          <a:effectRef idx="1">
+            <a:schemeClr val="accent1"/>
+          </a:effectRef>
+          <a:fontRef idx="minor">
+            <a:schemeClr val="tx1"/>
+          </a:fontRef>
+        </p:style>
+      </p:cxnSp>
+      <p:sp>
+        <p:nvSpPr>
+          <p:cNvPr id="19" name="Rectangle 18">
+            <a:extLst>
+              <a:ext uri="{FF2B5EF4-FFF2-40B4-BE49-F238E27FC236}">
+                <a16:creationId xmlns:a16="http://schemas.microsoft.com/office/drawing/2014/main" id="{333F0879-3DA0-4CB8-B35E-A0AD42558191}"/>
+              </a:ext>
+              <a:ext uri="{C183D7F6-B498-43B3-948B-1728B52AA6E4}">
+                <adec:decorative xmlns:adec="http://schemas.microsoft.com/office/drawing/2017/decorative" val="1"/>
+              </a:ext>
+            </a:extLst>
+          </p:cNvPr>
+          <p:cNvSpPr>
+            <a:spLocks noGrp="1" noRot="1" noChangeAspect="1" noMove="1" noResize="1" noEditPoints="1" noAdjustHandles="1" noChangeArrowheads="1" noChangeShapeType="1" noTextEdit="1"/>
+          </p:cNvSpPr>
+          <p:nvPr>
+            <p:extLst>
+              <p:ext uri="{386F3935-93C4-4BCD-93E2-E3B085C9AB24}">
+                <p16:designElem xmlns:p16="http://schemas.microsoft.com/office/powerpoint/2015/main" val="1"/>
+              </p:ext>
+            </p:extLst>
+          </p:nvPr>
+        </p:nvSpPr>
+        <p:spPr>
+          <a:xfrm>
+            <a:off x="0" y="2"/>
+            <a:ext cx="12188952" cy="6858000"/>
+          </a:xfrm>
+          <a:prstGeom prst="rect">
+            <a:avLst/>
+          </a:prstGeom>
+          <a:ln>
+            <a:noFill/>
+          </a:ln>
+        </p:spPr>
+        <p:style>
+          <a:lnRef idx="2">
+            <a:schemeClr val="accent1">
+              <a:shade val="50000"/>
+            </a:schemeClr>
+          </a:lnRef>
+          <a:fillRef idx="1003">
+            <a:schemeClr val="lt1"/>
+          </a:fillRef>
+          <a:effectRef idx="0">
+            <a:schemeClr val="accent1"/>
+          </a:effectRef>
+          <a:fontRef idx="minor">
+            <a:schemeClr val="lt1"/>
+          </a:fontRef>
+        </p:style>
+        <p:txBody>
+          <a:bodyPr rtlCol="0" anchor="ctr"/>
+          <a:lstStyle/>
+          <a:p>
+            <a:pPr algn="ctr"/>
+            <a:endParaRPr lang="en-US"/>
+          </a:p>
+        </p:txBody>
+      </p:sp>
+      <p:sp>
+        <p:nvSpPr>
+          <p:cNvPr id="21" name="Rectangle 20">
+            <a:extLst>
+              <a:ext uri="{FF2B5EF4-FFF2-40B4-BE49-F238E27FC236}">
+                <a16:creationId xmlns:a16="http://schemas.microsoft.com/office/drawing/2014/main" id="{324D2183-F388-476E-92A9-D6639D698580}"/>
+              </a:ext>
+              <a:ext uri="{C183D7F6-B498-43B3-948B-1728B52AA6E4}">
+                <adec:decorative xmlns:adec="http://schemas.microsoft.com/office/drawing/2017/decorative" val="1"/>
+              </a:ext>
+            </a:extLst>
+          </p:cNvPr>
+          <p:cNvSpPr>
+            <a:spLocks noGrp="1" noRot="1" noChangeAspect="1" noMove="1" noResize="1" noEditPoints="1" noAdjustHandles="1" noChangeArrowheads="1" noChangeShapeType="1" noTextEdit="1"/>
+          </p:cNvSpPr>
+          <p:nvPr>
+            <p:extLst>
+              <p:ext uri="{386F3935-93C4-4BCD-93E2-E3B085C9AB24}">
+                <p16:designElem xmlns:p16="http://schemas.microsoft.com/office/powerpoint/2015/main" val="1"/>
+              </p:ext>
+            </p:extLst>
+          </p:nvPr>
+        </p:nvSpPr>
+        <p:spPr>
+          <a:xfrm>
+            <a:off x="486138" y="496090"/>
+            <a:ext cx="3823215" cy="5883295"/>
+          </a:xfrm>
+          <a:prstGeom prst="rect">
+            <a:avLst/>
+          </a:prstGeom>
+          <a:blipFill dpi="0" rotWithShape="1">
+            <a:blip r:embed="rId5"/>
+            <a:srcRect/>
+            <a:tile tx="0" ty="0" sx="100000" sy="100000" flip="none" algn="tl"/>
+          </a:blipFill>
+          <a:ln>
+            <a:noFill/>
+          </a:ln>
+          <a:effectLst>
+            <a:outerShdw blurRad="114300" dist="127000" dir="5400000" sx="99000" sy="99000" algn="t" rotWithShape="0">
+              <a:prstClr val="black">
+                <a:alpha val="40000"/>
+              </a:prstClr>
+            </a:outerShdw>
+          </a:effectLst>
+          <a:scene3d>
+            <a:camera prst="orthographicFront"/>
+            <a:lightRig rig="twoPt" dir="t"/>
+          </a:scene3d>
+          <a:sp3d contourW="6350">
+            <a:bevelT w="12700" h="0" prst="coolSlant"/>
+            <a:contourClr>
+              <a:schemeClr val="bg2"/>
+            </a:contourClr>
+          </a:sp3d>
+        </p:spPr>
+        <p:style>
+          <a:lnRef idx="2">
+            <a:schemeClr val="accent1">
+              <a:shade val="50000"/>
+            </a:schemeClr>
+          </a:lnRef>
+          <a:fillRef idx="1">
+            <a:schemeClr val="accent1"/>
+          </a:fillRef>
+          <a:effectRef idx="0">
+            <a:schemeClr val="accent1"/>
+          </a:effectRef>
+          <a:fontRef idx="minor">
+            <a:schemeClr val="lt1"/>
+          </a:fontRef>
+        </p:style>
+        <p:txBody>
+          <a:bodyPr rtlCol="0" anchor="ctr"/>
+          <a:lstStyle/>
+          <a:p>
+            <a:pPr algn="ctr"/>
+            <a:endParaRPr lang="en-US"/>
+          </a:p>
+        </p:txBody>
+      </p:sp>
+      <p:sp>
+        <p:nvSpPr>
+          <p:cNvPr id="23" name="Rectangle 22">
+            <a:extLst>
+              <a:ext uri="{FF2B5EF4-FFF2-40B4-BE49-F238E27FC236}">
+                <a16:creationId xmlns:a16="http://schemas.microsoft.com/office/drawing/2014/main" id="{243462E7-1698-4B21-BE89-AEFAC7C2FEFA}"/>
+              </a:ext>
+              <a:ext uri="{C183D7F6-B498-43B3-948B-1728B52AA6E4}">
+                <adec:decorative xmlns:adec="http://schemas.microsoft.com/office/drawing/2017/decorative" val="1"/>
+              </a:ext>
+            </a:extLst>
+          </p:cNvPr>
+          <p:cNvSpPr>
+            <a:spLocks noGrp="1" noRot="1" noChangeAspect="1" noMove="1" noResize="1" noEditPoints="1" noAdjustHandles="1" noChangeArrowheads="1" noChangeShapeType="1" noTextEdit="1"/>
+          </p:cNvSpPr>
+          <p:nvPr>
+            <p:extLst>
+              <p:ext uri="{386F3935-93C4-4BCD-93E2-E3B085C9AB24}">
+                <p16:designElem xmlns:p16="http://schemas.microsoft.com/office/powerpoint/2015/main" val="1"/>
+              </p:ext>
+            </p:extLst>
+          </p:nvPr>
+        </p:nvSpPr>
+        <p:spPr>
+          <a:xfrm>
+            <a:off x="608012" y="609602"/>
+            <a:ext cx="3552006" cy="5638800"/>
+          </a:xfrm>
+          <a:prstGeom prst="rect">
+            <a:avLst/>
+          </a:prstGeom>
+          <a:noFill/>
+          <a:ln w="15875" cap="flat">
+            <a:miter lim="800000"/>
+          </a:ln>
+        </p:spPr>
+        <p:style>
+          <a:lnRef idx="1">
+            <a:schemeClr val="accent1"/>
+          </a:lnRef>
+          <a:fillRef idx="3">
+            <a:schemeClr val="accent1"/>
+          </a:fillRef>
+          <a:effectRef idx="2">
+            <a:schemeClr val="accent1"/>
+          </a:effectRef>
+          <a:fontRef idx="minor">
+            <a:schemeClr val="lt1"/>
+          </a:fontRef>
+        </p:style>
+      </p:sp>
+      <p:sp>
+        <p:nvSpPr>
+          <p:cNvPr id="2" name="Titre 1">
+            <a:extLst>
+              <a:ext uri="{FF2B5EF4-FFF2-40B4-BE49-F238E27FC236}">
+                <a16:creationId xmlns:a16="http://schemas.microsoft.com/office/drawing/2014/main" id="{9D488838-D144-404D-9023-E0E2FD8E8A8E}"/>
+              </a:ext>
+            </a:extLst>
+          </p:cNvPr>
+          <p:cNvSpPr>
+            <a:spLocks noGrp="1"/>
+          </p:cNvSpPr>
+          <p:nvPr>
+            <p:ph type="title"/>
+          </p:nvPr>
+        </p:nvSpPr>
+        <p:spPr>
+          <a:xfrm>
+            <a:off x="929140" y="972766"/>
+            <a:ext cx="2835464" cy="1254868"/>
+          </a:xfrm>
+        </p:spPr>
+        <p:txBody>
+          <a:bodyPr vert="horz" lIns="91440" tIns="45720" rIns="91440" bIns="45720" rtlCol="0" anchor="b">
+            <a:normAutofit/>
+          </a:bodyPr>
+          <a:lstStyle/>
+          <a:p>
+            <a:r>
+              <a:rPr lang="en-US" sz="2800" dirty="0">
+                <a:solidFill>
+                  <a:srgbClr val="262626"/>
+                </a:solidFill>
+              </a:rPr>
+              <a:t>Formation de </a:t>
+            </a:r>
+            <a:r>
+              <a:rPr lang="en-US" sz="2800" dirty="0" err="1">
+                <a:solidFill>
+                  <a:srgbClr val="262626"/>
+                </a:solidFill>
+              </a:rPr>
+              <a:t>faisceaux</a:t>
+            </a:r>
+            <a:endParaRPr lang="en-US" sz="2800" dirty="0">
+              <a:solidFill>
+                <a:srgbClr val="262626"/>
+              </a:solidFill>
+            </a:endParaRPr>
+          </a:p>
+        </p:txBody>
+      </p:sp>
+      <mc:AlternateContent xmlns:mc="http://schemas.openxmlformats.org/markup-compatibility/2006" xmlns:a14="http://schemas.microsoft.com/office/drawing/2010/main">
+        <mc:Choice Requires="a14">
+          <p:sp>
+            <p:nvSpPr>
+              <p:cNvPr id="3" name="Espace réservé du contenu 2">
+                <a:extLst>
+                  <a:ext uri="{FF2B5EF4-FFF2-40B4-BE49-F238E27FC236}">
+                    <a16:creationId xmlns:a16="http://schemas.microsoft.com/office/drawing/2014/main" id="{7AF87EFC-DFE7-0843-AA99-2D3CD40DEB9F}"/>
+                  </a:ext>
+                </a:extLst>
+              </p:cNvPr>
+              <p:cNvSpPr>
+                <a:spLocks noGrp="1"/>
+              </p:cNvSpPr>
+              <p:nvPr>
+                <p:ph sz="half" idx="1"/>
+              </p:nvPr>
+            </p:nvSpPr>
+            <p:spPr>
+              <a:xfrm>
+                <a:off x="929141" y="2430471"/>
+                <a:ext cx="2835464" cy="3552039"/>
+              </a:xfrm>
+            </p:spPr>
+            <p:txBody>
+              <a:bodyPr vert="horz" lIns="91440" tIns="45720" rIns="91440" bIns="45720" rtlCol="0" anchor="t">
+                <a:normAutofit fontScale="85000" lnSpcReduction="10000"/>
+              </a:bodyPr>
+              <a:lstStyle/>
+              <a:p>
+                <a:r>
+                  <a:rPr lang="fr-FR" sz="1800" dirty="0">
+                    <a:solidFill>
+                      <a:schemeClr val="tx1"/>
+                    </a:solidFill>
+                  </a:rPr>
+                  <a:t>Principe de base : déphasage induit par la différence de phase entre chaque capteur</a:t>
+                </a:r>
+              </a:p>
+              <a:p>
+                <a:endParaRPr lang="fr-FR" sz="1800" dirty="0">
+                  <a:solidFill>
+                    <a:schemeClr val="tx1"/>
+                  </a:solidFill>
+                </a:endParaRPr>
+              </a:p>
+              <a:p>
+                <a14:m>
+                  <m:oMath xmlns:m="http://schemas.openxmlformats.org/officeDocument/2006/math">
+                    <m:r>
+                      <a:rPr lang="fr-FR" sz="1600" b="1" i="1">
+                        <a:latin typeface="Cambria Math" panose="02040503050406030204" pitchFamily="18" charset="0"/>
+                      </a:rPr>
+                      <m:t>𝐚</m:t>
+                    </m:r>
+                    <m:d>
+                      <m:dPr>
+                        <m:ctrlPr>
+                          <a:rPr lang="fr-FR" sz="1600" b="1" i="1">
+                            <a:latin typeface="Cambria Math" panose="02040503050406030204" pitchFamily="18" charset="0"/>
+                          </a:rPr>
+                        </m:ctrlPr>
+                      </m:dPr>
+                      <m:e>
+                        <m:sSub>
+                          <m:sSubPr>
+                            <m:ctrlPr>
+                              <a:rPr lang="fr-FR" sz="1600" i="1">
+                                <a:latin typeface="Cambria Math" panose="02040503050406030204" pitchFamily="18" charset="0"/>
+                              </a:rPr>
+                            </m:ctrlPr>
+                          </m:sSubPr>
+                          <m:e>
+                            <m:r>
+                              <a:rPr lang="fr-FR" sz="1600" i="1">
+                                <a:latin typeface="Cambria Math" panose="02040503050406030204" pitchFamily="18" charset="0"/>
+                              </a:rPr>
+                              <m:t>𝜃</m:t>
+                            </m:r>
+                          </m:e>
+                          <m:sub>
+                            <m:r>
+                              <a:rPr lang="fr-FR" sz="1600" i="1">
+                                <a:latin typeface="Cambria Math" panose="02040503050406030204" pitchFamily="18" charset="0"/>
+                              </a:rPr>
+                              <m:t>𝑠</m:t>
+                            </m:r>
+                          </m:sub>
+                        </m:sSub>
+                      </m:e>
+                    </m:d>
+                    <m:r>
+                      <a:rPr lang="fr-FR" sz="1600" i="1">
+                        <a:latin typeface="Cambria Math" panose="02040503050406030204" pitchFamily="18" charset="0"/>
+                      </a:rPr>
+                      <m:t>= </m:t>
+                    </m:r>
+                    <m:m>
+                      <m:mPr>
+                        <m:mcs>
+                          <m:mc>
+                            <m:mcPr>
+                              <m:count m:val="1"/>
+                              <m:mcJc m:val="center"/>
+                            </m:mcPr>
+                          </m:mc>
+                        </m:mcs>
+                        <m:ctrlPr>
+                          <a:rPr lang="fr-FR" sz="1600" i="1">
+                            <a:latin typeface="Cambria Math" panose="02040503050406030204" pitchFamily="18" charset="0"/>
+                          </a:rPr>
+                        </m:ctrlPr>
+                      </m:mPr>
+                      <m:mr>
+                        <m:e>
+                          <m:m>
+                            <m:mPr>
+                              <m:mcs>
+                                <m:mc>
+                                  <m:mcPr>
+                                    <m:count m:val="1"/>
+                                    <m:mcJc m:val="center"/>
+                                  </m:mcPr>
+                                </m:mc>
+                              </m:mcs>
+                              <m:ctrlPr>
+                                <a:rPr lang="fr-FR" sz="1600" i="1">
+                                  <a:latin typeface="Cambria Math" panose="02040503050406030204" pitchFamily="18" charset="0"/>
+                                </a:rPr>
+                              </m:ctrlPr>
+                            </m:mPr>
+                            <m:mr>
+                              <m:e>
+                                <m:sSup>
+                                  <m:sSupPr>
+                                    <m:ctrlPr>
+                                      <a:rPr lang="fr-FR" sz="1600" i="1">
+                                        <a:latin typeface="Cambria Math" panose="02040503050406030204" pitchFamily="18" charset="0"/>
+                                      </a:rPr>
+                                    </m:ctrlPr>
+                                  </m:sSupPr>
+                                  <m:e>
+                                    <m:r>
+                                      <a:rPr lang="fr-FR" sz="1600" i="1">
+                                        <a:latin typeface="Cambria Math" panose="02040503050406030204" pitchFamily="18" charset="0"/>
+                                      </a:rPr>
+                                      <m:t>𝑒</m:t>
+                                    </m:r>
+                                  </m:e>
+                                  <m:sup>
+                                    <m:r>
+                                      <a:rPr lang="fr-FR" sz="1600" i="1">
+                                        <a:latin typeface="Cambria Math" panose="02040503050406030204" pitchFamily="18" charset="0"/>
+                                      </a:rPr>
+                                      <m:t>−</m:t>
+                                    </m:r>
+                                    <m:r>
+                                      <a:rPr lang="fr-FR" sz="1600" i="1">
+                                        <a:latin typeface="Cambria Math" panose="02040503050406030204" pitchFamily="18" charset="0"/>
+                                      </a:rPr>
+                                      <m:t>𝑗</m:t>
+                                    </m:r>
+                                    <m:r>
+                                      <a:rPr lang="fr-FR" sz="1600" i="1">
+                                        <a:latin typeface="Cambria Math" panose="02040503050406030204" pitchFamily="18" charset="0"/>
+                                      </a:rPr>
+                                      <m:t>2</m:t>
+                                    </m:r>
+                                    <m:r>
+                                      <a:rPr lang="fr-FR" sz="1600" i="1">
+                                        <a:latin typeface="Cambria Math" panose="02040503050406030204" pitchFamily="18" charset="0"/>
+                                      </a:rPr>
+                                      <m:t>𝜋</m:t>
+                                    </m:r>
+                                    <m:r>
+                                      <a:rPr lang="fr-FR" sz="1600" i="1">
+                                        <a:latin typeface="Cambria Math" panose="02040503050406030204" pitchFamily="18" charset="0"/>
+                                      </a:rPr>
+                                      <m:t>𝑑</m:t>
+                                    </m:r>
+                                    <m:func>
+                                      <m:funcPr>
+                                        <m:ctrlPr>
+                                          <a:rPr lang="fr-FR" sz="1600" i="1">
+                                            <a:latin typeface="Cambria Math" panose="02040503050406030204" pitchFamily="18" charset="0"/>
+                                          </a:rPr>
+                                        </m:ctrlPr>
+                                      </m:funcPr>
+                                      <m:fName>
+                                        <m:r>
+                                          <m:rPr>
+                                            <m:sty m:val="p"/>
+                                          </m:rPr>
+                                          <a:rPr lang="fr-FR" sz="1600">
+                                            <a:latin typeface="Cambria Math" panose="02040503050406030204" pitchFamily="18" charset="0"/>
+                                          </a:rPr>
+                                          <m:t>sin</m:t>
+                                        </m:r>
+                                      </m:fName>
+                                      <m:e>
+                                        <m:d>
+                                          <m:dPr>
+                                            <m:ctrlPr>
+                                              <a:rPr lang="fr-FR" sz="1600" i="1">
+                                                <a:latin typeface="Cambria Math" panose="02040503050406030204" pitchFamily="18" charset="0"/>
+                                              </a:rPr>
+                                            </m:ctrlPr>
+                                          </m:dPr>
+                                          <m:e>
+                                            <m:sSub>
+                                              <m:sSubPr>
+                                                <m:ctrlPr>
+                                                  <a:rPr lang="fr-FR" sz="1600" i="1">
+                                                    <a:latin typeface="Cambria Math" panose="02040503050406030204" pitchFamily="18" charset="0"/>
+                                                  </a:rPr>
+                                                </m:ctrlPr>
+                                              </m:sSubPr>
+                                              <m:e>
+                                                <m:r>
+                                                  <a:rPr lang="fr-FR" sz="1600" i="1">
+                                                    <a:latin typeface="Cambria Math" panose="02040503050406030204" pitchFamily="18" charset="0"/>
+                                                  </a:rPr>
+                                                  <m:t>𝜃</m:t>
+                                                </m:r>
+                                              </m:e>
+                                              <m:sub>
+                                                <m:r>
+                                                  <a:rPr lang="fr-FR" sz="1600" i="1">
+                                                    <a:latin typeface="Cambria Math" panose="02040503050406030204" pitchFamily="18" charset="0"/>
+                                                  </a:rPr>
+                                                  <m:t>𝑠</m:t>
+                                                </m:r>
+                                              </m:sub>
+                                            </m:sSub>
+                                          </m:e>
+                                        </m:d>
+                                      </m:e>
+                                    </m:func>
+                                    <m:r>
+                                      <a:rPr lang="fr-FR" sz="1600" i="1">
+                                        <a:latin typeface="Cambria Math" panose="02040503050406030204" pitchFamily="18" charset="0"/>
+                                      </a:rPr>
+                                      <m:t>/</m:t>
+                                    </m:r>
+                                    <m:r>
+                                      <a:rPr lang="fr-FR" sz="1600" i="1">
+                                        <a:latin typeface="Cambria Math" panose="02040503050406030204" pitchFamily="18" charset="0"/>
+                                      </a:rPr>
+                                      <m:t>𝜆</m:t>
+                                    </m:r>
+                                  </m:sup>
+                                </m:sSup>
+                              </m:e>
+                            </m:mr>
+                            <m:mr>
+                              <m:e>
+                                <m:sSup>
+                                  <m:sSupPr>
+                                    <m:ctrlPr>
+                                      <a:rPr lang="fr-FR" sz="1600" i="1">
+                                        <a:latin typeface="Cambria Math" panose="02040503050406030204" pitchFamily="18" charset="0"/>
+                                      </a:rPr>
+                                    </m:ctrlPr>
+                                  </m:sSupPr>
+                                  <m:e>
+                                    <m:r>
+                                      <a:rPr lang="fr-FR" sz="1600" i="1">
+                                        <a:latin typeface="Cambria Math" panose="02040503050406030204" pitchFamily="18" charset="0"/>
+                                      </a:rPr>
+                                      <m:t>𝑒</m:t>
+                                    </m:r>
+                                  </m:e>
+                                  <m:sup>
+                                    <m:r>
+                                      <a:rPr lang="fr-FR" sz="1600" i="1">
+                                        <a:latin typeface="Cambria Math" panose="02040503050406030204" pitchFamily="18" charset="0"/>
+                                      </a:rPr>
+                                      <m:t>−</m:t>
+                                    </m:r>
+                                    <m:r>
+                                      <a:rPr lang="fr-FR" sz="1600" i="1">
+                                        <a:latin typeface="Cambria Math" panose="02040503050406030204" pitchFamily="18" charset="0"/>
+                                      </a:rPr>
+                                      <m:t>𝑗</m:t>
+                                    </m:r>
+                                    <m:r>
+                                      <a:rPr lang="fr-FR" sz="1600" i="1">
+                                        <a:latin typeface="Cambria Math" panose="02040503050406030204" pitchFamily="18" charset="0"/>
+                                      </a:rPr>
+                                      <m:t>2</m:t>
+                                    </m:r>
+                                    <m:r>
+                                      <a:rPr lang="fr-FR" sz="1600" i="1">
+                                        <a:latin typeface="Cambria Math" panose="02040503050406030204" pitchFamily="18" charset="0"/>
+                                      </a:rPr>
+                                      <m:t>𝜋</m:t>
+                                    </m:r>
+                                    <m:r>
+                                      <a:rPr lang="fr-FR" sz="1600" i="1">
+                                        <a:latin typeface="Cambria Math" panose="02040503050406030204" pitchFamily="18" charset="0"/>
+                                      </a:rPr>
+                                      <m:t>𝑑</m:t>
+                                    </m:r>
+                                    <m:r>
+                                      <a:rPr lang="fr-FR" sz="1600" i="1">
+                                        <a:latin typeface="Cambria Math" panose="02040503050406030204" pitchFamily="18" charset="0"/>
+                                      </a:rPr>
+                                      <m:t>∗2∗</m:t>
+                                    </m:r>
+                                    <m:func>
+                                      <m:funcPr>
+                                        <m:ctrlPr>
+                                          <a:rPr lang="fr-FR" sz="1600" i="1">
+                                            <a:latin typeface="Cambria Math" panose="02040503050406030204" pitchFamily="18" charset="0"/>
+                                          </a:rPr>
+                                        </m:ctrlPr>
+                                      </m:funcPr>
+                                      <m:fName>
+                                        <m:r>
+                                          <m:rPr>
+                                            <m:sty m:val="p"/>
+                                          </m:rPr>
+                                          <a:rPr lang="fr-FR" sz="1600">
+                                            <a:latin typeface="Cambria Math" panose="02040503050406030204" pitchFamily="18" charset="0"/>
+                                          </a:rPr>
+                                          <m:t>sin</m:t>
+                                        </m:r>
+                                      </m:fName>
+                                      <m:e>
+                                        <m:d>
+                                          <m:dPr>
+                                            <m:ctrlPr>
+                                              <a:rPr lang="fr-FR" sz="1600" i="1">
+                                                <a:latin typeface="Cambria Math" panose="02040503050406030204" pitchFamily="18" charset="0"/>
+                                              </a:rPr>
+                                            </m:ctrlPr>
+                                          </m:dPr>
+                                          <m:e>
+                                            <m:sSub>
+                                              <m:sSubPr>
+                                                <m:ctrlPr>
+                                                  <a:rPr lang="fr-FR" sz="1600" i="1">
+                                                    <a:latin typeface="Cambria Math" panose="02040503050406030204" pitchFamily="18" charset="0"/>
+                                                  </a:rPr>
+                                                </m:ctrlPr>
+                                              </m:sSubPr>
+                                              <m:e>
+                                                <m:r>
+                                                  <a:rPr lang="fr-FR" sz="1600" i="1">
+                                                    <a:latin typeface="Cambria Math" panose="02040503050406030204" pitchFamily="18" charset="0"/>
+                                                  </a:rPr>
+                                                  <m:t>𝜃</m:t>
+                                                </m:r>
+                                              </m:e>
+                                              <m:sub>
+                                                <m:r>
+                                                  <a:rPr lang="fr-FR" sz="1600" i="1">
+                                                    <a:latin typeface="Cambria Math" panose="02040503050406030204" pitchFamily="18" charset="0"/>
+                                                  </a:rPr>
+                                                  <m:t>𝑠</m:t>
+                                                </m:r>
+                                              </m:sub>
+                                            </m:sSub>
+                                          </m:e>
+                                        </m:d>
+                                      </m:e>
+                                    </m:func>
+                                    <m:r>
+                                      <a:rPr lang="fr-FR" sz="1600" i="1">
+                                        <a:latin typeface="Cambria Math" panose="02040503050406030204" pitchFamily="18" charset="0"/>
+                                      </a:rPr>
+                                      <m:t>/</m:t>
+                                    </m:r>
+                                    <m:r>
+                                      <a:rPr lang="fr-FR" sz="1600" i="1">
+                                        <a:latin typeface="Cambria Math" panose="02040503050406030204" pitchFamily="18" charset="0"/>
+                                      </a:rPr>
+                                      <m:t>𝜆</m:t>
+                                    </m:r>
+                                  </m:sup>
+                                </m:sSup>
+                              </m:e>
+                            </m:mr>
+                            <m:mr>
+                              <m:e>
+                                <m:m>
+                                  <m:mPr>
+                                    <m:mcs>
+                                      <m:mc>
+                                        <m:mcPr>
+                                          <m:count m:val="1"/>
+                                          <m:mcJc m:val="center"/>
+                                        </m:mcPr>
+                                      </m:mc>
+                                    </m:mcs>
+                                    <m:ctrlPr>
+                                      <a:rPr lang="fr-FR" sz="1600" i="1">
+                                        <a:latin typeface="Cambria Math" panose="02040503050406030204" pitchFamily="18" charset="0"/>
+                                      </a:rPr>
+                                    </m:ctrlPr>
+                                  </m:mPr>
+                                  <m:mr>
+                                    <m:e>
+                                      <m:r>
+                                        <a:rPr lang="fr-FR" sz="1600" i="1">
+                                          <a:latin typeface="Cambria Math" panose="02040503050406030204" pitchFamily="18" charset="0"/>
+                                        </a:rPr>
+                                        <m:t>⋮</m:t>
+                                      </m:r>
+                                    </m:e>
+                                  </m:mr>
+                                  <m:mr>
+                                    <m:e>
+                                      <m:sSup>
+                                        <m:sSupPr>
+                                          <m:ctrlPr>
+                                            <a:rPr lang="fr-FR" sz="1600" i="1">
+                                              <a:latin typeface="Cambria Math" panose="02040503050406030204" pitchFamily="18" charset="0"/>
+                                            </a:rPr>
+                                          </m:ctrlPr>
+                                        </m:sSupPr>
+                                        <m:e>
+                                          <m:r>
+                                            <a:rPr lang="fr-FR" sz="1600" i="1">
+                                              <a:latin typeface="Cambria Math" panose="02040503050406030204" pitchFamily="18" charset="0"/>
+                                            </a:rPr>
+                                            <m:t>𝑒</m:t>
+                                          </m:r>
+                                        </m:e>
+                                        <m:sup>
+                                          <m:r>
+                                            <a:rPr lang="fr-FR" sz="1600" i="1">
+                                              <a:latin typeface="Cambria Math" panose="02040503050406030204" pitchFamily="18" charset="0"/>
+                                            </a:rPr>
+                                            <m:t>−</m:t>
+                                          </m:r>
+                                          <m:r>
+                                            <a:rPr lang="fr-FR" sz="1600" i="1">
+                                              <a:latin typeface="Cambria Math" panose="02040503050406030204" pitchFamily="18" charset="0"/>
+                                            </a:rPr>
+                                            <m:t>𝑗</m:t>
+                                          </m:r>
+                                          <m:r>
+                                            <a:rPr lang="fr-FR" sz="1600" i="1">
+                                              <a:latin typeface="Cambria Math" panose="02040503050406030204" pitchFamily="18" charset="0"/>
+                                            </a:rPr>
+                                            <m:t>2</m:t>
+                                          </m:r>
+                                          <m:r>
+                                            <a:rPr lang="fr-FR" sz="1600" i="1">
+                                              <a:latin typeface="Cambria Math" panose="02040503050406030204" pitchFamily="18" charset="0"/>
+                                            </a:rPr>
+                                            <m:t>𝜋</m:t>
+                                          </m:r>
+                                          <m:r>
+                                            <a:rPr lang="fr-FR" sz="1600" i="1">
+                                              <a:latin typeface="Cambria Math" panose="02040503050406030204" pitchFamily="18" charset="0"/>
+                                            </a:rPr>
+                                            <m:t>𝑑</m:t>
+                                          </m:r>
+                                          <m:func>
+                                            <m:funcPr>
+                                              <m:ctrlPr>
+                                                <a:rPr lang="fr-FR" sz="1600" i="1">
+                                                  <a:latin typeface="Cambria Math" panose="02040503050406030204" pitchFamily="18" charset="0"/>
+                                                </a:rPr>
+                                              </m:ctrlPr>
+                                            </m:funcPr>
+                                            <m:fName>
+                                              <m:r>
+                                                <a:rPr lang="fr-FR" sz="1600" i="1">
+                                                  <a:latin typeface="Cambria Math" panose="02040503050406030204" pitchFamily="18" charset="0"/>
+                                                </a:rPr>
+                                                <m:t>∗</m:t>
+                                              </m:r>
+                                              <m:d>
+                                                <m:dPr>
+                                                  <m:ctrlPr>
+                                                    <a:rPr lang="fr-FR" sz="1600" i="1">
+                                                      <a:latin typeface="Cambria Math" panose="02040503050406030204" pitchFamily="18" charset="0"/>
+                                                    </a:rPr>
+                                                  </m:ctrlPr>
+                                                </m:dPr>
+                                                <m:e>
+                                                  <m:r>
+                                                    <m:rPr>
+                                                      <m:sty m:val="p"/>
+                                                    </m:rPr>
+                                                    <a:rPr lang="fr-FR" sz="1600">
+                                                      <a:latin typeface="Cambria Math" panose="02040503050406030204" pitchFamily="18" charset="0"/>
+                                                    </a:rPr>
+                                                    <m:t>M</m:t>
+                                                  </m:r>
+                                                  <m:r>
+                                                    <a:rPr lang="fr-FR" sz="1600" i="1">
+                                                      <a:latin typeface="Cambria Math" panose="02040503050406030204" pitchFamily="18" charset="0"/>
+                                                    </a:rPr>
+                                                    <m:t>−</m:t>
+                                                  </m:r>
+                                                  <m:r>
+                                                    <a:rPr lang="fr-FR" sz="1600">
+                                                      <a:latin typeface="Cambria Math" panose="02040503050406030204" pitchFamily="18" charset="0"/>
+                                                    </a:rPr>
+                                                    <m:t>2</m:t>
+                                                  </m:r>
+                                                </m:e>
+                                              </m:d>
+                                              <m:r>
+                                                <a:rPr lang="fr-FR" sz="1600" i="1">
+                                                  <a:latin typeface="Cambria Math" panose="02040503050406030204" pitchFamily="18" charset="0"/>
+                                                </a:rPr>
+                                                <m:t>∗</m:t>
+                                              </m:r>
+                                              <m:r>
+                                                <m:rPr>
+                                                  <m:sty m:val="p"/>
+                                                </m:rPr>
+                                                <a:rPr lang="fr-FR" sz="1600">
+                                                  <a:latin typeface="Cambria Math" panose="02040503050406030204" pitchFamily="18" charset="0"/>
+                                                </a:rPr>
+                                                <m:t>sin</m:t>
+                                              </m:r>
+                                            </m:fName>
+                                            <m:e>
+                                              <m:d>
+                                                <m:dPr>
+                                                  <m:ctrlPr>
+                                                    <a:rPr lang="fr-FR" sz="1600" i="1">
+                                                      <a:latin typeface="Cambria Math" panose="02040503050406030204" pitchFamily="18" charset="0"/>
+                                                    </a:rPr>
+                                                  </m:ctrlPr>
+                                                </m:dPr>
+                                                <m:e>
+                                                  <m:sSub>
+                                                    <m:sSubPr>
+                                                      <m:ctrlPr>
+                                                        <a:rPr lang="fr-FR" sz="1600" i="1">
+                                                          <a:latin typeface="Cambria Math" panose="02040503050406030204" pitchFamily="18" charset="0"/>
+                                                        </a:rPr>
+                                                      </m:ctrlPr>
+                                                    </m:sSubPr>
+                                                    <m:e>
+                                                      <m:r>
+                                                        <a:rPr lang="fr-FR" sz="1600" i="1">
+                                                          <a:latin typeface="Cambria Math" panose="02040503050406030204" pitchFamily="18" charset="0"/>
+                                                        </a:rPr>
+                                                        <m:t>𝜃</m:t>
+                                                      </m:r>
+                                                    </m:e>
+                                                    <m:sub>
+                                                      <m:r>
+                                                        <a:rPr lang="fr-FR" sz="1600" i="1">
+                                                          <a:latin typeface="Cambria Math" panose="02040503050406030204" pitchFamily="18" charset="0"/>
+                                                        </a:rPr>
+                                                        <m:t>𝑠</m:t>
+                                                      </m:r>
+                                                    </m:sub>
+                                                  </m:sSub>
+                                                </m:e>
+                                              </m:d>
+                                            </m:e>
+                                          </m:func>
+                                          <m:r>
+                                            <a:rPr lang="fr-FR" sz="1600" i="1">
+                                              <a:latin typeface="Cambria Math" panose="02040503050406030204" pitchFamily="18" charset="0"/>
+                                            </a:rPr>
+                                            <m:t>/</m:t>
+                                          </m:r>
+                                          <m:r>
+                                            <a:rPr lang="fr-FR" sz="1600" i="1">
+                                              <a:latin typeface="Cambria Math" panose="02040503050406030204" pitchFamily="18" charset="0"/>
+                                            </a:rPr>
+                                            <m:t>𝜆</m:t>
+                                          </m:r>
+                                        </m:sup>
+                                      </m:sSup>
+                                    </m:e>
+                                  </m:mr>
+                                </m:m>
+                              </m:e>
+                            </m:mr>
+                          </m:m>
+                        </m:e>
+                      </m:mr>
+                      <m:mr>
+                        <m:e>
+                          <m:sSup>
+                            <m:sSupPr>
+                              <m:ctrlPr>
+                                <a:rPr lang="fr-FR" sz="1600" i="1">
+                                  <a:latin typeface="Cambria Math" panose="02040503050406030204" pitchFamily="18" charset="0"/>
+                                </a:rPr>
+                              </m:ctrlPr>
+                            </m:sSupPr>
+                            <m:e>
+                              <m:r>
+                                <a:rPr lang="fr-FR" sz="1600" i="1">
+                                  <a:latin typeface="Cambria Math" panose="02040503050406030204" pitchFamily="18" charset="0"/>
+                                </a:rPr>
+                                <m:t>𝑒</m:t>
+                              </m:r>
+                            </m:e>
+                            <m:sup>
+                              <m:r>
+                                <a:rPr lang="fr-FR" sz="1600" i="1">
+                                  <a:latin typeface="Cambria Math" panose="02040503050406030204" pitchFamily="18" charset="0"/>
+                                </a:rPr>
+                                <m:t>−</m:t>
+                              </m:r>
+                              <m:r>
+                                <a:rPr lang="fr-FR" sz="1600" i="1">
+                                  <a:latin typeface="Cambria Math" panose="02040503050406030204" pitchFamily="18" charset="0"/>
+                                </a:rPr>
+                                <m:t>𝑗</m:t>
+                              </m:r>
+                              <m:r>
+                                <a:rPr lang="fr-FR" sz="1600" i="1">
+                                  <a:latin typeface="Cambria Math" panose="02040503050406030204" pitchFamily="18" charset="0"/>
+                                </a:rPr>
+                                <m:t>2</m:t>
+                              </m:r>
+                              <m:r>
+                                <a:rPr lang="fr-FR" sz="1600" i="1">
+                                  <a:latin typeface="Cambria Math" panose="02040503050406030204" pitchFamily="18" charset="0"/>
+                                </a:rPr>
+                                <m:t>𝜋</m:t>
+                              </m:r>
+                              <m:r>
+                                <a:rPr lang="fr-FR" sz="1600" i="1">
+                                  <a:latin typeface="Cambria Math" panose="02040503050406030204" pitchFamily="18" charset="0"/>
+                                </a:rPr>
+                                <m:t>𝑑</m:t>
+                              </m:r>
+                              <m:r>
+                                <a:rPr lang="fr-FR" sz="1600" i="1">
+                                  <a:latin typeface="Cambria Math" panose="02040503050406030204" pitchFamily="18" charset="0"/>
+                                </a:rPr>
+                                <m:t>∗</m:t>
+                              </m:r>
+                              <m:d>
+                                <m:dPr>
+                                  <m:ctrlPr>
+                                    <a:rPr lang="fr-FR" sz="1600" i="1">
+                                      <a:latin typeface="Cambria Math" panose="02040503050406030204" pitchFamily="18" charset="0"/>
+                                    </a:rPr>
+                                  </m:ctrlPr>
+                                </m:dPr>
+                                <m:e>
+                                  <m:r>
+                                    <m:rPr>
+                                      <m:sty m:val="p"/>
+                                    </m:rPr>
+                                    <a:rPr lang="fr-FR" sz="1600">
+                                      <a:latin typeface="Cambria Math" panose="02040503050406030204" pitchFamily="18" charset="0"/>
+                                    </a:rPr>
+                                    <m:t>M</m:t>
+                                  </m:r>
+                                  <m:r>
+                                    <a:rPr lang="fr-FR" sz="1600" i="1">
+                                      <a:latin typeface="Cambria Math" panose="02040503050406030204" pitchFamily="18" charset="0"/>
+                                    </a:rPr>
+                                    <m:t>−</m:t>
+                                  </m:r>
+                                  <m:r>
+                                    <a:rPr lang="fr-FR" sz="1600">
+                                      <a:latin typeface="Cambria Math" panose="02040503050406030204" pitchFamily="18" charset="0"/>
+                                    </a:rPr>
+                                    <m:t>1</m:t>
+                                  </m:r>
+                                </m:e>
+                              </m:d>
+                              <m:r>
+                                <a:rPr lang="fr-FR" sz="1600" i="1">
+                                  <a:latin typeface="Cambria Math" panose="02040503050406030204" pitchFamily="18" charset="0"/>
+                                </a:rPr>
+                                <m:t>∗</m:t>
+                              </m:r>
+                              <m:func>
+                                <m:funcPr>
+                                  <m:ctrlPr>
+                                    <a:rPr lang="fr-FR" sz="1600" i="1">
+                                      <a:latin typeface="Cambria Math" panose="02040503050406030204" pitchFamily="18" charset="0"/>
+                                    </a:rPr>
+                                  </m:ctrlPr>
+                                </m:funcPr>
+                                <m:fName>
+                                  <m:r>
+                                    <m:rPr>
+                                      <m:sty m:val="p"/>
+                                    </m:rPr>
+                                    <a:rPr lang="fr-FR" sz="1600">
+                                      <a:latin typeface="Cambria Math" panose="02040503050406030204" pitchFamily="18" charset="0"/>
+                                    </a:rPr>
+                                    <m:t>sin</m:t>
+                                  </m:r>
+                                </m:fName>
+                                <m:e>
+                                  <m:d>
+                                    <m:dPr>
+                                      <m:ctrlPr>
+                                        <a:rPr lang="fr-FR" sz="1600" i="1">
+                                          <a:latin typeface="Cambria Math" panose="02040503050406030204" pitchFamily="18" charset="0"/>
+                                        </a:rPr>
+                                      </m:ctrlPr>
+                                    </m:dPr>
+                                    <m:e>
+                                      <m:sSub>
+                                        <m:sSubPr>
+                                          <m:ctrlPr>
+                                            <a:rPr lang="fr-FR" sz="1600" i="1">
+                                              <a:latin typeface="Cambria Math" panose="02040503050406030204" pitchFamily="18" charset="0"/>
+                                            </a:rPr>
+                                          </m:ctrlPr>
+                                        </m:sSubPr>
+                                        <m:e>
+                                          <m:r>
+                                            <a:rPr lang="fr-FR" sz="1600" i="1">
+                                              <a:latin typeface="Cambria Math" panose="02040503050406030204" pitchFamily="18" charset="0"/>
+                                            </a:rPr>
+                                            <m:t>𝜃</m:t>
+                                          </m:r>
+                                        </m:e>
+                                        <m:sub>
+                                          <m:r>
+                                            <a:rPr lang="fr-FR" sz="1600" i="1">
+                                              <a:latin typeface="Cambria Math" panose="02040503050406030204" pitchFamily="18" charset="0"/>
+                                            </a:rPr>
+                                            <m:t>𝑠</m:t>
+                                          </m:r>
+                                        </m:sub>
+                                      </m:sSub>
+                                    </m:e>
+                                  </m:d>
+                                </m:e>
+                              </m:func>
+                              <m:r>
+                                <a:rPr lang="fr-FR" sz="1600" i="1">
+                                  <a:latin typeface="Cambria Math" panose="02040503050406030204" pitchFamily="18" charset="0"/>
+                                </a:rPr>
+                                <m:t>/</m:t>
+                              </m:r>
+                              <m:r>
+                                <a:rPr lang="fr-FR" sz="1600" i="1">
+                                  <a:latin typeface="Cambria Math" panose="02040503050406030204" pitchFamily="18" charset="0"/>
+                                </a:rPr>
+                                <m:t>𝜆</m:t>
+                              </m:r>
+                            </m:sup>
+                          </m:sSup>
+                        </m:e>
+                      </m:mr>
+                      <m:mr>
+                        <m:e>
+                          <m:sSup>
+                            <m:sSupPr>
+                              <m:ctrlPr>
+                                <a:rPr lang="fr-FR" sz="1600" i="1">
+                                  <a:latin typeface="Cambria Math" panose="02040503050406030204" pitchFamily="18" charset="0"/>
+                                </a:rPr>
+                              </m:ctrlPr>
+                            </m:sSupPr>
+                            <m:e>
+                              <m:r>
+                                <a:rPr lang="fr-FR" sz="1600" i="1">
+                                  <a:latin typeface="Cambria Math" panose="02040503050406030204" pitchFamily="18" charset="0"/>
+                                </a:rPr>
+                                <m:t>𝑒</m:t>
+                              </m:r>
+                            </m:e>
+                            <m:sup>
+                              <m:r>
+                                <a:rPr lang="fr-FR" sz="1600" i="1">
+                                  <a:latin typeface="Cambria Math" panose="02040503050406030204" pitchFamily="18" charset="0"/>
+                                </a:rPr>
+                                <m:t>−</m:t>
+                              </m:r>
+                              <m:r>
+                                <a:rPr lang="fr-FR" sz="1600" i="1">
+                                  <a:latin typeface="Cambria Math" panose="02040503050406030204" pitchFamily="18" charset="0"/>
+                                </a:rPr>
+                                <m:t>𝑗</m:t>
+                              </m:r>
+                              <m:r>
+                                <a:rPr lang="fr-FR" sz="1600" i="1">
+                                  <a:latin typeface="Cambria Math" panose="02040503050406030204" pitchFamily="18" charset="0"/>
+                                </a:rPr>
+                                <m:t>2</m:t>
+                              </m:r>
+                              <m:r>
+                                <a:rPr lang="fr-FR" sz="1600" i="1">
+                                  <a:latin typeface="Cambria Math" panose="02040503050406030204" pitchFamily="18" charset="0"/>
+                                </a:rPr>
+                                <m:t>𝜋</m:t>
+                              </m:r>
+                              <m:r>
+                                <a:rPr lang="fr-FR" sz="1600" i="1">
+                                  <a:latin typeface="Cambria Math" panose="02040503050406030204" pitchFamily="18" charset="0"/>
+                                </a:rPr>
+                                <m:t>𝑑</m:t>
+                              </m:r>
+                              <m:r>
+                                <a:rPr lang="fr-FR" sz="1600" i="1">
+                                  <a:latin typeface="Cambria Math" panose="02040503050406030204" pitchFamily="18" charset="0"/>
+                                </a:rPr>
+                                <m:t>∗</m:t>
+                              </m:r>
+                              <m:r>
+                                <a:rPr lang="fr-FR" sz="1600" i="1">
+                                  <a:latin typeface="Cambria Math" panose="02040503050406030204" pitchFamily="18" charset="0"/>
+                                </a:rPr>
+                                <m:t>𝑀</m:t>
+                              </m:r>
+                              <m:r>
+                                <a:rPr lang="fr-FR" sz="1600" i="1">
+                                  <a:latin typeface="Cambria Math" panose="02040503050406030204" pitchFamily="18" charset="0"/>
+                                </a:rPr>
+                                <m:t>∗</m:t>
+                              </m:r>
+                              <m:func>
+                                <m:funcPr>
+                                  <m:ctrlPr>
+                                    <a:rPr lang="fr-FR" sz="1600" i="1">
+                                      <a:latin typeface="Cambria Math" panose="02040503050406030204" pitchFamily="18" charset="0"/>
+                                    </a:rPr>
+                                  </m:ctrlPr>
+                                </m:funcPr>
+                                <m:fName>
+                                  <m:r>
+                                    <m:rPr>
+                                      <m:sty m:val="p"/>
+                                    </m:rPr>
+                                    <a:rPr lang="fr-FR" sz="1600">
+                                      <a:latin typeface="Cambria Math" panose="02040503050406030204" pitchFamily="18" charset="0"/>
+                                    </a:rPr>
+                                    <m:t>sin</m:t>
+                                  </m:r>
+                                </m:fName>
+                                <m:e>
+                                  <m:d>
+                                    <m:dPr>
+                                      <m:ctrlPr>
+                                        <a:rPr lang="fr-FR" sz="1600" i="1">
+                                          <a:latin typeface="Cambria Math" panose="02040503050406030204" pitchFamily="18" charset="0"/>
+                                        </a:rPr>
+                                      </m:ctrlPr>
+                                    </m:dPr>
+                                    <m:e>
+                                      <m:sSub>
+                                        <m:sSubPr>
+                                          <m:ctrlPr>
+                                            <a:rPr lang="fr-FR" sz="1600" i="1">
+                                              <a:latin typeface="Cambria Math" panose="02040503050406030204" pitchFamily="18" charset="0"/>
+                                            </a:rPr>
+                                          </m:ctrlPr>
+                                        </m:sSubPr>
+                                        <m:e>
+                                          <m:r>
+                                            <a:rPr lang="fr-FR" sz="1600" i="1">
+                                              <a:latin typeface="Cambria Math" panose="02040503050406030204" pitchFamily="18" charset="0"/>
+                                            </a:rPr>
+                                            <m:t>𝜃</m:t>
+                                          </m:r>
+                                        </m:e>
+                                        <m:sub>
+                                          <m:r>
+                                            <a:rPr lang="fr-FR" sz="1600" i="1">
+                                              <a:latin typeface="Cambria Math" panose="02040503050406030204" pitchFamily="18" charset="0"/>
+                                            </a:rPr>
+                                            <m:t>𝑠</m:t>
+                                          </m:r>
+                                        </m:sub>
+                                      </m:sSub>
+                                    </m:e>
+                                  </m:d>
+                                </m:e>
+                              </m:func>
+                              <m:r>
+                                <a:rPr lang="fr-FR" sz="1600" i="1">
+                                  <a:latin typeface="Cambria Math" panose="02040503050406030204" pitchFamily="18" charset="0"/>
+                                </a:rPr>
+                                <m:t>/</m:t>
+                              </m:r>
+                              <m:r>
+                                <a:rPr lang="fr-FR" sz="1600" i="1">
+                                  <a:latin typeface="Cambria Math" panose="02040503050406030204" pitchFamily="18" charset="0"/>
+                                </a:rPr>
+                                <m:t>𝜆</m:t>
+                              </m:r>
+                            </m:sup>
+                          </m:sSup>
+                        </m:e>
+                      </m:mr>
+                    </m:m>
+                  </m:oMath>
+                </a14:m>
+                <a:endParaRPr lang="fr-FR" sz="1600" dirty="0"/>
+              </a:p>
+              <a:p>
+                <a:endParaRPr lang="en-US" sz="1800" dirty="0">
+                  <a:solidFill>
+                    <a:srgbClr val="262626"/>
+                  </a:solidFill>
+                </a:endParaRPr>
+              </a:p>
+              <a:p>
+                <a14:m>
+                  <m:oMath xmlns:m="http://schemas.openxmlformats.org/officeDocument/2006/math">
+                    <m:sSub>
+                      <m:sSubPr>
+                        <m:ctrlPr>
+                          <a:rPr lang="en-US" sz="1800" i="1">
+                            <a:solidFill>
+                              <a:srgbClr val="262626"/>
+                            </a:solidFill>
+                            <a:latin typeface="Cambria Math" panose="02040503050406030204" pitchFamily="18" charset="0"/>
+                          </a:rPr>
+                        </m:ctrlPr>
+                      </m:sSubPr>
+                      <m:e>
+                        <m:r>
+                          <a:rPr lang="en-US" sz="1800" b="1" i="1">
+                            <a:solidFill>
+                              <a:srgbClr val="262626"/>
+                            </a:solidFill>
+                            <a:latin typeface="Cambria Math" panose="02040503050406030204" pitchFamily="18" charset="0"/>
+                          </a:rPr>
+                          <m:t>𝐲</m:t>
+                        </m:r>
+                      </m:e>
+                      <m:sub>
+                        <m:r>
+                          <a:rPr lang="en-US" sz="1800" i="1">
+                            <a:solidFill>
+                              <a:srgbClr val="262626"/>
+                            </a:solidFill>
+                            <a:latin typeface="Cambria Math" panose="02040503050406030204" pitchFamily="18" charset="0"/>
+                          </a:rPr>
+                          <m:t>𝑙</m:t>
+                        </m:r>
+                      </m:sub>
+                    </m:sSub>
+                    <m:r>
+                      <a:rPr lang="en-US" sz="1800" i="1">
+                        <a:solidFill>
+                          <a:srgbClr val="262626"/>
+                        </a:solidFill>
+                        <a:latin typeface="Cambria Math" panose="02040503050406030204" pitchFamily="18" charset="0"/>
+                      </a:rPr>
+                      <m:t>=</m:t>
+                    </m:r>
+                    <m:nary>
+                      <m:naryPr>
+                        <m:chr m:val="∑"/>
+                        <m:limLoc m:val="undOvr"/>
+                        <m:ctrlPr>
+                          <a:rPr lang="en-US" sz="1800" i="1">
+                            <a:solidFill>
+                              <a:srgbClr val="262626"/>
+                            </a:solidFill>
+                            <a:latin typeface="Cambria Math" panose="02040503050406030204" pitchFamily="18" charset="0"/>
+                          </a:rPr>
+                        </m:ctrlPr>
+                      </m:naryPr>
+                      <m:sub>
+                        <m:r>
+                          <a:rPr lang="en-US" sz="1800" i="1">
+                            <a:solidFill>
+                              <a:srgbClr val="262626"/>
+                            </a:solidFill>
+                            <a:latin typeface="Cambria Math" panose="02040503050406030204" pitchFamily="18" charset="0"/>
+                          </a:rPr>
+                          <m:t>𝑠</m:t>
+                        </m:r>
+                        <m:r>
+                          <a:rPr lang="en-US" sz="1800" i="1">
+                            <a:solidFill>
+                              <a:srgbClr val="262626"/>
+                            </a:solidFill>
+                            <a:latin typeface="Cambria Math" panose="02040503050406030204" pitchFamily="18" charset="0"/>
+                          </a:rPr>
+                          <m:t>=1</m:t>
+                        </m:r>
+                      </m:sub>
+                      <m:sup>
+                        <m:r>
+                          <a:rPr lang="en-US" sz="1800" i="1">
+                            <a:solidFill>
+                              <a:srgbClr val="262626"/>
+                            </a:solidFill>
+                            <a:latin typeface="Cambria Math" panose="02040503050406030204" pitchFamily="18" charset="0"/>
+                          </a:rPr>
+                          <m:t>𝑆</m:t>
+                        </m:r>
+                      </m:sup>
+                      <m:e>
+                        <m:sSub>
+                          <m:sSubPr>
+                            <m:ctrlPr>
+                              <a:rPr lang="en-US" sz="1800" i="1">
+                                <a:solidFill>
+                                  <a:srgbClr val="262626"/>
+                                </a:solidFill>
+                                <a:latin typeface="Cambria Math" panose="02040503050406030204" pitchFamily="18" charset="0"/>
+                              </a:rPr>
+                            </m:ctrlPr>
+                          </m:sSubPr>
+                          <m:e>
+                            <m:r>
+                              <a:rPr lang="en-US" sz="1800" i="1">
+                                <a:solidFill>
+                                  <a:srgbClr val="262626"/>
+                                </a:solidFill>
+                                <a:latin typeface="Cambria Math" panose="02040503050406030204" pitchFamily="18" charset="0"/>
+                              </a:rPr>
+                              <m:t>𝑥</m:t>
+                            </m:r>
+                          </m:e>
+                          <m:sub>
+                            <m:r>
+                              <a:rPr lang="en-US" sz="1800" i="1">
+                                <a:solidFill>
+                                  <a:srgbClr val="262626"/>
+                                </a:solidFill>
+                                <a:latin typeface="Cambria Math" panose="02040503050406030204" pitchFamily="18" charset="0"/>
+                              </a:rPr>
+                              <m:t>𝑠</m:t>
+                            </m:r>
+                          </m:sub>
+                        </m:sSub>
+                      </m:e>
+                    </m:nary>
+                    <m:r>
+                      <a:rPr lang="en-US" sz="1800" b="1" i="1">
+                        <a:solidFill>
+                          <a:srgbClr val="262626"/>
+                        </a:solidFill>
+                        <a:latin typeface="Cambria Math" panose="02040503050406030204" pitchFamily="18" charset="0"/>
+                      </a:rPr>
+                      <m:t>𝐚</m:t>
+                    </m:r>
+                    <m:r>
+                      <a:rPr lang="en-US" sz="1800" i="1">
+                        <a:solidFill>
+                          <a:srgbClr val="262626"/>
+                        </a:solidFill>
+                        <a:latin typeface="Cambria Math" panose="02040503050406030204" pitchFamily="18" charset="0"/>
+                      </a:rPr>
+                      <m:t>(</m:t>
+                    </m:r>
+                    <m:sSub>
+                      <m:sSubPr>
+                        <m:ctrlPr>
+                          <a:rPr lang="en-US" sz="1800" i="1">
+                            <a:solidFill>
+                              <a:srgbClr val="262626"/>
+                            </a:solidFill>
+                            <a:latin typeface="Cambria Math" panose="02040503050406030204" pitchFamily="18" charset="0"/>
+                          </a:rPr>
+                        </m:ctrlPr>
+                      </m:sSubPr>
+                      <m:e>
+                        <m:r>
+                          <a:rPr lang="en-US" sz="1800" i="1">
+                            <a:solidFill>
+                              <a:srgbClr val="262626"/>
+                            </a:solidFill>
+                            <a:latin typeface="Cambria Math" panose="02040503050406030204" pitchFamily="18" charset="0"/>
+                          </a:rPr>
+                          <m:t>𝜃</m:t>
+                        </m:r>
+                      </m:e>
+                      <m:sub>
+                        <m:r>
+                          <a:rPr lang="en-US" sz="1800" i="1">
+                            <a:solidFill>
+                              <a:srgbClr val="262626"/>
+                            </a:solidFill>
+                            <a:latin typeface="Cambria Math" panose="02040503050406030204" pitchFamily="18" charset="0"/>
+                          </a:rPr>
+                          <m:t>𝑠</m:t>
+                        </m:r>
+                      </m:sub>
+                    </m:sSub>
+                    <m:r>
+                      <a:rPr lang="en-US" sz="1800" i="1">
+                        <a:solidFill>
+                          <a:srgbClr val="262626"/>
+                        </a:solidFill>
+                        <a:latin typeface="Cambria Math" panose="02040503050406030204" pitchFamily="18" charset="0"/>
+                      </a:rPr>
+                      <m:t>)+</m:t>
+                    </m:r>
+                    <m:sSub>
+                      <m:sSubPr>
+                        <m:ctrlPr>
+                          <a:rPr lang="en-US" sz="1800" i="1">
+                            <a:solidFill>
+                              <a:srgbClr val="262626"/>
+                            </a:solidFill>
+                            <a:latin typeface="Cambria Math" panose="02040503050406030204" pitchFamily="18" charset="0"/>
+                          </a:rPr>
+                        </m:ctrlPr>
+                      </m:sSubPr>
+                      <m:e>
+                        <m:r>
+                          <a:rPr lang="en-US" sz="1800" b="1" i="1">
+                            <a:solidFill>
+                              <a:srgbClr val="262626"/>
+                            </a:solidFill>
+                            <a:latin typeface="Cambria Math" panose="02040503050406030204" pitchFamily="18" charset="0"/>
+                          </a:rPr>
+                          <m:t>𝐧</m:t>
+                        </m:r>
+                      </m:e>
+                      <m:sub>
+                        <m:r>
+                          <a:rPr lang="en-US" sz="1800" i="1">
+                            <a:solidFill>
+                              <a:srgbClr val="262626"/>
+                            </a:solidFill>
+                            <a:latin typeface="Cambria Math" panose="02040503050406030204" pitchFamily="18" charset="0"/>
+                          </a:rPr>
+                          <m:t>𝑙</m:t>
+                        </m:r>
+                      </m:sub>
+                    </m:sSub>
+                  </m:oMath>
+                </a14:m>
+                <a:endParaRPr lang="en-US" sz="1800" dirty="0">
+                  <a:solidFill>
+                    <a:srgbClr val="262626"/>
+                  </a:solidFill>
+                </a:endParaRPr>
+              </a:p>
+              <a:p>
+                <a:endParaRPr lang="en-US" sz="1800" dirty="0">
+                  <a:solidFill>
+                    <a:srgbClr val="262626"/>
+                  </a:solidFill>
+                </a:endParaRPr>
+              </a:p>
+              <a:p>
+                <a:endParaRPr lang="en-US" sz="1800" dirty="0">
+                  <a:solidFill>
+                    <a:srgbClr val="262626"/>
+                  </a:solidFill>
+                </a:endParaRPr>
+              </a:p>
+            </p:txBody>
+          </p:sp>
+        </mc:Choice>
+        <mc:Fallback xmlns="">
+          <p:sp>
+            <p:nvSpPr>
+              <p:cNvPr id="3" name="Espace réservé du contenu 2">
+                <a:extLst>
+                  <a:ext uri="{FF2B5EF4-FFF2-40B4-BE49-F238E27FC236}">
+                    <a16:creationId xmlns:a16="http://schemas.microsoft.com/office/drawing/2014/main" id="{7AF87EFC-DFE7-0843-AA99-2D3CD40DEB9F}"/>
+                  </a:ext>
+                </a:extLst>
+              </p:cNvPr>
+              <p:cNvSpPr>
+                <a:spLocks noGrp="1" noRot="1" noChangeAspect="1" noMove="1" noResize="1" noEditPoints="1" noAdjustHandles="1" noChangeArrowheads="1" noChangeShapeType="1" noTextEdit="1"/>
+              </p:cNvSpPr>
+              <p:nvPr>
+                <p:ph sz="half" idx="1"/>
+              </p:nvPr>
+            </p:nvSpPr>
+            <p:spPr>
+              <a:xfrm>
+                <a:off x="929141" y="2430471"/>
+                <a:ext cx="2835464" cy="3552039"/>
+              </a:xfrm>
+              <a:blipFill>
+                <a:blip r:embed="rId6"/>
+                <a:stretch>
+                  <a:fillRect l="-889" t="-2143" r="-2222" b="-8929"/>
+                </a:stretch>
+              </a:blipFill>
+            </p:spPr>
+            <p:txBody>
+              <a:bodyPr/>
+              <a:lstStyle/>
+              <a:p>
+                <a:r>
+                  <a:rPr lang="fr-FR">
+                    <a:noFill/>
+                  </a:rPr>
+                  <a:t> </a:t>
+                </a:r>
+              </a:p>
+            </p:txBody>
+          </p:sp>
+        </mc:Fallback>
+      </mc:AlternateContent>
+      <p:sp useBgFill="1">
+        <p:nvSpPr>
+          <p:cNvPr id="25" name="Rectangle 24">
+            <a:extLst>
+              <a:ext uri="{FF2B5EF4-FFF2-40B4-BE49-F238E27FC236}">
+                <a16:creationId xmlns:a16="http://schemas.microsoft.com/office/drawing/2014/main" id="{6C22FCAC-D7EC-4A52-B153-FF761E2235B3}"/>
+              </a:ext>
+              <a:ext uri="{C183D7F6-B498-43B3-948B-1728B52AA6E4}">
+                <adec:decorative xmlns:adec="http://schemas.microsoft.com/office/drawing/2017/decorative" val="1"/>
+              </a:ext>
+            </a:extLst>
+          </p:cNvPr>
+          <p:cNvSpPr>
+            <a:spLocks noGrp="1" noRot="1" noChangeAspect="1" noMove="1" noResize="1" noEditPoints="1" noAdjustHandles="1" noChangeArrowheads="1" noChangeShapeType="1" noTextEdit="1"/>
+          </p:cNvSpPr>
+          <p:nvPr>
+            <p:extLst>
+              <p:ext uri="{386F3935-93C4-4BCD-93E2-E3B085C9AB24}">
+                <p16:designElem xmlns:p16="http://schemas.microsoft.com/office/powerpoint/2015/main" val="1"/>
+              </p:ext>
+            </p:extLst>
+          </p:nvPr>
+        </p:nvSpPr>
+        <p:spPr>
+          <a:xfrm>
+            <a:off x="4795491" y="0"/>
+            <a:ext cx="7396509" cy="6858002"/>
+          </a:xfrm>
+          <a:prstGeom prst="rect">
+            <a:avLst/>
+          </a:prstGeom>
+          <a:ln>
+            <a:noFill/>
+          </a:ln>
+        </p:spPr>
+        <p:style>
+          <a:lnRef idx="2">
+            <a:schemeClr val="accent1">
+              <a:shade val="50000"/>
+            </a:schemeClr>
+          </a:lnRef>
+          <a:fillRef idx="1">
+            <a:schemeClr val="accent1"/>
+          </a:fillRef>
+          <a:effectRef idx="0">
+            <a:schemeClr val="accent1"/>
+          </a:effectRef>
+          <a:fontRef idx="minor">
+            <a:schemeClr val="lt1"/>
+          </a:fontRef>
+        </p:style>
+        <p:txBody>
+          <a:bodyPr rtlCol="0" anchor="ctr"/>
+          <a:lstStyle/>
+          <a:p>
+            <a:pPr algn="ctr"/>
+            <a:endParaRPr lang="en-US"/>
+          </a:p>
+        </p:txBody>
+      </p:sp>
+      <p:pic>
+        <p:nvPicPr>
+          <p:cNvPr id="6" name="Espace réservé du contenu 5">
+            <a:extLst>
+              <a:ext uri="{FF2B5EF4-FFF2-40B4-BE49-F238E27FC236}">
+                <a16:creationId xmlns:a16="http://schemas.microsoft.com/office/drawing/2014/main" id="{FAEF6E70-284F-7D4D-98F9-5A38A48C4B5D}"/>
+              </a:ext>
+            </a:extLst>
+          </p:cNvPr>
+          <p:cNvPicPr>
+            <a:picLocks noGrp="1" noChangeAspect="1"/>
+          </p:cNvPicPr>
+          <p:nvPr>
+            <p:ph sz="half" idx="2"/>
+          </p:nvPr>
+        </p:nvPicPr>
+        <p:blipFill>
+          <a:blip r:embed="rId7"/>
+          <a:stretch>
+            <a:fillRect/>
+          </a:stretch>
+        </p:blipFill>
+        <p:spPr>
+          <a:xfrm>
+            <a:off x="5893612" y="609602"/>
+            <a:ext cx="5182637" cy="5587749"/>
+          </a:xfrm>
+          <a:prstGeom prst="rect">
+            <a:avLst/>
+          </a:prstGeom>
+        </p:spPr>
+      </p:pic>
+    </p:spTree>
+    <p:extLst>
+      <p:ext uri="{BB962C8B-B14F-4D97-AF65-F5344CB8AC3E}">
+        <p14:creationId xmlns:p14="http://schemas.microsoft.com/office/powerpoint/2010/main" val="3960561346"/>
+      </p:ext>
+    </p:extLst>
+  </p:cSld>
+  <p:clrMapOvr>
+    <a:masterClrMapping/>
+  </p:clrMapOvr>
+  <p:transition spd="slow">
+    <p:wipe/>
+  </p:transition>
+</p:sld>
+</file>
+
+<file path=ppt/slides/slide11.xml><?xml version="1.0" encoding="utf-8"?>
+<p:sld xmlns:a="http://schemas.openxmlformats.org/drawingml/2006/main" xmlns:r="http://schemas.openxmlformats.org/officeDocument/2006/relationships" xmlns:p="http://schemas.openxmlformats.org/presentationml/2006/main">
+  <p:cSld>
+    <p:bg>
+      <p:bgPr>
+        <a:solidFill>
+          <a:schemeClr val="bg1"/>
+        </a:solidFill>
+        <a:effectLst/>
+      </p:bgPr>
+    </p:bg>
+    <p:spTree>
+      <p:nvGrpSpPr>
+        <p:cNvPr id="1" name=""/>
+        <p:cNvGrpSpPr/>
+        <p:nvPr/>
+      </p:nvGrpSpPr>
+      <p:grpSpPr>
+        <a:xfrm>
+          <a:off x="0" y="0"/>
+          <a:ext cx="0" cy="0"/>
+          <a:chOff x="0" y="0"/>
+          <a:chExt cx="0" cy="0"/>
+        </a:xfrm>
+      </p:grpSpPr>
+      <p:grpSp>
+        <p:nvGrpSpPr>
+          <p:cNvPr id="10" name="Group 9">
+            <a:extLst>
+              <a:ext uri="{FF2B5EF4-FFF2-40B4-BE49-F238E27FC236}">
+                <a16:creationId xmlns:a16="http://schemas.microsoft.com/office/drawing/2014/main" id="{3F6D81C7-B083-478E-82FE-089A8CB72EB8}"/>
+              </a:ext>
+              <a:ext uri="{C183D7F6-B498-43B3-948B-1728B52AA6E4}">
+                <adec:decorative xmlns:adec="http://schemas.microsoft.com/office/drawing/2017/decorative" val="1"/>
+              </a:ext>
+            </a:extLst>
+          </p:cNvPr>
+          <p:cNvGrpSpPr>
+            <a:grpSpLocks noGrp="1" noUngrp="1" noRot="1" noChangeAspect="1" noMove="1" noResize="1"/>
+          </p:cNvGrpSpPr>
+          <p:nvPr>
+            <p:extLst>
+              <p:ext uri="{386F3935-93C4-4BCD-93E2-E3B085C9AB24}">
+                <p16:designElem xmlns:p16="http://schemas.microsoft.com/office/powerpoint/2015/main" val="1"/>
+              </p:ext>
+            </p:extLst>
+          </p:nvPr>
+        </p:nvGrpSpPr>
+        <p:grpSpPr>
+          <a:xfrm>
+            <a:off x="-15736" y="0"/>
+            <a:ext cx="12229962" cy="6856214"/>
+            <a:chOff x="-15736" y="0"/>
+            <a:chExt cx="12229962" cy="6856214"/>
+          </a:xfrm>
+        </p:grpSpPr>
+        <p:pic>
+          <p:nvPicPr>
+            <p:cNvPr id="11" name="Picture 10">
+              <a:extLst>
+                <a:ext uri="{FF2B5EF4-FFF2-40B4-BE49-F238E27FC236}">
+                  <a16:creationId xmlns:a16="http://schemas.microsoft.com/office/drawing/2014/main" id="{8398EDA2-4889-433D-AC01-5214D79764ED}"/>
+                </a:ext>
+                <a:ext uri="{C183D7F6-B498-43B3-948B-1728B52AA6E4}">
+                  <adec:decorative xmlns:adec="http://schemas.microsoft.com/office/drawing/2017/decorative" val="1"/>
+                </a:ext>
+              </a:extLst>
+            </p:cNvPr>
+            <p:cNvPicPr>
+              <a:picLocks noChangeAspect="1"/>
+            </p:cNvPicPr>
+            <p:nvPr>
+              <p:extLst>
+                <p:ext uri="{386F3935-93C4-4BCD-93E2-E3B085C9AB24}">
+                  <p16:designElem xmlns:p16="http://schemas.microsoft.com/office/powerpoint/2015/main" val="1"/>
+                </p:ext>
+              </p:extLst>
+            </p:nvPr>
+          </p:nvPicPr>
+          <p:blipFill>
+            <a:blip r:embed="rId3">
+              <a:extLst>
+                <a:ext uri="{28A0092B-C50C-407E-A947-70E740481C1C}">
+                  <a14:useLocalDpi xmlns:a14="http://schemas.microsoft.com/office/drawing/2010/main" val="0"/>
+                </a:ext>
+              </a:extLst>
+            </a:blip>
+            <a:stretch>
+              <a:fillRect/>
+            </a:stretch>
+          </p:blipFill>
+          <p:spPr>
+            <a:xfrm>
+              <a:off x="0" y="0"/>
+              <a:ext cx="12188825" cy="6856214"/>
+            </a:xfrm>
+            <a:prstGeom prst="rect">
+              <a:avLst/>
+            </a:prstGeom>
+          </p:spPr>
+        </p:pic>
+        <p:sp>
+          <p:nvSpPr>
+            <p:cNvPr id="12" name="Rectangle 11">
+              <a:extLst>
+                <a:ext uri="{FF2B5EF4-FFF2-40B4-BE49-F238E27FC236}">
+                  <a16:creationId xmlns:a16="http://schemas.microsoft.com/office/drawing/2014/main" id="{0099D46A-AF52-46FD-938B-D31189460A2F}"/>
+                </a:ext>
+                <a:ext uri="{C183D7F6-B498-43B3-948B-1728B52AA6E4}">
+                  <adec:decorative xmlns:adec="http://schemas.microsoft.com/office/drawing/2017/decorative" val="1"/>
+                </a:ext>
+              </a:extLst>
+            </p:cNvPr>
+            <p:cNvSpPr/>
+            <p:nvPr>
+              <p:extLst>
+                <p:ext uri="{386F3935-93C4-4BCD-93E2-E3B085C9AB24}">
+                  <p16:designElem xmlns:p16="http://schemas.microsoft.com/office/powerpoint/2015/main" val="1"/>
+                </p:ext>
+              </p:extLst>
+            </p:nvPr>
+          </p:nvSpPr>
+          <p:spPr>
+            <a:xfrm>
+              <a:off x="608012" y="609600"/>
+              <a:ext cx="10972800" cy="5638800"/>
+            </a:xfrm>
+            <a:prstGeom prst="rect">
+              <a:avLst/>
+            </a:prstGeom>
+            <a:noFill/>
+            <a:ln w="15875" cap="flat">
+              <a:miter lim="800000"/>
+            </a:ln>
+          </p:spPr>
+          <p:style>
+            <a:lnRef idx="1">
+              <a:schemeClr val="accent1"/>
+            </a:lnRef>
+            <a:fillRef idx="3">
+              <a:schemeClr val="accent1"/>
+            </a:fillRef>
+            <a:effectRef idx="2">
+              <a:schemeClr val="accent1"/>
+            </a:effectRef>
+            <a:fontRef idx="minor">
+              <a:schemeClr val="lt1"/>
+            </a:fontRef>
+          </p:style>
+        </p:sp>
+        <p:pic>
+          <p:nvPicPr>
+            <p:cNvPr id="13" name="Picture 12">
+              <a:extLst>
+                <a:ext uri="{FF2B5EF4-FFF2-40B4-BE49-F238E27FC236}">
+                  <a16:creationId xmlns:a16="http://schemas.microsoft.com/office/drawing/2014/main" id="{C933E919-C473-4F0E-9DBC-CC65FC9E926E}"/>
+                </a:ext>
+                <a:ext uri="{C183D7F6-B498-43B3-948B-1728B52AA6E4}">
+                  <adec:decorative xmlns:adec="http://schemas.microsoft.com/office/drawing/2017/decorative" val="1"/>
+                </a:ext>
+              </a:extLst>
+            </p:cNvPr>
+            <p:cNvPicPr>
+              <a:picLocks noChangeAspect="1"/>
+            </p:cNvPicPr>
+            <p:nvPr>
+              <p:extLst>
+                <p:ext uri="{386F3935-93C4-4BCD-93E2-E3B085C9AB24}">
+                  <p16:designElem xmlns:p16="http://schemas.microsoft.com/office/powerpoint/2015/main" val="1"/>
+                </p:ext>
+              </p:extLst>
+            </p:nvPr>
+          </p:nvPicPr>
+          <p:blipFill rotWithShape="1">
+            <a:blip r:embed="rId4">
+              <a:extLst>
+                <a:ext uri="{28A0092B-C50C-407E-A947-70E740481C1C}">
+                  <a14:useLocalDpi xmlns:a14="http://schemas.microsoft.com/office/drawing/2010/main" val="0"/>
+                </a:ext>
+              </a:extLst>
+            </a:blip>
+            <a:srcRect/>
+            <a:stretch/>
+          </p:blipFill>
+          <p:spPr>
+            <a:xfrm>
+              <a:off x="-15736" y="3153832"/>
+              <a:ext cx="777240" cy="606425"/>
+            </a:xfrm>
+            <a:prstGeom prst="rect">
+              <a:avLst/>
+            </a:prstGeom>
+          </p:spPr>
+        </p:pic>
+        <p:pic>
+          <p:nvPicPr>
+            <p:cNvPr id="14" name="Picture 13">
+              <a:extLst>
+                <a:ext uri="{FF2B5EF4-FFF2-40B4-BE49-F238E27FC236}">
+                  <a16:creationId xmlns:a16="http://schemas.microsoft.com/office/drawing/2014/main" id="{FBBF3BDD-5C99-4FDC-BBCB-E711359D93F6}"/>
+                </a:ext>
+                <a:ext uri="{C183D7F6-B498-43B3-948B-1728B52AA6E4}">
+                  <adec:decorative xmlns:adec="http://schemas.microsoft.com/office/drawing/2017/decorative" val="1"/>
+                </a:ext>
+              </a:extLst>
+            </p:cNvPr>
+            <p:cNvPicPr>
+              <a:picLocks noChangeAspect="1"/>
+            </p:cNvPicPr>
+            <p:nvPr>
+              <p:extLst>
+                <p:ext uri="{386F3935-93C4-4BCD-93E2-E3B085C9AB24}">
+                  <p16:designElem xmlns:p16="http://schemas.microsoft.com/office/powerpoint/2015/main" val="1"/>
+                </p:ext>
+              </p:extLst>
+            </p:nvPr>
+          </p:nvPicPr>
+          <p:blipFill rotWithShape="1">
+            <a:blip r:embed="rId4">
+              <a:extLst>
+                <a:ext uri="{28A0092B-C50C-407E-A947-70E740481C1C}">
+                  <a14:useLocalDpi xmlns:a14="http://schemas.microsoft.com/office/drawing/2010/main" val="0"/>
+                </a:ext>
+              </a:extLst>
+            </a:blip>
+            <a:srcRect/>
+            <a:stretch/>
+          </p:blipFill>
+          <p:spPr>
+            <a:xfrm>
+              <a:off x="11436986" y="3153832"/>
+              <a:ext cx="777240" cy="606425"/>
+            </a:xfrm>
+            <a:prstGeom prst="rect">
+              <a:avLst/>
+            </a:prstGeom>
+          </p:spPr>
+        </p:pic>
+      </p:grpSp>
+      <p:cxnSp>
+        <p:nvCxnSpPr>
+          <p:cNvPr id="16" name="Straight Connector 15">
+            <a:extLst>
+              <a:ext uri="{FF2B5EF4-FFF2-40B4-BE49-F238E27FC236}">
+                <a16:creationId xmlns:a16="http://schemas.microsoft.com/office/drawing/2014/main" id="{F06B54F2-CD11-4359-A7D6-DA7C76C091A6}"/>
+              </a:ext>
+              <a:ext uri="{C183D7F6-B498-43B3-948B-1728B52AA6E4}">
+                <adec:decorative xmlns:adec="http://schemas.microsoft.com/office/drawing/2017/decorative" val="1"/>
+              </a:ext>
+            </a:extLst>
+          </p:cNvPr>
+          <p:cNvCxnSpPr>
+            <a:cxnSpLocks noGrp="1" noRot="1" noChangeAspect="1" noMove="1" noResize="1" noEditPoints="1" noAdjustHandles="1" noChangeArrowheads="1" noChangeShapeType="1"/>
+          </p:cNvCxnSpPr>
+          <p:nvPr>
+            <p:extLst>
+              <p:ext uri="{386F3935-93C4-4BCD-93E2-E3B085C9AB24}">
+                <p16:designElem xmlns:p16="http://schemas.microsoft.com/office/powerpoint/2015/main" val="1"/>
+              </p:ext>
+            </p:extLst>
+          </p:nvPr>
+        </p:nvCxnSpPr>
+        <p:spPr>
+          <a:xfrm>
+            <a:off x="1396169" y="2421466"/>
+            <a:ext cx="9407298" cy="0"/>
+          </a:xfrm>
+          <a:prstGeom prst="line">
+            <a:avLst/>
+          </a:prstGeom>
+          <a:ln w="15875"/>
+        </p:spPr>
+        <p:style>
+          <a:lnRef idx="2">
+            <a:schemeClr val="accent1"/>
+          </a:lnRef>
+          <a:fillRef idx="0">
+            <a:schemeClr val="accent1"/>
+          </a:fillRef>
+          <a:effectRef idx="1">
+            <a:schemeClr val="accent1"/>
+          </a:effectRef>
+          <a:fontRef idx="minor">
+            <a:schemeClr val="tx1"/>
+          </a:fontRef>
+        </p:style>
+      </p:cxnSp>
+      <p:sp>
+        <p:nvSpPr>
+          <p:cNvPr id="18" name="Rectangle 17">
+            <a:extLst>
+              <a:ext uri="{FF2B5EF4-FFF2-40B4-BE49-F238E27FC236}">
+                <a16:creationId xmlns:a16="http://schemas.microsoft.com/office/drawing/2014/main" id="{333F0879-3DA0-4CB8-B35E-A0AD42558191}"/>
+              </a:ext>
+              <a:ext uri="{C183D7F6-B498-43B3-948B-1728B52AA6E4}">
+                <adec:decorative xmlns:adec="http://schemas.microsoft.com/office/drawing/2017/decorative" val="1"/>
+              </a:ext>
+            </a:extLst>
+          </p:cNvPr>
+          <p:cNvSpPr>
+            <a:spLocks noGrp="1" noRot="1" noChangeAspect="1" noMove="1" noResize="1" noEditPoints="1" noAdjustHandles="1" noChangeArrowheads="1" noChangeShapeType="1" noTextEdit="1"/>
+          </p:cNvSpPr>
+          <p:nvPr>
+            <p:extLst>
+              <p:ext uri="{386F3935-93C4-4BCD-93E2-E3B085C9AB24}">
+                <p16:designElem xmlns:p16="http://schemas.microsoft.com/office/powerpoint/2015/main" val="1"/>
+              </p:ext>
+            </p:extLst>
+          </p:nvPr>
+        </p:nvSpPr>
+        <p:spPr>
+          <a:xfrm>
+            <a:off x="0" y="2"/>
+            <a:ext cx="12188952" cy="6858000"/>
+          </a:xfrm>
+          <a:prstGeom prst="rect">
+            <a:avLst/>
+          </a:prstGeom>
+          <a:ln>
+            <a:noFill/>
+          </a:ln>
+        </p:spPr>
+        <p:style>
+          <a:lnRef idx="2">
+            <a:schemeClr val="accent1">
+              <a:shade val="50000"/>
+            </a:schemeClr>
+          </a:lnRef>
+          <a:fillRef idx="1003">
+            <a:schemeClr val="lt1"/>
+          </a:fillRef>
+          <a:effectRef idx="0">
+            <a:schemeClr val="accent1"/>
+          </a:effectRef>
+          <a:fontRef idx="minor">
+            <a:schemeClr val="lt1"/>
+          </a:fontRef>
+        </p:style>
+        <p:txBody>
+          <a:bodyPr rtlCol="0" anchor="ctr"/>
+          <a:lstStyle/>
+          <a:p>
+            <a:pPr algn="ctr"/>
+            <a:endParaRPr lang="en-US"/>
+          </a:p>
+        </p:txBody>
+      </p:sp>
+      <p:sp>
+        <p:nvSpPr>
+          <p:cNvPr id="20" name="Rectangle 19">
+            <a:extLst>
+              <a:ext uri="{FF2B5EF4-FFF2-40B4-BE49-F238E27FC236}">
+                <a16:creationId xmlns:a16="http://schemas.microsoft.com/office/drawing/2014/main" id="{324D2183-F388-476E-92A9-D6639D698580}"/>
+              </a:ext>
+              <a:ext uri="{C183D7F6-B498-43B3-948B-1728B52AA6E4}">
+                <adec:decorative xmlns:adec="http://schemas.microsoft.com/office/drawing/2017/decorative" val="1"/>
+              </a:ext>
+            </a:extLst>
+          </p:cNvPr>
+          <p:cNvSpPr>
+            <a:spLocks noGrp="1" noRot="1" noChangeAspect="1" noMove="1" noResize="1" noEditPoints="1" noAdjustHandles="1" noChangeArrowheads="1" noChangeShapeType="1" noTextEdit="1"/>
+          </p:cNvSpPr>
+          <p:nvPr>
+            <p:extLst>
+              <p:ext uri="{386F3935-93C4-4BCD-93E2-E3B085C9AB24}">
+                <p16:designElem xmlns:p16="http://schemas.microsoft.com/office/powerpoint/2015/main" val="1"/>
+              </p:ext>
+            </p:extLst>
+          </p:nvPr>
+        </p:nvSpPr>
+        <p:spPr>
+          <a:xfrm>
+            <a:off x="486138" y="496090"/>
+            <a:ext cx="3823215" cy="5883295"/>
+          </a:xfrm>
+          <a:prstGeom prst="rect">
+            <a:avLst/>
+          </a:prstGeom>
+          <a:blipFill dpi="0" rotWithShape="1">
+            <a:blip r:embed="rId5"/>
+            <a:srcRect/>
+            <a:tile tx="0" ty="0" sx="100000" sy="100000" flip="none" algn="tl"/>
+          </a:blipFill>
+          <a:ln>
+            <a:noFill/>
+          </a:ln>
+          <a:effectLst>
+            <a:outerShdw blurRad="114300" dist="127000" dir="5400000" sx="99000" sy="99000" algn="t" rotWithShape="0">
+              <a:prstClr val="black">
+                <a:alpha val="40000"/>
+              </a:prstClr>
+            </a:outerShdw>
+          </a:effectLst>
+          <a:scene3d>
+            <a:camera prst="orthographicFront"/>
+            <a:lightRig rig="twoPt" dir="t"/>
+          </a:scene3d>
+          <a:sp3d contourW="6350">
+            <a:bevelT w="12700" h="0" prst="coolSlant"/>
+            <a:contourClr>
+              <a:schemeClr val="bg2"/>
+            </a:contourClr>
+          </a:sp3d>
+        </p:spPr>
+        <p:style>
+          <a:lnRef idx="2">
+            <a:schemeClr val="accent1">
+              <a:shade val="50000"/>
+            </a:schemeClr>
+          </a:lnRef>
+          <a:fillRef idx="1">
+            <a:schemeClr val="accent1"/>
+          </a:fillRef>
+          <a:effectRef idx="0">
+            <a:schemeClr val="accent1"/>
+          </a:effectRef>
+          <a:fontRef idx="minor">
+            <a:schemeClr val="lt1"/>
+          </a:fontRef>
+        </p:style>
+        <p:txBody>
+          <a:bodyPr rtlCol="0" anchor="ctr"/>
+          <a:lstStyle/>
+          <a:p>
+            <a:pPr algn="ctr"/>
+            <a:endParaRPr lang="en-US"/>
+          </a:p>
+        </p:txBody>
+      </p:sp>
+      <p:sp>
+        <p:nvSpPr>
+          <p:cNvPr id="22" name="Rectangle 21">
+            <a:extLst>
+              <a:ext uri="{FF2B5EF4-FFF2-40B4-BE49-F238E27FC236}">
+                <a16:creationId xmlns:a16="http://schemas.microsoft.com/office/drawing/2014/main" id="{243462E7-1698-4B21-BE89-AEFAC7C2FEFA}"/>
+              </a:ext>
+              <a:ext uri="{C183D7F6-B498-43B3-948B-1728B52AA6E4}">
+                <adec:decorative xmlns:adec="http://schemas.microsoft.com/office/drawing/2017/decorative" val="1"/>
+              </a:ext>
+            </a:extLst>
+          </p:cNvPr>
+          <p:cNvSpPr>
+            <a:spLocks noGrp="1" noRot="1" noChangeAspect="1" noMove="1" noResize="1" noEditPoints="1" noAdjustHandles="1" noChangeArrowheads="1" noChangeShapeType="1" noTextEdit="1"/>
+          </p:cNvSpPr>
+          <p:nvPr>
+            <p:extLst>
+              <p:ext uri="{386F3935-93C4-4BCD-93E2-E3B085C9AB24}">
+                <p16:designElem xmlns:p16="http://schemas.microsoft.com/office/powerpoint/2015/main" val="1"/>
+              </p:ext>
+            </p:extLst>
+          </p:nvPr>
+        </p:nvSpPr>
+        <p:spPr>
+          <a:xfrm>
+            <a:off x="608012" y="609602"/>
+            <a:ext cx="3552006" cy="5638800"/>
+          </a:xfrm>
+          <a:prstGeom prst="rect">
+            <a:avLst/>
+          </a:prstGeom>
+          <a:noFill/>
+          <a:ln w="15875" cap="flat">
+            <a:miter lim="800000"/>
+          </a:ln>
+        </p:spPr>
+        <p:style>
+          <a:lnRef idx="1">
+            <a:schemeClr val="accent1"/>
+          </a:lnRef>
+          <a:fillRef idx="3">
+            <a:schemeClr val="accent1"/>
+          </a:fillRef>
+          <a:effectRef idx="2">
+            <a:schemeClr val="accent1"/>
+          </a:effectRef>
+          <a:fontRef idx="minor">
+            <a:schemeClr val="lt1"/>
+          </a:fontRef>
+        </p:style>
+      </p:sp>
+      <p:sp>
+        <p:nvSpPr>
+          <p:cNvPr id="2" name="Titre 1">
+            <a:extLst>
+              <a:ext uri="{FF2B5EF4-FFF2-40B4-BE49-F238E27FC236}">
+                <a16:creationId xmlns:a16="http://schemas.microsoft.com/office/drawing/2014/main" id="{B0CF4E94-D664-A248-9886-54AB45E8E4A9}"/>
+              </a:ext>
+            </a:extLst>
+          </p:cNvPr>
+          <p:cNvSpPr>
+            <a:spLocks noGrp="1"/>
+          </p:cNvSpPr>
+          <p:nvPr>
+            <p:ph type="title"/>
+          </p:nvPr>
+        </p:nvSpPr>
+        <p:spPr>
+          <a:xfrm>
+            <a:off x="929140" y="972766"/>
+            <a:ext cx="2835464" cy="1254868"/>
+          </a:xfrm>
+        </p:spPr>
+        <p:txBody>
+          <a:bodyPr vert="horz" lIns="91440" tIns="45720" rIns="91440" bIns="45720" rtlCol="0" anchor="b">
+            <a:normAutofit/>
+          </a:bodyPr>
+          <a:lstStyle/>
+          <a:p>
+            <a:pPr>
+              <a:lnSpc>
+                <a:spcPct val="90000"/>
+              </a:lnSpc>
+            </a:pPr>
+            <a:r>
+              <a:rPr lang="en-US">
+                <a:solidFill>
+                  <a:srgbClr val="262626"/>
+                </a:solidFill>
+              </a:rPr>
+              <a:t>Algorithmes de </a:t>
+            </a:r>
+            <a:r>
+              <a:rPr lang="en-US" i="1">
+                <a:solidFill>
+                  <a:srgbClr val="262626"/>
+                </a:solidFill>
+              </a:rPr>
+              <a:t>DoA</a:t>
+            </a:r>
+            <a:br>
+              <a:rPr lang="en-US" i="1">
+                <a:solidFill>
+                  <a:srgbClr val="262626"/>
+                </a:solidFill>
+              </a:rPr>
+            </a:br>
+            <a:br>
+              <a:rPr lang="en-US" i="1">
+                <a:solidFill>
+                  <a:srgbClr val="262626"/>
+                </a:solidFill>
+              </a:rPr>
+            </a:br>
+            <a:r>
+              <a:rPr lang="en-US" i="1">
+                <a:solidFill>
+                  <a:srgbClr val="262626"/>
+                </a:solidFill>
+              </a:rPr>
+              <a:t>Directions of Arrival</a:t>
+            </a:r>
+            <a:endParaRPr lang="en-US">
+              <a:solidFill>
+                <a:srgbClr val="262626"/>
+              </a:solidFill>
+            </a:endParaRPr>
+          </a:p>
+        </p:txBody>
+      </p:sp>
+      <p:sp>
+        <p:nvSpPr>
+          <p:cNvPr id="4" name="Espace réservé du texte 3">
+            <a:extLst>
+              <a:ext uri="{FF2B5EF4-FFF2-40B4-BE49-F238E27FC236}">
+                <a16:creationId xmlns:a16="http://schemas.microsoft.com/office/drawing/2014/main" id="{D3207556-7A34-2346-9FC6-9B56D65F737E}"/>
+              </a:ext>
+            </a:extLst>
+          </p:cNvPr>
+          <p:cNvSpPr>
+            <a:spLocks noGrp="1"/>
+          </p:cNvSpPr>
+          <p:nvPr>
+            <p:ph type="body" sz="half" idx="2"/>
+          </p:nvPr>
+        </p:nvSpPr>
+        <p:spPr>
+          <a:xfrm>
+            <a:off x="929141" y="2430471"/>
+            <a:ext cx="2835464" cy="3552039"/>
+          </a:xfrm>
+        </p:spPr>
+        <p:txBody>
+          <a:bodyPr vert="horz" lIns="91440" tIns="45720" rIns="91440" bIns="45720" rtlCol="0" anchor="t">
+            <a:normAutofit/>
+          </a:bodyPr>
+          <a:lstStyle/>
+          <a:p>
+            <a:pPr algn="l">
+              <a:buFont typeface="Arial"/>
+              <a:buChar char="•"/>
+            </a:pPr>
+            <a:r>
+              <a:rPr lang="en-US" sz="1800" dirty="0">
+                <a:solidFill>
+                  <a:srgbClr val="262626"/>
+                </a:solidFill>
+              </a:rPr>
+              <a:t>3 versions : </a:t>
+            </a:r>
+          </a:p>
+          <a:p>
+            <a:pPr marL="285750" indent="-285750" algn="l">
+              <a:buFont typeface="Arial"/>
+              <a:buChar char="•"/>
+            </a:pPr>
+            <a:r>
+              <a:rPr lang="en-US" sz="1800" dirty="0">
+                <a:solidFill>
+                  <a:srgbClr val="262626"/>
+                </a:solidFill>
+              </a:rPr>
+              <a:t>Classique</a:t>
+            </a:r>
+          </a:p>
+          <a:p>
+            <a:pPr marL="285750" indent="-285750" algn="l">
+              <a:buFont typeface="Arial"/>
+              <a:buChar char="•"/>
+            </a:pPr>
+            <a:r>
+              <a:rPr lang="en-US" sz="1800" dirty="0">
+                <a:solidFill>
+                  <a:srgbClr val="262626"/>
+                </a:solidFill>
+              </a:rPr>
+              <a:t>MUSIC</a:t>
+            </a:r>
+          </a:p>
+          <a:p>
+            <a:pPr marL="285750" indent="-285750" algn="l">
+              <a:buFont typeface="Arial"/>
+              <a:buChar char="•"/>
+            </a:pPr>
+            <a:r>
+              <a:rPr lang="en-US" sz="1800" dirty="0">
+                <a:solidFill>
+                  <a:srgbClr val="262626"/>
+                </a:solidFill>
+              </a:rPr>
+              <a:t>MVDR (</a:t>
+            </a:r>
+            <a:r>
+              <a:rPr lang="en-US" sz="1800" dirty="0" err="1">
+                <a:solidFill>
+                  <a:srgbClr val="262626"/>
+                </a:solidFill>
+              </a:rPr>
+              <a:t>aussi</a:t>
+            </a:r>
+            <a:r>
+              <a:rPr lang="en-US" sz="1800" dirty="0">
+                <a:solidFill>
+                  <a:srgbClr val="262626"/>
+                </a:solidFill>
+              </a:rPr>
+              <a:t> </a:t>
+            </a:r>
+            <a:r>
+              <a:rPr lang="en-US" sz="1800" dirty="0" err="1">
+                <a:solidFill>
+                  <a:srgbClr val="262626"/>
+                </a:solidFill>
+              </a:rPr>
+              <a:t>appelée</a:t>
+            </a:r>
+            <a:r>
+              <a:rPr lang="en-US" sz="1800" dirty="0">
+                <a:solidFill>
+                  <a:srgbClr val="262626"/>
+                </a:solidFill>
+              </a:rPr>
+              <a:t> CAPON)</a:t>
+            </a:r>
+          </a:p>
+        </p:txBody>
+      </p:sp>
+      <p:sp useBgFill="1">
+        <p:nvSpPr>
+          <p:cNvPr id="24" name="Rectangle 23">
+            <a:extLst>
+              <a:ext uri="{FF2B5EF4-FFF2-40B4-BE49-F238E27FC236}">
+                <a16:creationId xmlns:a16="http://schemas.microsoft.com/office/drawing/2014/main" id="{6C22FCAC-D7EC-4A52-B153-FF761E2235B3}"/>
+              </a:ext>
+              <a:ext uri="{C183D7F6-B498-43B3-948B-1728B52AA6E4}">
+                <adec:decorative xmlns:adec="http://schemas.microsoft.com/office/drawing/2017/decorative" val="1"/>
+              </a:ext>
+            </a:extLst>
+          </p:cNvPr>
+          <p:cNvSpPr>
+            <a:spLocks noGrp="1" noRot="1" noChangeAspect="1" noMove="1" noResize="1" noEditPoints="1" noAdjustHandles="1" noChangeArrowheads="1" noChangeShapeType="1" noTextEdit="1"/>
+          </p:cNvSpPr>
+          <p:nvPr>
+            <p:extLst>
+              <p:ext uri="{386F3935-93C4-4BCD-93E2-E3B085C9AB24}">
+                <p16:designElem xmlns:p16="http://schemas.microsoft.com/office/powerpoint/2015/main" val="1"/>
+              </p:ext>
+            </p:extLst>
+          </p:nvPr>
+        </p:nvSpPr>
+        <p:spPr>
+          <a:xfrm>
+            <a:off x="4795491" y="0"/>
+            <a:ext cx="7396509" cy="6858002"/>
+          </a:xfrm>
+          <a:prstGeom prst="rect">
+            <a:avLst/>
+          </a:prstGeom>
+          <a:ln>
+            <a:noFill/>
+          </a:ln>
+        </p:spPr>
+        <p:style>
+          <a:lnRef idx="2">
+            <a:schemeClr val="accent1">
+              <a:shade val="50000"/>
+            </a:schemeClr>
+          </a:lnRef>
+          <a:fillRef idx="1">
+            <a:schemeClr val="accent1"/>
+          </a:fillRef>
+          <a:effectRef idx="0">
+            <a:schemeClr val="accent1"/>
+          </a:effectRef>
+          <a:fontRef idx="minor">
+            <a:schemeClr val="lt1"/>
+          </a:fontRef>
+        </p:style>
+        <p:txBody>
+          <a:bodyPr rtlCol="0" anchor="ctr"/>
+          <a:lstStyle/>
+          <a:p>
+            <a:pPr algn="ctr"/>
+            <a:endParaRPr lang="en-US"/>
+          </a:p>
+        </p:txBody>
+      </p:sp>
+      <p:pic>
+        <p:nvPicPr>
+          <p:cNvPr id="5" name="Espace réservé du contenu 4" descr="Une image contenant texte, carte&#10;&#10;Description générée automatiquement">
+            <a:extLst>
+              <a:ext uri="{FF2B5EF4-FFF2-40B4-BE49-F238E27FC236}">
+                <a16:creationId xmlns:a16="http://schemas.microsoft.com/office/drawing/2014/main" id="{E1C53708-E90B-4772-8A31-F5D738AC58B7}"/>
+              </a:ext>
+            </a:extLst>
+          </p:cNvPr>
+          <p:cNvPicPr>
+            <a:picLocks noGrp="1"/>
+          </p:cNvPicPr>
+          <p:nvPr>
+            <p:ph idx="1"/>
+          </p:nvPr>
+        </p:nvPicPr>
+        <p:blipFill>
+          <a:blip r:embed="rId6">
+            <a:extLst>
+              <a:ext uri="{28A0092B-C50C-407E-A947-70E740481C1C}">
+                <a14:useLocalDpi xmlns:a14="http://schemas.microsoft.com/office/drawing/2010/main" val="0"/>
+              </a:ext>
+            </a:extLst>
+          </a:blip>
+          <a:stretch>
+            <a:fillRect/>
+          </a:stretch>
+        </p:blipFill>
+        <p:spPr>
+          <a:xfrm>
+            <a:off x="5823765" y="609602"/>
+            <a:ext cx="5322330" cy="5587749"/>
+          </a:xfrm>
+          <a:prstGeom prst="rect">
+            <a:avLst/>
+          </a:prstGeom>
+        </p:spPr>
+      </p:pic>
+    </p:spTree>
+    <p:extLst>
+      <p:ext uri="{BB962C8B-B14F-4D97-AF65-F5344CB8AC3E}">
+        <p14:creationId xmlns:p14="http://schemas.microsoft.com/office/powerpoint/2010/main" val="2351101094"/>
+      </p:ext>
+    </p:extLst>
+  </p:cSld>
+  <p:clrMapOvr>
+    <a:masterClrMapping/>
+  </p:clrMapOvr>
+  <p:transition spd="slow">
+    <p:wipe/>
+  </p:transition>
+  <p:timing>
+    <p:tnLst>
+      <p:par>
+        <p:cTn id="1" dur="indefinite" restart="never" nodeType="tmRoot">
+          <p:childTnLst>
+            <p:seq concurrent="1" nextAc="seek">
+              <p:cTn id="2" dur="indefinite" nodeType="mainSeq">
+                <p:childTnLst>
+                  <p:par>
+                    <p:cTn id="3" fill="hold">
+                      <p:stCondLst>
+                        <p:cond delay="indefinite"/>
+                      </p:stCondLst>
+                      <p:childTnLst>
+                        <p:par>
+                          <p:cTn id="4" fill="hold">
+                            <p:stCondLst>
+                              <p:cond delay="0"/>
+                            </p:stCondLst>
+                            <p:childTnLst>
+                              <p:par>
+                                <p:cTn id="5" presetID="1" presetClass="entr" presetSubtype="0" fill="hold" grpId="0" nodeType="clickEffect">
+                                  <p:stCondLst>
+                                    <p:cond delay="0"/>
+                                  </p:stCondLst>
+                                  <p:childTnLst>
+                                    <p:set>
+                                      <p:cBhvr>
+                                        <p:cTn id="6" dur="1" fill="hold">
+                                          <p:stCondLst>
+                                            <p:cond delay="0"/>
+                                          </p:stCondLst>
+                                        </p:cTn>
+                                        <p:tgtEl>
+                                          <p:spTgt spid="4">
+                                            <p:txEl>
+                                              <p:pRg st="0" end="0"/>
+                                            </p:txEl>
+                                          </p:spTgt>
+                                        </p:tgtEl>
+                                        <p:attrNameLst>
+                                          <p:attrName>style.visibility</p:attrName>
+                                        </p:attrNameLst>
+                                      </p:cBhvr>
+                                      <p:to>
+                                        <p:strVal val="visible"/>
+                                      </p:to>
+                                    </p:set>
+                                  </p:childTnLst>
+                                </p:cTn>
+                              </p:par>
+                            </p:childTnLst>
+                          </p:cTn>
+                        </p:par>
+                      </p:childTnLst>
+                    </p:cTn>
+                  </p:par>
+                  <p:par>
+                    <p:cTn id="7" fill="hold">
+                      <p:stCondLst>
+                        <p:cond delay="indefinite"/>
+                      </p:stCondLst>
+                      <p:childTnLst>
+                        <p:par>
+                          <p:cTn id="8" fill="hold">
+                            <p:stCondLst>
+                              <p:cond delay="0"/>
+                            </p:stCondLst>
+                            <p:childTnLst>
+                              <p:par>
+                                <p:cTn id="9" presetID="1" presetClass="entr" presetSubtype="0" fill="hold" grpId="0" nodeType="clickEffect">
+                                  <p:stCondLst>
+                                    <p:cond delay="0"/>
+                                  </p:stCondLst>
+                                  <p:childTnLst>
+                                    <p:set>
+                                      <p:cBhvr>
+                                        <p:cTn id="10" dur="1" fill="hold">
+                                          <p:stCondLst>
+                                            <p:cond delay="0"/>
+                                          </p:stCondLst>
+                                        </p:cTn>
+                                        <p:tgtEl>
+                                          <p:spTgt spid="4">
+                                            <p:txEl>
+                                              <p:pRg st="1" end="1"/>
+                                            </p:txEl>
+                                          </p:spTgt>
+                                        </p:tgtEl>
+                                        <p:attrNameLst>
+                                          <p:attrName>style.visibility</p:attrName>
+                                        </p:attrNameLst>
+                                      </p:cBhvr>
+                                      <p:to>
+                                        <p:strVal val="visible"/>
+                                      </p:to>
+                                    </p:set>
+                                  </p:childTnLst>
+                                </p:cTn>
+                              </p:par>
+                            </p:childTnLst>
+                          </p:cTn>
+                        </p:par>
+                      </p:childTnLst>
+                    </p:cTn>
+                  </p:par>
+                  <p:par>
+                    <p:cTn id="11" fill="hold">
+                      <p:stCondLst>
+                        <p:cond delay="indefinite"/>
+                      </p:stCondLst>
+                      <p:childTnLst>
+                        <p:par>
+                          <p:cTn id="12" fill="hold">
+                            <p:stCondLst>
+                              <p:cond delay="0"/>
+                            </p:stCondLst>
+                            <p:childTnLst>
+                              <p:par>
+                                <p:cTn id="13" presetID="1" presetClass="entr" presetSubtype="0" fill="hold" grpId="0" nodeType="clickEffect">
+                                  <p:stCondLst>
+                                    <p:cond delay="0"/>
+                                  </p:stCondLst>
+                                  <p:childTnLst>
+                                    <p:set>
+                                      <p:cBhvr>
+                                        <p:cTn id="14" dur="1" fill="hold">
+                                          <p:stCondLst>
+                                            <p:cond delay="0"/>
+                                          </p:stCondLst>
+                                        </p:cTn>
+                                        <p:tgtEl>
+                                          <p:spTgt spid="4">
+                                            <p:txEl>
+                                              <p:pRg st="2" end="2"/>
+                                            </p:txEl>
+                                          </p:spTgt>
+                                        </p:tgtEl>
+                                        <p:attrNameLst>
+                                          <p:attrName>style.visibility</p:attrName>
+                                        </p:attrNameLst>
+                                      </p:cBhvr>
+                                      <p:to>
+                                        <p:strVal val="visible"/>
+                                      </p:to>
+                                    </p:set>
+                                  </p:childTnLst>
+                                </p:cTn>
+                              </p:par>
+                            </p:childTnLst>
+                          </p:cTn>
+                        </p:par>
+                      </p:childTnLst>
+                    </p:cTn>
+                  </p:par>
+                  <p:par>
+                    <p:cTn id="15" fill="hold">
+                      <p:stCondLst>
+                        <p:cond delay="indefinite"/>
+                      </p:stCondLst>
+                      <p:childTnLst>
+                        <p:par>
+                          <p:cTn id="16" fill="hold">
+                            <p:stCondLst>
+                              <p:cond delay="0"/>
+                            </p:stCondLst>
+                            <p:childTnLst>
+                              <p:par>
+                                <p:cTn id="17" presetID="1" presetClass="entr" presetSubtype="0" fill="hold" grpId="0" nodeType="clickEffect">
+                                  <p:stCondLst>
+                                    <p:cond delay="0"/>
+                                  </p:stCondLst>
+                                  <p:childTnLst>
+                                    <p:set>
+                                      <p:cBhvr>
+                                        <p:cTn id="18" dur="1" fill="hold">
+                                          <p:stCondLst>
+                                            <p:cond delay="0"/>
+                                          </p:stCondLst>
+                                        </p:cTn>
+                                        <p:tgtEl>
+                                          <p:spTgt spid="4">
+                                            <p:txEl>
+                                              <p:pRg st="3" end="3"/>
+                                            </p:txEl>
+                                          </p:spTgt>
+                                        </p:tgtEl>
+                                        <p:attrNameLst>
+                                          <p:attrName>style.visibility</p:attrName>
+                                        </p:attrNameLst>
+                                      </p:cBhvr>
+                                      <p:to>
+                                        <p:strVal val="visible"/>
+                                      </p:to>
+                                    </p:set>
+                                  </p:childTnLst>
+                                </p:cTn>
+                              </p:par>
+                            </p:childTnLst>
+                          </p:cTn>
+                        </p:par>
+                      </p:childTnLst>
+                    </p:cTn>
+                  </p:par>
+                  <p:par>
+                    <p:cTn id="19" fill="hold">
+                      <p:stCondLst>
+                        <p:cond delay="indefinite"/>
+                      </p:stCondLst>
+                      <p:childTnLst>
+                        <p:par>
+                          <p:cTn id="20" fill="hold">
+                            <p:stCondLst>
+                              <p:cond delay="0"/>
+                            </p:stCondLst>
+                            <p:childTnLst>
+                              <p:par>
+                                <p:cTn id="21" presetID="1" presetClass="entr" presetSubtype="0" fill="hold" nodeType="clickEffect">
+                                  <p:stCondLst>
+                                    <p:cond delay="0"/>
+                                  </p:stCondLst>
+                                  <p:childTnLst>
+                                    <p:set>
+                                      <p:cBhvr>
+                                        <p:cTn id="22" dur="1" fill="hold">
+                                          <p:stCondLst>
+                                            <p:cond delay="0"/>
+                                          </p:stCondLst>
+                                        </p:cTn>
+                                        <p:tgtEl>
+                                          <p:spTgt spid="5"/>
+                                        </p:tgtEl>
+                                        <p:attrNameLst>
+                                          <p:attrName>style.visibility</p:attrName>
+                                        </p:attrNameLst>
+                                      </p:cBhvr>
+                                      <p:to>
+                                        <p:strVal val="visible"/>
+                                      </p:to>
+                                    </p:set>
+                                  </p:childTnLst>
+                                </p:cTn>
+                              </p:par>
+                            </p:childTnLst>
+                          </p:cTn>
+                        </p:par>
+                      </p:childTnLst>
+                    </p:cTn>
+                  </p:par>
+                </p:childTnLst>
+              </p:cTn>
+              <p:prevCondLst>
+                <p:cond evt="onPrev" delay="0">
+                  <p:tgtEl>
+                    <p:sldTgt/>
+                  </p:tgtEl>
+                </p:cond>
+              </p:prevCondLst>
+              <p:nextCondLst>
+                <p:cond evt="onNext" delay="0">
+                  <p:tgtEl>
+                    <p:sldTgt/>
+                  </p:tgtEl>
+                </p:cond>
+              </p:nextCondLst>
+            </p:seq>
+          </p:childTnLst>
+        </p:cTn>
+      </p:par>
+    </p:tnLst>
+    <p:bldLst>
+      <p:bldP spid="4" grpId="0" build="p"/>
+    </p:bldLst>
+  </p:timing>
+</p:sld>
+</file>
+
+<file path=ppt/slides/slide12.xml><?xml version="1.0" encoding="utf-8"?>
+<p:sld xmlns:a="http://schemas.openxmlformats.org/drawingml/2006/main" xmlns:r="http://schemas.openxmlformats.org/officeDocument/2006/relationships" xmlns:p="http://schemas.openxmlformats.org/presentationml/2006/main">
+  <p:cSld>
+    <p:spTree>
+      <p:nvGrpSpPr>
+        <p:cNvPr id="1" name=""/>
+        <p:cNvGrpSpPr/>
+        <p:nvPr/>
+      </p:nvGrpSpPr>
+      <p:grpSpPr>
+        <a:xfrm>
+          <a:off x="0" y="0"/>
+          <a:ext cx="0" cy="0"/>
+          <a:chOff x="0" y="0"/>
+          <a:chExt cx="0" cy="0"/>
+        </a:xfrm>
+      </p:grpSpPr>
+      <p:sp>
+        <p:nvSpPr>
+          <p:cNvPr id="2" name="Titre 1">
+            <a:extLst>
+              <a:ext uri="{FF2B5EF4-FFF2-40B4-BE49-F238E27FC236}">
+                <a16:creationId xmlns:a16="http://schemas.microsoft.com/office/drawing/2014/main" id="{C48B78EB-3514-4DA2-B814-89517B52831D}"/>
+              </a:ext>
+            </a:extLst>
+          </p:cNvPr>
+          <p:cNvSpPr>
+            <a:spLocks noGrp="1"/>
+          </p:cNvSpPr>
+          <p:nvPr>
+            <p:ph type="title"/>
+          </p:nvPr>
+        </p:nvSpPr>
+        <p:spPr/>
+        <p:txBody>
+          <a:bodyPr/>
+          <a:lstStyle/>
+          <a:p>
+            <a:r>
+              <a:rPr lang="fr-FR" dirty="0"/>
+              <a:t>Comment se comportent les méthodes lorsqu’il y a du mouvement ? </a:t>
+            </a:r>
+          </a:p>
+        </p:txBody>
+      </p:sp>
+      <p:pic>
+        <p:nvPicPr>
+          <p:cNvPr id="6" name="Espace réservé du contenu 5">
+            <a:extLst>
+              <a:ext uri="{FF2B5EF4-FFF2-40B4-BE49-F238E27FC236}">
+                <a16:creationId xmlns:a16="http://schemas.microsoft.com/office/drawing/2014/main" id="{FC1E1CC7-217C-421F-98D8-273CB8C7127F}"/>
+              </a:ext>
+            </a:extLst>
+          </p:cNvPr>
+          <p:cNvPicPr>
+            <a:picLocks noGrp="1" noChangeAspect="1"/>
+          </p:cNvPicPr>
+          <p:nvPr>
+            <p:ph idx="1"/>
+          </p:nvPr>
+        </p:nvPicPr>
+        <p:blipFill>
+          <a:blip r:embed="rId3"/>
+          <a:stretch>
+            <a:fillRect/>
+          </a:stretch>
+        </p:blipFill>
+        <p:spPr>
+          <a:xfrm>
+            <a:off x="5418138" y="1377554"/>
+            <a:ext cx="5470525" cy="4102893"/>
+          </a:xfrm>
+        </p:spPr>
+      </p:pic>
+      <p:sp>
+        <p:nvSpPr>
+          <p:cNvPr id="4" name="Espace réservé du texte 3">
+            <a:extLst>
+              <a:ext uri="{FF2B5EF4-FFF2-40B4-BE49-F238E27FC236}">
+                <a16:creationId xmlns:a16="http://schemas.microsoft.com/office/drawing/2014/main" id="{8A5B3709-E012-42C1-ACD9-B531AD44BA83}"/>
+              </a:ext>
+            </a:extLst>
+          </p:cNvPr>
+          <p:cNvSpPr>
+            <a:spLocks noGrp="1"/>
+          </p:cNvSpPr>
+          <p:nvPr>
+            <p:ph type="body" sz="half" idx="2"/>
+          </p:nvPr>
+        </p:nvSpPr>
+        <p:spPr/>
+        <p:txBody>
+          <a:bodyPr/>
+          <a:lstStyle/>
+          <a:p>
+            <a:pPr marL="285750" indent="-285750">
+              <a:buFont typeface="Arial" panose="020B0604020202020204" pitchFamily="34" charset="0"/>
+              <a:buChar char="•"/>
+            </a:pPr>
+            <a:r>
+              <a:rPr lang="fr-FR" dirty="0"/>
+              <a:t>Il faut d’abord simuler le mouvement</a:t>
+            </a:r>
+          </a:p>
+          <a:p>
+            <a:pPr marL="285750" indent="-285750">
+              <a:buFont typeface="Arial" panose="020B0604020202020204" pitchFamily="34" charset="0"/>
+              <a:buChar char="•"/>
+            </a:pPr>
+            <a:endParaRPr lang="fr-FR" dirty="0"/>
+          </a:p>
+          <a:p>
+            <a:pPr marL="285750" indent="-285750">
+              <a:buFont typeface="Arial" panose="020B0604020202020204" pitchFamily="34" charset="0"/>
+              <a:buChar char="•"/>
+            </a:pPr>
+            <a:r>
+              <a:rPr lang="fr-FR" dirty="0"/>
+              <a:t>On va simplement appliquer ce que l’on a fait précédemment plusieurs fois</a:t>
+            </a:r>
+          </a:p>
+          <a:p>
+            <a:pPr marL="285750" indent="-285750">
+              <a:buFont typeface="Arial" panose="020B0604020202020204" pitchFamily="34" charset="0"/>
+              <a:buChar char="•"/>
+            </a:pPr>
+            <a:endParaRPr lang="fr-FR" dirty="0"/>
+          </a:p>
+          <a:p>
+            <a:pPr marL="285750" indent="-285750">
+              <a:buFont typeface="Arial" panose="020B0604020202020204" pitchFamily="34" charset="0"/>
+              <a:buChar char="•"/>
+            </a:pPr>
+            <a:r>
+              <a:rPr lang="fr-FR" dirty="0"/>
+              <a:t>On va partir d’un mouvement simple</a:t>
+            </a:r>
+          </a:p>
+        </p:txBody>
+      </p:sp>
+    </p:spTree>
+    <p:extLst>
+      <p:ext uri="{BB962C8B-B14F-4D97-AF65-F5344CB8AC3E}">
+        <p14:creationId xmlns:p14="http://schemas.microsoft.com/office/powerpoint/2010/main" val="3085823411"/>
+      </p:ext>
+    </p:extLst>
+  </p:cSld>
+  <p:clrMapOvr>
+    <a:masterClrMapping/>
+  </p:clrMapOvr>
+  <p:transition spd="slow">
+    <p:wipe/>
+  </p:transition>
+  <p:timing>
+    <p:tnLst>
+      <p:par>
+        <p:cTn id="1" dur="indefinite" restart="never" nodeType="tmRoot">
+          <p:childTnLst>
+            <p:seq concurrent="1" nextAc="seek">
+              <p:cTn id="2" dur="indefinite" nodeType="mainSeq">
+                <p:childTnLst>
+                  <p:par>
+                    <p:cTn id="3" fill="hold">
+                      <p:stCondLst>
+                        <p:cond delay="indefinite"/>
+                      </p:stCondLst>
+                      <p:childTnLst>
+                        <p:par>
+                          <p:cTn id="4" fill="hold">
+                            <p:stCondLst>
+                              <p:cond delay="0"/>
+                            </p:stCondLst>
+                            <p:childTnLst>
+                              <p:par>
+                                <p:cTn id="5" presetID="1" presetClass="entr" presetSubtype="0" fill="hold" nodeType="clickEffect">
+                                  <p:stCondLst>
+                                    <p:cond delay="0"/>
+                                  </p:stCondLst>
+                                  <p:childTnLst>
+                                    <p:set>
+                                      <p:cBhvr>
+                                        <p:cTn id="6" dur="1" fill="hold">
+                                          <p:stCondLst>
+                                            <p:cond delay="0"/>
+                                          </p:stCondLst>
+                                        </p:cTn>
+                                        <p:tgtEl>
+                                          <p:spTgt spid="6"/>
+                                        </p:tgtEl>
+                                        <p:attrNameLst>
+                                          <p:attrName>style.visibility</p:attrName>
+                                        </p:attrNameLst>
+                                      </p:cBhvr>
+                                      <p:to>
+                                        <p:strVal val="visible"/>
+                                      </p:to>
+                                    </p:set>
+                                  </p:childTnLst>
+                                </p:cTn>
+                              </p:par>
+                            </p:childTnLst>
+                          </p:cTn>
+                        </p:par>
+                      </p:childTnLst>
+                    </p:cTn>
+                  </p:par>
+                </p:childTnLst>
+              </p:cTn>
+              <p:prevCondLst>
+                <p:cond evt="onPrev" delay="0">
+                  <p:tgtEl>
+                    <p:sldTgt/>
+                  </p:tgtEl>
+                </p:cond>
+              </p:prevCondLst>
+              <p:nextCondLst>
+                <p:cond evt="onNext" delay="0">
+                  <p:tgtEl>
+                    <p:sldTgt/>
+                  </p:tgtEl>
+                </p:cond>
+              </p:nextCondLst>
+            </p:seq>
+          </p:childTnLst>
+        </p:cTn>
+      </p:par>
+    </p:tnLst>
+  </p:timing>
+</p:sld>
+</file>
+
+<file path=ppt/slides/slide13.xml><?xml version="1.0" encoding="utf-8"?>
+<p:sld xmlns:a="http://schemas.openxmlformats.org/drawingml/2006/main" xmlns:r="http://schemas.openxmlformats.org/officeDocument/2006/relationships" xmlns:p="http://schemas.openxmlformats.org/presentationml/2006/main">
+  <p:cSld>
+    <p:spTree>
+      <p:nvGrpSpPr>
+        <p:cNvPr id="1" name=""/>
+        <p:cNvGrpSpPr/>
+        <p:nvPr/>
+      </p:nvGrpSpPr>
+      <p:grpSpPr>
+        <a:xfrm>
+          <a:off x="0" y="0"/>
+          <a:ext cx="0" cy="0"/>
+          <a:chOff x="0" y="0"/>
+          <a:chExt cx="0" cy="0"/>
+        </a:xfrm>
+      </p:grpSpPr>
+      <p:sp>
+        <p:nvSpPr>
+          <p:cNvPr id="2" name="Titre 1">
+            <a:extLst>
+              <a:ext uri="{FF2B5EF4-FFF2-40B4-BE49-F238E27FC236}">
+                <a16:creationId xmlns:a16="http://schemas.microsoft.com/office/drawing/2014/main" id="{0E974D46-E076-47C5-B178-1EFAC06D0C2F}"/>
+              </a:ext>
+            </a:extLst>
+          </p:cNvPr>
+          <p:cNvSpPr>
+            <a:spLocks noGrp="1"/>
+          </p:cNvSpPr>
+          <p:nvPr>
+            <p:ph type="title"/>
+          </p:nvPr>
+        </p:nvSpPr>
+        <p:spPr/>
+        <p:txBody>
+          <a:bodyPr/>
+          <a:lstStyle/>
+          <a:p>
+            <a:r>
+              <a:rPr lang="fr-FR" dirty="0"/>
+              <a:t>Evolution des angles au cours du temps</a:t>
+            </a:r>
+          </a:p>
+        </p:txBody>
+      </p:sp>
+      <p:sp>
+        <p:nvSpPr>
+          <p:cNvPr id="4" name="Espace réservé du texte 3">
+            <a:extLst>
+              <a:ext uri="{FF2B5EF4-FFF2-40B4-BE49-F238E27FC236}">
+                <a16:creationId xmlns:a16="http://schemas.microsoft.com/office/drawing/2014/main" id="{0D61EA00-A462-462F-B969-CE6B36EF6607}"/>
+              </a:ext>
+            </a:extLst>
+          </p:cNvPr>
+          <p:cNvSpPr>
+            <a:spLocks noGrp="1"/>
+          </p:cNvSpPr>
+          <p:nvPr>
+            <p:ph type="body" sz="half" idx="2"/>
+          </p:nvPr>
+        </p:nvSpPr>
+        <p:spPr/>
+        <p:txBody>
+          <a:bodyPr/>
+          <a:lstStyle/>
+          <a:p>
+            <a:pPr marL="285750" indent="-285750">
+              <a:buFontTx/>
+              <a:buChar char="-"/>
+            </a:pPr>
+            <a:r>
+              <a:rPr lang="fr-FR" dirty="0"/>
+              <a:t>Faire en sorte que les sources soient superposées</a:t>
+            </a:r>
+          </a:p>
+          <a:p>
+            <a:pPr marL="285750" indent="-285750">
+              <a:buFontTx/>
+              <a:buChar char="-"/>
+            </a:pPr>
+            <a:endParaRPr lang="fr-FR" dirty="0"/>
+          </a:p>
+          <a:p>
+            <a:pPr marL="285750" indent="-285750">
+              <a:buFontTx/>
+              <a:buChar char="-"/>
+            </a:pPr>
+            <a:r>
+              <a:rPr lang="fr-FR" dirty="0"/>
+              <a:t>Voir ce qu’il se passe si les sources sont trop proches</a:t>
+            </a:r>
+          </a:p>
+          <a:p>
+            <a:pPr marL="285750" indent="-285750">
+              <a:buFontTx/>
+              <a:buChar char="-"/>
+            </a:pPr>
+            <a:endParaRPr lang="fr-FR" dirty="0"/>
+          </a:p>
+          <a:p>
+            <a:pPr marL="285750" indent="-285750">
+              <a:buFontTx/>
+              <a:buChar char="-"/>
+            </a:pPr>
+            <a:endParaRPr lang="fr-FR" dirty="0"/>
+          </a:p>
+        </p:txBody>
+      </p:sp>
+      <p:pic>
+        <p:nvPicPr>
+          <p:cNvPr id="1026" name="Picture 2">
+            <a:extLst>
+              <a:ext uri="{FF2B5EF4-FFF2-40B4-BE49-F238E27FC236}">
+                <a16:creationId xmlns:a16="http://schemas.microsoft.com/office/drawing/2014/main" id="{8A38F5C6-DA9E-457D-AE32-4C74633BD968}"/>
+              </a:ext>
+            </a:extLst>
+          </p:cNvPr>
+          <p:cNvPicPr>
+            <a:picLocks noGrp="1" noChangeAspect="1" noChangeArrowheads="1"/>
+          </p:cNvPicPr>
+          <p:nvPr>
+            <p:ph idx="1"/>
+          </p:nvPr>
+        </p:nvPicPr>
+        <p:blipFill>
+          <a:blip r:embed="rId3">
+            <a:extLst>
+              <a:ext uri="{28A0092B-C50C-407E-A947-70E740481C1C}">
+                <a14:useLocalDpi xmlns:a14="http://schemas.microsoft.com/office/drawing/2010/main" val="0"/>
+              </a:ext>
+            </a:extLst>
+          </a:blip>
+          <a:srcRect/>
+          <a:stretch>
+            <a:fillRect/>
+          </a:stretch>
+        </p:blipFill>
+        <p:spPr bwMode="auto">
+          <a:xfrm>
+            <a:off x="5707063" y="982663"/>
+            <a:ext cx="4892675" cy="4892675"/>
+          </a:xfrm>
+          <a:prstGeom prst="rect">
+            <a:avLst/>
+          </a:prstGeom>
+          <a:noFill/>
+          <a:extLst>
+            <a:ext uri="{909E8E84-426E-40DD-AFC4-6F175D3DCCD1}">
+              <a14:hiddenFill xmlns:a14="http://schemas.microsoft.com/office/drawing/2010/main">
+                <a:solidFill>
+                  <a:srgbClr val="FFFFFF"/>
+                </a:solidFill>
+              </a14:hiddenFill>
+            </a:ext>
+          </a:extLst>
+        </p:spPr>
+      </p:pic>
+    </p:spTree>
+    <p:extLst>
+      <p:ext uri="{BB962C8B-B14F-4D97-AF65-F5344CB8AC3E}">
+        <p14:creationId xmlns:p14="http://schemas.microsoft.com/office/powerpoint/2010/main" val="3896122733"/>
+      </p:ext>
+    </p:extLst>
+  </p:cSld>
+  <p:clrMapOvr>
+    <a:masterClrMapping/>
+  </p:clrMapOvr>
+  <p:transition spd="slow">
+    <p:wipe/>
+  </p:transition>
+</p:sld>
+</file>
+
+<file path=ppt/slides/slide14.xml><?xml version="1.0" encoding="utf-8"?>
+<p:sld xmlns:a="http://schemas.openxmlformats.org/drawingml/2006/main" xmlns:r="http://schemas.openxmlformats.org/officeDocument/2006/relationships" xmlns:p="http://schemas.openxmlformats.org/presentationml/2006/main">
+  <p:cSld>
+    <p:spTree>
+      <p:nvGrpSpPr>
+        <p:cNvPr id="1" name=""/>
+        <p:cNvGrpSpPr/>
+        <p:nvPr/>
+      </p:nvGrpSpPr>
+      <p:grpSpPr>
+        <a:xfrm>
+          <a:off x="0" y="0"/>
+          <a:ext cx="0" cy="0"/>
+          <a:chOff x="0" y="0"/>
+          <a:chExt cx="0" cy="0"/>
+        </a:xfrm>
+      </p:grpSpPr>
+      <p:sp>
+        <p:nvSpPr>
+          <p:cNvPr id="2" name="Titre 1">
+            <a:extLst>
+              <a:ext uri="{FF2B5EF4-FFF2-40B4-BE49-F238E27FC236}">
+                <a16:creationId xmlns:a16="http://schemas.microsoft.com/office/drawing/2014/main" id="{2FB9B3CB-8626-492B-800A-9F905FFB3D0C}"/>
+              </a:ext>
+            </a:extLst>
+          </p:cNvPr>
+          <p:cNvSpPr>
+            <a:spLocks noGrp="1"/>
+          </p:cNvSpPr>
+          <p:nvPr>
+            <p:ph type="title"/>
+          </p:nvPr>
+        </p:nvSpPr>
+        <p:spPr>
+          <a:xfrm>
+            <a:off x="1393935" y="1681655"/>
+            <a:ext cx="9404129" cy="604344"/>
+          </a:xfrm>
+        </p:spPr>
+        <p:txBody>
+          <a:bodyPr>
+            <a:normAutofit fontScale="90000"/>
+          </a:bodyPr>
+          <a:lstStyle/>
+          <a:p>
+            <a:r>
+              <a:rPr lang="fr-FR" dirty="0"/>
+              <a:t>Largeur et mi-hauteur et résolution spatiale</a:t>
+            </a:r>
+          </a:p>
+        </p:txBody>
+      </p:sp>
+      <p:pic>
+        <p:nvPicPr>
+          <p:cNvPr id="7" name="Image 6">
+            <a:extLst>
+              <a:ext uri="{FF2B5EF4-FFF2-40B4-BE49-F238E27FC236}">
+                <a16:creationId xmlns:a16="http://schemas.microsoft.com/office/drawing/2014/main" id="{CA64B727-BF13-4237-BF03-A2251D2DC29F}"/>
+              </a:ext>
+            </a:extLst>
+          </p:cNvPr>
+          <p:cNvPicPr/>
+          <p:nvPr/>
+        </p:nvPicPr>
+        <p:blipFill>
+          <a:blip r:embed="rId3" cstate="print">
+            <a:extLst>
+              <a:ext uri="{28A0092B-C50C-407E-A947-70E740481C1C}">
+                <a14:useLocalDpi xmlns:a14="http://schemas.microsoft.com/office/drawing/2010/main" val="0"/>
+              </a:ext>
+            </a:extLst>
+          </a:blip>
+          <a:stretch>
+            <a:fillRect/>
+          </a:stretch>
+        </p:blipFill>
+        <p:spPr>
+          <a:xfrm>
+            <a:off x="3665209" y="2937350"/>
+            <a:ext cx="4861582" cy="3269302"/>
+          </a:xfrm>
+          <a:prstGeom prst="rect">
+            <a:avLst/>
+          </a:prstGeom>
+        </p:spPr>
+      </p:pic>
+    </p:spTree>
+    <p:extLst>
+      <p:ext uri="{BB962C8B-B14F-4D97-AF65-F5344CB8AC3E}">
+        <p14:creationId xmlns:p14="http://schemas.microsoft.com/office/powerpoint/2010/main" val="1905760650"/>
+      </p:ext>
+    </p:extLst>
+  </p:cSld>
+  <p:clrMapOvr>
+    <a:masterClrMapping/>
+  </p:clrMapOvr>
+  <p:transition spd="slow">
+    <p:wipe/>
+  </p:transition>
+</p:sld>
+</file>
+
+<file path=ppt/slides/slide15.xml><?xml version="1.0" encoding="utf-8"?>
+<p:sld xmlns:a="http://schemas.openxmlformats.org/drawingml/2006/main" xmlns:r="http://schemas.openxmlformats.org/officeDocument/2006/relationships" xmlns:p="http://schemas.openxmlformats.org/presentationml/2006/main">
+  <p:cSld>
+    <p:spTree>
+      <p:nvGrpSpPr>
+        <p:cNvPr id="1" name=""/>
+        <p:cNvGrpSpPr/>
+        <p:nvPr/>
+      </p:nvGrpSpPr>
+      <p:grpSpPr>
+        <a:xfrm>
+          <a:off x="0" y="0"/>
+          <a:ext cx="0" cy="0"/>
+          <a:chOff x="0" y="0"/>
+          <a:chExt cx="0" cy="0"/>
+        </a:xfrm>
+      </p:grpSpPr>
+      <p:sp>
+        <p:nvSpPr>
+          <p:cNvPr id="2" name="Titre 1">
+            <a:extLst>
+              <a:ext uri="{FF2B5EF4-FFF2-40B4-BE49-F238E27FC236}">
+                <a16:creationId xmlns:a16="http://schemas.microsoft.com/office/drawing/2014/main" id="{84F18207-C1CE-4B1B-A3BA-670067986130}"/>
+              </a:ext>
+            </a:extLst>
+          </p:cNvPr>
+          <p:cNvSpPr>
+            <a:spLocks noGrp="1"/>
+          </p:cNvSpPr>
+          <p:nvPr>
+            <p:ph type="title"/>
+          </p:nvPr>
+        </p:nvSpPr>
+        <p:spPr/>
+        <p:txBody>
+          <a:bodyPr/>
+          <a:lstStyle/>
+          <a:p>
+            <a:r>
+              <a:rPr lang="fr-FR" dirty="0"/>
+              <a:t>Dernier Notebook – </a:t>
+            </a:r>
+            <a:r>
+              <a:rPr lang="fr-FR" dirty="0" err="1"/>
+              <a:t>Simulation.ipynb</a:t>
+            </a:r>
+            <a:endParaRPr lang="fr-FR" dirty="0"/>
+          </a:p>
+        </p:txBody>
+      </p:sp>
+      <p:sp>
+        <p:nvSpPr>
+          <p:cNvPr id="3" name="Espace réservé du texte 2">
+            <a:extLst>
+              <a:ext uri="{FF2B5EF4-FFF2-40B4-BE49-F238E27FC236}">
+                <a16:creationId xmlns:a16="http://schemas.microsoft.com/office/drawing/2014/main" id="{4BF5E3B8-8AE0-47B0-A118-B1D35910FF52}"/>
+              </a:ext>
+            </a:extLst>
+          </p:cNvPr>
+          <p:cNvSpPr>
+            <a:spLocks noGrp="1"/>
+          </p:cNvSpPr>
+          <p:nvPr>
+            <p:ph type="body" idx="1"/>
+          </p:nvPr>
+        </p:nvSpPr>
+        <p:spPr/>
+        <p:txBody>
+          <a:bodyPr/>
+          <a:lstStyle/>
+          <a:p>
+            <a:r>
+              <a:rPr lang="fr-FR" dirty="0"/>
+              <a:t>Contexte</a:t>
+            </a:r>
+          </a:p>
+        </p:txBody>
+      </p:sp>
+      <mc:AlternateContent xmlns:mc="http://schemas.openxmlformats.org/markup-compatibility/2006">
+        <mc:Choice xmlns:a14="http://schemas.microsoft.com/office/drawing/2010/main" Requires="a14">
+          <p:sp>
+            <p:nvSpPr>
+              <p:cNvPr id="4" name="Espace réservé du contenu 3">
+                <a:extLst>
+                  <a:ext uri="{FF2B5EF4-FFF2-40B4-BE49-F238E27FC236}">
+                    <a16:creationId xmlns:a16="http://schemas.microsoft.com/office/drawing/2014/main" id="{2E8CAD63-5268-433B-BE81-6BD3D30E6389}"/>
+                  </a:ext>
+                </a:extLst>
+              </p:cNvPr>
+              <p:cNvSpPr>
+                <a:spLocks noGrp="1"/>
+              </p:cNvSpPr>
+              <p:nvPr>
+                <p:ph sz="half" idx="2"/>
+              </p:nvPr>
+            </p:nvSpPr>
+            <p:spPr/>
+            <p:txBody>
+              <a:bodyPr/>
+              <a:lstStyle/>
+              <a:p>
+                <a:r>
+                  <a:rPr lang="fr-FR" dirty="0"/>
+                  <a:t>Un système mobile, et deux RADAR pour l’éclairer.</a:t>
+                </a:r>
+              </a:p>
+              <a:p>
+                <a:r>
+                  <a:rPr lang="fr-FR" dirty="0" err="1"/>
+                  <a:t>Récéption</a:t>
+                </a:r>
+                <a:r>
+                  <a:rPr lang="fr-FR" dirty="0"/>
+                  <a:t> d’un signal s0, somme des deux signaux des RADAR</a:t>
+                </a:r>
+              </a:p>
+              <a:p>
+                <a:r>
+                  <a:rPr lang="fr-FR" dirty="0"/>
+                  <a:t>Etude de la matrice </a:t>
+                </a:r>
+                <a14:m>
+                  <m:oMath xmlns:m="http://schemas.openxmlformats.org/officeDocument/2006/math">
+                    <m:r>
+                      <a:rPr lang="fr-FR" sz="2000" b="1" i="1" smtClean="0">
+                        <a:effectLst/>
+                        <a:latin typeface="Cambria Math" panose="02040503050406030204" pitchFamily="18" charset="0"/>
+                        <a:ea typeface="Calibri" panose="020F0502020204030204" pitchFamily="34" charset="0"/>
+                        <a:cs typeface="Times New Roman" panose="02020603050405020304" pitchFamily="18" charset="0"/>
+                      </a:rPr>
+                      <m:t>𝐑</m:t>
+                    </m:r>
+                    <m:r>
+                      <a:rPr lang="fr-FR" sz="2000" i="1">
+                        <a:effectLst/>
+                        <a:latin typeface="Cambria Math" panose="02040503050406030204" pitchFamily="18" charset="0"/>
+                        <a:ea typeface="Calibri" panose="020F0502020204030204" pitchFamily="34" charset="0"/>
+                        <a:cs typeface="Times New Roman" panose="02020603050405020304" pitchFamily="18" charset="0"/>
+                      </a:rPr>
+                      <m:t>=</m:t>
+                    </m:r>
+                    <m:r>
+                      <a:rPr lang="fr-FR" sz="2000" b="1" i="1">
+                        <a:effectLst/>
+                        <a:latin typeface="Cambria Math" panose="02040503050406030204" pitchFamily="18" charset="0"/>
+                        <a:ea typeface="Calibri" panose="020F0502020204030204" pitchFamily="34" charset="0"/>
+                        <a:cs typeface="Times New Roman" panose="02020603050405020304" pitchFamily="18" charset="0"/>
+                      </a:rPr>
+                      <m:t>𝐄</m:t>
+                    </m:r>
+                    <m:r>
+                      <a:rPr lang="fr-FR" sz="2000" i="1">
+                        <a:effectLst/>
+                        <a:latin typeface="Cambria Math" panose="02040503050406030204" pitchFamily="18" charset="0"/>
+                        <a:ea typeface="Calibri" panose="020F0502020204030204" pitchFamily="34" charset="0"/>
+                        <a:cs typeface="Times New Roman" panose="02020603050405020304" pitchFamily="18" charset="0"/>
+                      </a:rPr>
+                      <m:t>(</m:t>
+                    </m:r>
+                    <m:sSub>
+                      <m:sSubPr>
+                        <m:ctrlPr>
+                          <a:rPr lang="fr-FR" sz="2800" i="1">
+                            <a:effectLst/>
+                            <a:latin typeface="Cambria Math" panose="02040503050406030204" pitchFamily="18" charset="0"/>
+                          </a:rPr>
+                        </m:ctrlPr>
+                      </m:sSubPr>
+                      <m:e>
+                        <m:r>
+                          <a:rPr lang="fr-FR" sz="2000" b="1" i="1">
+                            <a:effectLst/>
+                            <a:latin typeface="Cambria Math" panose="02040503050406030204" pitchFamily="18" charset="0"/>
+                            <a:ea typeface="Calibri" panose="020F0502020204030204" pitchFamily="34" charset="0"/>
+                            <a:cs typeface="Times New Roman" panose="02020603050405020304" pitchFamily="18" charset="0"/>
+                          </a:rPr>
+                          <m:t>𝐬</m:t>
+                        </m:r>
+                      </m:e>
+                      <m:sub>
+                        <m:r>
+                          <a:rPr lang="fr-FR" sz="2000" i="1">
+                            <a:effectLst/>
+                            <a:latin typeface="Cambria Math" panose="02040503050406030204" pitchFamily="18" charset="0"/>
+                            <a:ea typeface="Calibri" panose="020F0502020204030204" pitchFamily="34" charset="0"/>
+                            <a:cs typeface="Times New Roman" panose="02020603050405020304" pitchFamily="18" charset="0"/>
+                          </a:rPr>
+                          <m:t>0</m:t>
+                        </m:r>
+                      </m:sub>
+                    </m:sSub>
+                    <m:r>
+                      <a:rPr lang="fr-FR" sz="2000" i="1">
+                        <a:effectLst/>
+                        <a:latin typeface="Cambria Math" panose="02040503050406030204" pitchFamily="18" charset="0"/>
+                        <a:ea typeface="Calibri" panose="020F0502020204030204" pitchFamily="34" charset="0"/>
+                        <a:cs typeface="Times New Roman" panose="02020603050405020304" pitchFamily="18" charset="0"/>
+                      </a:rPr>
+                      <m:t>∗</m:t>
+                    </m:r>
+                    <m:sSubSup>
+                      <m:sSubSupPr>
+                        <m:ctrlPr>
+                          <a:rPr lang="fr-FR" sz="2800" i="1">
+                            <a:effectLst/>
+                            <a:latin typeface="Cambria Math" panose="02040503050406030204" pitchFamily="18" charset="0"/>
+                          </a:rPr>
+                        </m:ctrlPr>
+                      </m:sSubSupPr>
+                      <m:e>
+                        <m:r>
+                          <a:rPr lang="fr-FR" sz="2000" b="1" i="1">
+                            <a:effectLst/>
+                            <a:latin typeface="Cambria Math" panose="02040503050406030204" pitchFamily="18" charset="0"/>
+                            <a:ea typeface="Calibri" panose="020F0502020204030204" pitchFamily="34" charset="0"/>
+                            <a:cs typeface="Times New Roman" panose="02020603050405020304" pitchFamily="18" charset="0"/>
+                          </a:rPr>
+                          <m:t>𝐬</m:t>
+                        </m:r>
+                      </m:e>
+                      <m:sub>
+                        <m:r>
+                          <a:rPr lang="fr-FR" sz="2000" i="1">
+                            <a:effectLst/>
+                            <a:latin typeface="Cambria Math" panose="02040503050406030204" pitchFamily="18" charset="0"/>
+                            <a:ea typeface="Calibri" panose="020F0502020204030204" pitchFamily="34" charset="0"/>
+                            <a:cs typeface="Times New Roman" panose="02020603050405020304" pitchFamily="18" charset="0"/>
+                          </a:rPr>
+                          <m:t>0</m:t>
+                        </m:r>
+                      </m:sub>
+                      <m:sup>
+                        <m:r>
+                          <a:rPr lang="fr-FR" sz="2000" i="1">
+                            <a:effectLst/>
+                            <a:latin typeface="Cambria Math" panose="02040503050406030204" pitchFamily="18" charset="0"/>
+                            <a:ea typeface="Calibri" panose="020F0502020204030204" pitchFamily="34" charset="0"/>
+                            <a:cs typeface="Times New Roman" panose="02020603050405020304" pitchFamily="18" charset="0"/>
+                          </a:rPr>
+                          <m:t>𝑡</m:t>
+                        </m:r>
+                      </m:sup>
+                    </m:sSubSup>
+                    <m:r>
+                      <a:rPr lang="fr-FR" sz="2000" i="1">
+                        <a:effectLst/>
+                        <a:latin typeface="Cambria Math" panose="02040503050406030204" pitchFamily="18" charset="0"/>
+                        <a:ea typeface="Calibri" panose="020F0502020204030204" pitchFamily="34" charset="0"/>
+                        <a:cs typeface="Times New Roman" panose="02020603050405020304" pitchFamily="18" charset="0"/>
+                      </a:rPr>
+                      <m:t>)</m:t>
+                    </m:r>
+                  </m:oMath>
+                </a14:m>
+                <a:endParaRPr lang="fr-FR" dirty="0"/>
+              </a:p>
+            </p:txBody>
+          </p:sp>
+        </mc:Choice>
+        <mc:Fallback>
+          <p:sp>
+            <p:nvSpPr>
+              <p:cNvPr id="4" name="Espace réservé du contenu 3">
+                <a:extLst>
+                  <a:ext uri="{FF2B5EF4-FFF2-40B4-BE49-F238E27FC236}">
+                    <a16:creationId xmlns:a16="http://schemas.microsoft.com/office/drawing/2014/main" id="{2E8CAD63-5268-433B-BE81-6BD3D30E6389}"/>
+                  </a:ext>
+                </a:extLst>
+              </p:cNvPr>
+              <p:cNvSpPr>
+                <a:spLocks noGrp="1" noRot="1" noChangeAspect="1" noMove="1" noResize="1" noEditPoints="1" noAdjustHandles="1" noChangeArrowheads="1" noChangeShapeType="1" noTextEdit="1"/>
+              </p:cNvSpPr>
+              <p:nvPr>
+                <p:ph sz="half" idx="2"/>
+              </p:nvPr>
+            </p:nvSpPr>
+            <p:spPr>
+              <a:blipFill>
+                <a:blip r:embed="rId3"/>
+                <a:stretch>
+                  <a:fillRect l="-2326" t="-3704"/>
+                </a:stretch>
+              </a:blipFill>
+            </p:spPr>
+            <p:txBody>
+              <a:bodyPr/>
+              <a:lstStyle/>
+              <a:p>
+                <a:r>
+                  <a:rPr lang="fr-FR">
+                    <a:noFill/>
+                  </a:rPr>
+                  <a:t> </a:t>
+                </a:r>
+              </a:p>
+            </p:txBody>
+          </p:sp>
+        </mc:Fallback>
+      </mc:AlternateContent>
+      <p:cxnSp>
+        <p:nvCxnSpPr>
+          <p:cNvPr id="29" name="Connecteur en arc 10">
+            <a:extLst>
+              <a:ext uri="{FF2B5EF4-FFF2-40B4-BE49-F238E27FC236}">
+                <a16:creationId xmlns:a16="http://schemas.microsoft.com/office/drawing/2014/main" id="{05E71057-7FA5-4407-8D85-961363E976AB}"/>
+              </a:ext>
+            </a:extLst>
+          </p:cNvPr>
+          <p:cNvCxnSpPr>
+            <a:cxnSpLocks/>
+          </p:cNvCxnSpPr>
+          <p:nvPr/>
+        </p:nvCxnSpPr>
+        <p:spPr>
+          <a:xfrm rot="5400000" flipH="1" flipV="1">
+            <a:off x="5198775" y="3829879"/>
+            <a:ext cx="1959047" cy="785812"/>
+          </a:xfrm>
+          <a:prstGeom prst="curvedConnector2">
+            <a:avLst/>
+          </a:prstGeom>
+          <a:ln>
+            <a:tailEnd type="triangle"/>
+          </a:ln>
+        </p:spPr>
+        <p:style>
+          <a:lnRef idx="1">
+            <a:schemeClr val="dk1"/>
+          </a:lnRef>
+          <a:fillRef idx="0">
+            <a:schemeClr val="dk1"/>
+          </a:fillRef>
+          <a:effectRef idx="0">
+            <a:schemeClr val="dk1"/>
+          </a:effectRef>
+          <a:fontRef idx="minor">
+            <a:schemeClr val="tx1"/>
+          </a:fontRef>
+        </p:style>
+      </p:cxnSp>
+      <p:sp>
+        <p:nvSpPr>
+          <p:cNvPr id="30" name="ZoneTexte 29">
+            <a:extLst>
+              <a:ext uri="{FF2B5EF4-FFF2-40B4-BE49-F238E27FC236}">
+                <a16:creationId xmlns:a16="http://schemas.microsoft.com/office/drawing/2014/main" id="{B79E65F1-A1E7-4C7A-9985-D45F8DD298E7}"/>
+              </a:ext>
+            </a:extLst>
+          </p:cNvPr>
+          <p:cNvSpPr txBox="1"/>
+          <p:nvPr/>
+        </p:nvSpPr>
+        <p:spPr>
+          <a:xfrm>
+            <a:off x="6695090" y="2732690"/>
+            <a:ext cx="4046482" cy="1754326"/>
+          </a:xfrm>
+          <a:prstGeom prst="rect">
+            <a:avLst/>
+          </a:prstGeom>
+          <a:noFill/>
+        </p:spPr>
+        <p:txBody>
+          <a:bodyPr wrap="square" rtlCol="0">
+            <a:spAutoFit/>
+          </a:bodyPr>
+          <a:lstStyle/>
+          <a:p>
+            <a:pPr algn="l"/>
+            <a:r>
+              <a:rPr lang="fr-FR" b="0" i="0" dirty="0">
+                <a:solidFill>
+                  <a:srgbClr val="000000"/>
+                </a:solidFill>
+                <a:effectLst/>
+                <a:latin typeface="Garamond (Corps)"/>
+              </a:rPr>
+              <a:t>La structure de cette matrice dépend de plusieurs facteurs :</a:t>
+            </a:r>
+          </a:p>
+          <a:p>
+            <a:pPr algn="l"/>
+            <a:r>
+              <a:rPr lang="fr-FR" b="0" i="0" dirty="0">
+                <a:solidFill>
+                  <a:srgbClr val="000000"/>
+                </a:solidFill>
+                <a:effectLst/>
+                <a:latin typeface="Garamond (Corps)"/>
+              </a:rPr>
+              <a:t>- Il y a t'il du bruit ?</a:t>
+            </a:r>
+          </a:p>
+          <a:p>
+            <a:pPr algn="l"/>
+            <a:r>
+              <a:rPr lang="fr-FR" b="0" i="0" dirty="0">
+                <a:solidFill>
+                  <a:srgbClr val="000000"/>
+                </a:solidFill>
+                <a:effectLst/>
+                <a:latin typeface="Garamond (Corps)"/>
+              </a:rPr>
+              <a:t>- Les signaux composants s0 sont-ils corrélés ?</a:t>
+            </a:r>
+          </a:p>
+          <a:p>
+            <a:endParaRPr lang="fr-FR" dirty="0"/>
+          </a:p>
+        </p:txBody>
+      </p:sp>
+    </p:spTree>
+    <p:extLst>
+      <p:ext uri="{BB962C8B-B14F-4D97-AF65-F5344CB8AC3E}">
+        <p14:creationId xmlns:p14="http://schemas.microsoft.com/office/powerpoint/2010/main" val="3696952606"/>
+      </p:ext>
+    </p:extLst>
+  </p:cSld>
+  <p:clrMapOvr>
+    <a:masterClrMapping/>
+  </p:clrMapOvr>
+  <p:timing>
+    <p:tnLst>
+      <p:par>
+        <p:cTn id="1" dur="indefinite" restart="never" nodeType="tmRoot">
+          <p:childTnLst>
+            <p:seq concurrent="1" nextAc="seek">
+              <p:cTn id="2" dur="indefinite" nodeType="mainSeq">
+                <p:childTnLst>
+                  <p:par>
+                    <p:cTn id="3" fill="hold">
+                      <p:stCondLst>
+                        <p:cond delay="indefinite"/>
+                      </p:stCondLst>
+                      <p:childTnLst>
+                        <p:par>
+                          <p:cTn id="4" fill="hold">
+                            <p:stCondLst>
+                              <p:cond delay="0"/>
+                            </p:stCondLst>
+                            <p:childTnLst>
+                              <p:par>
+                                <p:cTn id="5" presetID="1" presetClass="entr" presetSubtype="0" fill="hold" nodeType="clickEffect">
+                                  <p:stCondLst>
+                                    <p:cond delay="0"/>
+                                  </p:stCondLst>
+                                  <p:childTnLst>
+                                    <p:set>
+                                      <p:cBhvr>
+                                        <p:cTn id="6" dur="1" fill="hold">
+                                          <p:stCondLst>
+                                            <p:cond delay="0"/>
+                                          </p:stCondLst>
+                                        </p:cTn>
+                                        <p:tgtEl>
+                                          <p:spTgt spid="29"/>
+                                        </p:tgtEl>
+                                        <p:attrNameLst>
+                                          <p:attrName>style.visibility</p:attrName>
+                                        </p:attrNameLst>
+                                      </p:cBhvr>
+                                      <p:to>
+                                        <p:strVal val="visible"/>
+                                      </p:to>
+                                    </p:set>
+                                  </p:childTnLst>
+                                </p:cTn>
+                              </p:par>
+                            </p:childTnLst>
+                          </p:cTn>
+                        </p:par>
+                      </p:childTnLst>
+                    </p:cTn>
+                  </p:par>
+                </p:childTnLst>
+              </p:cTn>
+              <p:prevCondLst>
+                <p:cond evt="onPrev" delay="0">
+                  <p:tgtEl>
+                    <p:sldTgt/>
+                  </p:tgtEl>
+                </p:cond>
+              </p:prevCondLst>
+              <p:nextCondLst>
+                <p:cond evt="onNext" delay="0">
+                  <p:tgtEl>
+                    <p:sldTgt/>
+                  </p:tgtEl>
+                </p:cond>
+              </p:nextCondLst>
+            </p:seq>
+          </p:childTnLst>
+        </p:cTn>
+      </p:par>
+    </p:tnLst>
+  </p:timing>
+</p:sld>
+</file>
+
+<file path=ppt/slides/slide16.xml><?xml version="1.0" encoding="utf-8"?>
+<p:sld xmlns:a="http://schemas.openxmlformats.org/drawingml/2006/main" xmlns:r="http://schemas.openxmlformats.org/officeDocument/2006/relationships" xmlns:p="http://schemas.openxmlformats.org/presentationml/2006/main">
+  <p:cSld>
+    <p:spTree>
+      <p:nvGrpSpPr>
+        <p:cNvPr id="1" name=""/>
+        <p:cNvGrpSpPr/>
+        <p:nvPr/>
+      </p:nvGrpSpPr>
+      <p:grpSpPr>
+        <a:xfrm>
+          <a:off x="0" y="0"/>
+          <a:ext cx="0" cy="0"/>
+          <a:chOff x="0" y="0"/>
+          <a:chExt cx="0" cy="0"/>
+        </a:xfrm>
+      </p:grpSpPr>
+      <p:sp>
+        <p:nvSpPr>
+          <p:cNvPr id="2" name="Titre 1">
+            <a:extLst>
+              <a:ext uri="{FF2B5EF4-FFF2-40B4-BE49-F238E27FC236}">
+                <a16:creationId xmlns:a16="http://schemas.microsoft.com/office/drawing/2014/main" id="{826D3F8B-B6A0-4AD4-B105-8C61E0790605}"/>
+              </a:ext>
+            </a:extLst>
+          </p:cNvPr>
+          <p:cNvSpPr>
+            <a:spLocks noGrp="1"/>
+          </p:cNvSpPr>
+          <p:nvPr>
+            <p:ph type="title"/>
+          </p:nvPr>
+        </p:nvSpPr>
+        <p:spPr/>
+        <p:txBody>
+          <a:bodyPr/>
+          <a:lstStyle/>
+          <a:p>
+            <a:r>
+              <a:rPr lang="fr-FR" dirty="0"/>
+              <a:t>Comparaison et conclusion</a:t>
+            </a:r>
+          </a:p>
+        </p:txBody>
+      </p:sp>
+      <p:pic>
+        <p:nvPicPr>
+          <p:cNvPr id="8" name="Espace réservé du contenu 7">
+            <a:extLst>
+              <a:ext uri="{FF2B5EF4-FFF2-40B4-BE49-F238E27FC236}">
+                <a16:creationId xmlns:a16="http://schemas.microsoft.com/office/drawing/2014/main" id="{DFD3E6AD-7174-4D73-8AB8-938F71D58996}"/>
+              </a:ext>
+            </a:extLst>
+          </p:cNvPr>
+          <p:cNvPicPr>
+            <a:picLocks noGrp="1" noChangeAspect="1"/>
+          </p:cNvPicPr>
+          <p:nvPr>
+            <p:ph sz="half" idx="2"/>
+          </p:nvPr>
+        </p:nvPicPr>
+        <p:blipFill>
+          <a:blip r:embed="rId3"/>
+          <a:stretch>
+            <a:fillRect/>
+          </a:stretch>
+        </p:blipFill>
+        <p:spPr>
+          <a:xfrm>
+            <a:off x="1295402" y="2613706"/>
+            <a:ext cx="4306817" cy="3239508"/>
+          </a:xfrm>
+        </p:spPr>
+      </p:pic>
+      <p:pic>
+        <p:nvPicPr>
+          <p:cNvPr id="10" name="Espace réservé du contenu 9">
+            <a:extLst>
+              <a:ext uri="{FF2B5EF4-FFF2-40B4-BE49-F238E27FC236}">
+                <a16:creationId xmlns:a16="http://schemas.microsoft.com/office/drawing/2014/main" id="{F536F632-7535-4866-AE8E-76B6E926901C}"/>
+              </a:ext>
+            </a:extLst>
+          </p:cNvPr>
+          <p:cNvPicPr>
+            <a:picLocks noGrp="1" noChangeAspect="1"/>
+          </p:cNvPicPr>
+          <p:nvPr>
+            <p:ph sz="quarter" idx="4"/>
+          </p:nvPr>
+        </p:nvPicPr>
+        <p:blipFill>
+          <a:blip r:embed="rId4"/>
+          <a:stretch>
+            <a:fillRect/>
+          </a:stretch>
+        </p:blipFill>
+        <p:spPr>
+          <a:xfrm>
+            <a:off x="6571974" y="2635831"/>
+            <a:ext cx="4324624" cy="3239508"/>
+          </a:xfrm>
+        </p:spPr>
+      </p:pic>
+    </p:spTree>
+    <p:extLst>
+      <p:ext uri="{BB962C8B-B14F-4D97-AF65-F5344CB8AC3E}">
+        <p14:creationId xmlns:p14="http://schemas.microsoft.com/office/powerpoint/2010/main" val="3464455683"/>
+      </p:ext>
+    </p:extLst>
+  </p:cSld>
+  <p:clrMapOvr>
+    <a:masterClrMapping/>
+  </p:clrMapOvr>
 </p:sld>
 </file>
 
@@ -9154,7 +14352,34 @@
                                           </p:stCondLst>
                                         </p:cTn>
                                         <p:tgtEl>
-                                          <p:spTgt spid="10"/>
+                                          <p:spTgt spid="17"/>
+                                        </p:tgtEl>
+                                        <p:attrNameLst>
+                                          <p:attrName>style.visibility</p:attrName>
+                                        </p:attrNameLst>
+                                      </p:cBhvr>
+                                      <p:to>
+                                        <p:strVal val="hidden"/>
+                                      </p:to>
+                                    </p:set>
+                                  </p:childTnLst>
+                                </p:cTn>
+                              </p:par>
+                              <p:par>
+                                <p:cTn id="48" presetID="1" presetClass="exit" presetSubtype="0" fill="hold" nodeType="withEffect">
+                                  <p:stCondLst>
+                                    <p:cond delay="0"/>
+                                  </p:stCondLst>
+                                  <p:childTnLst>
+                                    <p:set>
+                                      <p:cBhvr>
+                                        <p:cTn id="49" dur="1" fill="hold">
+                                          <p:stCondLst>
+                                            <p:cond delay="0"/>
+                                          </p:stCondLst>
+                                        </p:cTn>
+                                        <p:tgtEl>
+                                          <p:spTgt spid="15"/>
                                         </p:tgtEl>
                                         <p:attrNameLst>
                                           <p:attrName>style.visibility</p:attrName>
@@ -9174,46 +14399,19 @@
                     </p:cTn>
                   </p:par>
                   <p:par>
-                    <p:cTn id="48" fill="hold">
+                    <p:cTn id="50" fill="hold">
                       <p:stCondLst>
                         <p:cond delay="indefinite"/>
                       </p:stCondLst>
                       <p:childTnLst>
                         <p:par>
-                          <p:cTn id="49" fill="hold">
+                          <p:cTn id="51" fill="hold">
                             <p:stCondLst>
                               <p:cond delay="0"/>
                             </p:stCondLst>
                             <p:childTnLst>
                               <p:par>
-                                <p:cTn id="50" presetID="1" presetClass="exit" presetSubtype="0" fill="hold" nodeType="clickEffect">
-                                  <p:stCondLst>
-                                    <p:cond delay="0"/>
-                                  </p:stCondLst>
-                                  <p:childTnLst>
-                                    <p:set>
-                                      <p:cBhvr>
-                                        <p:cTn id="51" dur="1" fill="hold">
-                                          <p:stCondLst>
-                                            <p:cond delay="0"/>
-                                          </p:stCondLst>
-                                        </p:cTn>
-                                        <p:tgtEl>
-                                          <p:spTgt spid="17"/>
-                                        </p:tgtEl>
-                                        <p:attrNameLst>
-                                          <p:attrName>style.visibility</p:attrName>
-                                        </p:attrNameLst>
-                                      </p:cBhvr>
-                                      <p:to>
-                                        <p:strVal val="hidden"/>
-                                      </p:to>
-                                    </p:set>
-                                  </p:childTnLst>
-                                </p:cTn>
-                              </p:par>
-                              <p:par>
-                                <p:cTn id="52" presetID="1" presetClass="exit" presetSubtype="0" fill="hold" nodeType="withEffect">
+                                <p:cTn id="52" presetID="1" presetClass="exit" presetSubtype="0" fill="hold" nodeType="clickEffect">
                                   <p:stCondLst>
                                     <p:cond delay="0"/>
                                   </p:stCondLst>
@@ -9226,7 +14424,7 @@
                                           </p:stCondLst>
                                         </p:cTn>
                                         <p:tgtEl>
-                                          <p:spTgt spid="15"/>
+                                          <p:spTgt spid="10"/>
                                         </p:tgtEl>
                                         <p:attrNameLst>
                                           <p:attrName>style.visibility</p:attrName>
@@ -10846,6 +16044,973 @@
 </p:sld>
 </file>
 
+<file path=ppt/slides/slide8.xml><?xml version="1.0" encoding="utf-8"?>
+<p:sld xmlns:a="http://schemas.openxmlformats.org/drawingml/2006/main" xmlns:r="http://schemas.openxmlformats.org/officeDocument/2006/relationships" xmlns:p="http://schemas.openxmlformats.org/presentationml/2006/main">
+  <p:cSld>
+    <p:spTree>
+      <p:nvGrpSpPr>
+        <p:cNvPr id="1" name=""/>
+        <p:cNvGrpSpPr/>
+        <p:nvPr/>
+      </p:nvGrpSpPr>
+      <p:grpSpPr>
+        <a:xfrm>
+          <a:off x="0" y="0"/>
+          <a:ext cx="0" cy="0"/>
+          <a:chOff x="0" y="0"/>
+          <a:chExt cx="0" cy="0"/>
+        </a:xfrm>
+      </p:grpSpPr>
+      <p:sp>
+        <p:nvSpPr>
+          <p:cNvPr id="2" name="Titre 1">
+            <a:extLst>
+              <a:ext uri="{FF2B5EF4-FFF2-40B4-BE49-F238E27FC236}">
+                <a16:creationId xmlns:a16="http://schemas.microsoft.com/office/drawing/2014/main" id="{C6C0074E-47B2-D34E-8CA7-030301455D1E}"/>
+              </a:ext>
+            </a:extLst>
+          </p:cNvPr>
+          <p:cNvSpPr>
+            <a:spLocks noGrp="1"/>
+          </p:cNvSpPr>
+          <p:nvPr>
+            <p:ph type="title"/>
+          </p:nvPr>
+        </p:nvSpPr>
+        <p:spPr/>
+        <p:txBody>
+          <a:bodyPr/>
+          <a:lstStyle/>
+          <a:p>
+            <a:r>
+              <a:rPr lang="fr-FR" dirty="0"/>
+              <a:t>Conception d’un banc – Idée générale</a:t>
+            </a:r>
+          </a:p>
+        </p:txBody>
+      </p:sp>
+      <p:pic>
+        <p:nvPicPr>
+          <p:cNvPr id="6" name="Espace réservé du contenu 5" descr="Une image contenant texte&#10;&#10;Description générée automatiquement">
+            <a:extLst>
+              <a:ext uri="{FF2B5EF4-FFF2-40B4-BE49-F238E27FC236}">
+                <a16:creationId xmlns:a16="http://schemas.microsoft.com/office/drawing/2014/main" id="{28BFDDA2-A337-9846-96EC-6288054C1E77}"/>
+              </a:ext>
+            </a:extLst>
+          </p:cNvPr>
+          <p:cNvPicPr>
+            <a:picLocks noGrp="1" noChangeAspect="1"/>
+          </p:cNvPicPr>
+          <p:nvPr>
+            <p:ph sz="half" idx="1"/>
+          </p:nvPr>
+        </p:nvPicPr>
+        <p:blipFill>
+          <a:blip r:embed="rId3"/>
+          <a:stretch>
+            <a:fillRect/>
+          </a:stretch>
+        </p:blipFill>
+        <p:spPr>
+          <a:xfrm>
+            <a:off x="1292351" y="2646046"/>
+            <a:ext cx="3765423" cy="3237241"/>
+          </a:xfrm>
+        </p:spPr>
+      </p:pic>
+      <p:sp>
+        <p:nvSpPr>
+          <p:cNvPr id="4" name="Espace réservé du contenu 3">
+            <a:extLst>
+              <a:ext uri="{FF2B5EF4-FFF2-40B4-BE49-F238E27FC236}">
+                <a16:creationId xmlns:a16="http://schemas.microsoft.com/office/drawing/2014/main" id="{7BD6C017-AB14-CC46-8334-707EF1C5FE9C}"/>
+              </a:ext>
+            </a:extLst>
+          </p:cNvPr>
+          <p:cNvSpPr>
+            <a:spLocks noGrp="1"/>
+          </p:cNvSpPr>
+          <p:nvPr>
+            <p:ph sz="half" idx="2"/>
+          </p:nvPr>
+        </p:nvSpPr>
+        <p:spPr/>
+        <p:txBody>
+          <a:bodyPr/>
+          <a:lstStyle/>
+          <a:p>
+            <a:r>
+              <a:rPr lang="fr-FR" dirty="0" err="1"/>
+              <a:t>HackRF</a:t>
+            </a:r>
+            <a:endParaRPr lang="fr-FR" dirty="0"/>
+          </a:p>
+          <a:p>
+            <a:endParaRPr lang="fr-FR" dirty="0"/>
+          </a:p>
+          <a:p>
+            <a:r>
+              <a:rPr lang="fr-FR" dirty="0"/>
+              <a:t>Positionnement de deux sources</a:t>
+            </a:r>
+          </a:p>
+          <a:p>
+            <a:endParaRPr lang="fr-FR" dirty="0"/>
+          </a:p>
+          <a:p>
+            <a:r>
+              <a:rPr lang="fr-FR" dirty="0"/>
+              <a:t>Mise en place d’un </a:t>
+            </a:r>
+            <a:r>
+              <a:rPr lang="fr-FR" i="1" dirty="0"/>
+              <a:t>ULA </a:t>
+            </a:r>
+            <a:endParaRPr lang="fr-FR" dirty="0"/>
+          </a:p>
+          <a:p>
+            <a:endParaRPr lang="fr-FR" dirty="0"/>
+          </a:p>
+        </p:txBody>
+      </p:sp>
+      <p:pic>
+        <p:nvPicPr>
+          <p:cNvPr id="10" name="Graphique 9">
+            <a:extLst>
+              <a:ext uri="{FF2B5EF4-FFF2-40B4-BE49-F238E27FC236}">
+                <a16:creationId xmlns:a16="http://schemas.microsoft.com/office/drawing/2014/main" id="{55FBDF82-B6DD-4C4C-B317-2C78C8305116}"/>
+              </a:ext>
+            </a:extLst>
+          </p:cNvPr>
+          <p:cNvPicPr>
+            <a:picLocks noChangeAspect="1"/>
+          </p:cNvPicPr>
+          <p:nvPr/>
+        </p:nvPicPr>
+        <p:blipFill>
+          <a:blip r:embed="rId4">
+            <a:extLst>
+              <a:ext uri="{96DAC541-7B7A-43D3-8B79-37D633B846F1}">
+                <asvg:svgBlip xmlns:asvg="http://schemas.microsoft.com/office/drawing/2016/SVG/main" r:embed="rId5"/>
+              </a:ext>
+            </a:extLst>
+          </a:blip>
+          <a:stretch>
+            <a:fillRect/>
+          </a:stretch>
+        </p:blipFill>
+        <p:spPr>
+          <a:xfrm>
+            <a:off x="9941668" y="4588343"/>
+            <a:ext cx="1556426" cy="1556426"/>
+          </a:xfrm>
+          <a:prstGeom prst="rect">
+            <a:avLst/>
+          </a:prstGeom>
+        </p:spPr>
+      </p:pic>
+      <p:pic>
+        <p:nvPicPr>
+          <p:cNvPr id="12" name="Graphique 11">
+            <a:extLst>
+              <a:ext uri="{FF2B5EF4-FFF2-40B4-BE49-F238E27FC236}">
+                <a16:creationId xmlns:a16="http://schemas.microsoft.com/office/drawing/2014/main" id="{0E4DB345-3B2C-E24B-91C8-BAC7563C372D}"/>
+              </a:ext>
+            </a:extLst>
+          </p:cNvPr>
+          <p:cNvPicPr>
+            <a:picLocks noChangeAspect="1"/>
+          </p:cNvPicPr>
+          <p:nvPr/>
+        </p:nvPicPr>
+        <p:blipFill>
+          <a:blip r:embed="rId6">
+            <a:extLst>
+              <a:ext uri="{96DAC541-7B7A-43D3-8B79-37D633B846F1}">
+                <asvg:svgBlip xmlns:asvg="http://schemas.microsoft.com/office/drawing/2016/SVG/main" r:embed="rId7"/>
+              </a:ext>
+            </a:extLst>
+          </a:blip>
+          <a:stretch>
+            <a:fillRect/>
+          </a:stretch>
+        </p:blipFill>
+        <p:spPr>
+          <a:xfrm>
+            <a:off x="0" y="-521646"/>
+            <a:ext cx="6820517" cy="6820517"/>
+          </a:xfrm>
+          <a:prstGeom prst="rect">
+            <a:avLst/>
+          </a:prstGeom>
+        </p:spPr>
+      </p:pic>
+    </p:spTree>
+    <p:extLst>
+      <p:ext uri="{BB962C8B-B14F-4D97-AF65-F5344CB8AC3E}">
+        <p14:creationId xmlns:p14="http://schemas.microsoft.com/office/powerpoint/2010/main" val="1749005794"/>
+      </p:ext>
+    </p:extLst>
+  </p:cSld>
+  <p:clrMapOvr>
+    <a:masterClrMapping/>
+  </p:clrMapOvr>
+  <p:timing>
+    <p:tnLst>
+      <p:par>
+        <p:cTn id="1" dur="indefinite" restart="never" nodeType="tmRoot">
+          <p:childTnLst>
+            <p:seq concurrent="1" nextAc="seek">
+              <p:cTn id="2" dur="indefinite" nodeType="mainSeq">
+                <p:childTnLst>
+                  <p:par>
+                    <p:cTn id="3" fill="hold">
+                      <p:stCondLst>
+                        <p:cond delay="indefinite"/>
+                      </p:stCondLst>
+                      <p:childTnLst>
+                        <p:par>
+                          <p:cTn id="4" fill="hold">
+                            <p:stCondLst>
+                              <p:cond delay="0"/>
+                            </p:stCondLst>
+                            <p:childTnLst>
+                              <p:par>
+                                <p:cTn id="5" presetID="2" presetClass="entr" presetSubtype="4" fill="hold" nodeType="clickEffect">
+                                  <p:stCondLst>
+                                    <p:cond delay="0"/>
+                                  </p:stCondLst>
+                                  <p:childTnLst>
+                                    <p:set>
+                                      <p:cBhvr>
+                                        <p:cTn id="6" dur="1" fill="hold">
+                                          <p:stCondLst>
+                                            <p:cond delay="0"/>
+                                          </p:stCondLst>
+                                        </p:cTn>
+                                        <p:tgtEl>
+                                          <p:spTgt spid="6"/>
+                                        </p:tgtEl>
+                                        <p:attrNameLst>
+                                          <p:attrName>style.visibility</p:attrName>
+                                        </p:attrNameLst>
+                                      </p:cBhvr>
+                                      <p:to>
+                                        <p:strVal val="visible"/>
+                                      </p:to>
+                                    </p:set>
+                                    <p:anim calcmode="lin" valueType="num">
+                                      <p:cBhvr additive="base">
+                                        <p:cTn id="7" dur="500" fill="hold"/>
+                                        <p:tgtEl>
+                                          <p:spTgt spid="6"/>
+                                        </p:tgtEl>
+                                        <p:attrNameLst>
+                                          <p:attrName>ppt_x</p:attrName>
+                                        </p:attrNameLst>
+                                      </p:cBhvr>
+                                      <p:tavLst>
+                                        <p:tav tm="0">
+                                          <p:val>
+                                            <p:strVal val="#ppt_x"/>
+                                          </p:val>
+                                        </p:tav>
+                                        <p:tav tm="100000">
+                                          <p:val>
+                                            <p:strVal val="#ppt_x"/>
+                                          </p:val>
+                                        </p:tav>
+                                      </p:tavLst>
+                                    </p:anim>
+                                    <p:anim calcmode="lin" valueType="num">
+                                      <p:cBhvr additive="base">
+                                        <p:cTn id="8" dur="500" fill="hold"/>
+                                        <p:tgtEl>
+                                          <p:spTgt spid="6"/>
+                                        </p:tgtEl>
+                                        <p:attrNameLst>
+                                          <p:attrName>ppt_y</p:attrName>
+                                        </p:attrNameLst>
+                                      </p:cBhvr>
+                                      <p:tavLst>
+                                        <p:tav tm="0">
+                                          <p:val>
+                                            <p:strVal val="1+#ppt_h/2"/>
+                                          </p:val>
+                                        </p:tav>
+                                        <p:tav tm="100000">
+                                          <p:val>
+                                            <p:strVal val="#ppt_y"/>
+                                          </p:val>
+                                        </p:tav>
+                                      </p:tavLst>
+                                    </p:anim>
+                                  </p:childTnLst>
+                                </p:cTn>
+                              </p:par>
+                            </p:childTnLst>
+                          </p:cTn>
+                        </p:par>
+                      </p:childTnLst>
+                    </p:cTn>
+                  </p:par>
+                  <p:par>
+                    <p:cTn id="9" fill="hold">
+                      <p:stCondLst>
+                        <p:cond delay="indefinite"/>
+                      </p:stCondLst>
+                      <p:childTnLst>
+                        <p:par>
+                          <p:cTn id="10" fill="hold">
+                            <p:stCondLst>
+                              <p:cond delay="0"/>
+                            </p:stCondLst>
+                            <p:childTnLst>
+                              <p:par>
+                                <p:cTn id="11" presetID="12" presetClass="entr" presetSubtype="4" fill="hold" grpId="0" nodeType="clickEffect">
+                                  <p:stCondLst>
+                                    <p:cond delay="0"/>
+                                  </p:stCondLst>
+                                  <p:childTnLst>
+                                    <p:set>
+                                      <p:cBhvr>
+                                        <p:cTn id="12" dur="1" fill="hold">
+                                          <p:stCondLst>
+                                            <p:cond delay="0"/>
+                                          </p:stCondLst>
+                                        </p:cTn>
+                                        <p:tgtEl>
+                                          <p:spTgt spid="4">
+                                            <p:txEl>
+                                              <p:pRg st="0" end="0"/>
+                                            </p:txEl>
+                                          </p:spTgt>
+                                        </p:tgtEl>
+                                        <p:attrNameLst>
+                                          <p:attrName>style.visibility</p:attrName>
+                                        </p:attrNameLst>
+                                      </p:cBhvr>
+                                      <p:to>
+                                        <p:strVal val="visible"/>
+                                      </p:to>
+                                    </p:set>
+                                    <p:anim calcmode="lin" valueType="num">
+                                      <p:cBhvr additive="base">
+                                        <p:cTn id="13" dur="500"/>
+                                        <p:tgtEl>
+                                          <p:spTgt spid="4">
+                                            <p:txEl>
+                                              <p:pRg st="0" end="0"/>
+                                            </p:txEl>
+                                          </p:spTgt>
+                                        </p:tgtEl>
+                                        <p:attrNameLst>
+                                          <p:attrName>ppt_y</p:attrName>
+                                        </p:attrNameLst>
+                                      </p:cBhvr>
+                                      <p:tavLst>
+                                        <p:tav tm="0">
+                                          <p:val>
+                                            <p:strVal val="#ppt_y+#ppt_h*1.125000"/>
+                                          </p:val>
+                                        </p:tav>
+                                        <p:tav tm="100000">
+                                          <p:val>
+                                            <p:strVal val="#ppt_y"/>
+                                          </p:val>
+                                        </p:tav>
+                                      </p:tavLst>
+                                    </p:anim>
+                                    <p:animEffect transition="in" filter="wipe(up)">
+                                      <p:cBhvr>
+                                        <p:cTn id="14" dur="500"/>
+                                        <p:tgtEl>
+                                          <p:spTgt spid="4">
+                                            <p:txEl>
+                                              <p:pRg st="0" end="0"/>
+                                            </p:txEl>
+                                          </p:spTgt>
+                                        </p:tgtEl>
+                                      </p:cBhvr>
+                                    </p:animEffect>
+                                  </p:childTnLst>
+                                </p:cTn>
+                              </p:par>
+                            </p:childTnLst>
+                          </p:cTn>
+                        </p:par>
+                      </p:childTnLst>
+                    </p:cTn>
+                  </p:par>
+                  <p:par>
+                    <p:cTn id="15" fill="hold">
+                      <p:stCondLst>
+                        <p:cond delay="indefinite"/>
+                      </p:stCondLst>
+                      <p:childTnLst>
+                        <p:par>
+                          <p:cTn id="16" fill="hold">
+                            <p:stCondLst>
+                              <p:cond delay="0"/>
+                            </p:stCondLst>
+                            <p:childTnLst>
+                              <p:par>
+                                <p:cTn id="17" presetID="12" presetClass="entr" presetSubtype="4" fill="hold" grpId="0" nodeType="clickEffect">
+                                  <p:stCondLst>
+                                    <p:cond delay="0"/>
+                                  </p:stCondLst>
+                                  <p:childTnLst>
+                                    <p:set>
+                                      <p:cBhvr>
+                                        <p:cTn id="18" dur="1" fill="hold">
+                                          <p:stCondLst>
+                                            <p:cond delay="0"/>
+                                          </p:stCondLst>
+                                        </p:cTn>
+                                        <p:tgtEl>
+                                          <p:spTgt spid="4">
+                                            <p:txEl>
+                                              <p:pRg st="2" end="2"/>
+                                            </p:txEl>
+                                          </p:spTgt>
+                                        </p:tgtEl>
+                                        <p:attrNameLst>
+                                          <p:attrName>style.visibility</p:attrName>
+                                        </p:attrNameLst>
+                                      </p:cBhvr>
+                                      <p:to>
+                                        <p:strVal val="visible"/>
+                                      </p:to>
+                                    </p:set>
+                                    <p:anim calcmode="lin" valueType="num">
+                                      <p:cBhvr additive="base">
+                                        <p:cTn id="19" dur="500"/>
+                                        <p:tgtEl>
+                                          <p:spTgt spid="4">
+                                            <p:txEl>
+                                              <p:pRg st="2" end="2"/>
+                                            </p:txEl>
+                                          </p:spTgt>
+                                        </p:tgtEl>
+                                        <p:attrNameLst>
+                                          <p:attrName>ppt_y</p:attrName>
+                                        </p:attrNameLst>
+                                      </p:cBhvr>
+                                      <p:tavLst>
+                                        <p:tav tm="0">
+                                          <p:val>
+                                            <p:strVal val="#ppt_y+#ppt_h*1.125000"/>
+                                          </p:val>
+                                        </p:tav>
+                                        <p:tav tm="100000">
+                                          <p:val>
+                                            <p:strVal val="#ppt_y"/>
+                                          </p:val>
+                                        </p:tav>
+                                      </p:tavLst>
+                                    </p:anim>
+                                    <p:animEffect transition="in" filter="wipe(up)">
+                                      <p:cBhvr>
+                                        <p:cTn id="20" dur="500"/>
+                                        <p:tgtEl>
+                                          <p:spTgt spid="4">
+                                            <p:txEl>
+                                              <p:pRg st="2" end="2"/>
+                                            </p:txEl>
+                                          </p:spTgt>
+                                        </p:tgtEl>
+                                      </p:cBhvr>
+                                    </p:animEffect>
+                                  </p:childTnLst>
+                                </p:cTn>
+                              </p:par>
+                            </p:childTnLst>
+                          </p:cTn>
+                        </p:par>
+                      </p:childTnLst>
+                    </p:cTn>
+                  </p:par>
+                  <p:par>
+                    <p:cTn id="21" fill="hold">
+                      <p:stCondLst>
+                        <p:cond delay="indefinite"/>
+                      </p:stCondLst>
+                      <p:childTnLst>
+                        <p:par>
+                          <p:cTn id="22" fill="hold">
+                            <p:stCondLst>
+                              <p:cond delay="0"/>
+                            </p:stCondLst>
+                            <p:childTnLst>
+                              <p:par>
+                                <p:cTn id="23" presetID="12" presetClass="entr" presetSubtype="4" fill="hold" grpId="0" nodeType="clickEffect">
+                                  <p:stCondLst>
+                                    <p:cond delay="0"/>
+                                  </p:stCondLst>
+                                  <p:childTnLst>
+                                    <p:set>
+                                      <p:cBhvr>
+                                        <p:cTn id="24" dur="1" fill="hold">
+                                          <p:stCondLst>
+                                            <p:cond delay="0"/>
+                                          </p:stCondLst>
+                                        </p:cTn>
+                                        <p:tgtEl>
+                                          <p:spTgt spid="4">
+                                            <p:txEl>
+                                              <p:pRg st="4" end="4"/>
+                                            </p:txEl>
+                                          </p:spTgt>
+                                        </p:tgtEl>
+                                        <p:attrNameLst>
+                                          <p:attrName>style.visibility</p:attrName>
+                                        </p:attrNameLst>
+                                      </p:cBhvr>
+                                      <p:to>
+                                        <p:strVal val="visible"/>
+                                      </p:to>
+                                    </p:set>
+                                    <p:anim calcmode="lin" valueType="num">
+                                      <p:cBhvr additive="base">
+                                        <p:cTn id="25" dur="500"/>
+                                        <p:tgtEl>
+                                          <p:spTgt spid="4">
+                                            <p:txEl>
+                                              <p:pRg st="4" end="4"/>
+                                            </p:txEl>
+                                          </p:spTgt>
+                                        </p:tgtEl>
+                                        <p:attrNameLst>
+                                          <p:attrName>ppt_y</p:attrName>
+                                        </p:attrNameLst>
+                                      </p:cBhvr>
+                                      <p:tavLst>
+                                        <p:tav tm="0">
+                                          <p:val>
+                                            <p:strVal val="#ppt_y+#ppt_h*1.125000"/>
+                                          </p:val>
+                                        </p:tav>
+                                        <p:tav tm="100000">
+                                          <p:val>
+                                            <p:strVal val="#ppt_y"/>
+                                          </p:val>
+                                        </p:tav>
+                                      </p:tavLst>
+                                    </p:anim>
+                                    <p:animEffect transition="in" filter="wipe(up)">
+                                      <p:cBhvr>
+                                        <p:cTn id="26" dur="500"/>
+                                        <p:tgtEl>
+                                          <p:spTgt spid="4">
+                                            <p:txEl>
+                                              <p:pRg st="4" end="4"/>
+                                            </p:txEl>
+                                          </p:spTgt>
+                                        </p:tgtEl>
+                                      </p:cBhvr>
+                                    </p:animEffect>
+                                  </p:childTnLst>
+                                </p:cTn>
+                              </p:par>
+                            </p:childTnLst>
+                          </p:cTn>
+                        </p:par>
+                      </p:childTnLst>
+                    </p:cTn>
+                  </p:par>
+                  <p:par>
+                    <p:cTn id="27" fill="hold">
+                      <p:stCondLst>
+                        <p:cond delay="indefinite"/>
+                      </p:stCondLst>
+                      <p:childTnLst>
+                        <p:par>
+                          <p:cTn id="28" fill="hold">
+                            <p:stCondLst>
+                              <p:cond delay="0"/>
+                            </p:stCondLst>
+                            <p:childTnLst>
+                              <p:par>
+                                <p:cTn id="29" presetID="2" presetClass="entr" presetSubtype="4" fill="hold" nodeType="clickEffect">
+                                  <p:stCondLst>
+                                    <p:cond delay="0"/>
+                                  </p:stCondLst>
+                                  <p:childTnLst>
+                                    <p:set>
+                                      <p:cBhvr>
+                                        <p:cTn id="30" dur="1" fill="hold">
+                                          <p:stCondLst>
+                                            <p:cond delay="0"/>
+                                          </p:stCondLst>
+                                        </p:cTn>
+                                        <p:tgtEl>
+                                          <p:spTgt spid="10"/>
+                                        </p:tgtEl>
+                                        <p:attrNameLst>
+                                          <p:attrName>style.visibility</p:attrName>
+                                        </p:attrNameLst>
+                                      </p:cBhvr>
+                                      <p:to>
+                                        <p:strVal val="visible"/>
+                                      </p:to>
+                                    </p:set>
+                                    <p:anim calcmode="lin" valueType="num">
+                                      <p:cBhvr additive="base">
+                                        <p:cTn id="31" dur="500" fill="hold"/>
+                                        <p:tgtEl>
+                                          <p:spTgt spid="10"/>
+                                        </p:tgtEl>
+                                        <p:attrNameLst>
+                                          <p:attrName>ppt_x</p:attrName>
+                                        </p:attrNameLst>
+                                      </p:cBhvr>
+                                      <p:tavLst>
+                                        <p:tav tm="0">
+                                          <p:val>
+                                            <p:strVal val="#ppt_x"/>
+                                          </p:val>
+                                        </p:tav>
+                                        <p:tav tm="100000">
+                                          <p:val>
+                                            <p:strVal val="#ppt_x"/>
+                                          </p:val>
+                                        </p:tav>
+                                      </p:tavLst>
+                                    </p:anim>
+                                    <p:anim calcmode="lin" valueType="num">
+                                      <p:cBhvr additive="base">
+                                        <p:cTn id="32" dur="500" fill="hold"/>
+                                        <p:tgtEl>
+                                          <p:spTgt spid="10"/>
+                                        </p:tgtEl>
+                                        <p:attrNameLst>
+                                          <p:attrName>ppt_y</p:attrName>
+                                        </p:attrNameLst>
+                                      </p:cBhvr>
+                                      <p:tavLst>
+                                        <p:tav tm="0">
+                                          <p:val>
+                                            <p:strVal val="1+#ppt_h/2"/>
+                                          </p:val>
+                                        </p:tav>
+                                        <p:tav tm="100000">
+                                          <p:val>
+                                            <p:strVal val="#ppt_y"/>
+                                          </p:val>
+                                        </p:tav>
+                                      </p:tavLst>
+                                    </p:anim>
+                                  </p:childTnLst>
+                                </p:cTn>
+                              </p:par>
+                            </p:childTnLst>
+                          </p:cTn>
+                        </p:par>
+                      </p:childTnLst>
+                    </p:cTn>
+                  </p:par>
+                  <p:par>
+                    <p:cTn id="33" fill="hold">
+                      <p:stCondLst>
+                        <p:cond delay="indefinite"/>
+                      </p:stCondLst>
+                      <p:childTnLst>
+                        <p:par>
+                          <p:cTn id="34" fill="hold">
+                            <p:stCondLst>
+                              <p:cond delay="0"/>
+                            </p:stCondLst>
+                            <p:childTnLst>
+                              <p:par>
+                                <p:cTn id="35" presetID="0" presetClass="path" presetSubtype="0" accel="50000" decel="50000" fill="hold" nodeType="clickEffect">
+                                  <p:stCondLst>
+                                    <p:cond delay="0"/>
+                                  </p:stCondLst>
+                                  <p:childTnLst>
+                                    <p:animMotion origin="layout" path="M -0.00795 0.00903 C -0.08633 -0.18982 -0.16472 -0.38866 -0.25378 -0.48172 C -0.34284 -0.575 -0.48138 -0.5956 -0.54258 -0.54977 C -0.60378 -0.50394 -0.60795 -0.27385 -0.62071 -0.20672 " pathEditMode="relative" ptsTypes="AAAA">
+                                      <p:cBhvr>
+                                        <p:cTn id="36" dur="2000" fill="hold"/>
+                                        <p:tgtEl>
+                                          <p:spTgt spid="10"/>
+                                        </p:tgtEl>
+                                        <p:attrNameLst>
+                                          <p:attrName>ppt_x</p:attrName>
+                                          <p:attrName>ppt_y</p:attrName>
+                                        </p:attrNameLst>
+                                      </p:cBhvr>
+                                    </p:animMotion>
+                                  </p:childTnLst>
+                                </p:cTn>
+                              </p:par>
+                            </p:childTnLst>
+                          </p:cTn>
+                        </p:par>
+                      </p:childTnLst>
+                    </p:cTn>
+                  </p:par>
+                  <p:par>
+                    <p:cTn id="37" fill="hold">
+                      <p:stCondLst>
+                        <p:cond delay="indefinite"/>
+                      </p:stCondLst>
+                      <p:childTnLst>
+                        <p:par>
+                          <p:cTn id="38" fill="hold">
+                            <p:stCondLst>
+                              <p:cond delay="0"/>
+                            </p:stCondLst>
+                            <p:childTnLst>
+                              <p:par>
+                                <p:cTn id="39" presetID="1" presetClass="exit" presetSubtype="0" fill="hold" nodeType="clickEffect">
+                                  <p:stCondLst>
+                                    <p:cond delay="0"/>
+                                  </p:stCondLst>
+                                  <p:childTnLst>
+                                    <p:set>
+                                      <p:cBhvr>
+                                        <p:cTn id="40" dur="1" fill="hold">
+                                          <p:stCondLst>
+                                            <p:cond delay="0"/>
+                                          </p:stCondLst>
+                                        </p:cTn>
+                                        <p:tgtEl>
+                                          <p:spTgt spid="6"/>
+                                        </p:tgtEl>
+                                        <p:attrNameLst>
+                                          <p:attrName>style.visibility</p:attrName>
+                                        </p:attrNameLst>
+                                      </p:cBhvr>
+                                      <p:to>
+                                        <p:strVal val="hidden"/>
+                                      </p:to>
+                                    </p:set>
+                                  </p:childTnLst>
+                                </p:cTn>
+                              </p:par>
+                            </p:childTnLst>
+                          </p:cTn>
+                        </p:par>
+                      </p:childTnLst>
+                    </p:cTn>
+                  </p:par>
+                  <p:par>
+                    <p:cTn id="41" fill="hold">
+                      <p:stCondLst>
+                        <p:cond delay="indefinite"/>
+                      </p:stCondLst>
+                      <p:childTnLst>
+                        <p:par>
+                          <p:cTn id="42" fill="hold">
+                            <p:stCondLst>
+                              <p:cond delay="0"/>
+                            </p:stCondLst>
+                            <p:childTnLst>
+                              <p:par>
+                                <p:cTn id="43" presetID="1" presetClass="exit" presetSubtype="0" fill="hold" nodeType="clickEffect">
+                                  <p:stCondLst>
+                                    <p:cond delay="0"/>
+                                  </p:stCondLst>
+                                  <p:childTnLst>
+                                    <p:set>
+                                      <p:cBhvr>
+                                        <p:cTn id="44" dur="1" fill="hold">
+                                          <p:stCondLst>
+                                            <p:cond delay="0"/>
+                                          </p:stCondLst>
+                                        </p:cTn>
+                                        <p:tgtEl>
+                                          <p:spTgt spid="10"/>
+                                        </p:tgtEl>
+                                        <p:attrNameLst>
+                                          <p:attrName>style.visibility</p:attrName>
+                                        </p:attrNameLst>
+                                      </p:cBhvr>
+                                      <p:to>
+                                        <p:strVal val="hidden"/>
+                                      </p:to>
+                                    </p:set>
+                                  </p:childTnLst>
+                                </p:cTn>
+                              </p:par>
+                            </p:childTnLst>
+                          </p:cTn>
+                        </p:par>
+                      </p:childTnLst>
+                    </p:cTn>
+                  </p:par>
+                  <p:par>
+                    <p:cTn id="45" fill="hold">
+                      <p:stCondLst>
+                        <p:cond delay="indefinite"/>
+                      </p:stCondLst>
+                      <p:childTnLst>
+                        <p:par>
+                          <p:cTn id="46" fill="hold">
+                            <p:stCondLst>
+                              <p:cond delay="0"/>
+                            </p:stCondLst>
+                            <p:childTnLst>
+                              <p:par>
+                                <p:cTn id="47" presetID="1" presetClass="entr" presetSubtype="0" fill="hold" nodeType="clickEffect">
+                                  <p:stCondLst>
+                                    <p:cond delay="0"/>
+                                  </p:stCondLst>
+                                  <p:childTnLst>
+                                    <p:set>
+                                      <p:cBhvr>
+                                        <p:cTn id="48" dur="1" fill="hold">
+                                          <p:stCondLst>
+                                            <p:cond delay="0"/>
+                                          </p:stCondLst>
+                                        </p:cTn>
+                                        <p:tgtEl>
+                                          <p:spTgt spid="12"/>
+                                        </p:tgtEl>
+                                        <p:attrNameLst>
+                                          <p:attrName>style.visibility</p:attrName>
+                                        </p:attrNameLst>
+                                      </p:cBhvr>
+                                      <p:to>
+                                        <p:strVal val="visible"/>
+                                      </p:to>
+                                    </p:set>
+                                  </p:childTnLst>
+                                </p:cTn>
+                              </p:par>
+                            </p:childTnLst>
+                          </p:cTn>
+                        </p:par>
+                      </p:childTnLst>
+                    </p:cTn>
+                  </p:par>
+                </p:childTnLst>
+              </p:cTn>
+              <p:prevCondLst>
+                <p:cond evt="onPrev" delay="0">
+                  <p:tgtEl>
+                    <p:sldTgt/>
+                  </p:tgtEl>
+                </p:cond>
+              </p:prevCondLst>
+              <p:nextCondLst>
+                <p:cond evt="onNext" delay="0">
+                  <p:tgtEl>
+                    <p:sldTgt/>
+                  </p:tgtEl>
+                </p:cond>
+              </p:nextCondLst>
+            </p:seq>
+          </p:childTnLst>
+        </p:cTn>
+      </p:par>
+    </p:tnLst>
+    <p:bldLst>
+      <p:bldP spid="4" grpId="0" build="p"/>
+    </p:bldLst>
+  </p:timing>
+</p:sld>
+</file>
+
+<file path=ppt/slides/slide9.xml><?xml version="1.0" encoding="utf-8"?>
+<p:sld xmlns:a="http://schemas.openxmlformats.org/drawingml/2006/main" xmlns:r="http://schemas.openxmlformats.org/officeDocument/2006/relationships" xmlns:p="http://schemas.openxmlformats.org/presentationml/2006/main">
+  <p:cSld>
+    <p:spTree>
+      <p:nvGrpSpPr>
+        <p:cNvPr id="1" name=""/>
+        <p:cNvGrpSpPr/>
+        <p:nvPr/>
+      </p:nvGrpSpPr>
+      <p:grpSpPr>
+        <a:xfrm>
+          <a:off x="0" y="0"/>
+          <a:ext cx="0" cy="0"/>
+          <a:chOff x="0" y="0"/>
+          <a:chExt cx="0" cy="0"/>
+        </a:xfrm>
+      </p:grpSpPr>
+      <p:sp>
+        <p:nvSpPr>
+          <p:cNvPr id="2" name="Titre 1">
+            <a:extLst>
+              <a:ext uri="{FF2B5EF4-FFF2-40B4-BE49-F238E27FC236}">
+                <a16:creationId xmlns:a16="http://schemas.microsoft.com/office/drawing/2014/main" id="{08414A5B-A06C-A141-9FD8-48F1C2CC9782}"/>
+              </a:ext>
+            </a:extLst>
+          </p:cNvPr>
+          <p:cNvSpPr>
+            <a:spLocks noGrp="1"/>
+          </p:cNvSpPr>
+          <p:nvPr>
+            <p:ph type="ctrTitle"/>
+          </p:nvPr>
+        </p:nvSpPr>
+        <p:spPr/>
+        <p:txBody>
+          <a:bodyPr/>
+          <a:lstStyle/>
+          <a:p>
+            <a:r>
+              <a:rPr lang="fr-FR" dirty="0"/>
+              <a:t>Simulation avec Jupyter®</a:t>
+            </a:r>
+          </a:p>
+        </p:txBody>
+      </p:sp>
+      <p:sp>
+        <p:nvSpPr>
+          <p:cNvPr id="3" name="Sous-titre 2">
+            <a:extLst>
+              <a:ext uri="{FF2B5EF4-FFF2-40B4-BE49-F238E27FC236}">
+                <a16:creationId xmlns:a16="http://schemas.microsoft.com/office/drawing/2014/main" id="{C6A2E445-75BF-E045-8CFB-C023E3769222}"/>
+              </a:ext>
+            </a:extLst>
+          </p:cNvPr>
+          <p:cNvSpPr>
+            <a:spLocks noGrp="1"/>
+          </p:cNvSpPr>
+          <p:nvPr>
+            <p:ph type="subTitle" idx="1"/>
+          </p:nvPr>
+        </p:nvSpPr>
+        <p:spPr/>
+        <p:txBody>
+          <a:bodyPr/>
+          <a:lstStyle/>
+          <a:p>
+            <a:endParaRPr lang="fr-FR" dirty="0"/>
+          </a:p>
+          <a:p>
+            <a:r>
+              <a:rPr lang="fr-FR" dirty="0"/>
+              <a:t>Théorie sur le </a:t>
+            </a:r>
+            <a:r>
+              <a:rPr lang="fr-FR" dirty="0" err="1"/>
+              <a:t>beamforming</a:t>
+            </a:r>
+            <a:endParaRPr lang="fr-FR" dirty="0"/>
+          </a:p>
+          <a:p>
+            <a:endParaRPr lang="fr-FR" dirty="0"/>
+          </a:p>
+        </p:txBody>
+      </p:sp>
+    </p:spTree>
+    <p:extLst>
+      <p:ext uri="{BB962C8B-B14F-4D97-AF65-F5344CB8AC3E}">
+        <p14:creationId xmlns:p14="http://schemas.microsoft.com/office/powerpoint/2010/main" val="58831331"/>
+      </p:ext>
+    </p:extLst>
+  </p:cSld>
+  <p:clrMapOvr>
+    <a:masterClrMapping/>
+  </p:clrMapOvr>
+  <p:transition spd="slow">
+    <p:wipe/>
+  </p:transition>
+</p:sld>
+</file>
+
 <file path=ppt/theme/theme1.xml><?xml version="1.0" encoding="utf-8"?>
 <a:theme xmlns:a="http://schemas.openxmlformats.org/drawingml/2006/main" name="Organique">
   <a:themeElements>

--- a/Soutenance.pptx
+++ b/Soutenance.pptx
@@ -5,7 +5,7 @@
     <p:sldMasterId id="2147483648" r:id="rId1"/>
   </p:sldMasterIdLst>
   <p:notesMasterIdLst>
-    <p:notesMasterId r:id="rId18"/>
+    <p:notesMasterId r:id="rId19"/>
   </p:notesMasterIdLst>
   <p:sldIdLst>
     <p:sldId id="256" r:id="rId2"/>
@@ -21,9 +21,10 @@
     <p:sldId id="266" r:id="rId12"/>
     <p:sldId id="267" r:id="rId13"/>
     <p:sldId id="268" r:id="rId14"/>
-    <p:sldId id="269" r:id="rId15"/>
-    <p:sldId id="270" r:id="rId16"/>
-    <p:sldId id="271" r:id="rId17"/>
+    <p:sldId id="270" r:id="rId15"/>
+    <p:sldId id="271" r:id="rId16"/>
+    <p:sldId id="272" r:id="rId17"/>
+    <p:sldId id="273" r:id="rId18"/>
   </p:sldIdLst>
   <p:sldSz cx="12192000" cy="6858000"/>
   <p:notesSz cx="6858000" cy="9144000"/>
@@ -804,19 +805,141 @@
                 <a:ea typeface="+mn-ea"/>
                 <a:cs typeface="+mn-cs"/>
               </a:rPr>
-              <a:t>Pour connaitre la direction dans laquelle on reçoit une onde incidente dans une direction principale, le principe de base est le suivant : le déphasage induit par la différence de chemin entre chaque capteur. </a:t>
+              <a:t>Pour connaitre la direction dans laquelle on reçoit une onde incidente, le principe de base est le suivant : le déphasage induit par la différence de chemin entre chaque capteur. </a:t>
+            </a:r>
+          </a:p>
+          <a:p>
+            <a:pPr marL="0" marR="0" lvl="0" indent="0" algn="l" defTabSz="914400" rtl="0" eaLnBrk="1" fontAlgn="auto" latinLnBrk="0" hangingPunct="1">
+              <a:lnSpc>
+                <a:spcPct val="100000"/>
+              </a:lnSpc>
+              <a:spcBef>
+                <a:spcPts val="0"/>
+              </a:spcBef>
+              <a:spcAft>
+                <a:spcPts val="0"/>
+              </a:spcAft>
+              <a:buClrTx/>
+              <a:buSzTx/>
+              <a:buFontTx/>
+              <a:buNone/>
+              <a:tabLst/>
+              <a:defRPr/>
+            </a:pPr>
+            <a:r>
+              <a:rPr lang="fr-FR" sz="1200" kern="1200" dirty="0">
+                <a:solidFill>
+                  <a:schemeClr val="tx1"/>
+                </a:solidFill>
+                <a:effectLst/>
+                <a:latin typeface="+mn-lt"/>
+                <a:ea typeface="+mn-ea"/>
+                <a:cs typeface="+mn-cs"/>
+              </a:rPr>
+              <a:t>On simule une certaine direction d'arrivée avec un </a:t>
+            </a:r>
+            <a:r>
+              <a:rPr lang="fr-FR" sz="1200" kern="1200" dirty="0" err="1">
+                <a:solidFill>
+                  <a:schemeClr val="tx1"/>
+                </a:solidFill>
+                <a:effectLst/>
+                <a:latin typeface="+mn-lt"/>
+                <a:ea typeface="+mn-ea"/>
+                <a:cs typeface="+mn-cs"/>
+              </a:rPr>
+              <a:t>steering</a:t>
+            </a:r>
+            <a:r>
+              <a:rPr lang="fr-FR" sz="1200" kern="1200" dirty="0">
+                <a:solidFill>
+                  <a:schemeClr val="tx1"/>
+                </a:solidFill>
+                <a:effectLst/>
+                <a:latin typeface="+mn-lt"/>
+                <a:ea typeface="+mn-ea"/>
+                <a:cs typeface="+mn-cs"/>
+              </a:rPr>
+              <a:t> </a:t>
+            </a:r>
+            <a:r>
+              <a:rPr lang="fr-FR" sz="1200" kern="1200" dirty="0" err="1">
+                <a:solidFill>
+                  <a:schemeClr val="tx1"/>
+                </a:solidFill>
+                <a:effectLst/>
+                <a:latin typeface="+mn-lt"/>
+                <a:ea typeface="+mn-ea"/>
+                <a:cs typeface="+mn-cs"/>
+              </a:rPr>
+              <a:t>vector</a:t>
+            </a:r>
+            <a:r>
+              <a:rPr lang="fr-FR" sz="1200" kern="1200" dirty="0">
+                <a:solidFill>
+                  <a:schemeClr val="tx1"/>
+                </a:solidFill>
+                <a:effectLst/>
+                <a:latin typeface="+mn-lt"/>
+                <a:ea typeface="+mn-ea"/>
+                <a:cs typeface="+mn-cs"/>
+              </a:rPr>
+              <a:t>, ici noté a(</a:t>
+            </a:r>
+            <a:r>
+              <a:rPr lang="fr-FR" sz="1200" kern="1200" dirty="0" err="1">
+                <a:solidFill>
+                  <a:schemeClr val="tx1"/>
+                </a:solidFill>
+                <a:effectLst/>
+                <a:latin typeface="+mn-lt"/>
+                <a:ea typeface="+mn-ea"/>
+                <a:cs typeface="+mn-cs"/>
+              </a:rPr>
+              <a:t>theta</a:t>
+            </a:r>
+            <a:r>
+              <a:rPr lang="fr-FR" sz="1200" kern="1200" dirty="0">
+                <a:solidFill>
+                  <a:schemeClr val="tx1"/>
+                </a:solidFill>
+                <a:effectLst/>
+                <a:latin typeface="+mn-lt"/>
+                <a:ea typeface="+mn-ea"/>
+                <a:cs typeface="+mn-cs"/>
+              </a:rPr>
+              <a:t>), et on récupère le vecteur </a:t>
+            </a:r>
+            <a:r>
+              <a:rPr lang="fr-FR" sz="1200" kern="1200" dirty="0" err="1">
+                <a:solidFill>
+                  <a:schemeClr val="tx1"/>
+                </a:solidFill>
+                <a:effectLst/>
+                <a:latin typeface="+mn-lt"/>
+                <a:ea typeface="+mn-ea"/>
+                <a:cs typeface="+mn-cs"/>
+              </a:rPr>
+              <a:t>yl</a:t>
+            </a:r>
+            <a:r>
+              <a:rPr lang="fr-FR" sz="1200" kern="1200" dirty="0">
+                <a:solidFill>
+                  <a:schemeClr val="tx1"/>
+                </a:solidFill>
+                <a:effectLst/>
+                <a:latin typeface="+mn-lt"/>
+                <a:ea typeface="+mn-ea"/>
+                <a:cs typeface="+mn-cs"/>
+              </a:rPr>
+              <a:t> de par notre ULA</a:t>
             </a:r>
           </a:p>
           <a:p>
             <a:r>
               <a:rPr lang="fr-FR" dirty="0"/>
-              <a:t>Pour connaitre la ou les directions en question, on peut faire appel à </a:t>
-            </a:r>
-            <a:r>
-              <a:rPr lang="fr-FR"/>
-              <a:t>plusieurs méthodes.</a:t>
-            </a:r>
-            <a:endParaRPr lang="fr-FR" dirty="0"/>
+              <a:t>Pour connaitre la ou les directions en question, on peut faire appel à plusieurs méthodes.</a:t>
+            </a:r>
           </a:p>
         </p:txBody>
       </p:sp>
@@ -1019,7 +1142,6 @@
               </a:rPr>
               <a:t>Commenter les courbes.</a:t>
             </a:r>
-            <a:endParaRPr lang="fr-FR" i="0" dirty="0"/>
           </a:p>
         </p:txBody>
       </p:sp>
@@ -1109,6 +1231,24 @@
             </a:r>
           </a:p>
           <a:p>
+            <a:endParaRPr lang="fr-FR" sz="1200" i="0" dirty="0">
+              <a:effectLst/>
+              <a:latin typeface="Calibri" panose="020F0502020204030204" pitchFamily="34" charset="0"/>
+              <a:cs typeface="Times New Roman" panose="02020603050405020304" pitchFamily="18" charset="0"/>
+            </a:endParaRPr>
+          </a:p>
+          <a:p>
+            <a:r>
+              <a:rPr lang="fr-FR" sz="1200" i="0" dirty="0">
+                <a:effectLst/>
+                <a:latin typeface="Calibri" panose="020F0502020204030204" pitchFamily="34" charset="0"/>
+                <a:cs typeface="Times New Roman" panose="02020603050405020304" pitchFamily="18" charset="0"/>
+              </a:rPr>
+              <a:t>PASSAGE AU NOTEBOOKS</a:t>
+            </a:r>
+            <a:endParaRPr lang="fr-FR" i="0" dirty="0"/>
+          </a:p>
+          <a:p>
             <a:endParaRPr lang="fr-FR" dirty="0"/>
           </a:p>
         </p:txBody>
@@ -1220,9 +1360,6 @@
               <a:cs typeface="Times New Roman" panose="02020603050405020304" pitchFamily="18" charset="0"/>
             </a:endParaRPr>
           </a:p>
-          <a:p>
-            <a:endParaRPr lang="fr-FR" dirty="0"/>
-          </a:p>
         </p:txBody>
       </p:sp>
       <p:sp>
@@ -1305,35 +1442,58 @@
           <a:bodyPr/>
           <a:lstStyle/>
           <a:p>
-            <a:pPr marL="0" marR="0" lvl="0" indent="0" algn="l" defTabSz="914400" rtl="0" eaLnBrk="1" fontAlgn="auto" latinLnBrk="0" hangingPunct="1">
-              <a:lnSpc>
-                <a:spcPct val="100000"/>
-              </a:lnSpc>
-              <a:spcBef>
-                <a:spcPts val="0"/>
-              </a:spcBef>
-              <a:spcAft>
-                <a:spcPts val="0"/>
-              </a:spcAft>
-              <a:buClrTx/>
-              <a:buSzTx/>
-              <a:buFontTx/>
-              <a:buNone/>
-              <a:tabLst/>
-              <a:defRPr/>
+            <a:pPr algn="l"/>
+            <a:r>
+              <a:rPr lang="fr-FR" b="1" i="0" dirty="0">
+                <a:solidFill>
+                  <a:srgbClr val="000000"/>
+                </a:solidFill>
+                <a:effectLst/>
+                <a:latin typeface="Helvetica Neue"/>
+              </a:rPr>
+              <a:t>Les deux notebooks précédents illustrent respectivement :</a:t>
+            </a:r>
+          </a:p>
+          <a:p>
+            <a:pPr algn="l">
+              <a:buFont typeface="Arial" panose="020B0604020202020204" pitchFamily="34" charset="0"/>
+              <a:buChar char="•"/>
             </a:pPr>
             <a:r>
-              <a:rPr lang="fr-FR" sz="1800" dirty="0">
+              <a:rPr lang="fr-FR" b="0" i="0" dirty="0">
+                <a:solidFill>
+                  <a:srgbClr val="000000"/>
+                </a:solidFill>
                 <a:effectLst/>
-                <a:latin typeface="Calibri" panose="020F0502020204030204" pitchFamily="34" charset="0"/>
-                <a:ea typeface="Calibri" panose="020F0502020204030204" pitchFamily="34" charset="0"/>
-                <a:cs typeface="Times New Roman" panose="02020603050405020304" pitchFamily="18" charset="0"/>
+                <a:latin typeface="Helvetica Neue"/>
               </a:rPr>
-              <a:t>Il s’avère que les lobes sont bien de la même taille lorsque les sources sont finalement séparées angulairement, mais la méthode CBF va d’abord détecter un changement de pic brusque dans la direction de la cible la plus proche avant que les lobes ne soient totalement séparés.</a:t>
+              <a:t>L'estimation de la direction d'arrivée d'un signal et la comparaison de différentes méthodes (Justesse, faux-positif, non-détection, robustesse de la méthode au mouvement)</a:t>
+            </a:r>
+          </a:p>
+          <a:p>
+            <a:pPr algn="l">
+              <a:buFont typeface="Arial" panose="020B0604020202020204" pitchFamily="34" charset="0"/>
+              <a:buChar char="•"/>
+            </a:pPr>
+            <a:r>
+              <a:rPr lang="fr-FR" b="0" i="0" dirty="0">
+                <a:solidFill>
+                  <a:srgbClr val="000000"/>
+                </a:solidFill>
+                <a:effectLst/>
+                <a:latin typeface="Helvetica Neue"/>
+              </a:rPr>
+              <a:t>La mise en place d'une situation s'approchant de la réalité et introduire le principe d'émission dans une certaine direction.</a:t>
             </a:r>
           </a:p>
           <a:p>
             <a:endParaRPr lang="fr-FR" dirty="0"/>
+          </a:p>
+          <a:p>
+            <a:r>
+              <a:rPr lang="fr-FR" dirty="0"/>
+              <a:t>Maintenant</a:t>
+            </a:r>
           </a:p>
         </p:txBody>
       </p:sp>
@@ -1363,7 +1523,7 @@
     </p:spTree>
     <p:extLst>
       <p:ext uri="{BB962C8B-B14F-4D97-AF65-F5344CB8AC3E}">
-        <p14:creationId xmlns:p14="http://schemas.microsoft.com/office/powerpoint/2010/main" val="1499995410"/>
+        <p14:creationId xmlns:p14="http://schemas.microsoft.com/office/powerpoint/2010/main" val="1728229746"/>
       </p:ext>
     </p:extLst>
   </p:cSld>
@@ -1417,51 +1577,38 @@
           <a:bodyPr/>
           <a:lstStyle/>
           <a:p>
-            <a:pPr algn="l"/>
-            <a:r>
-              <a:rPr lang="fr-FR" b="1" i="0" dirty="0">
-                <a:solidFill>
-                  <a:srgbClr val="000000"/>
-                </a:solidFill>
+            <a:pPr algn="l">
+              <a:lnSpc>
+                <a:spcPct val="115000"/>
+              </a:lnSpc>
+            </a:pPr>
+            <a:r>
+              <a:rPr lang="fr-FR" sz="1800" dirty="0">
                 <a:effectLst/>
-                <a:latin typeface="Helvetica Neue"/>
+                <a:latin typeface="Calibri" panose="020F0502020204030204" pitchFamily="34" charset="0"/>
+                <a:ea typeface="Calibri" panose="020F0502020204030204" pitchFamily="34" charset="0"/>
+                <a:cs typeface="Times New Roman" panose="02020603050405020304" pitchFamily="18" charset="0"/>
               </a:rPr>
-              <a:t>Les deux notebooks précédents illustrent respectivement :</a:t>
-            </a:r>
-          </a:p>
-          <a:p>
-            <a:pPr algn="l">
-              <a:buFont typeface="Arial" panose="020B0604020202020204" pitchFamily="34" charset="0"/>
-              <a:buChar char="•"/>
-            </a:pPr>
-            <a:r>
-              <a:rPr lang="fr-FR" b="0" i="0" dirty="0">
-                <a:solidFill>
-                  <a:srgbClr val="000000"/>
-                </a:solidFill>
+              <a:t>Nous nous rendons bien compte qu’en complexifiant la matrice de covariance R, on obtient plus difficilement les directions d’intérêt. En effet, nous voyons dans un premier temps que l’amplitude des pics n’est pas la même, alors que les sources sont à la même distance. De plus, un troisième pic fait son apparition, et vient potentiellement perturber l’estimation des directions d’intérêt en induisant un faux-positif. </a:t>
+            </a:r>
+          </a:p>
+          <a:p>
+            <a:endParaRPr lang="fr-FR" sz="1800" dirty="0">
+              <a:effectLst/>
+              <a:latin typeface="Calibri" panose="020F0502020204030204" pitchFamily="34" charset="0"/>
+              <a:ea typeface="Calibri" panose="020F0502020204030204" pitchFamily="34" charset="0"/>
+              <a:cs typeface="Times New Roman" panose="02020603050405020304" pitchFamily="18" charset="0"/>
+            </a:endParaRPr>
+          </a:p>
+          <a:p>
+            <a:br>
+              <a:rPr lang="fr-FR" sz="1800" dirty="0">
                 <a:effectLst/>
-                <a:latin typeface="Helvetica Neue"/>
+                <a:latin typeface="Calibri" panose="020F0502020204030204" pitchFamily="34" charset="0"/>
+                <a:ea typeface="Calibri" panose="020F0502020204030204" pitchFamily="34" charset="0"/>
+                <a:cs typeface="Times New Roman" panose="02020603050405020304" pitchFamily="18" charset="0"/>
               </a:rPr>
-              <a:t>L'estimation de la direction d'arrivée d'un signal et la comparaison de différentes méthodes (Justesse, faux-positif, non-détection, robustesse de la méthode au mouvement)</a:t>
-            </a:r>
-          </a:p>
-          <a:p>
-            <a:pPr algn="l">
-              <a:buFont typeface="Arial" panose="020B0604020202020204" pitchFamily="34" charset="0"/>
-              <a:buChar char="•"/>
-            </a:pPr>
-            <a:r>
-              <a:rPr lang="fr-FR" b="0" i="0" dirty="0">
-                <a:solidFill>
-                  <a:srgbClr val="000000"/>
-                </a:solidFill>
-                <a:effectLst/>
-                <a:latin typeface="Helvetica Neue"/>
-              </a:rPr>
-              <a:t>La mise en place d'une situation s'approchant de la réalité et introduire le principe d'émission dans une certaine direction.</a:t>
-            </a:r>
-          </a:p>
-          <a:p>
+            </a:br>
             <a:endParaRPr lang="fr-FR" dirty="0"/>
           </a:p>
         </p:txBody>
@@ -1492,7 +1639,7 @@
     </p:spTree>
     <p:extLst>
       <p:ext uri="{BB962C8B-B14F-4D97-AF65-F5344CB8AC3E}">
-        <p14:creationId xmlns:p14="http://schemas.microsoft.com/office/powerpoint/2010/main" val="1728229746"/>
+        <p14:creationId xmlns:p14="http://schemas.microsoft.com/office/powerpoint/2010/main" val="403921720"/>
       </p:ext>
     </p:extLst>
   </p:cSld>
@@ -1546,30 +1693,61 @@
           <a:bodyPr/>
           <a:lstStyle/>
           <a:p>
-            <a:pPr algn="l">
+            <a:pPr marL="0" marR="0" lvl="0" indent="0" algn="l" defTabSz="914400" rtl="0" eaLnBrk="1" fontAlgn="auto" latinLnBrk="0" hangingPunct="1">
               <a:lnSpc>
-                <a:spcPct val="115000"/>
+                <a:spcPct val="100000"/>
               </a:lnSpc>
+              <a:spcBef>
+                <a:spcPts val="0"/>
+              </a:spcBef>
+              <a:spcAft>
+                <a:spcPts val="0"/>
+              </a:spcAft>
+              <a:buClrTx/>
+              <a:buSzTx/>
+              <a:buFontTx/>
+              <a:buNone/>
+              <a:tabLst/>
+              <a:defRPr/>
             </a:pPr>
             <a:r>
-              <a:rPr lang="fr-FR" sz="1800" dirty="0">
+              <a:rPr lang="fr-FR" sz="1200" kern="1200" dirty="0">
+                <a:solidFill>
+                  <a:schemeClr val="tx1"/>
+                </a:solidFill>
                 <a:effectLst/>
-                <a:latin typeface="Calibri" panose="020F0502020204030204" pitchFamily="34" charset="0"/>
-                <a:ea typeface="Calibri" panose="020F0502020204030204" pitchFamily="34" charset="0"/>
-                <a:cs typeface="Times New Roman" panose="02020603050405020304" pitchFamily="18" charset="0"/>
+                <a:latin typeface="+mn-lt"/>
+                <a:ea typeface="+mn-ea"/>
+                <a:cs typeface="+mn-cs"/>
               </a:rPr>
-              <a:t>Nous nous rendons bien compte qu’en complexifiant la matrice de covariance R, on obtient plus difficilement les directions d’intérêt. En effet, nous voyons dans un premier temps que l’amplitude des pics n’est pas la même, alors que les sources sont à la même distance. De plus, un troisième pic fait son apparition, et vient potentiellement perturber l’estimation des directions d’intérêt en induisant un faux-positif. </a:t>
-            </a:r>
-          </a:p>
-          <a:p>
-            <a:br>
-              <a:rPr lang="fr-FR" sz="1800" dirty="0">
+              <a:t>Les résultats des simulations sont cohérents aux attendus de mon tuteur de stage, mais il est bien entendu nécessaire de mettre en place un banc physique pour confirmer ou infirmer le comportement des </a:t>
+            </a:r>
+            <a:r>
+              <a:rPr lang="fr-FR" sz="1200" i="1" kern="1200" dirty="0">
+                <a:solidFill>
+                  <a:schemeClr val="tx1"/>
+                </a:solidFill>
                 <a:effectLst/>
-                <a:latin typeface="Calibri" panose="020F0502020204030204" pitchFamily="34" charset="0"/>
-                <a:ea typeface="Calibri" panose="020F0502020204030204" pitchFamily="34" charset="0"/>
-                <a:cs typeface="Times New Roman" panose="02020603050405020304" pitchFamily="18" charset="0"/>
+                <a:latin typeface="+mn-lt"/>
+                <a:ea typeface="+mn-ea"/>
+                <a:cs typeface="+mn-cs"/>
               </a:rPr>
-            </a:br>
+              <a:t>ULA </a:t>
+            </a:r>
+            <a:r>
+              <a:rPr lang="fr-FR" sz="1200" kern="1200" dirty="0">
+                <a:solidFill>
+                  <a:schemeClr val="tx1"/>
+                </a:solidFill>
+                <a:effectLst/>
+                <a:latin typeface="+mn-lt"/>
+                <a:ea typeface="+mn-ea"/>
+                <a:cs typeface="+mn-cs"/>
+              </a:rPr>
+              <a:t>en présence de plusieurs cibles, dans des configurations différentes. Malgré le contexte sanitaire et les impossibilités de déplacements, je suis reconnaissant d’avoir pu effectuer mon stage en télétravail. La conception d’un banc de contre-mesure n’a pas pu se faire faute de matériel, cependant la découverte de la formation de faisceaux, et la mise en contexte d’un tel système m’ont beaucoup apporté. Cette expérience en autonomie, et la découverte de nouvelles notions m’ont permis de prendre un recul certain sur les notions acquises en deuxième année, de mettre en exergue mes lacunes, mais aussi de me préparer pour ma troisième et dernière année à l’ENSTA Bretagne. </a:t>
+            </a:r>
+          </a:p>
+          <a:p>
             <a:endParaRPr lang="fr-FR" dirty="0"/>
           </a:p>
         </p:txBody>
@@ -1600,7 +1778,132 @@
     </p:spTree>
     <p:extLst>
       <p:ext uri="{BB962C8B-B14F-4D97-AF65-F5344CB8AC3E}">
-        <p14:creationId xmlns:p14="http://schemas.microsoft.com/office/powerpoint/2010/main" val="403921720"/>
+        <p14:creationId xmlns:p14="http://schemas.microsoft.com/office/powerpoint/2010/main" val="727305253"/>
+      </p:ext>
+    </p:extLst>
+  </p:cSld>
+  <p:clrMapOvr>
+    <a:masterClrMapping/>
+  </p:clrMapOvr>
+</p:notes>
+</file>
+
+<file path=ppt/notesSlides/notesSlide17.xml><?xml version="1.0" encoding="utf-8"?>
+<p:notes xmlns:a="http://schemas.openxmlformats.org/drawingml/2006/main" xmlns:r="http://schemas.openxmlformats.org/officeDocument/2006/relationships" xmlns:p="http://schemas.openxmlformats.org/presentationml/2006/main">
+  <p:cSld>
+    <p:spTree>
+      <p:nvGrpSpPr>
+        <p:cNvPr id="1" name=""/>
+        <p:cNvGrpSpPr/>
+        <p:nvPr/>
+      </p:nvGrpSpPr>
+      <p:grpSpPr>
+        <a:xfrm>
+          <a:off x="0" y="0"/>
+          <a:ext cx="0" cy="0"/>
+          <a:chOff x="0" y="0"/>
+          <a:chExt cx="0" cy="0"/>
+        </a:xfrm>
+      </p:grpSpPr>
+      <p:sp>
+        <p:nvSpPr>
+          <p:cNvPr id="2" name="Espace réservé de l'image des diapositives 1"/>
+          <p:cNvSpPr>
+            <a:spLocks noGrp="1" noRot="1" noChangeAspect="1"/>
+          </p:cNvSpPr>
+          <p:nvPr>
+            <p:ph type="sldImg"/>
+          </p:nvPr>
+        </p:nvSpPr>
+        <p:spPr/>
+      </p:sp>
+      <p:sp>
+        <p:nvSpPr>
+          <p:cNvPr id="3" name="Espace réservé des notes 2"/>
+          <p:cNvSpPr>
+            <a:spLocks noGrp="1"/>
+          </p:cNvSpPr>
+          <p:nvPr>
+            <p:ph type="body" idx="1"/>
+          </p:nvPr>
+        </p:nvSpPr>
+        <p:spPr/>
+        <p:txBody>
+          <a:bodyPr/>
+          <a:lstStyle/>
+          <a:p>
+            <a:r>
+              <a:rPr lang="fr-FR" dirty="0"/>
+              <a:t>Préparations aux questions d’ouverture </a:t>
+            </a:r>
+          </a:p>
+          <a:p>
+            <a:r>
+              <a:rPr lang="fr-FR" dirty="0"/>
+              <a:t>:</a:t>
+            </a:r>
+          </a:p>
+          <a:p>
+            <a:pPr marL="171450" indent="-171450">
+              <a:buFontTx/>
+              <a:buChar char="-"/>
+            </a:pPr>
+            <a:r>
+              <a:rPr lang="fr-FR" dirty="0"/>
+              <a:t>Autre applications du </a:t>
+            </a:r>
+            <a:r>
+              <a:rPr lang="fr-FR" dirty="0" err="1"/>
+              <a:t>beamforming</a:t>
+            </a:r>
+            <a:r>
+              <a:rPr lang="fr-FR" dirty="0"/>
+              <a:t> ? MIMO pour le Wifi, par exemple : accroitre les débits et la portée</a:t>
+            </a:r>
+          </a:p>
+          <a:p>
+            <a:pPr marL="171450" indent="-171450">
+              <a:buFontTx/>
+              <a:buChar char="-"/>
+            </a:pPr>
+            <a:endParaRPr lang="fr-FR" dirty="0"/>
+          </a:p>
+          <a:p>
+            <a:pPr marL="171450" indent="-171450">
+              <a:buFontTx/>
+              <a:buChar char="-"/>
+            </a:pPr>
+            <a:endParaRPr lang="fr-FR" dirty="0"/>
+          </a:p>
+        </p:txBody>
+      </p:sp>
+      <p:sp>
+        <p:nvSpPr>
+          <p:cNvPr id="4" name="Espace réservé du numéro de diapositive 3"/>
+          <p:cNvSpPr>
+            <a:spLocks noGrp="1"/>
+          </p:cNvSpPr>
+          <p:nvPr>
+            <p:ph type="sldNum" sz="quarter" idx="5"/>
+          </p:nvPr>
+        </p:nvSpPr>
+        <p:spPr/>
+        <p:txBody>
+          <a:bodyPr/>
+          <a:lstStyle/>
+          <a:p>
+            <a:fld id="{946D1AFA-ED8B-B94E-B29F-CABEC407D280}" type="slidenum">
+              <a:rPr lang="fr-FR" smtClean="0"/>
+              <a:t>17</a:t>
+            </a:fld>
+            <a:endParaRPr lang="fr-FR"/>
+          </a:p>
+        </p:txBody>
+      </p:sp>
+    </p:spTree>
+    <p:extLst>
+      <p:ext uri="{BB962C8B-B14F-4D97-AF65-F5344CB8AC3E}">
+        <p14:creationId xmlns:p14="http://schemas.microsoft.com/office/powerpoint/2010/main" val="381585334"/>
       </p:ext>
     </p:extLst>
   </p:cSld>
@@ -1739,7 +2042,10 @@
               <a:buFontTx/>
               <a:buChar char="-"/>
             </a:pPr>
-            <a:endParaRPr lang="fr-FR" dirty="0"/>
+            <a:r>
+              <a:rPr lang="fr-FR" dirty="0"/>
+              <a:t>Dates de stage</a:t>
+            </a:r>
           </a:p>
           <a:p>
             <a:pPr marL="171450" indent="-171450">
@@ -1749,6 +2055,23 @@
             <a:r>
               <a:rPr lang="fr-FR" dirty="0"/>
               <a:t>TRANSITIOOOOOON </a:t>
+            </a:r>
+          </a:p>
+          <a:p>
+            <a:pPr marL="171450" indent="-171450">
+              <a:buFontTx/>
+              <a:buChar char="-"/>
+            </a:pPr>
+            <a:endParaRPr lang="fr-FR" dirty="0"/>
+          </a:p>
+          <a:p>
+            <a:pPr marL="171450" indent="-171450">
+              <a:buFontTx/>
+              <a:buChar char="-"/>
+            </a:pPr>
+            <a:r>
+              <a:rPr lang="fr-FR" dirty="0"/>
+              <a:t>L'adaptation passe aussi par le choix des outils utilisés</a:t>
             </a:r>
           </a:p>
           <a:p>
@@ -1864,15 +2187,52 @@
           <a:bodyPr/>
           <a:lstStyle/>
           <a:p>
+            <a:pPr marL="0" marR="0" lvl="0" indent="0" algn="l" defTabSz="914400" rtl="0" eaLnBrk="1" fontAlgn="auto" latinLnBrk="0" hangingPunct="1">
+              <a:lnSpc>
+                <a:spcPct val="100000"/>
+              </a:lnSpc>
+              <a:spcBef>
+                <a:spcPts val="0"/>
+              </a:spcBef>
+              <a:spcAft>
+                <a:spcPts val="0"/>
+              </a:spcAft>
+              <a:buClrTx/>
+              <a:buSzTx/>
+              <a:buFontTx/>
+              <a:buNone/>
+              <a:tabLst/>
+              <a:defRPr/>
+            </a:pPr>
             <a:r>
               <a:rPr lang="fr-FR" dirty="0"/>
-              <a:t>Jupyter </a:t>
-            </a:r>
+              <a:t>Jupyter Ne pas y passer 1000 ans, c’est juste un outil</a:t>
+            </a:r>
+          </a:p>
+          <a:p>
+            <a:endParaRPr lang="fr-FR" dirty="0"/>
           </a:p>
           <a:p>
             <a:r>
               <a:rPr lang="fr-FR" dirty="0"/>
-              <a:t>Ne pas y passer 1000 ans, c’est juste un outil</a:t>
+              <a:t>Je savais que j'allais faire du python, ou du </a:t>
+            </a:r>
+            <a:r>
+              <a:rPr lang="fr-FR" dirty="0" err="1"/>
+              <a:t>matlab</a:t>
+            </a:r>
+            <a:r>
+              <a:rPr lang="fr-FR" dirty="0"/>
+              <a:t>. </a:t>
+            </a:r>
+          </a:p>
+          <a:p>
+            <a:endParaRPr lang="fr-FR" dirty="0"/>
+          </a:p>
+          <a:p>
+            <a:r>
+              <a:rPr lang="fr-FR" dirty="0"/>
+              <a:t>Au lieu d’avoir un vieux terminal tout nul, et des figures qui s’ouvrent soit tout d’un coup, soit au compte goute, on a tout au même endroit :</a:t>
             </a:r>
           </a:p>
           <a:p>
@@ -2153,19 +2513,36 @@
                 <a:ea typeface="+mn-ea"/>
                 <a:cs typeface="+mn-cs"/>
               </a:rPr>
+              <a:t>CLICKS</a:t>
+            </a:r>
+          </a:p>
+          <a:p>
+            <a:r>
+              <a:rPr lang="fr-FR" sz="1200" kern="1200" dirty="0">
+                <a:solidFill>
+                  <a:schemeClr val="tx1"/>
+                </a:solidFill>
+                <a:effectLst/>
+                <a:latin typeface="+mn-lt"/>
+                <a:ea typeface="+mn-ea"/>
+                <a:cs typeface="+mn-cs"/>
+              </a:rPr>
               <a:t>Cette situation n’est pas souhaitable, car un RADAR peut dévoiler notre position, notre vitesse et certaines propriétés intrinsèque de notre drone. Ces informations peuvent mettre à mal la discrétion d’une mission dans un contexte opérationnel, mais aussi alimenter les autodirecteurs d’engins anti-drones.</a:t>
             </a:r>
           </a:p>
           <a:p>
-            <a:endParaRPr lang="fr-FR" sz="1200" kern="1200" dirty="0">
-              <a:solidFill>
-                <a:schemeClr val="tx1"/>
-              </a:solidFill>
-              <a:effectLst/>
-              <a:latin typeface="+mn-lt"/>
-              <a:ea typeface="+mn-ea"/>
-              <a:cs typeface="+mn-cs"/>
-            </a:endParaRPr>
+            <a:r>
+              <a:rPr lang="fr-FR" sz="1200" kern="1200" dirty="0">
+                <a:solidFill>
+                  <a:schemeClr val="tx1"/>
+                </a:solidFill>
+                <a:effectLst/>
+                <a:latin typeface="+mn-lt"/>
+                <a:ea typeface="+mn-ea"/>
+                <a:cs typeface="+mn-cs"/>
+              </a:rPr>
+              <a:t>Missiles</a:t>
+            </a:r>
           </a:p>
           <a:p>
             <a:r>
@@ -2389,6 +2766,18 @@
             <a:r>
               <a:rPr lang="fr-FR" dirty="0"/>
               <a:t>Je détaille ici le processus de contre-mesure.</a:t>
+            </a:r>
+          </a:p>
+          <a:p>
+            <a:r>
+              <a:rPr lang="fr-FR" dirty="0"/>
+              <a:t>Parler des phases de la contre-mesure, mais aussi du projet </a:t>
+            </a:r>
+          </a:p>
+          <a:p>
+            <a:r>
+              <a:rPr lang="fr-FR" dirty="0"/>
+              <a:t>d'abord simulation, puis essais</a:t>
             </a:r>
           </a:p>
         </p:txBody>
@@ -2937,7 +3326,7 @@
             <a:fld id="{B61BEF0D-F0BB-DE4B-95CE-6DB70DBA9567}" type="datetimeFigureOut">
               <a:rPr lang="en-US" dirty="0"/>
               <a:pPr/>
-              <a:t>11/4/2020</a:t>
+              <a:t>11/4/20</a:t>
             </a:fld>
             <a:endParaRPr lang="en-US" dirty="0"/>
           </a:p>
@@ -3258,7 +3647,7 @@
             <a:fld id="{B61BEF0D-F0BB-DE4B-95CE-6DB70DBA9567}" type="datetimeFigureOut">
               <a:rPr lang="en-US" dirty="0"/>
               <a:pPr/>
-              <a:t>11/4/2020</a:t>
+              <a:t>11/4/20</a:t>
             </a:fld>
             <a:endParaRPr lang="en-US" dirty="0"/>
           </a:p>
@@ -3503,7 +3892,7 @@
             <a:fld id="{B61BEF0D-F0BB-DE4B-95CE-6DB70DBA9567}" type="datetimeFigureOut">
               <a:rPr lang="en-US" dirty="0"/>
               <a:pPr/>
-              <a:t>11/4/2020</a:t>
+              <a:t>11/4/20</a:t>
             </a:fld>
             <a:endParaRPr lang="en-US" dirty="0"/>
           </a:p>
@@ -3839,7 +4228,7 @@
             <a:fld id="{B61BEF0D-F0BB-DE4B-95CE-6DB70DBA9567}" type="datetimeFigureOut">
               <a:rPr lang="en-US" dirty="0"/>
               <a:pPr/>
-              <a:t>11/4/2020</a:t>
+              <a:t>11/4/20</a:t>
             </a:fld>
             <a:endParaRPr lang="en-US" dirty="0"/>
           </a:p>
@@ -4183,7 +4572,7 @@
             <a:fld id="{B61BEF0D-F0BB-DE4B-95CE-6DB70DBA9567}" type="datetimeFigureOut">
               <a:rPr lang="en-US" dirty="0"/>
               <a:pPr/>
-              <a:t>11/4/2020</a:t>
+              <a:t>11/4/20</a:t>
             </a:fld>
             <a:endParaRPr lang="en-US" dirty="0"/>
           </a:p>
@@ -4554,7 +4943,7 @@
             <a:fld id="{B61BEF0D-F0BB-DE4B-95CE-6DB70DBA9567}" type="datetimeFigureOut">
               <a:rPr lang="en-US" dirty="0"/>
               <a:pPr/>
-              <a:t>11/4/2020</a:t>
+              <a:t>11/4/20</a:t>
             </a:fld>
             <a:endParaRPr lang="en-US" dirty="0"/>
           </a:p>
@@ -5021,7 +5410,7 @@
             <a:fld id="{B61BEF0D-F0BB-DE4B-95CE-6DB70DBA9567}" type="datetimeFigureOut">
               <a:rPr lang="en-US" dirty="0"/>
               <a:pPr/>
-              <a:t>11/4/2020</a:t>
+              <a:t>11/4/20</a:t>
             </a:fld>
             <a:endParaRPr lang="en-US" dirty="0"/>
           </a:p>
@@ -5223,7 +5612,7 @@
             <a:fld id="{B61BEF0D-F0BB-DE4B-95CE-6DB70DBA9567}" type="datetimeFigureOut">
               <a:rPr lang="en-US" dirty="0"/>
               <a:pPr/>
-              <a:t>11/4/2020</a:t>
+              <a:t>11/4/20</a:t>
             </a:fld>
             <a:endParaRPr lang="en-US" dirty="0"/>
           </a:p>
@@ -5431,7 +5820,7 @@
             <a:fld id="{B61BEF0D-F0BB-DE4B-95CE-6DB70DBA9567}" type="datetimeFigureOut">
               <a:rPr lang="en-US" dirty="0"/>
               <a:pPr/>
-              <a:t>11/4/2020</a:t>
+              <a:t>11/4/20</a:t>
             </a:fld>
             <a:endParaRPr lang="en-US" dirty="0"/>
           </a:p>
@@ -5659,7 +6048,7 @@
           <a:p>
             <a:fld id="{52647F38-B617-4D2F-AE0A-013F0C4D2C57}" type="datetimeFigureOut">
               <a:rPr lang="en-US" dirty="0"/>
-              <a:t>11/4/2020</a:t>
+              <a:t>11/4/20</a:t>
             </a:fld>
             <a:endParaRPr lang="en-US" dirty="0"/>
           </a:p>
@@ -5903,7 +6292,7 @@
             <a:fld id="{B61BEF0D-F0BB-DE4B-95CE-6DB70DBA9567}" type="datetimeFigureOut">
               <a:rPr lang="en-US" dirty="0"/>
               <a:pPr/>
-              <a:t>11/4/2020</a:t>
+              <a:t>11/4/20</a:t>
             </a:fld>
             <a:endParaRPr lang="en-US" dirty="0"/>
           </a:p>
@@ -6197,7 +6586,7 @@
           <a:p>
             <a:fld id="{05BFA754-D5C3-4E66-96A6-867B257F58DC}" type="datetimeFigureOut">
               <a:rPr lang="en-US" dirty="0"/>
-              <a:t>11/4/2020</a:t>
+              <a:t>11/4/20</a:t>
             </a:fld>
             <a:endParaRPr lang="en-US" dirty="0"/>
           </a:p>
@@ -6587,7 +6976,7 @@
             <a:fld id="{B61BEF0D-F0BB-DE4B-95CE-6DB70DBA9567}" type="datetimeFigureOut">
               <a:rPr lang="en-US" dirty="0"/>
               <a:pPr/>
-              <a:t>11/4/2020</a:t>
+              <a:t>11/4/20</a:t>
             </a:fld>
             <a:endParaRPr lang="en-US" dirty="0"/>
           </a:p>
@@ -6733,7 +7122,7 @@
             <a:fld id="{B61BEF0D-F0BB-DE4B-95CE-6DB70DBA9567}" type="datetimeFigureOut">
               <a:rPr lang="en-US" dirty="0"/>
               <a:pPr/>
-              <a:t>11/4/2020</a:t>
+              <a:t>11/4/20</a:t>
             </a:fld>
             <a:endParaRPr lang="en-US" dirty="0"/>
           </a:p>
@@ -6856,7 +7245,7 @@
             <a:fld id="{B61BEF0D-F0BB-DE4B-95CE-6DB70DBA9567}" type="datetimeFigureOut">
               <a:rPr lang="en-US" dirty="0"/>
               <a:pPr/>
-              <a:t>11/4/2020</a:t>
+              <a:t>11/4/20</a:t>
             </a:fld>
             <a:endParaRPr lang="en-US" dirty="0"/>
           </a:p>
@@ -7108,7 +7497,7 @@
             <a:fld id="{B61BEF0D-F0BB-DE4B-95CE-6DB70DBA9567}" type="datetimeFigureOut">
               <a:rPr lang="en-US" dirty="0"/>
               <a:pPr/>
-              <a:t>11/4/2020</a:t>
+              <a:t>11/4/20</a:t>
             </a:fld>
             <a:endParaRPr lang="en-US" dirty="0"/>
           </a:p>
@@ -7420,7 +7809,7 @@
             <a:fld id="{B61BEF0D-F0BB-DE4B-95CE-6DB70DBA9567}" type="datetimeFigureOut">
               <a:rPr lang="en-US" dirty="0"/>
               <a:pPr/>
-              <a:t>11/4/2020</a:t>
+              <a:t>11/4/20</a:t>
             </a:fld>
             <a:endParaRPr lang="en-US" dirty="0"/>
           </a:p>
@@ -7768,7 +8157,7 @@
             <a:fld id="{B61BEF0D-F0BB-DE4B-95CE-6DB70DBA9567}" type="datetimeFigureOut">
               <a:rPr lang="en-US" dirty="0"/>
               <a:pPr/>
-              <a:t>11/4/2020</a:t>
+              <a:t>11/4/20</a:t>
             </a:fld>
             <a:endParaRPr lang="en-US" dirty="0"/>
           </a:p>
@@ -11728,108 +12117,6 @@
           <p:cNvPr id="2" name="Titre 1">
             <a:extLst>
               <a:ext uri="{FF2B5EF4-FFF2-40B4-BE49-F238E27FC236}">
-                <a16:creationId xmlns:a16="http://schemas.microsoft.com/office/drawing/2014/main" id="{2FB9B3CB-8626-492B-800A-9F905FFB3D0C}"/>
-              </a:ext>
-            </a:extLst>
-          </p:cNvPr>
-          <p:cNvSpPr>
-            <a:spLocks noGrp="1"/>
-          </p:cNvSpPr>
-          <p:nvPr>
-            <p:ph type="title"/>
-          </p:nvPr>
-        </p:nvSpPr>
-        <p:spPr>
-          <a:xfrm>
-            <a:off x="1393935" y="1681655"/>
-            <a:ext cx="9404129" cy="604344"/>
-          </a:xfrm>
-        </p:spPr>
-        <p:txBody>
-          <a:bodyPr>
-            <a:normAutofit fontScale="90000"/>
-          </a:bodyPr>
-          <a:lstStyle/>
-          <a:p>
-            <a:r>
-              <a:rPr lang="fr-FR" dirty="0"/>
-              <a:t>Largeur et mi-hauteur et résolution spatiale</a:t>
-            </a:r>
-          </a:p>
-        </p:txBody>
-      </p:sp>
-      <p:pic>
-        <p:nvPicPr>
-          <p:cNvPr id="7" name="Image 6">
-            <a:extLst>
-              <a:ext uri="{FF2B5EF4-FFF2-40B4-BE49-F238E27FC236}">
-                <a16:creationId xmlns:a16="http://schemas.microsoft.com/office/drawing/2014/main" id="{CA64B727-BF13-4237-BF03-A2251D2DC29F}"/>
-              </a:ext>
-            </a:extLst>
-          </p:cNvPr>
-          <p:cNvPicPr/>
-          <p:nvPr/>
-        </p:nvPicPr>
-        <p:blipFill>
-          <a:blip r:embed="rId3" cstate="print">
-            <a:extLst>
-              <a:ext uri="{28A0092B-C50C-407E-A947-70E740481C1C}">
-                <a14:useLocalDpi xmlns:a14="http://schemas.microsoft.com/office/drawing/2010/main" val="0"/>
-              </a:ext>
-            </a:extLst>
-          </a:blip>
-          <a:stretch>
-            <a:fillRect/>
-          </a:stretch>
-        </p:blipFill>
-        <p:spPr>
-          <a:xfrm>
-            <a:off x="3665209" y="2937350"/>
-            <a:ext cx="4861582" cy="3269302"/>
-          </a:xfrm>
-          <a:prstGeom prst="rect">
-            <a:avLst/>
-          </a:prstGeom>
-        </p:spPr>
-      </p:pic>
-    </p:spTree>
-    <p:extLst>
-      <p:ext uri="{BB962C8B-B14F-4D97-AF65-F5344CB8AC3E}">
-        <p14:creationId xmlns:p14="http://schemas.microsoft.com/office/powerpoint/2010/main" val="1905760650"/>
-      </p:ext>
-    </p:extLst>
-  </p:cSld>
-  <p:clrMapOvr>
-    <a:masterClrMapping/>
-  </p:clrMapOvr>
-  <p:transition spd="slow">
-    <p:wipe/>
-  </p:transition>
-</p:sld>
-</file>
-
-<file path=ppt/slides/slide15.xml><?xml version="1.0" encoding="utf-8"?>
-<p:sld xmlns:a="http://schemas.openxmlformats.org/drawingml/2006/main" xmlns:r="http://schemas.openxmlformats.org/officeDocument/2006/relationships" xmlns:p="http://schemas.openxmlformats.org/presentationml/2006/main">
-  <p:cSld>
-    <p:spTree>
-      <p:nvGrpSpPr>
-        <p:cNvPr id="1" name=""/>
-        <p:cNvGrpSpPr/>
-        <p:nvPr/>
-      </p:nvGrpSpPr>
-      <p:grpSpPr>
-        <a:xfrm>
-          <a:off x="0" y="0"/>
-          <a:ext cx="0" cy="0"/>
-          <a:chOff x="0" y="0"/>
-          <a:chExt cx="0" cy="0"/>
-        </a:xfrm>
-      </p:grpSpPr>
-      <p:sp>
-        <p:nvSpPr>
-          <p:cNvPr id="2" name="Titre 1">
-            <a:extLst>
-              <a:ext uri="{FF2B5EF4-FFF2-40B4-BE49-F238E27FC236}">
                 <a16:creationId xmlns:a16="http://schemas.microsoft.com/office/drawing/2014/main" id="{84F18207-C1CE-4B1B-A3BA-670067986130}"/>
               </a:ext>
             </a:extLst>
@@ -11886,8 +12173,8 @@
           </a:p>
         </p:txBody>
       </p:sp>
-      <mc:AlternateContent xmlns:mc="http://schemas.openxmlformats.org/markup-compatibility/2006">
-        <mc:Choice xmlns:a14="http://schemas.microsoft.com/office/drawing/2010/main" Requires="a14">
+      <mc:AlternateContent xmlns:mc="http://schemas.openxmlformats.org/markup-compatibility/2006" xmlns:a14="http://schemas.microsoft.com/office/drawing/2010/main">
+        <mc:Choice Requires="a14">
           <p:sp>
             <p:nvSpPr>
               <p:cNvPr id="4" name="Espace réservé du contenu 3">
@@ -12067,7 +12354,7 @@
             </p:txBody>
           </p:sp>
         </mc:Choice>
-        <mc:Fallback>
+        <mc:Fallback xmlns="">
           <p:sp>
             <p:nvSpPr>
               <p:cNvPr id="4" name="Espace réservé du contenu 3">
@@ -12307,7 +12594,7 @@
 </p:sld>
 </file>
 
-<file path=ppt/slides/slide16.xml><?xml version="1.0" encoding="utf-8"?>
+<file path=ppt/slides/slide15.xml><?xml version="1.0" encoding="utf-8"?>
 <p:sld xmlns:a="http://schemas.openxmlformats.org/drawingml/2006/main" xmlns:r="http://schemas.openxmlformats.org/officeDocument/2006/relationships" xmlns:p="http://schemas.openxmlformats.org/presentationml/2006/main">
   <p:cSld>
     <p:spTree>
@@ -12420,6 +12707,634 @@
   <p:clrMapOvr>
     <a:masterClrMapping/>
   </p:clrMapOvr>
+  <p:timing>
+    <p:tnLst>
+      <p:par>
+        <p:cTn id="1" dur="indefinite" restart="never" nodeType="tmRoot">
+          <p:childTnLst>
+            <p:seq concurrent="1" nextAc="seek">
+              <p:cTn id="2" dur="indefinite" nodeType="mainSeq">
+                <p:childTnLst>
+                  <p:par>
+                    <p:cTn id="3" fill="hold">
+                      <p:stCondLst>
+                        <p:cond delay="indefinite"/>
+                      </p:stCondLst>
+                      <p:childTnLst>
+                        <p:par>
+                          <p:cTn id="4" fill="hold">
+                            <p:stCondLst>
+                              <p:cond delay="0"/>
+                            </p:stCondLst>
+                            <p:childTnLst>
+                              <p:par>
+                                <p:cTn id="5" presetID="1" presetClass="entr" presetSubtype="0" fill="hold" nodeType="clickEffect">
+                                  <p:stCondLst>
+                                    <p:cond delay="0"/>
+                                  </p:stCondLst>
+                                  <p:childTnLst>
+                                    <p:set>
+                                      <p:cBhvr>
+                                        <p:cTn id="6" dur="1" fill="hold">
+                                          <p:stCondLst>
+                                            <p:cond delay="0"/>
+                                          </p:stCondLst>
+                                        </p:cTn>
+                                        <p:tgtEl>
+                                          <p:spTgt spid="8"/>
+                                        </p:tgtEl>
+                                        <p:attrNameLst>
+                                          <p:attrName>style.visibility</p:attrName>
+                                        </p:attrNameLst>
+                                      </p:cBhvr>
+                                      <p:to>
+                                        <p:strVal val="visible"/>
+                                      </p:to>
+                                    </p:set>
+                                  </p:childTnLst>
+                                </p:cTn>
+                              </p:par>
+                            </p:childTnLst>
+                          </p:cTn>
+                        </p:par>
+                      </p:childTnLst>
+                    </p:cTn>
+                  </p:par>
+                  <p:par>
+                    <p:cTn id="7" fill="hold">
+                      <p:stCondLst>
+                        <p:cond delay="indefinite"/>
+                      </p:stCondLst>
+                      <p:childTnLst>
+                        <p:par>
+                          <p:cTn id="8" fill="hold">
+                            <p:stCondLst>
+                              <p:cond delay="0"/>
+                            </p:stCondLst>
+                            <p:childTnLst>
+                              <p:par>
+                                <p:cTn id="9" presetID="1" presetClass="entr" presetSubtype="0" fill="hold" nodeType="clickEffect">
+                                  <p:stCondLst>
+                                    <p:cond delay="0"/>
+                                  </p:stCondLst>
+                                  <p:childTnLst>
+                                    <p:set>
+                                      <p:cBhvr>
+                                        <p:cTn id="10" dur="1" fill="hold">
+                                          <p:stCondLst>
+                                            <p:cond delay="0"/>
+                                          </p:stCondLst>
+                                        </p:cTn>
+                                        <p:tgtEl>
+                                          <p:spTgt spid="10"/>
+                                        </p:tgtEl>
+                                        <p:attrNameLst>
+                                          <p:attrName>style.visibility</p:attrName>
+                                        </p:attrNameLst>
+                                      </p:cBhvr>
+                                      <p:to>
+                                        <p:strVal val="visible"/>
+                                      </p:to>
+                                    </p:set>
+                                  </p:childTnLst>
+                                </p:cTn>
+                              </p:par>
+                            </p:childTnLst>
+                          </p:cTn>
+                        </p:par>
+                      </p:childTnLst>
+                    </p:cTn>
+                  </p:par>
+                </p:childTnLst>
+              </p:cTn>
+              <p:prevCondLst>
+                <p:cond evt="onPrev" delay="0">
+                  <p:tgtEl>
+                    <p:sldTgt/>
+                  </p:tgtEl>
+                </p:cond>
+              </p:prevCondLst>
+              <p:nextCondLst>
+                <p:cond evt="onNext" delay="0">
+                  <p:tgtEl>
+                    <p:sldTgt/>
+                  </p:tgtEl>
+                </p:cond>
+              </p:nextCondLst>
+            </p:seq>
+          </p:childTnLst>
+        </p:cTn>
+      </p:par>
+    </p:tnLst>
+  </p:timing>
+</p:sld>
+</file>
+
+<file path=ppt/slides/slide16.xml><?xml version="1.0" encoding="utf-8"?>
+<p:sld xmlns:a="http://schemas.openxmlformats.org/drawingml/2006/main" xmlns:r="http://schemas.openxmlformats.org/officeDocument/2006/relationships" xmlns:p="http://schemas.openxmlformats.org/presentationml/2006/main">
+  <p:cSld>
+    <p:spTree>
+      <p:nvGrpSpPr>
+        <p:cNvPr id="1" name=""/>
+        <p:cNvGrpSpPr/>
+        <p:nvPr/>
+      </p:nvGrpSpPr>
+      <p:grpSpPr>
+        <a:xfrm>
+          <a:off x="0" y="0"/>
+          <a:ext cx="0" cy="0"/>
+          <a:chOff x="0" y="0"/>
+          <a:chExt cx="0" cy="0"/>
+        </a:xfrm>
+      </p:grpSpPr>
+      <p:sp>
+        <p:nvSpPr>
+          <p:cNvPr id="2" name="Titre 1">
+            <a:extLst>
+              <a:ext uri="{FF2B5EF4-FFF2-40B4-BE49-F238E27FC236}">
+                <a16:creationId xmlns:a16="http://schemas.microsoft.com/office/drawing/2014/main" id="{1F242A4F-3AAF-D248-A206-04FB54D0C754}"/>
+              </a:ext>
+            </a:extLst>
+          </p:cNvPr>
+          <p:cNvSpPr>
+            <a:spLocks noGrp="1"/>
+          </p:cNvSpPr>
+          <p:nvPr>
+            <p:ph type="title"/>
+          </p:nvPr>
+        </p:nvSpPr>
+        <p:spPr/>
+        <p:txBody>
+          <a:bodyPr/>
+          <a:lstStyle/>
+          <a:p>
+            <a:r>
+              <a:rPr lang="fr-FR" dirty="0"/>
+              <a:t>Conclusion</a:t>
+            </a:r>
+          </a:p>
+        </p:txBody>
+      </p:sp>
+      <p:sp>
+        <p:nvSpPr>
+          <p:cNvPr id="3" name="Espace réservé du contenu 2">
+            <a:extLst>
+              <a:ext uri="{FF2B5EF4-FFF2-40B4-BE49-F238E27FC236}">
+                <a16:creationId xmlns:a16="http://schemas.microsoft.com/office/drawing/2014/main" id="{54289DF7-57D7-724C-9FA5-CBEFCA9AD675}"/>
+              </a:ext>
+            </a:extLst>
+          </p:cNvPr>
+          <p:cNvSpPr>
+            <a:spLocks noGrp="1"/>
+          </p:cNvSpPr>
+          <p:nvPr>
+            <p:ph idx="1"/>
+          </p:nvPr>
+        </p:nvSpPr>
+        <p:spPr>
+          <a:xfrm>
+            <a:off x="1295402" y="2556932"/>
+            <a:ext cx="9601196" cy="3318936"/>
+          </a:xfrm>
+        </p:spPr>
+        <p:txBody>
+          <a:bodyPr>
+            <a:normAutofit fontScale="92500"/>
+          </a:bodyPr>
+          <a:lstStyle/>
+          <a:p>
+            <a:r>
+              <a:rPr lang="fr-FR" dirty="0"/>
+              <a:t>Simulations cohérentes </a:t>
+            </a:r>
+            <a:r>
+              <a:rPr lang="fr-FR" dirty="0">
+                <a:sym typeface="Wingdings" pitchFamily="2" charset="2"/>
+              </a:rPr>
+              <a:t> Mise en place d’un banc de mesure pour confirmer cela</a:t>
+            </a:r>
+            <a:endParaRPr lang="fr-FR" dirty="0"/>
+          </a:p>
+          <a:p>
+            <a:endParaRPr lang="fr-FR" dirty="0"/>
+          </a:p>
+          <a:p>
+            <a:r>
+              <a:rPr lang="fr-FR" dirty="0"/>
+              <a:t>Découverte d’outils et de notions utiles à la 3A, mais aussi en tant qu’ingénieur</a:t>
+            </a:r>
+          </a:p>
+          <a:p>
+            <a:endParaRPr lang="fr-FR" dirty="0"/>
+          </a:p>
+          <a:p>
+            <a:r>
+              <a:rPr lang="fr-FR" dirty="0"/>
+              <a:t>Prise de recul sur les acquis, mise en exergue des lacunes </a:t>
+            </a:r>
+            <a:r>
+              <a:rPr lang="fr-FR" dirty="0">
+                <a:sym typeface="Wingdings" pitchFamily="2" charset="2"/>
+              </a:rPr>
+              <a:t> Préparation pour l’avenir</a:t>
+            </a:r>
+            <a:endParaRPr lang="fr-FR" dirty="0"/>
+          </a:p>
+        </p:txBody>
+      </p:sp>
+    </p:spTree>
+    <p:extLst>
+      <p:ext uri="{BB962C8B-B14F-4D97-AF65-F5344CB8AC3E}">
+        <p14:creationId xmlns:p14="http://schemas.microsoft.com/office/powerpoint/2010/main" val="1475272333"/>
+      </p:ext>
+    </p:extLst>
+  </p:cSld>
+  <p:clrMapOvr>
+    <a:masterClrMapping/>
+  </p:clrMapOvr>
+  <p:timing>
+    <p:tnLst>
+      <p:par>
+        <p:cTn id="1" dur="indefinite" restart="never" nodeType="tmRoot">
+          <p:childTnLst>
+            <p:seq concurrent="1" nextAc="seek">
+              <p:cTn id="2" dur="indefinite" nodeType="mainSeq">
+                <p:childTnLst>
+                  <p:par>
+                    <p:cTn id="3" fill="hold">
+                      <p:stCondLst>
+                        <p:cond delay="indefinite"/>
+                      </p:stCondLst>
+                      <p:childTnLst>
+                        <p:par>
+                          <p:cTn id="4" fill="hold">
+                            <p:stCondLst>
+                              <p:cond delay="0"/>
+                            </p:stCondLst>
+                            <p:childTnLst>
+                              <p:par>
+                                <p:cTn id="5" presetID="1" presetClass="entr" presetSubtype="0" fill="hold" grpId="0" nodeType="clickEffect">
+                                  <p:stCondLst>
+                                    <p:cond delay="0"/>
+                                  </p:stCondLst>
+                                  <p:childTnLst>
+                                    <p:set>
+                                      <p:cBhvr>
+                                        <p:cTn id="6" dur="1" fill="hold">
+                                          <p:stCondLst>
+                                            <p:cond delay="0"/>
+                                          </p:stCondLst>
+                                        </p:cTn>
+                                        <p:tgtEl>
+                                          <p:spTgt spid="3">
+                                            <p:txEl>
+                                              <p:pRg st="0" end="0"/>
+                                            </p:txEl>
+                                          </p:spTgt>
+                                        </p:tgtEl>
+                                        <p:attrNameLst>
+                                          <p:attrName>style.visibility</p:attrName>
+                                        </p:attrNameLst>
+                                      </p:cBhvr>
+                                      <p:to>
+                                        <p:strVal val="visible"/>
+                                      </p:to>
+                                    </p:set>
+                                  </p:childTnLst>
+                                </p:cTn>
+                              </p:par>
+                            </p:childTnLst>
+                          </p:cTn>
+                        </p:par>
+                      </p:childTnLst>
+                    </p:cTn>
+                  </p:par>
+                  <p:par>
+                    <p:cTn id="7" fill="hold">
+                      <p:stCondLst>
+                        <p:cond delay="indefinite"/>
+                      </p:stCondLst>
+                      <p:childTnLst>
+                        <p:par>
+                          <p:cTn id="8" fill="hold">
+                            <p:stCondLst>
+                              <p:cond delay="0"/>
+                            </p:stCondLst>
+                            <p:childTnLst>
+                              <p:par>
+                                <p:cTn id="9" presetID="1" presetClass="entr" presetSubtype="0" fill="hold" grpId="0" nodeType="clickEffect">
+                                  <p:stCondLst>
+                                    <p:cond delay="0"/>
+                                  </p:stCondLst>
+                                  <p:childTnLst>
+                                    <p:set>
+                                      <p:cBhvr>
+                                        <p:cTn id="10" dur="1" fill="hold">
+                                          <p:stCondLst>
+                                            <p:cond delay="0"/>
+                                          </p:stCondLst>
+                                        </p:cTn>
+                                        <p:tgtEl>
+                                          <p:spTgt spid="3">
+                                            <p:txEl>
+                                              <p:pRg st="2" end="2"/>
+                                            </p:txEl>
+                                          </p:spTgt>
+                                        </p:tgtEl>
+                                        <p:attrNameLst>
+                                          <p:attrName>style.visibility</p:attrName>
+                                        </p:attrNameLst>
+                                      </p:cBhvr>
+                                      <p:to>
+                                        <p:strVal val="visible"/>
+                                      </p:to>
+                                    </p:set>
+                                  </p:childTnLst>
+                                </p:cTn>
+                              </p:par>
+                            </p:childTnLst>
+                          </p:cTn>
+                        </p:par>
+                      </p:childTnLst>
+                    </p:cTn>
+                  </p:par>
+                  <p:par>
+                    <p:cTn id="11" fill="hold">
+                      <p:stCondLst>
+                        <p:cond delay="indefinite"/>
+                      </p:stCondLst>
+                      <p:childTnLst>
+                        <p:par>
+                          <p:cTn id="12" fill="hold">
+                            <p:stCondLst>
+                              <p:cond delay="0"/>
+                            </p:stCondLst>
+                            <p:childTnLst>
+                              <p:par>
+                                <p:cTn id="13" presetID="1" presetClass="entr" presetSubtype="0" fill="hold" grpId="0" nodeType="clickEffect">
+                                  <p:stCondLst>
+                                    <p:cond delay="0"/>
+                                  </p:stCondLst>
+                                  <p:childTnLst>
+                                    <p:set>
+                                      <p:cBhvr>
+                                        <p:cTn id="14" dur="1" fill="hold">
+                                          <p:stCondLst>
+                                            <p:cond delay="0"/>
+                                          </p:stCondLst>
+                                        </p:cTn>
+                                        <p:tgtEl>
+                                          <p:spTgt spid="3">
+                                            <p:txEl>
+                                              <p:pRg st="4" end="4"/>
+                                            </p:txEl>
+                                          </p:spTgt>
+                                        </p:tgtEl>
+                                        <p:attrNameLst>
+                                          <p:attrName>style.visibility</p:attrName>
+                                        </p:attrNameLst>
+                                      </p:cBhvr>
+                                      <p:to>
+                                        <p:strVal val="visible"/>
+                                      </p:to>
+                                    </p:set>
+                                  </p:childTnLst>
+                                </p:cTn>
+                              </p:par>
+                            </p:childTnLst>
+                          </p:cTn>
+                        </p:par>
+                      </p:childTnLst>
+                    </p:cTn>
+                  </p:par>
+                </p:childTnLst>
+              </p:cTn>
+              <p:prevCondLst>
+                <p:cond evt="onPrev" delay="0">
+                  <p:tgtEl>
+                    <p:sldTgt/>
+                  </p:tgtEl>
+                </p:cond>
+              </p:prevCondLst>
+              <p:nextCondLst>
+                <p:cond evt="onNext" delay="0">
+                  <p:tgtEl>
+                    <p:sldTgt/>
+                  </p:tgtEl>
+                </p:cond>
+              </p:nextCondLst>
+            </p:seq>
+          </p:childTnLst>
+        </p:cTn>
+      </p:par>
+    </p:tnLst>
+    <p:bldLst>
+      <p:bldP spid="3" grpId="0" build="p"/>
+    </p:bldLst>
+  </p:timing>
+</p:sld>
+</file>
+
+<file path=ppt/slides/slide17.xml><?xml version="1.0" encoding="utf-8"?>
+<p:sld xmlns:a="http://schemas.openxmlformats.org/drawingml/2006/main" xmlns:r="http://schemas.openxmlformats.org/officeDocument/2006/relationships" xmlns:p="http://schemas.openxmlformats.org/presentationml/2006/main">
+  <p:cSld>
+    <p:spTree>
+      <p:nvGrpSpPr>
+        <p:cNvPr id="1" name=""/>
+        <p:cNvGrpSpPr/>
+        <p:nvPr/>
+      </p:nvGrpSpPr>
+      <p:grpSpPr>
+        <a:xfrm>
+          <a:off x="0" y="0"/>
+          <a:ext cx="0" cy="0"/>
+          <a:chOff x="0" y="0"/>
+          <a:chExt cx="0" cy="0"/>
+        </a:xfrm>
+      </p:grpSpPr>
+      <p:sp>
+        <p:nvSpPr>
+          <p:cNvPr id="3" name="Rectangle 2">
+            <a:extLst>
+              <a:ext uri="{FF2B5EF4-FFF2-40B4-BE49-F238E27FC236}">
+                <a16:creationId xmlns:a16="http://schemas.microsoft.com/office/drawing/2014/main" id="{A7337D8D-36DC-6A47-9B4B-0690B432DCE5}"/>
+              </a:ext>
+            </a:extLst>
+          </p:cNvPr>
+          <p:cNvSpPr/>
+          <p:nvPr/>
+        </p:nvSpPr>
+        <p:spPr>
+          <a:xfrm>
+            <a:off x="2121833" y="2136338"/>
+            <a:ext cx="7948331" cy="2585323"/>
+          </a:xfrm>
+          <a:prstGeom prst="rect">
+            <a:avLst/>
+          </a:prstGeom>
+          <a:noFill/>
+        </p:spPr>
+        <p:txBody>
+          <a:bodyPr wrap="none" lIns="91440" tIns="45720" rIns="91440" bIns="45720">
+            <a:spAutoFit/>
+          </a:bodyPr>
+          <a:lstStyle/>
+          <a:p>
+            <a:pPr algn="ctr"/>
+            <a:r>
+              <a:rPr lang="fr-FR" sz="5400" b="1" cap="none" spc="0" dirty="0">
+                <a:ln/>
+                <a:pattFill prst="dkUpDiag">
+                  <a:fgClr>
+                    <a:schemeClr val="bg1">
+                      <a:lumMod val="50000"/>
+                    </a:schemeClr>
+                  </a:fgClr>
+                  <a:bgClr>
+                    <a:schemeClr val="tx1">
+                      <a:lumMod val="75000"/>
+                      <a:lumOff val="25000"/>
+                    </a:schemeClr>
+                  </a:bgClr>
+                </a:pattFill>
+                <a:effectLst>
+                  <a:outerShdw blurRad="38100" dist="19050" dir="2700000" algn="tl" rotWithShape="0">
+                    <a:schemeClr val="dk1">
+                      <a:lumMod val="50000"/>
+                      <a:alpha val="40000"/>
+                    </a:schemeClr>
+                  </a:outerShdw>
+                </a:effectLst>
+              </a:rPr>
+              <a:t>Merci </a:t>
+            </a:r>
+            <a:r>
+              <a:rPr lang="fr-FR" sz="5400" b="1" dirty="0">
+                <a:ln/>
+                <a:pattFill prst="dkUpDiag">
+                  <a:fgClr>
+                    <a:schemeClr val="bg1">
+                      <a:lumMod val="50000"/>
+                    </a:schemeClr>
+                  </a:fgClr>
+                  <a:bgClr>
+                    <a:schemeClr val="tx1">
+                      <a:lumMod val="75000"/>
+                      <a:lumOff val="25000"/>
+                    </a:schemeClr>
+                  </a:bgClr>
+                </a:pattFill>
+                <a:effectLst>
+                  <a:outerShdw blurRad="38100" dist="19050" dir="2700000" algn="tl" rotWithShape="0">
+                    <a:schemeClr val="dk1">
+                      <a:lumMod val="50000"/>
+                      <a:alpha val="40000"/>
+                    </a:schemeClr>
+                  </a:outerShdw>
+                </a:effectLst>
+                <a:sym typeface="Wingdings" pitchFamily="2" charset="2"/>
+              </a:rPr>
+              <a:t>de votre attention !</a:t>
+            </a:r>
+          </a:p>
+          <a:p>
+            <a:pPr algn="ctr"/>
+            <a:endParaRPr lang="fr-FR" sz="5400" b="1" cap="none" spc="0" dirty="0">
+              <a:ln/>
+              <a:pattFill prst="dkUpDiag">
+                <a:fgClr>
+                  <a:schemeClr val="bg1">
+                    <a:lumMod val="50000"/>
+                  </a:schemeClr>
+                </a:fgClr>
+                <a:bgClr>
+                  <a:schemeClr val="tx1">
+                    <a:lumMod val="75000"/>
+                    <a:lumOff val="25000"/>
+                  </a:schemeClr>
+                </a:bgClr>
+              </a:pattFill>
+              <a:effectLst>
+                <a:outerShdw blurRad="38100" dist="19050" dir="2700000" algn="tl" rotWithShape="0">
+                  <a:schemeClr val="dk1">
+                    <a:lumMod val="50000"/>
+                    <a:alpha val="40000"/>
+                  </a:schemeClr>
+                </a:outerShdw>
+              </a:effectLst>
+              <a:sym typeface="Wingdings" pitchFamily="2" charset="2"/>
+            </a:endParaRPr>
+          </a:p>
+          <a:p>
+            <a:pPr algn="ctr"/>
+            <a:r>
+              <a:rPr lang="fr-FR" sz="5400" b="1" dirty="0">
+                <a:ln/>
+                <a:pattFill prst="dkUpDiag">
+                  <a:fgClr>
+                    <a:schemeClr val="bg1">
+                      <a:lumMod val="50000"/>
+                    </a:schemeClr>
+                  </a:fgClr>
+                  <a:bgClr>
+                    <a:schemeClr val="tx1">
+                      <a:lumMod val="75000"/>
+                      <a:lumOff val="25000"/>
+                    </a:schemeClr>
+                  </a:bgClr>
+                </a:pattFill>
+                <a:effectLst>
+                  <a:outerShdw blurRad="38100" dist="19050" dir="2700000" algn="tl" rotWithShape="0">
+                    <a:schemeClr val="dk1">
+                      <a:lumMod val="50000"/>
+                      <a:alpha val="40000"/>
+                    </a:schemeClr>
+                  </a:outerShdw>
+                </a:effectLst>
+                <a:sym typeface="Wingdings" pitchFamily="2" charset="2"/>
+              </a:rPr>
+              <a:t>Avez-vous des questions ? </a:t>
+            </a:r>
+            <a:endParaRPr lang="fr-FR" sz="5400" b="1" cap="none" spc="0" dirty="0">
+              <a:ln/>
+              <a:pattFill prst="dkUpDiag">
+                <a:fgClr>
+                  <a:schemeClr val="bg1">
+                    <a:lumMod val="50000"/>
+                  </a:schemeClr>
+                </a:fgClr>
+                <a:bgClr>
+                  <a:schemeClr val="tx1">
+                    <a:lumMod val="75000"/>
+                    <a:lumOff val="25000"/>
+                  </a:schemeClr>
+                </a:bgClr>
+              </a:pattFill>
+              <a:effectLst>
+                <a:outerShdw blurRad="38100" dist="19050" dir="2700000" algn="tl" rotWithShape="0">
+                  <a:schemeClr val="dk1">
+                    <a:lumMod val="50000"/>
+                    <a:alpha val="40000"/>
+                  </a:schemeClr>
+                </a:outerShdw>
+              </a:effectLst>
+            </a:endParaRPr>
+          </a:p>
+        </p:txBody>
+      </p:sp>
+    </p:spTree>
+    <p:extLst>
+      <p:ext uri="{BB962C8B-B14F-4D97-AF65-F5344CB8AC3E}">
+        <p14:creationId xmlns:p14="http://schemas.microsoft.com/office/powerpoint/2010/main" val="3977657427"/>
+      </p:ext>
+    </p:extLst>
+  </p:cSld>
+  <p:clrMapOvr>
+    <a:masterClrMapping/>
+  </p:clrMapOvr>
+  <p:transition spd="slow">
+    <p:wipe/>
+  </p:transition>
 </p:sld>
 </file>
 
@@ -13754,6 +14669,9 @@
   <p:clrMapOvr>
     <a:masterClrMapping/>
   </p:clrMapOvr>
+  <p:transition spd="slow">
+    <p:wipe/>
+  </p:transition>
   <p:timing>
     <p:tnLst>
       <p:par>
